--- a/kotlin_for_data_science.pptx
+++ b/kotlin_for_data_science.pptx
@@ -2228,7 +2228,7 @@
           </a:ln>
           <a:extLst>
             <a:ext uri="{C572A759-6A51-4108-AA02-DFA0A04FC94B}">
-              <ma14:wrappingTextBoxFlag xmlns:ma14="http://schemas.microsoft.com/office/mac/drawingml/2011/main" xmlns="" val="1"/>
+              <ma14:wrappingTextBoxFlag xmlns="" xmlns:ma14="http://schemas.microsoft.com/office/mac/drawingml/2011/main" val="1"/>
             </a:ext>
           </a:extLst>
         </p:spPr>
@@ -3180,7 +3180,7 @@
           </a:ln>
           <a:extLst>
             <a:ext uri="{C572A759-6A51-4108-AA02-DFA0A04FC94B}">
-              <ma14:wrappingTextBoxFlag xmlns:ma14="http://schemas.microsoft.com/office/mac/drawingml/2011/main" xmlns="" val="1"/>
+              <ma14:wrappingTextBoxFlag xmlns="" xmlns:ma14="http://schemas.microsoft.com/office/mac/drawingml/2011/main" val="1"/>
             </a:ext>
           </a:extLst>
         </p:spPr>
@@ -3333,7 +3333,7 @@
           </a:ln>
           <a:extLst>
             <a:ext uri="{C572A759-6A51-4108-AA02-DFA0A04FC94B}">
-              <ma14:wrappingTextBoxFlag xmlns:ma14="http://schemas.microsoft.com/office/mac/drawingml/2011/main" xmlns="" val="1"/>
+              <ma14:wrappingTextBoxFlag xmlns="" xmlns:ma14="http://schemas.microsoft.com/office/mac/drawingml/2011/main" val="1"/>
             </a:ext>
           </a:extLst>
         </p:spPr>
@@ -3372,7 +3372,7 @@
           </a:ln>
           <a:extLst>
             <a:ext uri="{C572A759-6A51-4108-AA02-DFA0A04FC94B}">
-              <ma14:wrappingTextBoxFlag xmlns:ma14="http://schemas.microsoft.com/office/mac/drawingml/2011/main" xmlns="" val="1"/>
+              <ma14:wrappingTextBoxFlag xmlns="" xmlns:ma14="http://schemas.microsoft.com/office/mac/drawingml/2011/main" val="1"/>
             </a:ext>
           </a:extLst>
         </p:spPr>
@@ -4453,7 +4453,7 @@
           </a:ln>
           <a:extLst>
             <a:ext uri="{C572A759-6A51-4108-AA02-DFA0A04FC94B}">
-              <ma14:wrappingTextBoxFlag xmlns="" xmlns:ma14="http://schemas.microsoft.com/office/mac/drawingml/2011/main" val="1"/>
+              <ma14:wrappingTextBoxFlag xmlns:ma14="http://schemas.microsoft.com/office/mac/drawingml/2011/main" xmlns="" val="1"/>
             </a:ext>
           </a:extLst>
         </p:spPr>
@@ -4507,7 +4507,7 @@
           </a:ln>
           <a:extLst>
             <a:ext uri="{C572A759-6A51-4108-AA02-DFA0A04FC94B}">
-              <ma14:wrappingTextBoxFlag xmlns="" xmlns:ma14="http://schemas.microsoft.com/office/mac/drawingml/2011/main" val="1"/>
+              <ma14:wrappingTextBoxFlag xmlns:ma14="http://schemas.microsoft.com/office/mac/drawingml/2011/main" xmlns="" val="1"/>
             </a:ext>
           </a:extLst>
         </p:spPr>
@@ -4561,7 +4561,7 @@
           </a:ln>
           <a:extLst>
             <a:ext uri="{C572A759-6A51-4108-AA02-DFA0A04FC94B}">
-              <ma14:wrappingTextBoxFlag xmlns:mc="http://schemas.openxmlformats.org/markup-compatibility/2006" xmlns:a14="http://schemas.microsoft.com/office/drawing/2010/main" xmlns:ma14="http://schemas.microsoft.com/office/mac/drawingml/2011/main" xmlns="" val="1"/>
+              <ma14:wrappingTextBoxFlag xmlns="" xmlns:ma14="http://schemas.microsoft.com/office/mac/drawingml/2011/main" xmlns:a14="http://schemas.microsoft.com/office/drawing/2010/main" xmlns:mc="http://schemas.openxmlformats.org/markup-compatibility/2006" val="1"/>
             </a:ext>
           </a:extLst>
         </p:spPr>
@@ -4694,7 +4694,7 @@
             </a:pPr>
             <a:r>
               <a:rPr lang="en-US" sz="4400" dirty="0"/>
-              <a:t>Artificial intelligence framework that parses, interprets, and links legal documents.</a:t>
+              <a:t>AI that parses, interprets, and links legal documents.</a:t>
             </a:r>
           </a:p>
           <a:p>
@@ -4767,7 +4767,7 @@
           </a:ln>
           <a:extLst>
             <a:ext uri="{C572A759-6A51-4108-AA02-DFA0A04FC94B}">
-              <ma14:wrappingTextBoxFlag xmlns:ma14="http://schemas.microsoft.com/office/mac/drawingml/2011/main" xmlns="" val="1"/>
+              <ma14:wrappingTextBoxFlag xmlns="" xmlns:ma14="http://schemas.microsoft.com/office/mac/drawingml/2011/main" val="1"/>
             </a:ext>
           </a:extLst>
         </p:spPr>
@@ -5071,7 +5071,7 @@
           </a:ln>
           <a:extLst>
             <a:ext uri="{C572A759-6A51-4108-AA02-DFA0A04FC94B}">
-              <ma14:wrappingTextBoxFlag xmlns="" xmlns:ma14="http://schemas.microsoft.com/office/mac/drawingml/2011/main" val="1"/>
+              <ma14:wrappingTextBoxFlag xmlns:ma14="http://schemas.microsoft.com/office/mac/drawingml/2011/main" xmlns="" val="1"/>
             </a:ext>
           </a:extLst>
         </p:spPr>
@@ -5098,7 +5098,7 @@
           <a:p>
             <a:r>
               <a:rPr lang="en-US" dirty="0"/>
-              <a:t>Concoction of Math and Code</a:t>
+              <a:t>Cocktail of Math and Code</a:t>
             </a:r>
             <a:endParaRPr dirty="0"/>
           </a:p>
@@ -5635,7 +5635,7 @@
           </a:ln>
           <a:extLst>
             <a:ext uri="{C572A759-6A51-4108-AA02-DFA0A04FC94B}">
-              <ma14:wrappingTextBoxFlag xmlns:mc="http://schemas.openxmlformats.org/markup-compatibility/2006" xmlns:a14="http://schemas.microsoft.com/office/drawing/2010/main" xmlns:ma14="http://schemas.microsoft.com/office/mac/drawingml/2011/main" xmlns="" val="1"/>
+              <ma14:wrappingTextBoxFlag xmlns="" xmlns:ma14="http://schemas.microsoft.com/office/mac/drawingml/2011/main" xmlns:a14="http://schemas.microsoft.com/office/drawing/2010/main" xmlns:mc="http://schemas.openxmlformats.org/markup-compatibility/2006" val="1"/>
             </a:ext>
           </a:extLst>
         </p:spPr>
@@ -5825,7 +5825,7 @@
           </a:ln>
           <a:extLst>
             <a:ext uri="{C572A759-6A51-4108-AA02-DFA0A04FC94B}">
-              <ma14:wrappingTextBoxFlag xmlns="" xmlns:ma14="http://schemas.microsoft.com/office/mac/drawingml/2011/main" val="1"/>
+              <ma14:wrappingTextBoxFlag xmlns:ma14="http://schemas.microsoft.com/office/mac/drawingml/2011/main" xmlns="" val="1"/>
             </a:ext>
           </a:extLst>
         </p:spPr>
@@ -5895,7 +5895,7 @@
           </a:ln>
           <a:extLst>
             <a:ext uri="{C572A759-6A51-4108-AA02-DFA0A04FC94B}">
-              <ma14:wrappingTextBoxFlag xmlns="" xmlns:ma14="http://schemas.microsoft.com/office/mac/drawingml/2011/main" val="1"/>
+              <ma14:wrappingTextBoxFlag xmlns:ma14="http://schemas.microsoft.com/office/mac/drawingml/2011/main" xmlns="" val="1"/>
             </a:ext>
           </a:extLst>
         </p:spPr>
@@ -6210,7 +6210,7 @@
           </a:ln>
           <a:extLst>
             <a:ext uri="{C572A759-6A51-4108-AA02-DFA0A04FC94B}">
-              <ma14:wrappingTextBoxFlag xmlns:ma14="http://schemas.microsoft.com/office/mac/drawingml/2011/main" xmlns="" xmlns:a14="http://schemas.microsoft.com/office/drawing/2010/main" xmlns:mc="http://schemas.openxmlformats.org/markup-compatibility/2006" val="1"/>
+              <ma14:wrappingTextBoxFlag xmlns:mc="http://schemas.openxmlformats.org/markup-compatibility/2006" xmlns:a14="http://schemas.microsoft.com/office/drawing/2010/main" xmlns="" xmlns:ma14="http://schemas.microsoft.com/office/mac/drawingml/2011/main" val="1"/>
             </a:ext>
           </a:extLst>
         </p:spPr>
@@ -6394,7 +6394,7 @@
             </a:pPr>
             <a:r>
               <a:rPr lang="en-US" sz="4400" dirty="0"/>
-              <a:t>The production code also needs to be architected for scalability, code reuse, and testing. </a:t>
+              <a:t>The production code also needs to be architected for scalability, refactorability, code reuse, and testing. </a:t>
             </a:r>
           </a:p>
           <a:p>
@@ -6547,7 +6547,7 @@
           </a:ln>
           <a:extLst>
             <a:ext uri="{C572A759-6A51-4108-AA02-DFA0A04FC94B}">
-              <ma14:wrappingTextBoxFlag xmlns="" xmlns:ma14="http://schemas.microsoft.com/office/mac/drawingml/2011/main" val="1"/>
+              <ma14:wrappingTextBoxFlag xmlns:ma14="http://schemas.microsoft.com/office/mac/drawingml/2011/main" xmlns="" val="1"/>
             </a:ext>
           </a:extLst>
         </p:spPr>
@@ -6617,7 +6617,7 @@
           </a:ln>
           <a:extLst>
             <a:ext uri="{C572A759-6A51-4108-AA02-DFA0A04FC94B}">
-              <ma14:wrappingTextBoxFlag xmlns="" xmlns:ma14="http://schemas.microsoft.com/office/mac/drawingml/2011/main" val="1"/>
+              <ma14:wrappingTextBoxFlag xmlns:ma14="http://schemas.microsoft.com/office/mac/drawingml/2011/main" xmlns="" val="1"/>
             </a:ext>
           </a:extLst>
         </p:spPr>
@@ -8109,7 +8109,7 @@
           </a:ln>
           <a:extLst>
             <a:ext uri="{C572A759-6A51-4108-AA02-DFA0A04FC94B}">
-              <ma14:wrappingTextBoxFlag xmlns:ma14="http://schemas.microsoft.com/office/mac/drawingml/2011/main" xmlns="" val="1"/>
+              <ma14:wrappingTextBoxFlag xmlns="" xmlns:ma14="http://schemas.microsoft.com/office/mac/drawingml/2011/main" val="1"/>
             </a:ext>
           </a:extLst>
         </p:spPr>
@@ -8543,7 +8543,7 @@
           </a:ln>
           <a:extLst>
             <a:ext uri="{C572A759-6A51-4108-AA02-DFA0A04FC94B}">
-              <ma14:wrappingTextBoxFlag xmlns="" xmlns:ma14="http://schemas.microsoft.com/office/mac/drawingml/2011/main" val="1"/>
+              <ma14:wrappingTextBoxFlag xmlns:ma14="http://schemas.microsoft.com/office/mac/drawingml/2011/main" xmlns="" val="1"/>
             </a:ext>
           </a:extLst>
         </p:spPr>
@@ -8815,7 +8815,7 @@
           </a:ln>
           <a:extLst>
             <a:ext uri="{C572A759-6A51-4108-AA02-DFA0A04FC94B}">
-              <ma14:wrappingTextBoxFlag xmlns="" xmlns:ma14="http://schemas.microsoft.com/office/mac/drawingml/2011/main" val="1"/>
+              <ma14:wrappingTextBoxFlag xmlns:ma14="http://schemas.microsoft.com/office/mac/drawingml/2011/main" xmlns="" val="1"/>
             </a:ext>
           </a:extLst>
         </p:spPr>
@@ -9355,7 +9355,7 @@
           </a:ln>
           <a:extLst>
             <a:ext uri="{C572A759-6A51-4108-AA02-DFA0A04FC94B}">
-              <ma14:wrappingTextBoxFlag xmlns:ma14="http://schemas.microsoft.com/office/mac/drawingml/2011/main" xmlns="" val="1"/>
+              <ma14:wrappingTextBoxFlag xmlns="" xmlns:ma14="http://schemas.microsoft.com/office/mac/drawingml/2011/main" val="1"/>
             </a:ext>
           </a:extLst>
         </p:spPr>
@@ -9776,7 +9776,7 @@
           </a:ln>
           <a:extLst>
             <a:ext uri="{C572A759-6A51-4108-AA02-DFA0A04FC94B}">
-              <ma14:wrappingTextBoxFlag xmlns="" xmlns:ma14="http://schemas.microsoft.com/office/mac/drawingml/2011/main" val="1"/>
+              <ma14:wrappingTextBoxFlag xmlns:ma14="http://schemas.microsoft.com/office/mac/drawingml/2011/main" xmlns="" val="1"/>
             </a:ext>
           </a:extLst>
         </p:spPr>
@@ -10275,7 +10275,7 @@
           </a:ln>
           <a:extLst>
             <a:ext uri="{C572A759-6A51-4108-AA02-DFA0A04FC94B}">
-              <ma14:wrappingTextBoxFlag xmlns="" xmlns:ma14="http://schemas.microsoft.com/office/mac/drawingml/2011/main" val="1"/>
+              <ma14:wrappingTextBoxFlag xmlns:ma14="http://schemas.microsoft.com/office/mac/drawingml/2011/main" xmlns="" val="1"/>
             </a:ext>
           </a:extLst>
         </p:spPr>
@@ -10415,7 +10415,7 @@
           </a:ln>
           <a:extLst>
             <a:ext uri="{C572A759-6A51-4108-AA02-DFA0A04FC94B}">
-              <ma14:wrappingTextBoxFlag xmlns="" xmlns:ma14="http://schemas.microsoft.com/office/mac/drawingml/2011/main" val="1"/>
+              <ma14:wrappingTextBoxFlag xmlns:ma14="http://schemas.microsoft.com/office/mac/drawingml/2011/main" xmlns="" val="1"/>
             </a:ext>
           </a:extLst>
         </p:spPr>
@@ -10473,7 +10473,7 @@
           </a:ln>
           <a:extLst>
             <a:ext uri="{C572A759-6A51-4108-AA02-DFA0A04FC94B}">
-              <ma14:wrappingTextBoxFlag xmlns="" xmlns:ma14="http://schemas.microsoft.com/office/mac/drawingml/2011/main" val="1"/>
+              <ma14:wrappingTextBoxFlag xmlns:ma14="http://schemas.microsoft.com/office/mac/drawingml/2011/main" xmlns="" val="1"/>
             </a:ext>
           </a:extLst>
         </p:spPr>
@@ -10866,7 +10866,7 @@
           </a:ln>
           <a:extLst>
             <a:ext uri="{C572A759-6A51-4108-AA02-DFA0A04FC94B}">
-              <ma14:wrappingTextBoxFlag xmlns:ma14="http://schemas.microsoft.com/office/mac/drawingml/2011/main" xmlns="" val="1"/>
+              <ma14:wrappingTextBoxFlag xmlns="" xmlns:ma14="http://schemas.microsoft.com/office/mac/drawingml/2011/main" val="1"/>
             </a:ext>
           </a:extLst>
         </p:spPr>
@@ -10994,7 +10994,7 @@
           </a:ln>
           <a:extLst>
             <a:ext uri="{C572A759-6A51-4108-AA02-DFA0A04FC94B}">
-              <ma14:wrappingTextBoxFlag xmlns="" xmlns:ma14="http://schemas.microsoft.com/office/mac/drawingml/2011/main" val="1"/>
+              <ma14:wrappingTextBoxFlag xmlns:ma14="http://schemas.microsoft.com/office/mac/drawingml/2011/main" xmlns="" val="1"/>
             </a:ext>
           </a:extLst>
         </p:spPr>
@@ -11273,7 +11273,7 @@
           </a:ln>
           <a:extLst>
             <a:ext uri="{C572A759-6A51-4108-AA02-DFA0A04FC94B}">
-              <ma14:wrappingTextBoxFlag xmlns:ma14="http://schemas.microsoft.com/office/mac/drawingml/2011/main" xmlns="" val="1"/>
+              <ma14:wrappingTextBoxFlag xmlns="" xmlns:ma14="http://schemas.microsoft.com/office/mac/drawingml/2011/main" val="1"/>
             </a:ext>
           </a:extLst>
         </p:spPr>
@@ -11478,7 +11478,7 @@
           </a:ln>
           <a:extLst>
             <a:ext uri="{C572A759-6A51-4108-AA02-DFA0A04FC94B}">
-              <ma14:wrappingTextBoxFlag xmlns:ma14="http://schemas.microsoft.com/office/mac/drawingml/2011/main" xmlns="" val="1"/>
+              <ma14:wrappingTextBoxFlag xmlns="" xmlns:ma14="http://schemas.microsoft.com/office/mac/drawingml/2011/main" val="1"/>
             </a:ext>
           </a:extLst>
         </p:spPr>
@@ -11782,7 +11782,7 @@
           </a:ln>
           <a:extLst>
             <a:ext uri="{C572A759-6A51-4108-AA02-DFA0A04FC94B}">
-              <ma14:wrappingTextBoxFlag xmlns="" xmlns:ma14="http://schemas.microsoft.com/office/mac/drawingml/2011/main" val="1"/>
+              <ma14:wrappingTextBoxFlag xmlns:ma14="http://schemas.microsoft.com/office/mac/drawingml/2011/main" xmlns="" val="1"/>
             </a:ext>
           </a:extLst>
         </p:spPr>
@@ -12216,7 +12216,7 @@
           </a:ln>
           <a:extLst>
             <a:ext uri="{C572A759-6A51-4108-AA02-DFA0A04FC94B}">
-              <ma14:wrappingTextBoxFlag xmlns:ma14="http://schemas.microsoft.com/office/mac/drawingml/2011/main" xmlns="" val="1"/>
+              <ma14:wrappingTextBoxFlag xmlns="" xmlns:ma14="http://schemas.microsoft.com/office/mac/drawingml/2011/main" val="1"/>
             </a:ext>
           </a:extLst>
         </p:spPr>
@@ -12297,7 +12297,7 @@
             </a:pPr>
             <a:r>
               <a:rPr lang="en-US" sz="4400" dirty="0"/>
-              <a:t>Despite large corporate demand for Scala talent, supply may be growing scarce. </a:t>
+              <a:t>Despite large corporate demand for Scala talent, supply may be increasingly scarce. </a:t>
             </a:r>
           </a:p>
           <a:p>
@@ -12371,7 +12371,7 @@
           </a:ln>
           <a:extLst>
             <a:ext uri="{C572A759-6A51-4108-AA02-DFA0A04FC94B}">
-              <ma14:wrappingTextBoxFlag xmlns:ma14="http://schemas.microsoft.com/office/mac/drawingml/2011/main" xmlns="" val="1"/>
+              <ma14:wrappingTextBoxFlag xmlns="" xmlns:ma14="http://schemas.microsoft.com/office/mac/drawingml/2011/main" val="1"/>
             </a:ext>
           </a:extLst>
         </p:spPr>
@@ -12675,7 +12675,7 @@
           </a:ln>
           <a:extLst>
             <a:ext uri="{C572A759-6A51-4108-AA02-DFA0A04FC94B}">
-              <ma14:wrappingTextBoxFlag xmlns="" xmlns:ma14="http://schemas.microsoft.com/office/mac/drawingml/2011/main" val="1"/>
+              <ma14:wrappingTextBoxFlag xmlns:ma14="http://schemas.microsoft.com/office/mac/drawingml/2011/main" xmlns="" val="1"/>
             </a:ext>
           </a:extLst>
         </p:spPr>
@@ -12702,7 +12702,7 @@
           <a:p>
             <a:r>
               <a:rPr lang="en-US" dirty="0"/>
-              <a:t>Pragmatic vs Grandiose</a:t>
+              <a:t>Pragmatism vs Features</a:t>
             </a:r>
             <a:endParaRPr dirty="0"/>
           </a:p>
@@ -12985,7 +12985,7 @@
           </a:ln>
           <a:extLst>
             <a:ext uri="{C572A759-6A51-4108-AA02-DFA0A04FC94B}">
-              <ma14:wrappingTextBoxFlag xmlns:ma14="http://schemas.microsoft.com/office/mac/drawingml/2011/main" xmlns="" val="1"/>
+              <ma14:wrappingTextBoxFlag xmlns="" xmlns:ma14="http://schemas.microsoft.com/office/mac/drawingml/2011/main" val="1"/>
             </a:ext>
           </a:extLst>
         </p:spPr>
@@ -13046,7 +13046,7 @@
             </a:pPr>
             <a:r>
               <a:rPr lang="en-US" sz="4400" dirty="0"/>
-              <a:t>Kotlin might be able to finish what Scala started, establishing an engineering-grade platform in data science.</a:t>
+              <a:t>Kotlin might be able to finish what Scala started, establishing an engineering-grade coding platform for data science.</a:t>
             </a:r>
           </a:p>
           <a:p>
@@ -13120,7 +13120,7 @@
           </a:ln>
           <a:extLst>
             <a:ext uri="{C572A759-6A51-4108-AA02-DFA0A04FC94B}">
-              <ma14:wrappingTextBoxFlag xmlns:ma14="http://schemas.microsoft.com/office/mac/drawingml/2011/main" xmlns="" val="1"/>
+              <ma14:wrappingTextBoxFlag xmlns="" xmlns:ma14="http://schemas.microsoft.com/office/mac/drawingml/2011/main" val="1"/>
             </a:ext>
           </a:extLst>
         </p:spPr>
@@ -13424,7 +13424,7 @@
           </a:ln>
           <a:extLst>
             <a:ext uri="{C572A759-6A51-4108-AA02-DFA0A04FC94B}">
-              <ma14:wrappingTextBoxFlag xmlns="" xmlns:ma14="http://schemas.microsoft.com/office/mac/drawingml/2011/main" val="1"/>
+              <ma14:wrappingTextBoxFlag xmlns:ma14="http://schemas.microsoft.com/office/mac/drawingml/2011/main" xmlns="" val="1"/>
             </a:ext>
           </a:extLst>
         </p:spPr>
@@ -13450,8 +13450,12 @@
           </a:lstStyle>
           <a:p>
             <a:r>
+              <a:rPr lang="en-US" sz="7200" dirty="0"/>
+              <a:t>Pragmatism</a:t>
+            </a:r>
+            <a:r>
               <a:rPr lang="en-US" dirty="0"/>
-              <a:t>Pragmatic vs Grandiose</a:t>
+              <a:t> vs Features</a:t>
             </a:r>
             <a:endParaRPr dirty="0"/>
           </a:p>
@@ -13718,7 +13722,7 @@
           </a:ln>
           <a:extLst>
             <a:ext uri="{C572A759-6A51-4108-AA02-DFA0A04FC94B}">
-              <ma14:wrappingTextBoxFlag xmlns:ma14="http://schemas.microsoft.com/office/mac/drawingml/2011/main" xmlns="" val="1"/>
+              <ma14:wrappingTextBoxFlag xmlns="" xmlns:ma14="http://schemas.microsoft.com/office/mac/drawingml/2011/main" val="1"/>
             </a:ext>
           </a:extLst>
         </p:spPr>
@@ -14269,7 +14273,7 @@
           </a:ln>
           <a:extLst>
             <a:ext uri="{C572A759-6A51-4108-AA02-DFA0A04FC94B}">
-              <ma14:wrappingTextBoxFlag xmlns="" xmlns:ma14="http://schemas.microsoft.com/office/mac/drawingml/2011/main" val="1"/>
+              <ma14:wrappingTextBoxFlag xmlns:ma14="http://schemas.microsoft.com/office/mac/drawingml/2011/main" xmlns="" val="1"/>
             </a:ext>
           </a:extLst>
         </p:spPr>
@@ -14641,7 +14645,7 @@
           </a:ln>
           <a:extLst>
             <a:ext uri="{C572A759-6A51-4108-AA02-DFA0A04FC94B}">
-              <ma14:wrappingTextBoxFlag xmlns:ma14="http://schemas.microsoft.com/office/mac/drawingml/2011/main" xmlns="" val="1"/>
+              <ma14:wrappingTextBoxFlag xmlns="" xmlns:ma14="http://schemas.microsoft.com/office/mac/drawingml/2011/main" val="1"/>
             </a:ext>
           </a:extLst>
         </p:spPr>
@@ -14751,7 +14755,7 @@
             </a:r>
             <a:r>
               <a:rPr lang="en-US" sz="4400" dirty="0"/>
-              <a:t> – Plugins into enterprise Java ecosystems</a:t>
+              <a:t> – Plugs into enterprise Java ecosystems</a:t>
             </a:r>
           </a:p>
           <a:p>
@@ -15310,7 +15314,7 @@
           </a:ln>
           <a:extLst>
             <a:ext uri="{C572A759-6A51-4108-AA02-DFA0A04FC94B}">
-              <ma14:wrappingTextBoxFlag xmlns="" xmlns:ma14="http://schemas.microsoft.com/office/mac/drawingml/2011/main" val="1"/>
+              <ma14:wrappingTextBoxFlag xmlns:ma14="http://schemas.microsoft.com/office/mac/drawingml/2011/main" xmlns="" val="1"/>
             </a:ext>
           </a:extLst>
         </p:spPr>
@@ -15988,7 +15992,7 @@
           </a:ln>
           <a:extLst>
             <a:ext uri="{C572A759-6A51-4108-AA02-DFA0A04FC94B}">
-              <ma14:wrappingTextBoxFlag xmlns:ma14="http://schemas.microsoft.com/office/mac/drawingml/2011/main" xmlns="" val="1"/>
+              <ma14:wrappingTextBoxFlag xmlns="" xmlns:ma14="http://schemas.microsoft.com/office/mac/drawingml/2011/main" val="1"/>
             </a:ext>
           </a:extLst>
         </p:spPr>
@@ -16046,7 +16050,7 @@
           </a:ln>
           <a:extLst>
             <a:ext uri="{C572A759-6A51-4108-AA02-DFA0A04FC94B}">
-              <ma14:wrappingTextBoxFlag xmlns:ma14="http://schemas.microsoft.com/office/mac/drawingml/2011/main" xmlns="" val="1"/>
+              <ma14:wrappingTextBoxFlag xmlns="" xmlns:ma14="http://schemas.microsoft.com/office/mac/drawingml/2011/main" val="1"/>
             </a:ext>
           </a:extLst>
         </p:spPr>
@@ -16270,7 +16274,7 @@
           </a:ln>
           <a:extLst>
             <a:ext uri="{C572A759-6A51-4108-AA02-DFA0A04FC94B}">
-              <ma14:wrappingTextBoxFlag xmlns="" xmlns:ma14="http://schemas.microsoft.com/office/mac/drawingml/2011/main" val="1"/>
+              <ma14:wrappingTextBoxFlag xmlns:ma14="http://schemas.microsoft.com/office/mac/drawingml/2011/main" xmlns="" val="1"/>
             </a:ext>
           </a:extLst>
         </p:spPr>
@@ -16328,7 +16332,7 @@
           </a:ln>
           <a:extLst>
             <a:ext uri="{C572A759-6A51-4108-AA02-DFA0A04FC94B}">
-              <ma14:wrappingTextBoxFlag xmlns:ma14="http://schemas.microsoft.com/office/mac/drawingml/2011/main" xmlns="" val="1"/>
+              <ma14:wrappingTextBoxFlag xmlns="" xmlns:ma14="http://schemas.microsoft.com/office/mac/drawingml/2011/main" val="1"/>
             </a:ext>
           </a:extLst>
         </p:spPr>
@@ -16846,7 +16850,7 @@
           </a:ln>
           <a:extLst>
             <a:ext uri="{C572A759-6A51-4108-AA02-DFA0A04FC94B}">
-              <ma14:wrappingTextBoxFlag xmlns="" xmlns:ma14="http://schemas.microsoft.com/office/mac/drawingml/2011/main" val="1"/>
+              <ma14:wrappingTextBoxFlag xmlns:ma14="http://schemas.microsoft.com/office/mac/drawingml/2011/main" xmlns="" val="1"/>
             </a:ext>
           </a:extLst>
         </p:spPr>
@@ -16904,7 +16908,7 @@
           </a:ln>
           <a:extLst>
             <a:ext uri="{C572A759-6A51-4108-AA02-DFA0A04FC94B}">
-              <ma14:wrappingTextBoxFlag xmlns:ma14="http://schemas.microsoft.com/office/mac/drawingml/2011/main" xmlns="" val="1"/>
+              <ma14:wrappingTextBoxFlag xmlns="" xmlns:ma14="http://schemas.microsoft.com/office/mac/drawingml/2011/main" val="1"/>
             </a:ext>
           </a:extLst>
         </p:spPr>
@@ -17402,7 +17406,7 @@
           </a:ln>
           <a:extLst>
             <a:ext uri="{C572A759-6A51-4108-AA02-DFA0A04FC94B}">
-              <ma14:wrappingTextBoxFlag xmlns:ma14="http://schemas.microsoft.com/office/mac/drawingml/2011/main" xmlns="" val="1"/>
+              <ma14:wrappingTextBoxFlag xmlns="" xmlns:ma14="http://schemas.microsoft.com/office/mac/drawingml/2011/main" val="1"/>
             </a:ext>
           </a:extLst>
         </p:spPr>
@@ -17739,7 +17743,7 @@
           </a:ln>
           <a:extLst>
             <a:ext uri="{C572A759-6A51-4108-AA02-DFA0A04FC94B}">
-              <ma14:wrappingTextBoxFlag xmlns="" xmlns:ma14="http://schemas.microsoft.com/office/mac/drawingml/2011/main" val="1"/>
+              <ma14:wrappingTextBoxFlag xmlns:ma14="http://schemas.microsoft.com/office/mac/drawingml/2011/main" xmlns="" val="1"/>
             </a:ext>
           </a:extLst>
         </p:spPr>
@@ -17797,7 +17801,7 @@
           </a:ln>
           <a:extLst>
             <a:ext uri="{C572A759-6A51-4108-AA02-DFA0A04FC94B}">
-              <ma14:wrappingTextBoxFlag xmlns:ma14="http://schemas.microsoft.com/office/mac/drawingml/2011/main" xmlns="" val="1"/>
+              <ma14:wrappingTextBoxFlag xmlns="" xmlns:ma14="http://schemas.microsoft.com/office/mac/drawingml/2011/main" val="1"/>
             </a:ext>
           </a:extLst>
         </p:spPr>
@@ -18123,7 +18127,7 @@
           </a:ln>
           <a:extLst>
             <a:ext uri="{C572A759-6A51-4108-AA02-DFA0A04FC94B}">
-              <ma14:wrappingTextBoxFlag xmlns:ma14="http://schemas.microsoft.com/office/mac/drawingml/2011/main" xmlns="" val="1"/>
+              <ma14:wrappingTextBoxFlag xmlns="" xmlns:ma14="http://schemas.microsoft.com/office/mac/drawingml/2011/main" val="1"/>
             </a:ext>
           </a:extLst>
         </p:spPr>
@@ -18323,7 +18327,7 @@
           </a:ln>
           <a:extLst>
             <a:ext uri="{C572A759-6A51-4108-AA02-DFA0A04FC94B}">
-              <ma14:wrappingTextBoxFlag xmlns="" xmlns:ma14="http://schemas.microsoft.com/office/mac/drawingml/2011/main" val="1"/>
+              <ma14:wrappingTextBoxFlag xmlns:ma14="http://schemas.microsoft.com/office/mac/drawingml/2011/main" xmlns="" val="1"/>
             </a:ext>
           </a:extLst>
         </p:spPr>
@@ -19029,7 +19033,7 @@
           </a:ln>
           <a:extLst>
             <a:ext uri="{C572A759-6A51-4108-AA02-DFA0A04FC94B}">
-              <ma14:wrappingTextBoxFlag xmlns:ma14="http://schemas.microsoft.com/office/mac/drawingml/2011/main" xmlns="" val="1"/>
+              <ma14:wrappingTextBoxFlag xmlns="" xmlns:ma14="http://schemas.microsoft.com/office/mac/drawingml/2011/main" val="1"/>
             </a:ext>
           </a:extLst>
         </p:spPr>
@@ -20364,7 +20368,7 @@
           </a:ln>
           <a:extLst>
             <a:ext uri="{C572A759-6A51-4108-AA02-DFA0A04FC94B}">
-              <ma14:wrappingTextBoxFlag xmlns:ma14="http://schemas.microsoft.com/office/mac/drawingml/2011/main" xmlns="" val="1"/>
+              <ma14:wrappingTextBoxFlag xmlns="" xmlns:ma14="http://schemas.microsoft.com/office/mac/drawingml/2011/main" val="1"/>
             </a:ext>
           </a:extLst>
         </p:spPr>
@@ -23696,7 +23700,7 @@
           </a:ln>
           <a:extLst>
             <a:ext uri="{C572A759-6A51-4108-AA02-DFA0A04FC94B}">
-              <ma14:wrappingTextBoxFlag xmlns="" xmlns:ma14="http://schemas.microsoft.com/office/mac/drawingml/2011/main" val="1"/>
+              <ma14:wrappingTextBoxFlag xmlns:ma14="http://schemas.microsoft.com/office/mac/drawingml/2011/main" xmlns="" val="1"/>
             </a:ext>
           </a:extLst>
         </p:spPr>
@@ -23920,7 +23924,7 @@
           </a:ln>
           <a:extLst>
             <a:ext uri="{C572A759-6A51-4108-AA02-DFA0A04FC94B}">
-              <ma14:wrappingTextBoxFlag xmlns="" xmlns:ma14="http://schemas.microsoft.com/office/mac/drawingml/2011/main" val="1"/>
+              <ma14:wrappingTextBoxFlag xmlns:ma14="http://schemas.microsoft.com/office/mac/drawingml/2011/main" xmlns="" val="1"/>
             </a:ext>
           </a:extLst>
         </p:spPr>
@@ -24009,7 +24013,7 @@
           </a:ln>
           <a:extLst>
             <a:ext uri="{C572A759-6A51-4108-AA02-DFA0A04FC94B}">
-              <ma14:wrappingTextBoxFlag xmlns="" xmlns:ma14="http://schemas.microsoft.com/office/mac/drawingml/2011/main" val="1"/>
+              <ma14:wrappingTextBoxFlag xmlns:ma14="http://schemas.microsoft.com/office/mac/drawingml/2011/main" xmlns="" val="1"/>
             </a:ext>
           </a:extLst>
         </p:spPr>
@@ -24215,7 +24219,7 @@
           </a:ln>
           <a:extLst>
             <a:ext uri="{C572A759-6A51-4108-AA02-DFA0A04FC94B}">
-              <ma14:wrappingTextBoxFlag xmlns="" xmlns:ma14="http://schemas.microsoft.com/office/mac/drawingml/2011/main" val="1"/>
+              <ma14:wrappingTextBoxFlag xmlns:ma14="http://schemas.microsoft.com/office/mac/drawingml/2011/main" xmlns="" val="1"/>
             </a:ext>
           </a:extLst>
         </p:spPr>

--- a/kotlin_for_data_science.pptx
+++ b/kotlin_for_data_science.pptx
@@ -2228,7 +2228,7 @@
           </a:ln>
           <a:extLst>
             <a:ext uri="{C572A759-6A51-4108-AA02-DFA0A04FC94B}">
-              <ma14:wrappingTextBoxFlag xmlns="" xmlns:ma14="http://schemas.microsoft.com/office/mac/drawingml/2011/main" val="1"/>
+              <ma14:wrappingTextBoxFlag xmlns:ma14="http://schemas.microsoft.com/office/mac/drawingml/2011/main" xmlns="" val="1"/>
             </a:ext>
           </a:extLst>
         </p:spPr>
@@ -3180,7 +3180,7 @@
           </a:ln>
           <a:extLst>
             <a:ext uri="{C572A759-6A51-4108-AA02-DFA0A04FC94B}">
-              <ma14:wrappingTextBoxFlag xmlns="" xmlns:ma14="http://schemas.microsoft.com/office/mac/drawingml/2011/main" val="1"/>
+              <ma14:wrappingTextBoxFlag xmlns:ma14="http://schemas.microsoft.com/office/mac/drawingml/2011/main" xmlns="" val="1"/>
             </a:ext>
           </a:extLst>
         </p:spPr>
@@ -3333,7 +3333,7 @@
           </a:ln>
           <a:extLst>
             <a:ext uri="{C572A759-6A51-4108-AA02-DFA0A04FC94B}">
-              <ma14:wrappingTextBoxFlag xmlns="" xmlns:ma14="http://schemas.microsoft.com/office/mac/drawingml/2011/main" val="1"/>
+              <ma14:wrappingTextBoxFlag xmlns:ma14="http://schemas.microsoft.com/office/mac/drawingml/2011/main" xmlns="" val="1"/>
             </a:ext>
           </a:extLst>
         </p:spPr>
@@ -3372,7 +3372,7 @@
           </a:ln>
           <a:extLst>
             <a:ext uri="{C572A759-6A51-4108-AA02-DFA0A04FC94B}">
-              <ma14:wrappingTextBoxFlag xmlns="" xmlns:ma14="http://schemas.microsoft.com/office/mac/drawingml/2011/main" val="1"/>
+              <ma14:wrappingTextBoxFlag xmlns:ma14="http://schemas.microsoft.com/office/mac/drawingml/2011/main" xmlns="" val="1"/>
             </a:ext>
           </a:extLst>
         </p:spPr>
@@ -4453,7 +4453,7 @@
           </a:ln>
           <a:extLst>
             <a:ext uri="{C572A759-6A51-4108-AA02-DFA0A04FC94B}">
-              <ma14:wrappingTextBoxFlag xmlns:ma14="http://schemas.microsoft.com/office/mac/drawingml/2011/main" xmlns="" val="1"/>
+              <ma14:wrappingTextBoxFlag xmlns="" xmlns:ma14="http://schemas.microsoft.com/office/mac/drawingml/2011/main" val="1"/>
             </a:ext>
           </a:extLst>
         </p:spPr>
@@ -4507,7 +4507,7 @@
           </a:ln>
           <a:extLst>
             <a:ext uri="{C572A759-6A51-4108-AA02-DFA0A04FC94B}">
-              <ma14:wrappingTextBoxFlag xmlns:ma14="http://schemas.microsoft.com/office/mac/drawingml/2011/main" xmlns="" val="1"/>
+              <ma14:wrappingTextBoxFlag xmlns="" xmlns:ma14="http://schemas.microsoft.com/office/mac/drawingml/2011/main" val="1"/>
             </a:ext>
           </a:extLst>
         </p:spPr>
@@ -4561,7 +4561,7 @@
           </a:ln>
           <a:extLst>
             <a:ext uri="{C572A759-6A51-4108-AA02-DFA0A04FC94B}">
-              <ma14:wrappingTextBoxFlag xmlns="" xmlns:ma14="http://schemas.microsoft.com/office/mac/drawingml/2011/main" xmlns:a14="http://schemas.microsoft.com/office/drawing/2010/main" xmlns:mc="http://schemas.openxmlformats.org/markup-compatibility/2006" val="1"/>
+              <ma14:wrappingTextBoxFlag xmlns:mc="http://schemas.openxmlformats.org/markup-compatibility/2006" xmlns:a14="http://schemas.microsoft.com/office/drawing/2010/main" xmlns:ma14="http://schemas.microsoft.com/office/mac/drawingml/2011/main" xmlns="" val="1"/>
             </a:ext>
           </a:extLst>
         </p:spPr>
@@ -4767,7 +4767,7 @@
           </a:ln>
           <a:extLst>
             <a:ext uri="{C572A759-6A51-4108-AA02-DFA0A04FC94B}">
-              <ma14:wrappingTextBoxFlag xmlns="" xmlns:ma14="http://schemas.microsoft.com/office/mac/drawingml/2011/main" val="1"/>
+              <ma14:wrappingTextBoxFlag xmlns:ma14="http://schemas.microsoft.com/office/mac/drawingml/2011/main" xmlns="" val="1"/>
             </a:ext>
           </a:extLst>
         </p:spPr>
@@ -5071,7 +5071,7 @@
           </a:ln>
           <a:extLst>
             <a:ext uri="{C572A759-6A51-4108-AA02-DFA0A04FC94B}">
-              <ma14:wrappingTextBoxFlag xmlns:ma14="http://schemas.microsoft.com/office/mac/drawingml/2011/main" xmlns="" val="1"/>
+              <ma14:wrappingTextBoxFlag xmlns="" xmlns:ma14="http://schemas.microsoft.com/office/mac/drawingml/2011/main" val="1"/>
             </a:ext>
           </a:extLst>
         </p:spPr>
@@ -5635,7 +5635,7 @@
           </a:ln>
           <a:extLst>
             <a:ext uri="{C572A759-6A51-4108-AA02-DFA0A04FC94B}">
-              <ma14:wrappingTextBoxFlag xmlns="" xmlns:ma14="http://schemas.microsoft.com/office/mac/drawingml/2011/main" xmlns:a14="http://schemas.microsoft.com/office/drawing/2010/main" xmlns:mc="http://schemas.openxmlformats.org/markup-compatibility/2006" val="1"/>
+              <ma14:wrappingTextBoxFlag xmlns:mc="http://schemas.openxmlformats.org/markup-compatibility/2006" xmlns:a14="http://schemas.microsoft.com/office/drawing/2010/main" xmlns:ma14="http://schemas.microsoft.com/office/mac/drawingml/2011/main" xmlns="" val="1"/>
             </a:ext>
           </a:extLst>
         </p:spPr>
@@ -5825,7 +5825,7 @@
           </a:ln>
           <a:extLst>
             <a:ext uri="{C572A759-6A51-4108-AA02-DFA0A04FC94B}">
-              <ma14:wrappingTextBoxFlag xmlns:ma14="http://schemas.microsoft.com/office/mac/drawingml/2011/main" xmlns="" val="1"/>
+              <ma14:wrappingTextBoxFlag xmlns="" xmlns:ma14="http://schemas.microsoft.com/office/mac/drawingml/2011/main" val="1"/>
             </a:ext>
           </a:extLst>
         </p:spPr>
@@ -5895,7 +5895,7 @@
           </a:ln>
           <a:extLst>
             <a:ext uri="{C572A759-6A51-4108-AA02-DFA0A04FC94B}">
-              <ma14:wrappingTextBoxFlag xmlns:ma14="http://schemas.microsoft.com/office/mac/drawingml/2011/main" xmlns="" val="1"/>
+              <ma14:wrappingTextBoxFlag xmlns="" xmlns:ma14="http://schemas.microsoft.com/office/mac/drawingml/2011/main" val="1"/>
             </a:ext>
           </a:extLst>
         </p:spPr>
@@ -6210,7 +6210,7 @@
           </a:ln>
           <a:extLst>
             <a:ext uri="{C572A759-6A51-4108-AA02-DFA0A04FC94B}">
-              <ma14:wrappingTextBoxFlag xmlns:mc="http://schemas.openxmlformats.org/markup-compatibility/2006" xmlns:a14="http://schemas.microsoft.com/office/drawing/2010/main" xmlns="" xmlns:ma14="http://schemas.microsoft.com/office/mac/drawingml/2011/main" val="1"/>
+              <ma14:wrappingTextBoxFlag xmlns:ma14="http://schemas.microsoft.com/office/mac/drawingml/2011/main" xmlns="" xmlns:a14="http://schemas.microsoft.com/office/drawing/2010/main" xmlns:mc="http://schemas.openxmlformats.org/markup-compatibility/2006" val="1"/>
             </a:ext>
           </a:extLst>
         </p:spPr>
@@ -6547,7 +6547,7 @@
           </a:ln>
           <a:extLst>
             <a:ext uri="{C572A759-6A51-4108-AA02-DFA0A04FC94B}">
-              <ma14:wrappingTextBoxFlag xmlns:ma14="http://schemas.microsoft.com/office/mac/drawingml/2011/main" xmlns="" val="1"/>
+              <ma14:wrappingTextBoxFlag xmlns="" xmlns:ma14="http://schemas.microsoft.com/office/mac/drawingml/2011/main" val="1"/>
             </a:ext>
           </a:extLst>
         </p:spPr>
@@ -6617,7 +6617,7 @@
           </a:ln>
           <a:extLst>
             <a:ext uri="{C572A759-6A51-4108-AA02-DFA0A04FC94B}">
-              <ma14:wrappingTextBoxFlag xmlns:ma14="http://schemas.microsoft.com/office/mac/drawingml/2011/main" xmlns="" val="1"/>
+              <ma14:wrappingTextBoxFlag xmlns="" xmlns:ma14="http://schemas.microsoft.com/office/mac/drawingml/2011/main" val="1"/>
             </a:ext>
           </a:extLst>
         </p:spPr>
@@ -8109,7 +8109,7 @@
           </a:ln>
           <a:extLst>
             <a:ext uri="{C572A759-6A51-4108-AA02-DFA0A04FC94B}">
-              <ma14:wrappingTextBoxFlag xmlns="" xmlns:ma14="http://schemas.microsoft.com/office/mac/drawingml/2011/main" val="1"/>
+              <ma14:wrappingTextBoxFlag xmlns:ma14="http://schemas.microsoft.com/office/mac/drawingml/2011/main" xmlns="" val="1"/>
             </a:ext>
           </a:extLst>
         </p:spPr>
@@ -8543,7 +8543,7 @@
           </a:ln>
           <a:extLst>
             <a:ext uri="{C572A759-6A51-4108-AA02-DFA0A04FC94B}">
-              <ma14:wrappingTextBoxFlag xmlns:ma14="http://schemas.microsoft.com/office/mac/drawingml/2011/main" xmlns="" val="1"/>
+              <ma14:wrappingTextBoxFlag xmlns="" xmlns:ma14="http://schemas.microsoft.com/office/mac/drawingml/2011/main" val="1"/>
             </a:ext>
           </a:extLst>
         </p:spPr>
@@ -8815,7 +8815,7 @@
           </a:ln>
           <a:extLst>
             <a:ext uri="{C572A759-6A51-4108-AA02-DFA0A04FC94B}">
-              <ma14:wrappingTextBoxFlag xmlns:ma14="http://schemas.microsoft.com/office/mac/drawingml/2011/main" xmlns="" val="1"/>
+              <ma14:wrappingTextBoxFlag xmlns="" xmlns:ma14="http://schemas.microsoft.com/office/mac/drawingml/2011/main" val="1"/>
             </a:ext>
           </a:extLst>
         </p:spPr>
@@ -9355,7 +9355,7 @@
           </a:ln>
           <a:extLst>
             <a:ext uri="{C572A759-6A51-4108-AA02-DFA0A04FC94B}">
-              <ma14:wrappingTextBoxFlag xmlns="" xmlns:ma14="http://schemas.microsoft.com/office/mac/drawingml/2011/main" val="1"/>
+              <ma14:wrappingTextBoxFlag xmlns:ma14="http://schemas.microsoft.com/office/mac/drawingml/2011/main" xmlns="" val="1"/>
             </a:ext>
           </a:extLst>
         </p:spPr>
@@ -9776,7 +9776,7 @@
           </a:ln>
           <a:extLst>
             <a:ext uri="{C572A759-6A51-4108-AA02-DFA0A04FC94B}">
-              <ma14:wrappingTextBoxFlag xmlns:ma14="http://schemas.microsoft.com/office/mac/drawingml/2011/main" xmlns="" val="1"/>
+              <ma14:wrappingTextBoxFlag xmlns="" xmlns:ma14="http://schemas.microsoft.com/office/mac/drawingml/2011/main" val="1"/>
             </a:ext>
           </a:extLst>
         </p:spPr>
@@ -10275,7 +10275,7 @@
           </a:ln>
           <a:extLst>
             <a:ext uri="{C572A759-6A51-4108-AA02-DFA0A04FC94B}">
-              <ma14:wrappingTextBoxFlag xmlns:ma14="http://schemas.microsoft.com/office/mac/drawingml/2011/main" xmlns="" val="1"/>
+              <ma14:wrappingTextBoxFlag xmlns="" xmlns:ma14="http://schemas.microsoft.com/office/mac/drawingml/2011/main" val="1"/>
             </a:ext>
           </a:extLst>
         </p:spPr>
@@ -10415,7 +10415,7 @@
           </a:ln>
           <a:extLst>
             <a:ext uri="{C572A759-6A51-4108-AA02-DFA0A04FC94B}">
-              <ma14:wrappingTextBoxFlag xmlns:ma14="http://schemas.microsoft.com/office/mac/drawingml/2011/main" xmlns="" val="1"/>
+              <ma14:wrappingTextBoxFlag xmlns="" xmlns:ma14="http://schemas.microsoft.com/office/mac/drawingml/2011/main" val="1"/>
             </a:ext>
           </a:extLst>
         </p:spPr>
@@ -10473,7 +10473,7 @@
           </a:ln>
           <a:extLst>
             <a:ext uri="{C572A759-6A51-4108-AA02-DFA0A04FC94B}">
-              <ma14:wrappingTextBoxFlag xmlns:ma14="http://schemas.microsoft.com/office/mac/drawingml/2011/main" xmlns="" val="1"/>
+              <ma14:wrappingTextBoxFlag xmlns="" xmlns:ma14="http://schemas.microsoft.com/office/mac/drawingml/2011/main" val="1"/>
             </a:ext>
           </a:extLst>
         </p:spPr>
@@ -10866,7 +10866,7 @@
           </a:ln>
           <a:extLst>
             <a:ext uri="{C572A759-6A51-4108-AA02-DFA0A04FC94B}">
-              <ma14:wrappingTextBoxFlag xmlns="" xmlns:ma14="http://schemas.microsoft.com/office/mac/drawingml/2011/main" val="1"/>
+              <ma14:wrappingTextBoxFlag xmlns:ma14="http://schemas.microsoft.com/office/mac/drawingml/2011/main" xmlns="" val="1"/>
             </a:ext>
           </a:extLst>
         </p:spPr>
@@ -10994,7 +10994,7 @@
           </a:ln>
           <a:extLst>
             <a:ext uri="{C572A759-6A51-4108-AA02-DFA0A04FC94B}">
-              <ma14:wrappingTextBoxFlag xmlns:ma14="http://schemas.microsoft.com/office/mac/drawingml/2011/main" xmlns="" val="1"/>
+              <ma14:wrappingTextBoxFlag xmlns="" xmlns:ma14="http://schemas.microsoft.com/office/mac/drawingml/2011/main" val="1"/>
             </a:ext>
           </a:extLst>
         </p:spPr>
@@ -11273,7 +11273,7 @@
           </a:ln>
           <a:extLst>
             <a:ext uri="{C572A759-6A51-4108-AA02-DFA0A04FC94B}">
-              <ma14:wrappingTextBoxFlag xmlns="" xmlns:ma14="http://schemas.microsoft.com/office/mac/drawingml/2011/main" val="1"/>
+              <ma14:wrappingTextBoxFlag xmlns:ma14="http://schemas.microsoft.com/office/mac/drawingml/2011/main" xmlns="" val="1"/>
             </a:ext>
           </a:extLst>
         </p:spPr>
@@ -11478,7 +11478,7 @@
           </a:ln>
           <a:extLst>
             <a:ext uri="{C572A759-6A51-4108-AA02-DFA0A04FC94B}">
-              <ma14:wrappingTextBoxFlag xmlns="" xmlns:ma14="http://schemas.microsoft.com/office/mac/drawingml/2011/main" val="1"/>
+              <ma14:wrappingTextBoxFlag xmlns:ma14="http://schemas.microsoft.com/office/mac/drawingml/2011/main" xmlns="" val="1"/>
             </a:ext>
           </a:extLst>
         </p:spPr>
@@ -11782,7 +11782,7 @@
           </a:ln>
           <a:extLst>
             <a:ext uri="{C572A759-6A51-4108-AA02-DFA0A04FC94B}">
-              <ma14:wrappingTextBoxFlag xmlns:ma14="http://schemas.microsoft.com/office/mac/drawingml/2011/main" xmlns="" val="1"/>
+              <ma14:wrappingTextBoxFlag xmlns="" xmlns:ma14="http://schemas.microsoft.com/office/mac/drawingml/2011/main" val="1"/>
             </a:ext>
           </a:extLst>
         </p:spPr>
@@ -12216,7 +12216,7 @@
           </a:ln>
           <a:extLst>
             <a:ext uri="{C572A759-6A51-4108-AA02-DFA0A04FC94B}">
-              <ma14:wrappingTextBoxFlag xmlns="" xmlns:ma14="http://schemas.microsoft.com/office/mac/drawingml/2011/main" val="1"/>
+              <ma14:wrappingTextBoxFlag xmlns:ma14="http://schemas.microsoft.com/office/mac/drawingml/2011/main" xmlns="" val="1"/>
             </a:ext>
           </a:extLst>
         </p:spPr>
@@ -12297,7 +12297,15 @@
             </a:pPr>
             <a:r>
               <a:rPr lang="en-US" sz="4400" dirty="0"/>
-              <a:t>Despite large corporate demand for Scala talent, supply may be increasingly scarce. </a:t>
+              <a:t>It’s difficult to confirm this empirically, but stories about Scala talent shortages are </a:t>
+            </a:r>
+            <a:r>
+              <a:rPr lang="en-US" sz="4400"/>
+              <a:t>becoming increasingly common</a:t>
+            </a:r>
+            <a:r>
+              <a:rPr lang="en-US" sz="4400" dirty="0"/>
+              <a:t>. </a:t>
             </a:r>
           </a:p>
           <a:p>
@@ -12371,7 +12379,7 @@
           </a:ln>
           <a:extLst>
             <a:ext uri="{C572A759-6A51-4108-AA02-DFA0A04FC94B}">
-              <ma14:wrappingTextBoxFlag xmlns="" xmlns:ma14="http://schemas.microsoft.com/office/mac/drawingml/2011/main" val="1"/>
+              <ma14:wrappingTextBoxFlag xmlns:ma14="http://schemas.microsoft.com/office/mac/drawingml/2011/main" xmlns="" val="1"/>
             </a:ext>
           </a:extLst>
         </p:spPr>
@@ -12675,7 +12683,7 @@
           </a:ln>
           <a:extLst>
             <a:ext uri="{C572A759-6A51-4108-AA02-DFA0A04FC94B}">
-              <ma14:wrappingTextBoxFlag xmlns:ma14="http://schemas.microsoft.com/office/mac/drawingml/2011/main" xmlns="" val="1"/>
+              <ma14:wrappingTextBoxFlag xmlns="" xmlns:ma14="http://schemas.microsoft.com/office/mac/drawingml/2011/main" val="1"/>
             </a:ext>
           </a:extLst>
         </p:spPr>
@@ -12819,15 +12827,33 @@
                                   </p:childTnLst>
                                 </p:cTn>
                               </p:par>
+                            </p:childTnLst>
+                          </p:cTn>
+                        </p:par>
+                      </p:childTnLst>
+                    </p:cTn>
+                  </p:par>
+                  <p:par>
+                    <p:cTn id="11" fill="hold">
+                      <p:stCondLst>
+                        <p:cond delay="indefinite"/>
+                      </p:stCondLst>
+                      <p:childTnLst>
+                        <p:par>
+                          <p:cTn id="12" fill="hold">
+                            <p:stCondLst>
+                              <p:cond delay="0"/>
+                            </p:stCondLst>
+                            <p:childTnLst>
                               <p:par>
-                                <p:cTn id="11" presetID="1" presetClass="entr" presetSubtype="0" fill="hold" nodeType="withEffect">
+                                <p:cTn id="13" presetID="1" presetClass="entr" presetSubtype="0" fill="hold" nodeType="clickEffect">
                                   <p:stCondLst>
                                     <p:cond delay="0"/>
                                   </p:stCondLst>
                                   <p:childTnLst>
                                     <p:set>
                                       <p:cBhvr>
-                                        <p:cTn id="12" dur="1" fill="hold">
+                                        <p:cTn id="14" dur="1" fill="hold">
                                           <p:stCondLst>
                                             <p:cond delay="0"/>
                                           </p:stCondLst>
@@ -12851,14 +12877,14 @@
                                 </p:cTn>
                               </p:par>
                               <p:par>
-                                <p:cTn id="13" presetID="1" presetClass="entr" presetSubtype="0" fill="hold" nodeType="withEffect">
+                                <p:cTn id="15" presetID="1" presetClass="entr" presetSubtype="0" fill="hold" nodeType="withEffect">
                                   <p:stCondLst>
                                     <p:cond delay="0"/>
                                   </p:stCondLst>
                                   <p:childTnLst>
                                     <p:set>
                                       <p:cBhvr>
-                                        <p:cTn id="14" dur="1" fill="hold">
+                                        <p:cTn id="16" dur="1" fill="hold">
                                           <p:stCondLst>
                                             <p:cond delay="0"/>
                                           </p:stCondLst>
@@ -12882,14 +12908,14 @@
                                 </p:cTn>
                               </p:par>
                               <p:par>
-                                <p:cTn id="15" presetID="1" presetClass="entr" presetSubtype="0" fill="hold" nodeType="withEffect">
+                                <p:cTn id="17" presetID="1" presetClass="entr" presetSubtype="0" fill="hold" nodeType="withEffect">
                                   <p:stCondLst>
                                     <p:cond delay="0"/>
                                   </p:stCondLst>
                                   <p:childTnLst>
                                     <p:set>
                                       <p:cBhvr>
-                                        <p:cTn id="16" dur="1" fill="hold">
+                                        <p:cTn id="18" dur="1" fill="hold">
                                           <p:stCondLst>
                                             <p:cond delay="0"/>
                                           </p:stCondLst>
@@ -12985,7 +13011,7 @@
           </a:ln>
           <a:extLst>
             <a:ext uri="{C572A759-6A51-4108-AA02-DFA0A04FC94B}">
-              <ma14:wrappingTextBoxFlag xmlns="" xmlns:ma14="http://schemas.microsoft.com/office/mac/drawingml/2011/main" val="1"/>
+              <ma14:wrappingTextBoxFlag xmlns:ma14="http://schemas.microsoft.com/office/mac/drawingml/2011/main" xmlns="" val="1"/>
             </a:ext>
           </a:extLst>
         </p:spPr>
@@ -13025,7 +13051,15 @@
             </a:pPr>
             <a:r>
               <a:rPr lang="en-US" sz="4400" b="1" dirty="0"/>
-              <a:t>Scala’s alleged challenges may present an opportunity for Kotlin.  </a:t>
+              <a:t>Scala’s </a:t>
+            </a:r>
+            <a:r>
+              <a:rPr lang="en-US" sz="4400" b="1" i="1" dirty="0"/>
+              <a:t>alleged</a:t>
+            </a:r>
+            <a:r>
+              <a:rPr lang="en-US" sz="4400" b="1" dirty="0"/>
+              <a:t> challenges may present an opportunity for Kotlin.  </a:t>
             </a:r>
           </a:p>
           <a:p>
@@ -13120,7 +13154,7 @@
           </a:ln>
           <a:extLst>
             <a:ext uri="{C572A759-6A51-4108-AA02-DFA0A04FC94B}">
-              <ma14:wrappingTextBoxFlag xmlns="" xmlns:ma14="http://schemas.microsoft.com/office/mac/drawingml/2011/main" val="1"/>
+              <ma14:wrappingTextBoxFlag xmlns:ma14="http://schemas.microsoft.com/office/mac/drawingml/2011/main" xmlns="" val="1"/>
             </a:ext>
           </a:extLst>
         </p:spPr>
@@ -13424,7 +13458,7 @@
           </a:ln>
           <a:extLst>
             <a:ext uri="{C572A759-6A51-4108-AA02-DFA0A04FC94B}">
-              <ma14:wrappingTextBoxFlag xmlns:ma14="http://schemas.microsoft.com/office/mac/drawingml/2011/main" xmlns="" val="1"/>
+              <ma14:wrappingTextBoxFlag xmlns="" xmlns:ma14="http://schemas.microsoft.com/office/mac/drawingml/2011/main" val="1"/>
             </a:ext>
           </a:extLst>
         </p:spPr>
@@ -13722,7 +13756,7 @@
           </a:ln>
           <a:extLst>
             <a:ext uri="{C572A759-6A51-4108-AA02-DFA0A04FC94B}">
-              <ma14:wrappingTextBoxFlag xmlns="" xmlns:ma14="http://schemas.microsoft.com/office/mac/drawingml/2011/main" val="1"/>
+              <ma14:wrappingTextBoxFlag xmlns:ma14="http://schemas.microsoft.com/office/mac/drawingml/2011/main" xmlns="" val="1"/>
             </a:ext>
           </a:extLst>
         </p:spPr>
@@ -14273,7 +14307,7 @@
           </a:ln>
           <a:extLst>
             <a:ext uri="{C572A759-6A51-4108-AA02-DFA0A04FC94B}">
-              <ma14:wrappingTextBoxFlag xmlns:ma14="http://schemas.microsoft.com/office/mac/drawingml/2011/main" xmlns="" val="1"/>
+              <ma14:wrappingTextBoxFlag xmlns="" xmlns:ma14="http://schemas.microsoft.com/office/mac/drawingml/2011/main" val="1"/>
             </a:ext>
           </a:extLst>
         </p:spPr>
@@ -14645,7 +14679,7 @@
           </a:ln>
           <a:extLst>
             <a:ext uri="{C572A759-6A51-4108-AA02-DFA0A04FC94B}">
-              <ma14:wrappingTextBoxFlag xmlns="" xmlns:ma14="http://schemas.microsoft.com/office/mac/drawingml/2011/main" val="1"/>
+              <ma14:wrappingTextBoxFlag xmlns:ma14="http://schemas.microsoft.com/office/mac/drawingml/2011/main" xmlns="" val="1"/>
             </a:ext>
           </a:extLst>
         </p:spPr>
@@ -15314,7 +15348,7 @@
           </a:ln>
           <a:extLst>
             <a:ext uri="{C572A759-6A51-4108-AA02-DFA0A04FC94B}">
-              <ma14:wrappingTextBoxFlag xmlns:ma14="http://schemas.microsoft.com/office/mac/drawingml/2011/main" xmlns="" val="1"/>
+              <ma14:wrappingTextBoxFlag xmlns="" xmlns:ma14="http://schemas.microsoft.com/office/mac/drawingml/2011/main" val="1"/>
             </a:ext>
           </a:extLst>
         </p:spPr>
@@ -15992,7 +16026,7 @@
           </a:ln>
           <a:extLst>
             <a:ext uri="{C572A759-6A51-4108-AA02-DFA0A04FC94B}">
-              <ma14:wrappingTextBoxFlag xmlns="" xmlns:ma14="http://schemas.microsoft.com/office/mac/drawingml/2011/main" val="1"/>
+              <ma14:wrappingTextBoxFlag xmlns:ma14="http://schemas.microsoft.com/office/mac/drawingml/2011/main" xmlns="" val="1"/>
             </a:ext>
           </a:extLst>
         </p:spPr>
@@ -16050,7 +16084,7 @@
           </a:ln>
           <a:extLst>
             <a:ext uri="{C572A759-6A51-4108-AA02-DFA0A04FC94B}">
-              <ma14:wrappingTextBoxFlag xmlns="" xmlns:ma14="http://schemas.microsoft.com/office/mac/drawingml/2011/main" val="1"/>
+              <ma14:wrappingTextBoxFlag xmlns:ma14="http://schemas.microsoft.com/office/mac/drawingml/2011/main" xmlns="" val="1"/>
             </a:ext>
           </a:extLst>
         </p:spPr>
@@ -16274,7 +16308,7 @@
           </a:ln>
           <a:extLst>
             <a:ext uri="{C572A759-6A51-4108-AA02-DFA0A04FC94B}">
-              <ma14:wrappingTextBoxFlag xmlns:ma14="http://schemas.microsoft.com/office/mac/drawingml/2011/main" xmlns="" val="1"/>
+              <ma14:wrappingTextBoxFlag xmlns="" xmlns:ma14="http://schemas.microsoft.com/office/mac/drawingml/2011/main" val="1"/>
             </a:ext>
           </a:extLst>
         </p:spPr>
@@ -16332,7 +16366,7 @@
           </a:ln>
           <a:extLst>
             <a:ext uri="{C572A759-6A51-4108-AA02-DFA0A04FC94B}">
-              <ma14:wrappingTextBoxFlag xmlns="" xmlns:ma14="http://schemas.microsoft.com/office/mac/drawingml/2011/main" val="1"/>
+              <ma14:wrappingTextBoxFlag xmlns:ma14="http://schemas.microsoft.com/office/mac/drawingml/2011/main" xmlns="" val="1"/>
             </a:ext>
           </a:extLst>
         </p:spPr>
@@ -16850,7 +16884,7 @@
           </a:ln>
           <a:extLst>
             <a:ext uri="{C572A759-6A51-4108-AA02-DFA0A04FC94B}">
-              <ma14:wrappingTextBoxFlag xmlns:ma14="http://schemas.microsoft.com/office/mac/drawingml/2011/main" xmlns="" val="1"/>
+              <ma14:wrappingTextBoxFlag xmlns="" xmlns:ma14="http://schemas.microsoft.com/office/mac/drawingml/2011/main" val="1"/>
             </a:ext>
           </a:extLst>
         </p:spPr>
@@ -16908,7 +16942,7 @@
           </a:ln>
           <a:extLst>
             <a:ext uri="{C572A759-6A51-4108-AA02-DFA0A04FC94B}">
-              <ma14:wrappingTextBoxFlag xmlns="" xmlns:ma14="http://schemas.microsoft.com/office/mac/drawingml/2011/main" val="1"/>
+              <ma14:wrappingTextBoxFlag xmlns:ma14="http://schemas.microsoft.com/office/mac/drawingml/2011/main" xmlns="" val="1"/>
             </a:ext>
           </a:extLst>
         </p:spPr>
@@ -17406,7 +17440,7 @@
           </a:ln>
           <a:extLst>
             <a:ext uri="{C572A759-6A51-4108-AA02-DFA0A04FC94B}">
-              <ma14:wrappingTextBoxFlag xmlns="" xmlns:ma14="http://schemas.microsoft.com/office/mac/drawingml/2011/main" val="1"/>
+              <ma14:wrappingTextBoxFlag xmlns:ma14="http://schemas.microsoft.com/office/mac/drawingml/2011/main" xmlns="" val="1"/>
             </a:ext>
           </a:extLst>
         </p:spPr>
@@ -17743,7 +17777,7 @@
           </a:ln>
           <a:extLst>
             <a:ext uri="{C572A759-6A51-4108-AA02-DFA0A04FC94B}">
-              <ma14:wrappingTextBoxFlag xmlns:ma14="http://schemas.microsoft.com/office/mac/drawingml/2011/main" xmlns="" val="1"/>
+              <ma14:wrappingTextBoxFlag xmlns="" xmlns:ma14="http://schemas.microsoft.com/office/mac/drawingml/2011/main" val="1"/>
             </a:ext>
           </a:extLst>
         </p:spPr>
@@ -17801,7 +17835,7 @@
           </a:ln>
           <a:extLst>
             <a:ext uri="{C572A759-6A51-4108-AA02-DFA0A04FC94B}">
-              <ma14:wrappingTextBoxFlag xmlns="" xmlns:ma14="http://schemas.microsoft.com/office/mac/drawingml/2011/main" val="1"/>
+              <ma14:wrappingTextBoxFlag xmlns:ma14="http://schemas.microsoft.com/office/mac/drawingml/2011/main" xmlns="" val="1"/>
             </a:ext>
           </a:extLst>
         </p:spPr>
@@ -18127,7 +18161,7 @@
           </a:ln>
           <a:extLst>
             <a:ext uri="{C572A759-6A51-4108-AA02-DFA0A04FC94B}">
-              <ma14:wrappingTextBoxFlag xmlns="" xmlns:ma14="http://schemas.microsoft.com/office/mac/drawingml/2011/main" val="1"/>
+              <ma14:wrappingTextBoxFlag xmlns:ma14="http://schemas.microsoft.com/office/mac/drawingml/2011/main" xmlns="" val="1"/>
             </a:ext>
           </a:extLst>
         </p:spPr>
@@ -18327,7 +18361,7 @@
           </a:ln>
           <a:extLst>
             <a:ext uri="{C572A759-6A51-4108-AA02-DFA0A04FC94B}">
-              <ma14:wrappingTextBoxFlag xmlns:ma14="http://schemas.microsoft.com/office/mac/drawingml/2011/main" xmlns="" val="1"/>
+              <ma14:wrappingTextBoxFlag xmlns="" xmlns:ma14="http://schemas.microsoft.com/office/mac/drawingml/2011/main" val="1"/>
             </a:ext>
           </a:extLst>
         </p:spPr>
@@ -19033,7 +19067,7 @@
           </a:ln>
           <a:extLst>
             <a:ext uri="{C572A759-6A51-4108-AA02-DFA0A04FC94B}">
-              <ma14:wrappingTextBoxFlag xmlns="" xmlns:ma14="http://schemas.microsoft.com/office/mac/drawingml/2011/main" val="1"/>
+              <ma14:wrappingTextBoxFlag xmlns:ma14="http://schemas.microsoft.com/office/mac/drawingml/2011/main" xmlns="" val="1"/>
             </a:ext>
           </a:extLst>
         </p:spPr>
@@ -20368,7 +20402,7 @@
           </a:ln>
           <a:extLst>
             <a:ext uri="{C572A759-6A51-4108-AA02-DFA0A04FC94B}">
-              <ma14:wrappingTextBoxFlag xmlns="" xmlns:ma14="http://schemas.microsoft.com/office/mac/drawingml/2011/main" val="1"/>
+              <ma14:wrappingTextBoxFlag xmlns:ma14="http://schemas.microsoft.com/office/mac/drawingml/2011/main" xmlns="" val="1"/>
             </a:ext>
           </a:extLst>
         </p:spPr>
@@ -23700,7 +23734,7 @@
           </a:ln>
           <a:extLst>
             <a:ext uri="{C572A759-6A51-4108-AA02-DFA0A04FC94B}">
-              <ma14:wrappingTextBoxFlag xmlns:ma14="http://schemas.microsoft.com/office/mac/drawingml/2011/main" xmlns="" val="1"/>
+              <ma14:wrappingTextBoxFlag xmlns="" xmlns:ma14="http://schemas.microsoft.com/office/mac/drawingml/2011/main" val="1"/>
             </a:ext>
           </a:extLst>
         </p:spPr>
@@ -23924,7 +23958,7 @@
           </a:ln>
           <a:extLst>
             <a:ext uri="{C572A759-6A51-4108-AA02-DFA0A04FC94B}">
-              <ma14:wrappingTextBoxFlag xmlns:ma14="http://schemas.microsoft.com/office/mac/drawingml/2011/main" xmlns="" val="1"/>
+              <ma14:wrappingTextBoxFlag xmlns="" xmlns:ma14="http://schemas.microsoft.com/office/mac/drawingml/2011/main" val="1"/>
             </a:ext>
           </a:extLst>
         </p:spPr>
@@ -24013,7 +24047,7 @@
           </a:ln>
           <a:extLst>
             <a:ext uri="{C572A759-6A51-4108-AA02-DFA0A04FC94B}">
-              <ma14:wrappingTextBoxFlag xmlns:ma14="http://schemas.microsoft.com/office/mac/drawingml/2011/main" xmlns="" val="1"/>
+              <ma14:wrappingTextBoxFlag xmlns="" xmlns:ma14="http://schemas.microsoft.com/office/mac/drawingml/2011/main" val="1"/>
             </a:ext>
           </a:extLst>
         </p:spPr>
@@ -24219,7 +24253,7 @@
           </a:ln>
           <a:extLst>
             <a:ext uri="{C572A759-6A51-4108-AA02-DFA0A04FC94B}">
-              <ma14:wrappingTextBoxFlag xmlns:ma14="http://schemas.microsoft.com/office/mac/drawingml/2011/main" xmlns="" val="1"/>
+              <ma14:wrappingTextBoxFlag xmlns="" xmlns:ma14="http://schemas.microsoft.com/office/mac/drawingml/2011/main" val="1"/>
             </a:ext>
           </a:extLst>
         </p:spPr>

--- a/kotlin_for_data_science.pptx
+++ b/kotlin_for_data_science.pptx
@@ -2228,7 +2228,7 @@
           </a:ln>
           <a:extLst>
             <a:ext uri="{C572A759-6A51-4108-AA02-DFA0A04FC94B}">
-              <ma14:wrappingTextBoxFlag xmlns:ma14="http://schemas.microsoft.com/office/mac/drawingml/2011/main" xmlns="" val="1"/>
+              <ma14:wrappingTextBoxFlag xmlns="" xmlns:ma14="http://schemas.microsoft.com/office/mac/drawingml/2011/main" val="1"/>
             </a:ext>
           </a:extLst>
         </p:spPr>
@@ -3180,7 +3180,7 @@
           </a:ln>
           <a:extLst>
             <a:ext uri="{C572A759-6A51-4108-AA02-DFA0A04FC94B}">
-              <ma14:wrappingTextBoxFlag xmlns:ma14="http://schemas.microsoft.com/office/mac/drawingml/2011/main" xmlns="" val="1"/>
+              <ma14:wrappingTextBoxFlag xmlns="" xmlns:ma14="http://schemas.microsoft.com/office/mac/drawingml/2011/main" val="1"/>
             </a:ext>
           </a:extLst>
         </p:spPr>
@@ -3333,7 +3333,7 @@
           </a:ln>
           <a:extLst>
             <a:ext uri="{C572A759-6A51-4108-AA02-DFA0A04FC94B}">
-              <ma14:wrappingTextBoxFlag xmlns:ma14="http://schemas.microsoft.com/office/mac/drawingml/2011/main" xmlns="" val="1"/>
+              <ma14:wrappingTextBoxFlag xmlns="" xmlns:ma14="http://schemas.microsoft.com/office/mac/drawingml/2011/main" val="1"/>
             </a:ext>
           </a:extLst>
         </p:spPr>
@@ -3372,7 +3372,7 @@
           </a:ln>
           <a:extLst>
             <a:ext uri="{C572A759-6A51-4108-AA02-DFA0A04FC94B}">
-              <ma14:wrappingTextBoxFlag xmlns:ma14="http://schemas.microsoft.com/office/mac/drawingml/2011/main" xmlns="" val="1"/>
+              <ma14:wrappingTextBoxFlag xmlns="" xmlns:ma14="http://schemas.microsoft.com/office/mac/drawingml/2011/main" val="1"/>
             </a:ext>
           </a:extLst>
         </p:spPr>
@@ -4453,7 +4453,7 @@
           </a:ln>
           <a:extLst>
             <a:ext uri="{C572A759-6A51-4108-AA02-DFA0A04FC94B}">
-              <ma14:wrappingTextBoxFlag xmlns="" xmlns:ma14="http://schemas.microsoft.com/office/mac/drawingml/2011/main" val="1"/>
+              <ma14:wrappingTextBoxFlag xmlns:ma14="http://schemas.microsoft.com/office/mac/drawingml/2011/main" xmlns="" val="1"/>
             </a:ext>
           </a:extLst>
         </p:spPr>
@@ -4507,7 +4507,7 @@
           </a:ln>
           <a:extLst>
             <a:ext uri="{C572A759-6A51-4108-AA02-DFA0A04FC94B}">
-              <ma14:wrappingTextBoxFlag xmlns="" xmlns:ma14="http://schemas.microsoft.com/office/mac/drawingml/2011/main" val="1"/>
+              <ma14:wrappingTextBoxFlag xmlns:ma14="http://schemas.microsoft.com/office/mac/drawingml/2011/main" xmlns="" val="1"/>
             </a:ext>
           </a:extLst>
         </p:spPr>
@@ -4561,7 +4561,7 @@
           </a:ln>
           <a:extLst>
             <a:ext uri="{C572A759-6A51-4108-AA02-DFA0A04FC94B}">
-              <ma14:wrappingTextBoxFlag xmlns:mc="http://schemas.openxmlformats.org/markup-compatibility/2006" xmlns:a14="http://schemas.microsoft.com/office/drawing/2010/main" xmlns:ma14="http://schemas.microsoft.com/office/mac/drawingml/2011/main" xmlns="" val="1"/>
+              <ma14:wrappingTextBoxFlag xmlns="" xmlns:ma14="http://schemas.microsoft.com/office/mac/drawingml/2011/main" xmlns:a14="http://schemas.microsoft.com/office/drawing/2010/main" xmlns:mc="http://schemas.openxmlformats.org/markup-compatibility/2006" val="1"/>
             </a:ext>
           </a:extLst>
         </p:spPr>
@@ -4767,7 +4767,7 @@
           </a:ln>
           <a:extLst>
             <a:ext uri="{C572A759-6A51-4108-AA02-DFA0A04FC94B}">
-              <ma14:wrappingTextBoxFlag xmlns:ma14="http://schemas.microsoft.com/office/mac/drawingml/2011/main" xmlns="" val="1"/>
+              <ma14:wrappingTextBoxFlag xmlns="" xmlns:ma14="http://schemas.microsoft.com/office/mac/drawingml/2011/main" val="1"/>
             </a:ext>
           </a:extLst>
         </p:spPr>
@@ -5071,7 +5071,7 @@
           </a:ln>
           <a:extLst>
             <a:ext uri="{C572A759-6A51-4108-AA02-DFA0A04FC94B}">
-              <ma14:wrappingTextBoxFlag xmlns="" xmlns:ma14="http://schemas.microsoft.com/office/mac/drawingml/2011/main" val="1"/>
+              <ma14:wrappingTextBoxFlag xmlns:ma14="http://schemas.microsoft.com/office/mac/drawingml/2011/main" xmlns="" val="1"/>
             </a:ext>
           </a:extLst>
         </p:spPr>
@@ -5635,7 +5635,7 @@
           </a:ln>
           <a:extLst>
             <a:ext uri="{C572A759-6A51-4108-AA02-DFA0A04FC94B}">
-              <ma14:wrappingTextBoxFlag xmlns:mc="http://schemas.openxmlformats.org/markup-compatibility/2006" xmlns:a14="http://schemas.microsoft.com/office/drawing/2010/main" xmlns:ma14="http://schemas.microsoft.com/office/mac/drawingml/2011/main" xmlns="" val="1"/>
+              <ma14:wrappingTextBoxFlag xmlns="" xmlns:ma14="http://schemas.microsoft.com/office/mac/drawingml/2011/main" xmlns:a14="http://schemas.microsoft.com/office/drawing/2010/main" xmlns:mc="http://schemas.openxmlformats.org/markup-compatibility/2006" val="1"/>
             </a:ext>
           </a:extLst>
         </p:spPr>
@@ -5825,7 +5825,7 @@
           </a:ln>
           <a:extLst>
             <a:ext uri="{C572A759-6A51-4108-AA02-DFA0A04FC94B}">
-              <ma14:wrappingTextBoxFlag xmlns="" xmlns:ma14="http://schemas.microsoft.com/office/mac/drawingml/2011/main" val="1"/>
+              <ma14:wrappingTextBoxFlag xmlns:ma14="http://schemas.microsoft.com/office/mac/drawingml/2011/main" xmlns="" val="1"/>
             </a:ext>
           </a:extLst>
         </p:spPr>
@@ -5895,7 +5895,7 @@
           </a:ln>
           <a:extLst>
             <a:ext uri="{C572A759-6A51-4108-AA02-DFA0A04FC94B}">
-              <ma14:wrappingTextBoxFlag xmlns="" xmlns:ma14="http://schemas.microsoft.com/office/mac/drawingml/2011/main" val="1"/>
+              <ma14:wrappingTextBoxFlag xmlns:ma14="http://schemas.microsoft.com/office/mac/drawingml/2011/main" xmlns="" val="1"/>
             </a:ext>
           </a:extLst>
         </p:spPr>
@@ -6210,7 +6210,7 @@
           </a:ln>
           <a:extLst>
             <a:ext uri="{C572A759-6A51-4108-AA02-DFA0A04FC94B}">
-              <ma14:wrappingTextBoxFlag xmlns:ma14="http://schemas.microsoft.com/office/mac/drawingml/2011/main" xmlns="" xmlns:a14="http://schemas.microsoft.com/office/drawing/2010/main" xmlns:mc="http://schemas.openxmlformats.org/markup-compatibility/2006" val="1"/>
+              <ma14:wrappingTextBoxFlag xmlns:mc="http://schemas.openxmlformats.org/markup-compatibility/2006" xmlns:a14="http://schemas.microsoft.com/office/drawing/2010/main" xmlns="" xmlns:ma14="http://schemas.microsoft.com/office/mac/drawingml/2011/main" val="1"/>
             </a:ext>
           </a:extLst>
         </p:spPr>
@@ -6547,7 +6547,7 @@
           </a:ln>
           <a:extLst>
             <a:ext uri="{C572A759-6A51-4108-AA02-DFA0A04FC94B}">
-              <ma14:wrappingTextBoxFlag xmlns="" xmlns:ma14="http://schemas.microsoft.com/office/mac/drawingml/2011/main" val="1"/>
+              <ma14:wrappingTextBoxFlag xmlns:ma14="http://schemas.microsoft.com/office/mac/drawingml/2011/main" xmlns="" val="1"/>
             </a:ext>
           </a:extLst>
         </p:spPr>
@@ -6617,7 +6617,7 @@
           </a:ln>
           <a:extLst>
             <a:ext uri="{C572A759-6A51-4108-AA02-DFA0A04FC94B}">
-              <ma14:wrappingTextBoxFlag xmlns="" xmlns:ma14="http://schemas.microsoft.com/office/mac/drawingml/2011/main" val="1"/>
+              <ma14:wrappingTextBoxFlag xmlns:ma14="http://schemas.microsoft.com/office/mac/drawingml/2011/main" xmlns="" val="1"/>
             </a:ext>
           </a:extLst>
         </p:spPr>
@@ -8109,7 +8109,7 @@
           </a:ln>
           <a:extLst>
             <a:ext uri="{C572A759-6A51-4108-AA02-DFA0A04FC94B}">
-              <ma14:wrappingTextBoxFlag xmlns:ma14="http://schemas.microsoft.com/office/mac/drawingml/2011/main" xmlns="" val="1"/>
+              <ma14:wrappingTextBoxFlag xmlns="" xmlns:ma14="http://schemas.microsoft.com/office/mac/drawingml/2011/main" val="1"/>
             </a:ext>
           </a:extLst>
         </p:spPr>
@@ -8543,7 +8543,7 @@
           </a:ln>
           <a:extLst>
             <a:ext uri="{C572A759-6A51-4108-AA02-DFA0A04FC94B}">
-              <ma14:wrappingTextBoxFlag xmlns="" xmlns:ma14="http://schemas.microsoft.com/office/mac/drawingml/2011/main" val="1"/>
+              <ma14:wrappingTextBoxFlag xmlns:ma14="http://schemas.microsoft.com/office/mac/drawingml/2011/main" xmlns="" val="1"/>
             </a:ext>
           </a:extLst>
         </p:spPr>
@@ -8815,7 +8815,7 @@
           </a:ln>
           <a:extLst>
             <a:ext uri="{C572A759-6A51-4108-AA02-DFA0A04FC94B}">
-              <ma14:wrappingTextBoxFlag xmlns="" xmlns:ma14="http://schemas.microsoft.com/office/mac/drawingml/2011/main" val="1"/>
+              <ma14:wrappingTextBoxFlag xmlns:ma14="http://schemas.microsoft.com/office/mac/drawingml/2011/main" xmlns="" val="1"/>
             </a:ext>
           </a:extLst>
         </p:spPr>
@@ -9355,7 +9355,7 @@
           </a:ln>
           <a:extLst>
             <a:ext uri="{C572A759-6A51-4108-AA02-DFA0A04FC94B}">
-              <ma14:wrappingTextBoxFlag xmlns:ma14="http://schemas.microsoft.com/office/mac/drawingml/2011/main" xmlns="" val="1"/>
+              <ma14:wrappingTextBoxFlag xmlns="" xmlns:ma14="http://schemas.microsoft.com/office/mac/drawingml/2011/main" val="1"/>
             </a:ext>
           </a:extLst>
         </p:spPr>
@@ -9776,7 +9776,7 @@
           </a:ln>
           <a:extLst>
             <a:ext uri="{C572A759-6A51-4108-AA02-DFA0A04FC94B}">
-              <ma14:wrappingTextBoxFlag xmlns="" xmlns:ma14="http://schemas.microsoft.com/office/mac/drawingml/2011/main" val="1"/>
+              <ma14:wrappingTextBoxFlag xmlns:ma14="http://schemas.microsoft.com/office/mac/drawingml/2011/main" xmlns="" val="1"/>
             </a:ext>
           </a:extLst>
         </p:spPr>
@@ -10275,7 +10275,7 @@
           </a:ln>
           <a:extLst>
             <a:ext uri="{C572A759-6A51-4108-AA02-DFA0A04FC94B}">
-              <ma14:wrappingTextBoxFlag xmlns="" xmlns:ma14="http://schemas.microsoft.com/office/mac/drawingml/2011/main" val="1"/>
+              <ma14:wrappingTextBoxFlag xmlns:ma14="http://schemas.microsoft.com/office/mac/drawingml/2011/main" xmlns="" val="1"/>
             </a:ext>
           </a:extLst>
         </p:spPr>
@@ -10415,7 +10415,7 @@
           </a:ln>
           <a:extLst>
             <a:ext uri="{C572A759-6A51-4108-AA02-DFA0A04FC94B}">
-              <ma14:wrappingTextBoxFlag xmlns="" xmlns:ma14="http://schemas.microsoft.com/office/mac/drawingml/2011/main" val="1"/>
+              <ma14:wrappingTextBoxFlag xmlns:ma14="http://schemas.microsoft.com/office/mac/drawingml/2011/main" xmlns="" val="1"/>
             </a:ext>
           </a:extLst>
         </p:spPr>
@@ -10473,7 +10473,7 @@
           </a:ln>
           <a:extLst>
             <a:ext uri="{C572A759-6A51-4108-AA02-DFA0A04FC94B}">
-              <ma14:wrappingTextBoxFlag xmlns="" xmlns:ma14="http://schemas.microsoft.com/office/mac/drawingml/2011/main" val="1"/>
+              <ma14:wrappingTextBoxFlag xmlns:ma14="http://schemas.microsoft.com/office/mac/drawingml/2011/main" xmlns="" val="1"/>
             </a:ext>
           </a:extLst>
         </p:spPr>
@@ -10866,7 +10866,7 @@
           </a:ln>
           <a:extLst>
             <a:ext uri="{C572A759-6A51-4108-AA02-DFA0A04FC94B}">
-              <ma14:wrappingTextBoxFlag xmlns:ma14="http://schemas.microsoft.com/office/mac/drawingml/2011/main" xmlns="" val="1"/>
+              <ma14:wrappingTextBoxFlag xmlns="" xmlns:ma14="http://schemas.microsoft.com/office/mac/drawingml/2011/main" val="1"/>
             </a:ext>
           </a:extLst>
         </p:spPr>
@@ -10994,7 +10994,7 @@
           </a:ln>
           <a:extLst>
             <a:ext uri="{C572A759-6A51-4108-AA02-DFA0A04FC94B}">
-              <ma14:wrappingTextBoxFlag xmlns="" xmlns:ma14="http://schemas.microsoft.com/office/mac/drawingml/2011/main" val="1"/>
+              <ma14:wrappingTextBoxFlag xmlns:ma14="http://schemas.microsoft.com/office/mac/drawingml/2011/main" xmlns="" val="1"/>
             </a:ext>
           </a:extLst>
         </p:spPr>
@@ -11273,7 +11273,7 @@
           </a:ln>
           <a:extLst>
             <a:ext uri="{C572A759-6A51-4108-AA02-DFA0A04FC94B}">
-              <ma14:wrappingTextBoxFlag xmlns:ma14="http://schemas.microsoft.com/office/mac/drawingml/2011/main" xmlns="" val="1"/>
+              <ma14:wrappingTextBoxFlag xmlns="" xmlns:ma14="http://schemas.microsoft.com/office/mac/drawingml/2011/main" val="1"/>
             </a:ext>
           </a:extLst>
         </p:spPr>
@@ -11478,7 +11478,7 @@
           </a:ln>
           <a:extLst>
             <a:ext uri="{C572A759-6A51-4108-AA02-DFA0A04FC94B}">
-              <ma14:wrappingTextBoxFlag xmlns:ma14="http://schemas.microsoft.com/office/mac/drawingml/2011/main" xmlns="" val="1"/>
+              <ma14:wrappingTextBoxFlag xmlns="" xmlns:ma14="http://schemas.microsoft.com/office/mac/drawingml/2011/main" val="1"/>
             </a:ext>
           </a:extLst>
         </p:spPr>
@@ -11782,7 +11782,7 @@
           </a:ln>
           <a:extLst>
             <a:ext uri="{C572A759-6A51-4108-AA02-DFA0A04FC94B}">
-              <ma14:wrappingTextBoxFlag xmlns="" xmlns:ma14="http://schemas.microsoft.com/office/mac/drawingml/2011/main" val="1"/>
+              <ma14:wrappingTextBoxFlag xmlns:ma14="http://schemas.microsoft.com/office/mac/drawingml/2011/main" xmlns="" val="1"/>
             </a:ext>
           </a:extLst>
         </p:spPr>
@@ -12205,7 +12205,7 @@
         </p:nvSpPr>
         <p:spPr>
           <a:xfrm>
-            <a:off x="1007533" y="3576614"/>
+            <a:off x="1007533" y="3962625"/>
             <a:ext cx="19225645" cy="10542045"/>
           </a:xfrm>
           <a:prstGeom prst="rect">
@@ -12216,7 +12216,7 @@
           </a:ln>
           <a:extLst>
             <a:ext uri="{C572A759-6A51-4108-AA02-DFA0A04FC94B}">
-              <ma14:wrappingTextBoxFlag xmlns:ma14="http://schemas.microsoft.com/office/mac/drawingml/2011/main" xmlns="" val="1"/>
+              <ma14:wrappingTextBoxFlag xmlns="" xmlns:ma14="http://schemas.microsoft.com/office/mac/drawingml/2011/main" val="1"/>
             </a:ext>
           </a:extLst>
         </p:spPr>
@@ -12276,7 +12276,7 @@
             </a:r>
             <a:r>
               <a:rPr lang="en-US" sz="4400" b="1" dirty="0"/>
-              <a:t> be experiencing some growth challenges.</a:t>
+              <a:t> have some challenges going forward.</a:t>
             </a:r>
           </a:p>
           <a:p>
@@ -12297,15 +12297,7 @@
             </a:pPr>
             <a:r>
               <a:rPr lang="en-US" sz="4400" dirty="0"/>
-              <a:t>It’s difficult to confirm this empirically, but stories about Scala talent shortages are </a:t>
-            </a:r>
-            <a:r>
-              <a:rPr lang="en-US" sz="4400"/>
-              <a:t>becoming increasingly common</a:t>
-            </a:r>
-            <a:r>
-              <a:rPr lang="en-US" sz="4400" dirty="0"/>
-              <a:t>. </a:t>
+              <a:t>Apache Spark is being interfaced in other languages like Python and R to make it accessible. </a:t>
             </a:r>
           </a:p>
           <a:p>
@@ -12326,16 +12318,8 @@
             </a:pPr>
             <a:r>
               <a:rPr lang="en-US" sz="4400" dirty="0"/>
-              <a:t>Apache Spark is also being interfaced in other languages like Python and R to make it accessible. </a:t>
-            </a:r>
-          </a:p>
-          <a:p>
-            <a:pPr>
-              <a:lnSpc>
-                <a:spcPct val="100000"/>
-              </a:lnSpc>
-            </a:pPr>
-            <a:endParaRPr lang="en-US" sz="4400" dirty="0"/>
+              <a:t>Computation engines and libraries are increasingly moving back to C/C++, and away from JVM.</a:t>
+            </a:r>
           </a:p>
           <a:p>
             <a:pPr marL="685800" indent="-685800">
@@ -12345,9 +12329,19 @@
               <a:buFont typeface="Arial" panose="020B0604020202020204" pitchFamily="34" charset="0"/>
               <a:buChar char="•"/>
             </a:pPr>
+            <a:endParaRPr lang="en-US" sz="4400" dirty="0"/>
+          </a:p>
+          <a:p>
+            <a:pPr marL="685800" indent="-685800">
+              <a:lnSpc>
+                <a:spcPct val="100000"/>
+              </a:lnSpc>
+              <a:buFont typeface="Arial" panose="020B0604020202020204" pitchFamily="34" charset="0"/>
+              <a:buChar char="•"/>
+            </a:pPr>
             <a:r>
               <a:rPr lang="en-US" sz="4400" dirty="0"/>
-              <a:t>Computation engines and libraries are increasingly moving back to C/C++, and away from JVM.</a:t>
+              <a:t>Plethora of features = Good or overwhelming?</a:t>
             </a:r>
           </a:p>
         </p:txBody>
@@ -12379,7 +12373,7 @@
           </a:ln>
           <a:extLst>
             <a:ext uri="{C572A759-6A51-4108-AA02-DFA0A04FC94B}">
-              <ma14:wrappingTextBoxFlag xmlns:ma14="http://schemas.microsoft.com/office/mac/drawingml/2011/main" xmlns="" val="1"/>
+              <ma14:wrappingTextBoxFlag xmlns="" xmlns:ma14="http://schemas.microsoft.com/office/mac/drawingml/2011/main" val="1"/>
             </a:ext>
           </a:extLst>
         </p:spPr>
@@ -12683,7 +12677,7 @@
           </a:ln>
           <a:extLst>
             <a:ext uri="{C572A759-6A51-4108-AA02-DFA0A04FC94B}">
-              <ma14:wrappingTextBoxFlag xmlns="" xmlns:ma14="http://schemas.microsoft.com/office/mac/drawingml/2011/main" val="1"/>
+              <ma14:wrappingTextBoxFlag xmlns:ma14="http://schemas.microsoft.com/office/mac/drawingml/2011/main" xmlns="" val="1"/>
             </a:ext>
           </a:extLst>
         </p:spPr>
@@ -12827,33 +12821,15 @@
                                   </p:childTnLst>
                                 </p:cTn>
                               </p:par>
-                            </p:childTnLst>
-                          </p:cTn>
-                        </p:par>
-                      </p:childTnLst>
-                    </p:cTn>
-                  </p:par>
-                  <p:par>
-                    <p:cTn id="11" fill="hold">
-                      <p:stCondLst>
-                        <p:cond delay="indefinite"/>
-                      </p:stCondLst>
-                      <p:childTnLst>
-                        <p:par>
-                          <p:cTn id="12" fill="hold">
-                            <p:stCondLst>
-                              <p:cond delay="0"/>
-                            </p:stCondLst>
-                            <p:childTnLst>
                               <p:par>
-                                <p:cTn id="13" presetID="1" presetClass="entr" presetSubtype="0" fill="hold" nodeType="clickEffect">
+                                <p:cTn id="11" presetID="1" presetClass="entr" presetSubtype="0" fill="hold" nodeType="withEffect">
                                   <p:stCondLst>
                                     <p:cond delay="0"/>
                                   </p:stCondLst>
                                   <p:childTnLst>
                                     <p:set>
                                       <p:cBhvr>
-                                        <p:cTn id="14" dur="1" fill="hold">
+                                        <p:cTn id="12" dur="1" fill="hold">
                                           <p:stCondLst>
                                             <p:cond delay="0"/>
                                           </p:stCondLst>
@@ -12877,14 +12853,14 @@
                                 </p:cTn>
                               </p:par>
                               <p:par>
-                                <p:cTn id="15" presetID="1" presetClass="entr" presetSubtype="0" fill="hold" nodeType="withEffect">
+                                <p:cTn id="13" presetID="1" presetClass="entr" presetSubtype="0" fill="hold" nodeType="withEffect">
                                   <p:stCondLst>
                                     <p:cond delay="0"/>
                                   </p:stCondLst>
                                   <p:childTnLst>
                                     <p:set>
                                       <p:cBhvr>
-                                        <p:cTn id="16" dur="1" fill="hold">
+                                        <p:cTn id="14" dur="1" fill="hold">
                                           <p:stCondLst>
                                             <p:cond delay="0"/>
                                           </p:stCondLst>
@@ -12908,14 +12884,14 @@
                                 </p:cTn>
                               </p:par>
                               <p:par>
-                                <p:cTn id="17" presetID="1" presetClass="entr" presetSubtype="0" fill="hold" nodeType="withEffect">
+                                <p:cTn id="15" presetID="1" presetClass="entr" presetSubtype="0" fill="hold" nodeType="withEffect">
                                   <p:stCondLst>
                                     <p:cond delay="0"/>
                                   </p:stCondLst>
                                   <p:childTnLst>
                                     <p:set>
                                       <p:cBhvr>
-                                        <p:cTn id="18" dur="1" fill="hold">
+                                        <p:cTn id="16" dur="1" fill="hold">
                                           <p:stCondLst>
                                             <p:cond delay="0"/>
                                           </p:stCondLst>
@@ -13000,8 +12976,8 @@
         </p:nvSpPr>
         <p:spPr>
           <a:xfrm>
-            <a:off x="1007533" y="3622842"/>
-            <a:ext cx="19225645" cy="10542045"/>
+            <a:off x="1007533" y="3192604"/>
+            <a:ext cx="19225645" cy="8710863"/>
           </a:xfrm>
           <a:prstGeom prst="rect">
             <a:avLst/>
@@ -13011,7 +12987,7 @@
           </a:ln>
           <a:extLst>
             <a:ext uri="{C572A759-6A51-4108-AA02-DFA0A04FC94B}">
-              <ma14:wrappingTextBoxFlag xmlns:ma14="http://schemas.microsoft.com/office/mac/drawingml/2011/main" xmlns="" val="1"/>
+              <ma14:wrappingTextBoxFlag xmlns="" xmlns:ma14="http://schemas.microsoft.com/office/mac/drawingml/2011/main" val="1"/>
             </a:ext>
           </a:extLst>
         </p:spPr>
@@ -13051,15 +13027,7 @@
             </a:pPr>
             <a:r>
               <a:rPr lang="en-US" sz="4400" b="1" dirty="0"/>
-              <a:t>Scala’s </a:t>
-            </a:r>
-            <a:r>
-              <a:rPr lang="en-US" sz="4400" b="1" i="1" dirty="0"/>
-              <a:t>alleged</a:t>
-            </a:r>
-            <a:r>
-              <a:rPr lang="en-US" sz="4400" b="1" dirty="0"/>
-              <a:t> challenges may present an opportunity for Kotlin.  </a:t>
+              <a:t>Scala not taking significant share from Python may present an opportunity for Kotlin.  </a:t>
             </a:r>
           </a:p>
           <a:p>
@@ -13081,6 +13049,29 @@
             <a:r>
               <a:rPr lang="en-US" sz="4400" dirty="0"/>
               <a:t>Kotlin might be able to finish what Scala started, establishing an engineering-grade coding platform for data science.</a:t>
+            </a:r>
+          </a:p>
+          <a:p>
+            <a:pPr marL="685800" indent="-685800">
+              <a:lnSpc>
+                <a:spcPct val="100000"/>
+              </a:lnSpc>
+              <a:buFont typeface="Arial" panose="020B0604020202020204" pitchFamily="34" charset="0"/>
+              <a:buChar char="•"/>
+            </a:pPr>
+            <a:endParaRPr lang="en-US" sz="4400" dirty="0"/>
+          </a:p>
+          <a:p>
+            <a:pPr marL="685800" indent="-685800">
+              <a:lnSpc>
+                <a:spcPct val="100000"/>
+              </a:lnSpc>
+              <a:buFont typeface="Arial" panose="020B0604020202020204" pitchFamily="34" charset="0"/>
+              <a:buChar char="•"/>
+            </a:pPr>
+            <a:r>
+              <a:rPr lang="en-US" sz="4400" dirty="0"/>
+              <a:t>Kotlin has easier interoperability with Java.</a:t>
             </a:r>
           </a:p>
           <a:p>
@@ -13154,7 +13145,7 @@
           </a:ln>
           <a:extLst>
             <a:ext uri="{C572A759-6A51-4108-AA02-DFA0A04FC94B}">
-              <ma14:wrappingTextBoxFlag xmlns:ma14="http://schemas.microsoft.com/office/mac/drawingml/2011/main" xmlns="" val="1"/>
+              <ma14:wrappingTextBoxFlag xmlns="" xmlns:ma14="http://schemas.microsoft.com/office/mac/drawingml/2011/main" val="1"/>
             </a:ext>
           </a:extLst>
         </p:spPr>
@@ -13458,7 +13449,7 @@
           </a:ln>
           <a:extLst>
             <a:ext uri="{C572A759-6A51-4108-AA02-DFA0A04FC94B}">
-              <ma14:wrappingTextBoxFlag xmlns="" xmlns:ma14="http://schemas.microsoft.com/office/mac/drawingml/2011/main" val="1"/>
+              <ma14:wrappingTextBoxFlag xmlns:ma14="http://schemas.microsoft.com/office/mac/drawingml/2011/main" xmlns="" val="1"/>
             </a:ext>
           </a:extLst>
         </p:spPr>
@@ -13661,6 +13652,55 @@
                       </p:childTnLst>
                     </p:cTn>
                   </p:par>
+                  <p:par>
+                    <p:cTn id="15" fill="hold">
+                      <p:stCondLst>
+                        <p:cond delay="indefinite"/>
+                      </p:stCondLst>
+                      <p:childTnLst>
+                        <p:par>
+                          <p:cTn id="16" fill="hold">
+                            <p:stCondLst>
+                              <p:cond delay="0"/>
+                            </p:stCondLst>
+                            <p:childTnLst>
+                              <p:par>
+                                <p:cTn id="17" presetID="1" presetClass="entr" presetSubtype="0" fill="hold" nodeType="clickEffect">
+                                  <p:stCondLst>
+                                    <p:cond delay="0"/>
+                                  </p:stCondLst>
+                                  <p:childTnLst>
+                                    <p:set>
+                                      <p:cBhvr>
+                                        <p:cTn id="18" dur="1" fill="hold">
+                                          <p:stCondLst>
+                                            <p:cond delay="0"/>
+                                          </p:stCondLst>
+                                        </p:cTn>
+                                        <p:tgtEl>
+                                          <p:spTgt spid="4">
+                                            <p:txEl>
+                                              <p:pRg st="9" end="9"/>
+                                            </p:txEl>
+                                          </p:spTgt>
+                                        </p:tgtEl>
+                                        <p:attrNameLst>
+                                          <p:attrName>style.visibility</p:attrName>
+                                        </p:attrNameLst>
+                                      </p:cBhvr>
+                                      <p:to>
+                                        <p:strVal val="visible"/>
+                                      </p:to>
+                                    </p:set>
+                                  </p:childTnLst>
+                                </p:cTn>
+                              </p:par>
+                            </p:childTnLst>
+                          </p:cTn>
+                        </p:par>
+                      </p:childTnLst>
+                    </p:cTn>
+                  </p:par>
                 </p:childTnLst>
               </p:cTn>
               <p:prevCondLst>
@@ -13756,7 +13796,7 @@
           </a:ln>
           <a:extLst>
             <a:ext uri="{C572A759-6A51-4108-AA02-DFA0A04FC94B}">
-              <ma14:wrappingTextBoxFlag xmlns:ma14="http://schemas.microsoft.com/office/mac/drawingml/2011/main" xmlns="" val="1"/>
+              <ma14:wrappingTextBoxFlag xmlns="" xmlns:ma14="http://schemas.microsoft.com/office/mac/drawingml/2011/main" val="1"/>
             </a:ext>
           </a:extLst>
         </p:spPr>
@@ -14307,7 +14347,7 @@
           </a:ln>
           <a:extLst>
             <a:ext uri="{C572A759-6A51-4108-AA02-DFA0A04FC94B}">
-              <ma14:wrappingTextBoxFlag xmlns="" xmlns:ma14="http://schemas.microsoft.com/office/mac/drawingml/2011/main" val="1"/>
+              <ma14:wrappingTextBoxFlag xmlns:ma14="http://schemas.microsoft.com/office/mac/drawingml/2011/main" xmlns="" val="1"/>
             </a:ext>
           </a:extLst>
         </p:spPr>
@@ -14679,7 +14719,7 @@
           </a:ln>
           <a:extLst>
             <a:ext uri="{C572A759-6A51-4108-AA02-DFA0A04FC94B}">
-              <ma14:wrappingTextBoxFlag xmlns:ma14="http://schemas.microsoft.com/office/mac/drawingml/2011/main" xmlns="" val="1"/>
+              <ma14:wrappingTextBoxFlag xmlns="" xmlns:ma14="http://schemas.microsoft.com/office/mac/drawingml/2011/main" val="1"/>
             </a:ext>
           </a:extLst>
         </p:spPr>
@@ -15348,7 +15388,7 @@
           </a:ln>
           <a:extLst>
             <a:ext uri="{C572A759-6A51-4108-AA02-DFA0A04FC94B}">
-              <ma14:wrappingTextBoxFlag xmlns="" xmlns:ma14="http://schemas.microsoft.com/office/mac/drawingml/2011/main" val="1"/>
+              <ma14:wrappingTextBoxFlag xmlns:ma14="http://schemas.microsoft.com/office/mac/drawingml/2011/main" xmlns="" val="1"/>
             </a:ext>
           </a:extLst>
         </p:spPr>
@@ -16026,7 +16066,7 @@
           </a:ln>
           <a:extLst>
             <a:ext uri="{C572A759-6A51-4108-AA02-DFA0A04FC94B}">
-              <ma14:wrappingTextBoxFlag xmlns:ma14="http://schemas.microsoft.com/office/mac/drawingml/2011/main" xmlns="" val="1"/>
+              <ma14:wrappingTextBoxFlag xmlns="" xmlns:ma14="http://schemas.microsoft.com/office/mac/drawingml/2011/main" val="1"/>
             </a:ext>
           </a:extLst>
         </p:spPr>
@@ -16084,7 +16124,7 @@
           </a:ln>
           <a:extLst>
             <a:ext uri="{C572A759-6A51-4108-AA02-DFA0A04FC94B}">
-              <ma14:wrappingTextBoxFlag xmlns:ma14="http://schemas.microsoft.com/office/mac/drawingml/2011/main" xmlns="" val="1"/>
+              <ma14:wrappingTextBoxFlag xmlns="" xmlns:ma14="http://schemas.microsoft.com/office/mac/drawingml/2011/main" val="1"/>
             </a:ext>
           </a:extLst>
         </p:spPr>
@@ -16308,7 +16348,7 @@
           </a:ln>
           <a:extLst>
             <a:ext uri="{C572A759-6A51-4108-AA02-DFA0A04FC94B}">
-              <ma14:wrappingTextBoxFlag xmlns="" xmlns:ma14="http://schemas.microsoft.com/office/mac/drawingml/2011/main" val="1"/>
+              <ma14:wrappingTextBoxFlag xmlns:ma14="http://schemas.microsoft.com/office/mac/drawingml/2011/main" xmlns="" val="1"/>
             </a:ext>
           </a:extLst>
         </p:spPr>
@@ -16366,7 +16406,7 @@
           </a:ln>
           <a:extLst>
             <a:ext uri="{C572A759-6A51-4108-AA02-DFA0A04FC94B}">
-              <ma14:wrappingTextBoxFlag xmlns:ma14="http://schemas.microsoft.com/office/mac/drawingml/2011/main" xmlns="" val="1"/>
+              <ma14:wrappingTextBoxFlag xmlns="" xmlns:ma14="http://schemas.microsoft.com/office/mac/drawingml/2011/main" val="1"/>
             </a:ext>
           </a:extLst>
         </p:spPr>
@@ -16884,7 +16924,7 @@
           </a:ln>
           <a:extLst>
             <a:ext uri="{C572A759-6A51-4108-AA02-DFA0A04FC94B}">
-              <ma14:wrappingTextBoxFlag xmlns="" xmlns:ma14="http://schemas.microsoft.com/office/mac/drawingml/2011/main" val="1"/>
+              <ma14:wrappingTextBoxFlag xmlns:ma14="http://schemas.microsoft.com/office/mac/drawingml/2011/main" xmlns="" val="1"/>
             </a:ext>
           </a:extLst>
         </p:spPr>
@@ -16942,7 +16982,7 @@
           </a:ln>
           <a:extLst>
             <a:ext uri="{C572A759-6A51-4108-AA02-DFA0A04FC94B}">
-              <ma14:wrappingTextBoxFlag xmlns:ma14="http://schemas.microsoft.com/office/mac/drawingml/2011/main" xmlns="" val="1"/>
+              <ma14:wrappingTextBoxFlag xmlns="" xmlns:ma14="http://schemas.microsoft.com/office/mac/drawingml/2011/main" val="1"/>
             </a:ext>
           </a:extLst>
         </p:spPr>
@@ -17440,7 +17480,7 @@
           </a:ln>
           <a:extLst>
             <a:ext uri="{C572A759-6A51-4108-AA02-DFA0A04FC94B}">
-              <ma14:wrappingTextBoxFlag xmlns:ma14="http://schemas.microsoft.com/office/mac/drawingml/2011/main" xmlns="" val="1"/>
+              <ma14:wrappingTextBoxFlag xmlns="" xmlns:ma14="http://schemas.microsoft.com/office/mac/drawingml/2011/main" val="1"/>
             </a:ext>
           </a:extLst>
         </p:spPr>
@@ -17777,7 +17817,7 @@
           </a:ln>
           <a:extLst>
             <a:ext uri="{C572A759-6A51-4108-AA02-DFA0A04FC94B}">
-              <ma14:wrappingTextBoxFlag xmlns="" xmlns:ma14="http://schemas.microsoft.com/office/mac/drawingml/2011/main" val="1"/>
+              <ma14:wrappingTextBoxFlag xmlns:ma14="http://schemas.microsoft.com/office/mac/drawingml/2011/main" xmlns="" val="1"/>
             </a:ext>
           </a:extLst>
         </p:spPr>
@@ -17835,7 +17875,7 @@
           </a:ln>
           <a:extLst>
             <a:ext uri="{C572A759-6A51-4108-AA02-DFA0A04FC94B}">
-              <ma14:wrappingTextBoxFlag xmlns:ma14="http://schemas.microsoft.com/office/mac/drawingml/2011/main" xmlns="" val="1"/>
+              <ma14:wrappingTextBoxFlag xmlns="" xmlns:ma14="http://schemas.microsoft.com/office/mac/drawingml/2011/main" val="1"/>
             </a:ext>
           </a:extLst>
         </p:spPr>
@@ -18161,7 +18201,7 @@
           </a:ln>
           <a:extLst>
             <a:ext uri="{C572A759-6A51-4108-AA02-DFA0A04FC94B}">
-              <ma14:wrappingTextBoxFlag xmlns:ma14="http://schemas.microsoft.com/office/mac/drawingml/2011/main" xmlns="" val="1"/>
+              <ma14:wrappingTextBoxFlag xmlns="" xmlns:ma14="http://schemas.microsoft.com/office/mac/drawingml/2011/main" val="1"/>
             </a:ext>
           </a:extLst>
         </p:spPr>
@@ -18361,7 +18401,7 @@
           </a:ln>
           <a:extLst>
             <a:ext uri="{C572A759-6A51-4108-AA02-DFA0A04FC94B}">
-              <ma14:wrappingTextBoxFlag xmlns="" xmlns:ma14="http://schemas.microsoft.com/office/mac/drawingml/2011/main" val="1"/>
+              <ma14:wrappingTextBoxFlag xmlns:ma14="http://schemas.microsoft.com/office/mac/drawingml/2011/main" xmlns="" val="1"/>
             </a:ext>
           </a:extLst>
         </p:spPr>
@@ -19067,7 +19107,7 @@
           </a:ln>
           <a:extLst>
             <a:ext uri="{C572A759-6A51-4108-AA02-DFA0A04FC94B}">
-              <ma14:wrappingTextBoxFlag xmlns:ma14="http://schemas.microsoft.com/office/mac/drawingml/2011/main" xmlns="" val="1"/>
+              <ma14:wrappingTextBoxFlag xmlns="" xmlns:ma14="http://schemas.microsoft.com/office/mac/drawingml/2011/main" val="1"/>
             </a:ext>
           </a:extLst>
         </p:spPr>
@@ -20402,7 +20442,7 @@
           </a:ln>
           <a:extLst>
             <a:ext uri="{C572A759-6A51-4108-AA02-DFA0A04FC94B}">
-              <ma14:wrappingTextBoxFlag xmlns:ma14="http://schemas.microsoft.com/office/mac/drawingml/2011/main" xmlns="" val="1"/>
+              <ma14:wrappingTextBoxFlag xmlns="" xmlns:ma14="http://schemas.microsoft.com/office/mac/drawingml/2011/main" val="1"/>
             </a:ext>
           </a:extLst>
         </p:spPr>
@@ -23734,7 +23774,7 @@
           </a:ln>
           <a:extLst>
             <a:ext uri="{C572A759-6A51-4108-AA02-DFA0A04FC94B}">
-              <ma14:wrappingTextBoxFlag xmlns="" xmlns:ma14="http://schemas.microsoft.com/office/mac/drawingml/2011/main" val="1"/>
+              <ma14:wrappingTextBoxFlag xmlns:ma14="http://schemas.microsoft.com/office/mac/drawingml/2011/main" xmlns="" val="1"/>
             </a:ext>
           </a:extLst>
         </p:spPr>
@@ -23958,7 +23998,7 @@
           </a:ln>
           <a:extLst>
             <a:ext uri="{C572A759-6A51-4108-AA02-DFA0A04FC94B}">
-              <ma14:wrappingTextBoxFlag xmlns="" xmlns:ma14="http://schemas.microsoft.com/office/mac/drawingml/2011/main" val="1"/>
+              <ma14:wrappingTextBoxFlag xmlns:ma14="http://schemas.microsoft.com/office/mac/drawingml/2011/main" xmlns="" val="1"/>
             </a:ext>
           </a:extLst>
         </p:spPr>
@@ -24047,7 +24087,7 @@
           </a:ln>
           <a:extLst>
             <a:ext uri="{C572A759-6A51-4108-AA02-DFA0A04FC94B}">
-              <ma14:wrappingTextBoxFlag xmlns="" xmlns:ma14="http://schemas.microsoft.com/office/mac/drawingml/2011/main" val="1"/>
+              <ma14:wrappingTextBoxFlag xmlns:ma14="http://schemas.microsoft.com/office/mac/drawingml/2011/main" xmlns="" val="1"/>
             </a:ext>
           </a:extLst>
         </p:spPr>
@@ -24253,7 +24293,7 @@
           </a:ln>
           <a:extLst>
             <a:ext uri="{C572A759-6A51-4108-AA02-DFA0A04FC94B}">
-              <ma14:wrappingTextBoxFlag xmlns="" xmlns:ma14="http://schemas.microsoft.com/office/mac/drawingml/2011/main" val="1"/>
+              <ma14:wrappingTextBoxFlag xmlns:ma14="http://schemas.microsoft.com/office/mac/drawingml/2011/main" xmlns="" val="1"/>
             </a:ext>
           </a:extLst>
         </p:spPr>

--- a/kotlin_for_data_science.pptx
+++ b/kotlin_for_data_science.pptx
@@ -33,11 +33,14 @@
     <p:sldId id="274" r:id="rId27"/>
     <p:sldId id="273" r:id="rId28"/>
     <p:sldId id="293" r:id="rId29"/>
-    <p:sldId id="294" r:id="rId30"/>
-    <p:sldId id="291" r:id="rId31"/>
-    <p:sldId id="292" r:id="rId32"/>
-    <p:sldId id="286" r:id="rId33"/>
-    <p:sldId id="289" r:id="rId34"/>
+    <p:sldId id="295" r:id="rId30"/>
+    <p:sldId id="296" r:id="rId31"/>
+    <p:sldId id="297" r:id="rId32"/>
+    <p:sldId id="294" r:id="rId33"/>
+    <p:sldId id="291" r:id="rId34"/>
+    <p:sldId id="292" r:id="rId35"/>
+    <p:sldId id="286" r:id="rId36"/>
+    <p:sldId id="289" r:id="rId37"/>
   </p:sldIdLst>
   <p:sldSz cx="24384000" cy="13716000"/>
   <p:notesSz cx="6858000" cy="9144000"/>
@@ -2228,7 +2231,7 @@
           </a:ln>
           <a:extLst>
             <a:ext uri="{C572A759-6A51-4108-AA02-DFA0A04FC94B}">
-              <ma14:wrappingTextBoxFlag xmlns="" xmlns:ma14="http://schemas.microsoft.com/office/mac/drawingml/2011/main" val="1"/>
+              <ma14:wrappingTextBoxFlag xmlns:ma14="http://schemas.microsoft.com/office/mac/drawingml/2011/main" xmlns="" val="1"/>
             </a:ext>
           </a:extLst>
         </p:spPr>
@@ -3180,7 +3183,7 @@
           </a:ln>
           <a:extLst>
             <a:ext uri="{C572A759-6A51-4108-AA02-DFA0A04FC94B}">
-              <ma14:wrappingTextBoxFlag xmlns="" xmlns:ma14="http://schemas.microsoft.com/office/mac/drawingml/2011/main" val="1"/>
+              <ma14:wrappingTextBoxFlag xmlns:ma14="http://schemas.microsoft.com/office/mac/drawingml/2011/main" xmlns="" val="1"/>
             </a:ext>
           </a:extLst>
         </p:spPr>
@@ -3333,7 +3336,7 @@
           </a:ln>
           <a:extLst>
             <a:ext uri="{C572A759-6A51-4108-AA02-DFA0A04FC94B}">
-              <ma14:wrappingTextBoxFlag xmlns="" xmlns:ma14="http://schemas.microsoft.com/office/mac/drawingml/2011/main" val="1"/>
+              <ma14:wrappingTextBoxFlag xmlns:ma14="http://schemas.microsoft.com/office/mac/drawingml/2011/main" xmlns="" val="1"/>
             </a:ext>
           </a:extLst>
         </p:spPr>
@@ -3372,7 +3375,7 @@
           </a:ln>
           <a:extLst>
             <a:ext uri="{C572A759-6A51-4108-AA02-DFA0A04FC94B}">
-              <ma14:wrappingTextBoxFlag xmlns="" xmlns:ma14="http://schemas.microsoft.com/office/mac/drawingml/2011/main" val="1"/>
+              <ma14:wrappingTextBoxFlag xmlns:ma14="http://schemas.microsoft.com/office/mac/drawingml/2011/main" xmlns="" val="1"/>
             </a:ext>
           </a:extLst>
         </p:spPr>
@@ -4453,7 +4456,7 @@
           </a:ln>
           <a:extLst>
             <a:ext uri="{C572A759-6A51-4108-AA02-DFA0A04FC94B}">
-              <ma14:wrappingTextBoxFlag xmlns:ma14="http://schemas.microsoft.com/office/mac/drawingml/2011/main" xmlns="" val="1"/>
+              <ma14:wrappingTextBoxFlag xmlns="" xmlns:ma14="http://schemas.microsoft.com/office/mac/drawingml/2011/main" val="1"/>
             </a:ext>
           </a:extLst>
         </p:spPr>
@@ -4507,7 +4510,7 @@
           </a:ln>
           <a:extLst>
             <a:ext uri="{C572A759-6A51-4108-AA02-DFA0A04FC94B}">
-              <ma14:wrappingTextBoxFlag xmlns:ma14="http://schemas.microsoft.com/office/mac/drawingml/2011/main" xmlns="" val="1"/>
+              <ma14:wrappingTextBoxFlag xmlns="" xmlns:ma14="http://schemas.microsoft.com/office/mac/drawingml/2011/main" val="1"/>
             </a:ext>
           </a:extLst>
         </p:spPr>
@@ -4561,7 +4564,7 @@
           </a:ln>
           <a:extLst>
             <a:ext uri="{C572A759-6A51-4108-AA02-DFA0A04FC94B}">
-              <ma14:wrappingTextBoxFlag xmlns="" xmlns:ma14="http://schemas.microsoft.com/office/mac/drawingml/2011/main" xmlns:a14="http://schemas.microsoft.com/office/drawing/2010/main" xmlns:mc="http://schemas.openxmlformats.org/markup-compatibility/2006" val="1"/>
+              <ma14:wrappingTextBoxFlag xmlns:mc="http://schemas.openxmlformats.org/markup-compatibility/2006" xmlns:a14="http://schemas.microsoft.com/office/drawing/2010/main" xmlns:ma14="http://schemas.microsoft.com/office/mac/drawingml/2011/main" xmlns="" val="1"/>
             </a:ext>
           </a:extLst>
         </p:spPr>
@@ -4767,7 +4770,7 @@
           </a:ln>
           <a:extLst>
             <a:ext uri="{C572A759-6A51-4108-AA02-DFA0A04FC94B}">
-              <ma14:wrappingTextBoxFlag xmlns="" xmlns:ma14="http://schemas.microsoft.com/office/mac/drawingml/2011/main" val="1"/>
+              <ma14:wrappingTextBoxFlag xmlns:ma14="http://schemas.microsoft.com/office/mac/drawingml/2011/main" xmlns="" val="1"/>
             </a:ext>
           </a:extLst>
         </p:spPr>
@@ -5071,7 +5074,7 @@
           </a:ln>
           <a:extLst>
             <a:ext uri="{C572A759-6A51-4108-AA02-DFA0A04FC94B}">
-              <ma14:wrappingTextBoxFlag xmlns:ma14="http://schemas.microsoft.com/office/mac/drawingml/2011/main" xmlns="" val="1"/>
+              <ma14:wrappingTextBoxFlag xmlns="" xmlns:ma14="http://schemas.microsoft.com/office/mac/drawingml/2011/main" val="1"/>
             </a:ext>
           </a:extLst>
         </p:spPr>
@@ -5635,7 +5638,7 @@
           </a:ln>
           <a:extLst>
             <a:ext uri="{C572A759-6A51-4108-AA02-DFA0A04FC94B}">
-              <ma14:wrappingTextBoxFlag xmlns="" xmlns:ma14="http://schemas.microsoft.com/office/mac/drawingml/2011/main" xmlns:a14="http://schemas.microsoft.com/office/drawing/2010/main" xmlns:mc="http://schemas.openxmlformats.org/markup-compatibility/2006" val="1"/>
+              <ma14:wrappingTextBoxFlag xmlns:mc="http://schemas.openxmlformats.org/markup-compatibility/2006" xmlns:a14="http://schemas.microsoft.com/office/drawing/2010/main" xmlns:ma14="http://schemas.microsoft.com/office/mac/drawingml/2011/main" xmlns="" val="1"/>
             </a:ext>
           </a:extLst>
         </p:spPr>
@@ -5825,7 +5828,7 @@
           </a:ln>
           <a:extLst>
             <a:ext uri="{C572A759-6A51-4108-AA02-DFA0A04FC94B}">
-              <ma14:wrappingTextBoxFlag xmlns:ma14="http://schemas.microsoft.com/office/mac/drawingml/2011/main" xmlns="" val="1"/>
+              <ma14:wrappingTextBoxFlag xmlns="" xmlns:ma14="http://schemas.microsoft.com/office/mac/drawingml/2011/main" val="1"/>
             </a:ext>
           </a:extLst>
         </p:spPr>
@@ -5895,7 +5898,7 @@
           </a:ln>
           <a:extLst>
             <a:ext uri="{C572A759-6A51-4108-AA02-DFA0A04FC94B}">
-              <ma14:wrappingTextBoxFlag xmlns:ma14="http://schemas.microsoft.com/office/mac/drawingml/2011/main" xmlns="" val="1"/>
+              <ma14:wrappingTextBoxFlag xmlns="" xmlns:ma14="http://schemas.microsoft.com/office/mac/drawingml/2011/main" val="1"/>
             </a:ext>
           </a:extLst>
         </p:spPr>
@@ -6210,7 +6213,7 @@
           </a:ln>
           <a:extLst>
             <a:ext uri="{C572A759-6A51-4108-AA02-DFA0A04FC94B}">
-              <ma14:wrappingTextBoxFlag xmlns:mc="http://schemas.openxmlformats.org/markup-compatibility/2006" xmlns:a14="http://schemas.microsoft.com/office/drawing/2010/main" xmlns="" xmlns:ma14="http://schemas.microsoft.com/office/mac/drawingml/2011/main" val="1"/>
+              <ma14:wrappingTextBoxFlag xmlns:ma14="http://schemas.microsoft.com/office/mac/drawingml/2011/main" xmlns="" xmlns:a14="http://schemas.microsoft.com/office/drawing/2010/main" xmlns:mc="http://schemas.openxmlformats.org/markup-compatibility/2006" val="1"/>
             </a:ext>
           </a:extLst>
         </p:spPr>
@@ -6547,7 +6550,7 @@
           </a:ln>
           <a:extLst>
             <a:ext uri="{C572A759-6A51-4108-AA02-DFA0A04FC94B}">
-              <ma14:wrappingTextBoxFlag xmlns:ma14="http://schemas.microsoft.com/office/mac/drawingml/2011/main" xmlns="" val="1"/>
+              <ma14:wrappingTextBoxFlag xmlns="" xmlns:ma14="http://schemas.microsoft.com/office/mac/drawingml/2011/main" val="1"/>
             </a:ext>
           </a:extLst>
         </p:spPr>
@@ -6617,7 +6620,7 @@
           </a:ln>
           <a:extLst>
             <a:ext uri="{C572A759-6A51-4108-AA02-DFA0A04FC94B}">
-              <ma14:wrappingTextBoxFlag xmlns:ma14="http://schemas.microsoft.com/office/mac/drawingml/2011/main" xmlns="" val="1"/>
+              <ma14:wrappingTextBoxFlag xmlns="" xmlns:ma14="http://schemas.microsoft.com/office/mac/drawingml/2011/main" val="1"/>
             </a:ext>
           </a:extLst>
         </p:spPr>
@@ -8109,7 +8112,7 @@
           </a:ln>
           <a:extLst>
             <a:ext uri="{C572A759-6A51-4108-AA02-DFA0A04FC94B}">
-              <ma14:wrappingTextBoxFlag xmlns="" xmlns:ma14="http://schemas.microsoft.com/office/mac/drawingml/2011/main" val="1"/>
+              <ma14:wrappingTextBoxFlag xmlns:ma14="http://schemas.microsoft.com/office/mac/drawingml/2011/main" xmlns="" val="1"/>
             </a:ext>
           </a:extLst>
         </p:spPr>
@@ -8543,7 +8546,7 @@
           </a:ln>
           <a:extLst>
             <a:ext uri="{C572A759-6A51-4108-AA02-DFA0A04FC94B}">
-              <ma14:wrappingTextBoxFlag xmlns:ma14="http://schemas.microsoft.com/office/mac/drawingml/2011/main" xmlns="" val="1"/>
+              <ma14:wrappingTextBoxFlag xmlns="" xmlns:ma14="http://schemas.microsoft.com/office/mac/drawingml/2011/main" val="1"/>
             </a:ext>
           </a:extLst>
         </p:spPr>
@@ -8815,7 +8818,7 @@
           </a:ln>
           <a:extLst>
             <a:ext uri="{C572A759-6A51-4108-AA02-DFA0A04FC94B}">
-              <ma14:wrappingTextBoxFlag xmlns:ma14="http://schemas.microsoft.com/office/mac/drawingml/2011/main" xmlns="" val="1"/>
+              <ma14:wrappingTextBoxFlag xmlns="" xmlns:ma14="http://schemas.microsoft.com/office/mac/drawingml/2011/main" val="1"/>
             </a:ext>
           </a:extLst>
         </p:spPr>
@@ -9355,7 +9358,7 @@
           </a:ln>
           <a:extLst>
             <a:ext uri="{C572A759-6A51-4108-AA02-DFA0A04FC94B}">
-              <ma14:wrappingTextBoxFlag xmlns="" xmlns:ma14="http://schemas.microsoft.com/office/mac/drawingml/2011/main" val="1"/>
+              <ma14:wrappingTextBoxFlag xmlns:ma14="http://schemas.microsoft.com/office/mac/drawingml/2011/main" xmlns="" val="1"/>
             </a:ext>
           </a:extLst>
         </p:spPr>
@@ -9776,7 +9779,7 @@
           </a:ln>
           <a:extLst>
             <a:ext uri="{C572A759-6A51-4108-AA02-DFA0A04FC94B}">
-              <ma14:wrappingTextBoxFlag xmlns:ma14="http://schemas.microsoft.com/office/mac/drawingml/2011/main" xmlns="" val="1"/>
+              <ma14:wrappingTextBoxFlag xmlns="" xmlns:ma14="http://schemas.microsoft.com/office/mac/drawingml/2011/main" val="1"/>
             </a:ext>
           </a:extLst>
         </p:spPr>
@@ -10275,7 +10278,7 @@
           </a:ln>
           <a:extLst>
             <a:ext uri="{C572A759-6A51-4108-AA02-DFA0A04FC94B}">
-              <ma14:wrappingTextBoxFlag xmlns:ma14="http://schemas.microsoft.com/office/mac/drawingml/2011/main" xmlns="" val="1"/>
+              <ma14:wrappingTextBoxFlag xmlns="" xmlns:ma14="http://schemas.microsoft.com/office/mac/drawingml/2011/main" val="1"/>
             </a:ext>
           </a:extLst>
         </p:spPr>
@@ -10415,7 +10418,7 @@
           </a:ln>
           <a:extLst>
             <a:ext uri="{C572A759-6A51-4108-AA02-DFA0A04FC94B}">
-              <ma14:wrappingTextBoxFlag xmlns:ma14="http://schemas.microsoft.com/office/mac/drawingml/2011/main" xmlns="" val="1"/>
+              <ma14:wrappingTextBoxFlag xmlns="" xmlns:ma14="http://schemas.microsoft.com/office/mac/drawingml/2011/main" val="1"/>
             </a:ext>
           </a:extLst>
         </p:spPr>
@@ -10473,7 +10476,7 @@
           </a:ln>
           <a:extLst>
             <a:ext uri="{C572A759-6A51-4108-AA02-DFA0A04FC94B}">
-              <ma14:wrappingTextBoxFlag xmlns:ma14="http://schemas.microsoft.com/office/mac/drawingml/2011/main" xmlns="" val="1"/>
+              <ma14:wrappingTextBoxFlag xmlns="" xmlns:ma14="http://schemas.microsoft.com/office/mac/drawingml/2011/main" val="1"/>
             </a:ext>
           </a:extLst>
         </p:spPr>
@@ -10866,7 +10869,7 @@
           </a:ln>
           <a:extLst>
             <a:ext uri="{C572A759-6A51-4108-AA02-DFA0A04FC94B}">
-              <ma14:wrappingTextBoxFlag xmlns="" xmlns:ma14="http://schemas.microsoft.com/office/mac/drawingml/2011/main" val="1"/>
+              <ma14:wrappingTextBoxFlag xmlns:ma14="http://schemas.microsoft.com/office/mac/drawingml/2011/main" xmlns="" val="1"/>
             </a:ext>
           </a:extLst>
         </p:spPr>
@@ -10994,7 +10997,7 @@
           </a:ln>
           <a:extLst>
             <a:ext uri="{C572A759-6A51-4108-AA02-DFA0A04FC94B}">
-              <ma14:wrappingTextBoxFlag xmlns:ma14="http://schemas.microsoft.com/office/mac/drawingml/2011/main" xmlns="" val="1"/>
+              <ma14:wrappingTextBoxFlag xmlns="" xmlns:ma14="http://schemas.microsoft.com/office/mac/drawingml/2011/main" val="1"/>
             </a:ext>
           </a:extLst>
         </p:spPr>
@@ -11273,7 +11276,7 @@
           </a:ln>
           <a:extLst>
             <a:ext uri="{C572A759-6A51-4108-AA02-DFA0A04FC94B}">
-              <ma14:wrappingTextBoxFlag xmlns="" xmlns:ma14="http://schemas.microsoft.com/office/mac/drawingml/2011/main" val="1"/>
+              <ma14:wrappingTextBoxFlag xmlns:ma14="http://schemas.microsoft.com/office/mac/drawingml/2011/main" xmlns="" val="1"/>
             </a:ext>
           </a:extLst>
         </p:spPr>
@@ -11478,7 +11481,7 @@
           </a:ln>
           <a:extLst>
             <a:ext uri="{C572A759-6A51-4108-AA02-DFA0A04FC94B}">
-              <ma14:wrappingTextBoxFlag xmlns="" xmlns:ma14="http://schemas.microsoft.com/office/mac/drawingml/2011/main" val="1"/>
+              <ma14:wrappingTextBoxFlag xmlns:ma14="http://schemas.microsoft.com/office/mac/drawingml/2011/main" xmlns="" val="1"/>
             </a:ext>
           </a:extLst>
         </p:spPr>
@@ -11782,7 +11785,7 @@
           </a:ln>
           <a:extLst>
             <a:ext uri="{C572A759-6A51-4108-AA02-DFA0A04FC94B}">
-              <ma14:wrappingTextBoxFlag xmlns:ma14="http://schemas.microsoft.com/office/mac/drawingml/2011/main" xmlns="" val="1"/>
+              <ma14:wrappingTextBoxFlag xmlns="" xmlns:ma14="http://schemas.microsoft.com/office/mac/drawingml/2011/main" val="1"/>
             </a:ext>
           </a:extLst>
         </p:spPr>
@@ -12216,7 +12219,7 @@
           </a:ln>
           <a:extLst>
             <a:ext uri="{C572A759-6A51-4108-AA02-DFA0A04FC94B}">
-              <ma14:wrappingTextBoxFlag xmlns="" xmlns:ma14="http://schemas.microsoft.com/office/mac/drawingml/2011/main" val="1"/>
+              <ma14:wrappingTextBoxFlag xmlns:ma14="http://schemas.microsoft.com/office/mac/drawingml/2011/main" xmlns="" val="1"/>
             </a:ext>
           </a:extLst>
         </p:spPr>
@@ -12373,7 +12376,7 @@
           </a:ln>
           <a:extLst>
             <a:ext uri="{C572A759-6A51-4108-AA02-DFA0A04FC94B}">
-              <ma14:wrappingTextBoxFlag xmlns="" xmlns:ma14="http://schemas.microsoft.com/office/mac/drawingml/2011/main" val="1"/>
+              <ma14:wrappingTextBoxFlag xmlns:ma14="http://schemas.microsoft.com/office/mac/drawingml/2011/main" xmlns="" val="1"/>
             </a:ext>
           </a:extLst>
         </p:spPr>
@@ -12677,7 +12680,7 @@
           </a:ln>
           <a:extLst>
             <a:ext uri="{C572A759-6A51-4108-AA02-DFA0A04FC94B}">
-              <ma14:wrappingTextBoxFlag xmlns:ma14="http://schemas.microsoft.com/office/mac/drawingml/2011/main" xmlns="" val="1"/>
+              <ma14:wrappingTextBoxFlag xmlns="" xmlns:ma14="http://schemas.microsoft.com/office/mac/drawingml/2011/main" val="1"/>
             </a:ext>
           </a:extLst>
         </p:spPr>
@@ -12987,7 +12990,7 @@
           </a:ln>
           <a:extLst>
             <a:ext uri="{C572A759-6A51-4108-AA02-DFA0A04FC94B}">
-              <ma14:wrappingTextBoxFlag xmlns="" xmlns:ma14="http://schemas.microsoft.com/office/mac/drawingml/2011/main" val="1"/>
+              <ma14:wrappingTextBoxFlag xmlns:ma14="http://schemas.microsoft.com/office/mac/drawingml/2011/main" xmlns="" val="1"/>
             </a:ext>
           </a:extLst>
         </p:spPr>
@@ -13145,7 +13148,7 @@
           </a:ln>
           <a:extLst>
             <a:ext uri="{C572A759-6A51-4108-AA02-DFA0A04FC94B}">
-              <ma14:wrappingTextBoxFlag xmlns="" xmlns:ma14="http://schemas.microsoft.com/office/mac/drawingml/2011/main" val="1"/>
+              <ma14:wrappingTextBoxFlag xmlns:ma14="http://schemas.microsoft.com/office/mac/drawingml/2011/main" xmlns="" val="1"/>
             </a:ext>
           </a:extLst>
         </p:spPr>
@@ -13449,7 +13452,7 @@
           </a:ln>
           <a:extLst>
             <a:ext uri="{C572A759-6A51-4108-AA02-DFA0A04FC94B}">
-              <ma14:wrappingTextBoxFlag xmlns:ma14="http://schemas.microsoft.com/office/mac/drawingml/2011/main" xmlns="" val="1"/>
+              <ma14:wrappingTextBoxFlag xmlns="" xmlns:ma14="http://schemas.microsoft.com/office/mac/drawingml/2011/main" val="1"/>
             </a:ext>
           </a:extLst>
         </p:spPr>
@@ -13796,7 +13799,7 @@
           </a:ln>
           <a:extLst>
             <a:ext uri="{C572A759-6A51-4108-AA02-DFA0A04FC94B}">
-              <ma14:wrappingTextBoxFlag xmlns="" xmlns:ma14="http://schemas.microsoft.com/office/mac/drawingml/2011/main" val="1"/>
+              <ma14:wrappingTextBoxFlag xmlns:ma14="http://schemas.microsoft.com/office/mac/drawingml/2011/main" xmlns="" val="1"/>
             </a:ext>
           </a:extLst>
         </p:spPr>
@@ -14347,7 +14350,7 @@
           </a:ln>
           <a:extLst>
             <a:ext uri="{C572A759-6A51-4108-AA02-DFA0A04FC94B}">
-              <ma14:wrappingTextBoxFlag xmlns:ma14="http://schemas.microsoft.com/office/mac/drawingml/2011/main" xmlns="" val="1"/>
+              <ma14:wrappingTextBoxFlag xmlns="" xmlns:ma14="http://schemas.microsoft.com/office/mac/drawingml/2011/main" val="1"/>
             </a:ext>
           </a:extLst>
         </p:spPr>
@@ -14719,7 +14722,7 @@
           </a:ln>
           <a:extLst>
             <a:ext uri="{C572A759-6A51-4108-AA02-DFA0A04FC94B}">
-              <ma14:wrappingTextBoxFlag xmlns="" xmlns:ma14="http://schemas.microsoft.com/office/mac/drawingml/2011/main" val="1"/>
+              <ma14:wrappingTextBoxFlag xmlns:ma14="http://schemas.microsoft.com/office/mac/drawingml/2011/main" xmlns="" val="1"/>
             </a:ext>
           </a:extLst>
         </p:spPr>
@@ -15388,7 +15391,7 @@
           </a:ln>
           <a:extLst>
             <a:ext uri="{C572A759-6A51-4108-AA02-DFA0A04FC94B}">
-              <ma14:wrappingTextBoxFlag xmlns:ma14="http://schemas.microsoft.com/office/mac/drawingml/2011/main" xmlns="" val="1"/>
+              <ma14:wrappingTextBoxFlag xmlns="" xmlns:ma14="http://schemas.microsoft.com/office/mac/drawingml/2011/main" val="1"/>
             </a:ext>
           </a:extLst>
         </p:spPr>
@@ -15920,10 +15923,10 @@
       </p:grpSpPr>
       <p:sp>
         <p:nvSpPr>
-          <p:cNvPr id="4" name="Text Placeholder 3">
+          <p:cNvPr id="2" name="Text Placeholder 1">
             <a:extLst>
               <a:ext uri="{FF2B5EF4-FFF2-40B4-BE49-F238E27FC236}">
-                <a16:creationId xmlns:a16="http://schemas.microsoft.com/office/drawing/2014/main" id="{B5D46C66-86D5-4BDC-A137-56EF98840257}"/>
+                <a16:creationId xmlns:a16="http://schemas.microsoft.com/office/drawing/2014/main" id="{7E546841-712E-43E0-A1CB-16BCE5E6F72C}"/>
               </a:ext>
             </a:extLst>
           </p:cNvPr>
@@ -15931,7 +15934,7 @@
             <a:spLocks noGrp="1"/>
           </p:cNvSpPr>
           <p:nvPr>
-            <p:ph type="body" sz="half" idx="13"/>
+            <p:ph type="body" sz="quarter" idx="13"/>
           </p:nvPr>
         </p:nvSpPr>
         <p:spPr/>
@@ -15941,15 +15944,375 @@
           <a:p>
             <a:r>
               <a:rPr lang="en-US" dirty="0"/>
-              <a:t>Getting Involved</a:t>
-            </a:r>
+              <a:t>Linear Programming</a:t>
+            </a:r>
+          </a:p>
+        </p:txBody>
+      </p:sp>
+      <p:sp>
+        <p:nvSpPr>
+          <p:cNvPr id="4" name="Shape 78">
+            <a:extLst>
+              <a:ext uri="{FF2B5EF4-FFF2-40B4-BE49-F238E27FC236}">
+                <a16:creationId xmlns:a16="http://schemas.microsoft.com/office/drawing/2014/main" id="{E280C88D-013C-41B9-B8DA-6ACE88A92FC3}"/>
+              </a:ext>
+            </a:extLst>
+          </p:cNvPr>
+          <p:cNvSpPr/>
+          <p:nvPr/>
+        </p:nvSpPr>
+        <p:spPr>
+          <a:xfrm>
+            <a:off x="1007533" y="2802362"/>
+            <a:ext cx="16412303" cy="1943101"/>
+          </a:xfrm>
+          <a:prstGeom prst="rect">
+            <a:avLst/>
+          </a:prstGeom>
+          <a:ln w="12700">
+            <a:miter lim="400000"/>
+          </a:ln>
+          <a:extLst>
+            <a:ext uri="{C572A759-6A51-4108-AA02-DFA0A04FC94B}">
+              <ma14:wrappingTextBoxFlag xmlns="" xmlns:ma14="http://schemas.microsoft.com/office/mac/drawingml/2011/main" val="1"/>
+            </a:ext>
+          </a:extLst>
+        </p:spPr>
+        <p:txBody>
+          <a:bodyPr lIns="50800" tIns="50800" rIns="50800" bIns="50800">
+            <a:normAutofit/>
+          </a:bodyPr>
+          <a:lstStyle>
+            <a:lvl1pPr algn="l" defTabSz="1219200">
+              <a:lnSpc>
+                <a:spcPct val="90000"/>
+              </a:lnSpc>
+              <a:defRPr sz="7000" spc="0">
+                <a:solidFill>
+                  <a:srgbClr val="25A4F2"/>
+                </a:solidFill>
+                <a:latin typeface="Arial"/>
+                <a:ea typeface="Arial"/>
+                <a:cs typeface="Arial"/>
+                <a:sym typeface="Arial"/>
+              </a:defRPr>
+            </a:lvl1pPr>
+          </a:lstStyle>
+          <a:p>
+            <a:r>
+              <a:rPr lang="en-US" dirty="0"/>
+              <a:t>A Word Problem</a:t>
+            </a:r>
+            <a:endParaRPr dirty="0"/>
+          </a:p>
+        </p:txBody>
+      </p:sp>
+      <p:sp>
+        <p:nvSpPr>
+          <p:cNvPr id="5" name="Shape 79">
+            <a:extLst>
+              <a:ext uri="{FF2B5EF4-FFF2-40B4-BE49-F238E27FC236}">
+                <a16:creationId xmlns:a16="http://schemas.microsoft.com/office/drawing/2014/main" id="{C485AA66-263E-4957-BFF6-5F57C0BEE0CB}"/>
+              </a:ext>
+            </a:extLst>
+          </p:cNvPr>
+          <p:cNvSpPr/>
+          <p:nvPr/>
+        </p:nvSpPr>
+        <p:spPr>
+          <a:xfrm>
+            <a:off x="1007533" y="4981966"/>
+            <a:ext cx="20284132" cy="8868980"/>
+          </a:xfrm>
+          <a:prstGeom prst="rect">
+            <a:avLst/>
+          </a:prstGeom>
+          <a:ln w="12700">
+            <a:miter lim="400000"/>
+          </a:ln>
+          <a:extLst>
+            <a:ext uri="{C572A759-6A51-4108-AA02-DFA0A04FC94B}">
+              <ma14:wrappingTextBoxFlag xmlns:ma14="http://schemas.microsoft.com/office/mac/drawingml/2011/main" xmlns="" val="1"/>
+            </a:ext>
+          </a:extLst>
+        </p:spPr>
+        <p:txBody>
+          <a:bodyPr lIns="50800" tIns="50800" rIns="50800" bIns="50800">
+            <a:normAutofit/>
+          </a:bodyPr>
+          <a:lstStyle/>
+          <a:p>
+            <a:pPr lvl="1" indent="0" algn="l" defTabSz="1219200">
+              <a:lnSpc>
+                <a:spcPct val="120000"/>
+              </a:lnSpc>
+              <a:defRPr sz="3000">
+                <a:solidFill>
+                  <a:srgbClr val="211E3A"/>
+                </a:solidFill>
+                <a:latin typeface="Arial"/>
+                <a:ea typeface="Arial"/>
+                <a:cs typeface="Arial"/>
+                <a:sym typeface="Arial"/>
+              </a:defRPr>
+            </a:pPr>
+            <a:r>
+              <a:rPr lang="en-US" sz="4400" b="1" dirty="0"/>
+              <a:t>You have three drivers who charge the following rates:</a:t>
+            </a:r>
+          </a:p>
+          <a:p>
+            <a:pPr marL="571500" lvl="1" indent="-571500" algn="l" defTabSz="1219200">
+              <a:lnSpc>
+                <a:spcPct val="120000"/>
+              </a:lnSpc>
+              <a:buFont typeface="Arial" panose="020B0604020202020204" pitchFamily="34" charset="0"/>
+              <a:buChar char="•"/>
+              <a:defRPr sz="3000">
+                <a:solidFill>
+                  <a:srgbClr val="211E3A"/>
+                </a:solidFill>
+                <a:latin typeface="Arial"/>
+                <a:ea typeface="Arial"/>
+                <a:cs typeface="Arial"/>
+                <a:sym typeface="Arial"/>
+              </a:defRPr>
+            </a:pPr>
+            <a:r>
+              <a:rPr lang="en-US" sz="4400" dirty="0"/>
+              <a:t>Driver 1: $10 / </a:t>
+            </a:r>
+            <a:r>
+              <a:rPr lang="en-US" sz="4400" dirty="0" err="1"/>
+              <a:t>hr</a:t>
+            </a:r>
+            <a:endParaRPr lang="en-US" sz="4400" dirty="0"/>
+          </a:p>
+          <a:p>
+            <a:pPr marL="571500" lvl="1" indent="-571500" algn="l" defTabSz="1219200">
+              <a:lnSpc>
+                <a:spcPct val="120000"/>
+              </a:lnSpc>
+              <a:buFont typeface="Arial" panose="020B0604020202020204" pitchFamily="34" charset="0"/>
+              <a:buChar char="•"/>
+              <a:defRPr sz="3000">
+                <a:solidFill>
+                  <a:srgbClr val="211E3A"/>
+                </a:solidFill>
+                <a:latin typeface="Arial"/>
+                <a:ea typeface="Arial"/>
+                <a:cs typeface="Arial"/>
+                <a:sym typeface="Arial"/>
+              </a:defRPr>
+            </a:pPr>
+            <a:r>
+              <a:rPr lang="en-US" sz="4400" dirty="0"/>
+              <a:t>Driver 2: $12 / </a:t>
+            </a:r>
+            <a:r>
+              <a:rPr lang="en-US" sz="4400" dirty="0" err="1"/>
+              <a:t>hr</a:t>
+            </a:r>
+            <a:r>
+              <a:rPr lang="en-US" sz="4400" dirty="0"/>
+              <a:t> </a:t>
+            </a:r>
+          </a:p>
+          <a:p>
+            <a:pPr marL="571500" lvl="1" indent="-571500" algn="l" defTabSz="1219200">
+              <a:lnSpc>
+                <a:spcPct val="120000"/>
+              </a:lnSpc>
+              <a:buFont typeface="Arial" panose="020B0604020202020204" pitchFamily="34" charset="0"/>
+              <a:buChar char="•"/>
+              <a:defRPr sz="3000">
+                <a:solidFill>
+                  <a:srgbClr val="211E3A"/>
+                </a:solidFill>
+                <a:latin typeface="Arial"/>
+                <a:ea typeface="Arial"/>
+                <a:cs typeface="Arial"/>
+                <a:sym typeface="Arial"/>
+              </a:defRPr>
+            </a:pPr>
+            <a:r>
+              <a:rPr lang="en-US" sz="4400" dirty="0"/>
+              <a:t>Driver 3: $15 / </a:t>
+            </a:r>
+            <a:r>
+              <a:rPr lang="en-US" sz="4400" dirty="0" err="1"/>
+              <a:t>hr</a:t>
+            </a:r>
+            <a:r>
+              <a:rPr lang="en-US" sz="4400" dirty="0"/>
+              <a:t> </a:t>
+            </a:r>
+          </a:p>
+          <a:p>
+            <a:pPr lvl="1" indent="0" algn="l" defTabSz="1219200">
+              <a:lnSpc>
+                <a:spcPct val="120000"/>
+              </a:lnSpc>
+              <a:defRPr sz="3000">
+                <a:solidFill>
+                  <a:srgbClr val="211E3A"/>
+                </a:solidFill>
+                <a:latin typeface="Arial"/>
+                <a:ea typeface="Arial"/>
+                <a:cs typeface="Arial"/>
+                <a:sym typeface="Arial"/>
+              </a:defRPr>
+            </a:pPr>
+            <a:endParaRPr lang="en-US" sz="4400" dirty="0"/>
+          </a:p>
+          <a:p>
+            <a:pPr lvl="1" indent="0" algn="l" defTabSz="1219200">
+              <a:lnSpc>
+                <a:spcPct val="120000"/>
+              </a:lnSpc>
+              <a:defRPr sz="3000">
+                <a:solidFill>
+                  <a:srgbClr val="211E3A"/>
+                </a:solidFill>
+                <a:latin typeface="Arial"/>
+                <a:ea typeface="Arial"/>
+                <a:cs typeface="Arial"/>
+                <a:sym typeface="Arial"/>
+              </a:defRPr>
+            </a:pPr>
+            <a:r>
+              <a:rPr lang="en-US" sz="4400" dirty="0"/>
+              <a:t>From 6:00 to 22:00, schedule one driver at a time to provide coverage, and minimize cost.</a:t>
+            </a:r>
+          </a:p>
+          <a:p>
+            <a:pPr lvl="1" indent="0" algn="l" defTabSz="1219200">
+              <a:lnSpc>
+                <a:spcPct val="120000"/>
+              </a:lnSpc>
+              <a:defRPr sz="3000">
+                <a:solidFill>
+                  <a:srgbClr val="211E3A"/>
+                </a:solidFill>
+                <a:latin typeface="Arial"/>
+                <a:ea typeface="Arial"/>
+                <a:cs typeface="Arial"/>
+                <a:sym typeface="Arial"/>
+              </a:defRPr>
+            </a:pPr>
+            <a:endParaRPr lang="en-US" sz="4400" dirty="0"/>
+          </a:p>
+          <a:p>
+            <a:pPr lvl="1" indent="0" algn="l" defTabSz="1219200">
+              <a:lnSpc>
+                <a:spcPct val="120000"/>
+              </a:lnSpc>
+              <a:defRPr sz="3000">
+                <a:solidFill>
+                  <a:srgbClr val="211E3A"/>
+                </a:solidFill>
+                <a:latin typeface="Arial"/>
+                <a:ea typeface="Arial"/>
+                <a:cs typeface="Arial"/>
+                <a:sym typeface="Arial"/>
+              </a:defRPr>
+            </a:pPr>
+            <a:r>
+              <a:rPr lang="en-US" sz="4400" dirty="0"/>
+              <a:t>Each driver must work 4-6 hours a day. Driver 2 cannot work after 11:00. </a:t>
+            </a:r>
+          </a:p>
+          <a:p>
+            <a:pPr lvl="1" indent="0" algn="l" defTabSz="1219200">
+              <a:lnSpc>
+                <a:spcPct val="120000"/>
+              </a:lnSpc>
+              <a:defRPr sz="3000">
+                <a:solidFill>
+                  <a:srgbClr val="211E3A"/>
+                </a:solidFill>
+                <a:latin typeface="Arial"/>
+                <a:ea typeface="Arial"/>
+                <a:cs typeface="Arial"/>
+                <a:sym typeface="Arial"/>
+              </a:defRPr>
+            </a:pPr>
+            <a:endParaRPr lang="en-US" sz="4400" dirty="0"/>
+          </a:p>
+          <a:p>
+            <a:pPr lvl="1" indent="0" algn="l" defTabSz="1219200">
+              <a:lnSpc>
+                <a:spcPct val="120000"/>
+              </a:lnSpc>
+              <a:defRPr sz="3000">
+                <a:solidFill>
+                  <a:srgbClr val="211E3A"/>
+                </a:solidFill>
+                <a:latin typeface="Arial"/>
+                <a:ea typeface="Arial"/>
+                <a:cs typeface="Arial"/>
+                <a:sym typeface="Arial"/>
+              </a:defRPr>
+            </a:pPr>
+            <a:endParaRPr lang="en-US" sz="4400" dirty="0"/>
+          </a:p>
+          <a:p>
+            <a:pPr lvl="1" indent="0" algn="l" defTabSz="1219200">
+              <a:lnSpc>
+                <a:spcPct val="120000"/>
+              </a:lnSpc>
+              <a:defRPr sz="3000">
+                <a:solidFill>
+                  <a:srgbClr val="211E3A"/>
+                </a:solidFill>
+                <a:latin typeface="Arial"/>
+                <a:ea typeface="Arial"/>
+                <a:cs typeface="Arial"/>
+                <a:sym typeface="Arial"/>
+              </a:defRPr>
+            </a:pPr>
+            <a:endParaRPr lang="en-US" sz="4400" dirty="0"/>
+          </a:p>
+          <a:p>
+            <a:pPr lvl="1" indent="0" algn="l" defTabSz="1219200">
+              <a:lnSpc>
+                <a:spcPct val="120000"/>
+              </a:lnSpc>
+              <a:defRPr sz="3000">
+                <a:solidFill>
+                  <a:srgbClr val="211E3A"/>
+                </a:solidFill>
+                <a:latin typeface="Arial"/>
+                <a:ea typeface="Arial"/>
+                <a:cs typeface="Arial"/>
+                <a:sym typeface="Arial"/>
+              </a:defRPr>
+            </a:pPr>
+            <a:endParaRPr lang="en-US" sz="4400" dirty="0"/>
+          </a:p>
+          <a:p>
+            <a:pPr lvl="1" indent="0" algn="l" defTabSz="1219200">
+              <a:lnSpc>
+                <a:spcPct val="120000"/>
+              </a:lnSpc>
+              <a:defRPr sz="3000">
+                <a:solidFill>
+                  <a:srgbClr val="211E3A"/>
+                </a:solidFill>
+                <a:latin typeface="Arial"/>
+                <a:ea typeface="Arial"/>
+                <a:cs typeface="Arial"/>
+                <a:sym typeface="Arial"/>
+              </a:defRPr>
+            </a:pPr>
+            <a:endParaRPr lang="en-US" sz="4400" dirty="0"/>
           </a:p>
         </p:txBody>
       </p:sp>
     </p:spTree>
     <p:extLst>
       <p:ext uri="{BB962C8B-B14F-4D97-AF65-F5344CB8AC3E}">
-        <p14:creationId xmlns:p14="http://schemas.microsoft.com/office/powerpoint/2010/main" val="4068997022"/>
+        <p14:creationId xmlns:p14="http://schemas.microsoft.com/office/powerpoint/2010/main" val="1513232130"/>
       </p:ext>
     </p:extLst>
   </p:cSld>
@@ -15957,6 +16320,330 @@
     <a:masterClrMapping/>
   </p:clrMapOvr>
   <p:transition spd="med"/>
+  <p:timing>
+    <p:tnLst>
+      <p:par>
+        <p:cTn id="1" dur="indefinite" restart="never" nodeType="tmRoot">
+          <p:childTnLst>
+            <p:seq concurrent="1" nextAc="seek">
+              <p:cTn id="2" dur="indefinite" nodeType="mainSeq">
+                <p:childTnLst>
+                  <p:par>
+                    <p:cTn id="3" fill="hold">
+                      <p:stCondLst>
+                        <p:cond delay="indefinite"/>
+                      </p:stCondLst>
+                      <p:childTnLst>
+                        <p:par>
+                          <p:cTn id="4" fill="hold">
+                            <p:stCondLst>
+                              <p:cond delay="0"/>
+                            </p:stCondLst>
+                            <p:childTnLst>
+                              <p:par>
+                                <p:cTn id="5" presetID="1" presetClass="entr" presetSubtype="0" fill="hold" nodeType="clickEffect">
+                                  <p:stCondLst>
+                                    <p:cond delay="0"/>
+                                  </p:stCondLst>
+                                  <p:childTnLst>
+                                    <p:set>
+                                      <p:cBhvr>
+                                        <p:cTn id="6" dur="1" fill="hold">
+                                          <p:stCondLst>
+                                            <p:cond delay="0"/>
+                                          </p:stCondLst>
+                                        </p:cTn>
+                                        <p:tgtEl>
+                                          <p:spTgt spid="5">
+                                            <p:txEl>
+                                              <p:pRg st="0" end="0"/>
+                                            </p:txEl>
+                                          </p:spTgt>
+                                        </p:tgtEl>
+                                        <p:attrNameLst>
+                                          <p:attrName>style.visibility</p:attrName>
+                                        </p:attrNameLst>
+                                      </p:cBhvr>
+                                      <p:to>
+                                        <p:strVal val="visible"/>
+                                      </p:to>
+                                    </p:set>
+                                  </p:childTnLst>
+                                </p:cTn>
+                              </p:par>
+                            </p:childTnLst>
+                          </p:cTn>
+                        </p:par>
+                      </p:childTnLst>
+                    </p:cTn>
+                  </p:par>
+                  <p:par>
+                    <p:cTn id="7" fill="hold">
+                      <p:stCondLst>
+                        <p:cond delay="indefinite"/>
+                      </p:stCondLst>
+                      <p:childTnLst>
+                        <p:par>
+                          <p:cTn id="8" fill="hold">
+                            <p:stCondLst>
+                              <p:cond delay="0"/>
+                            </p:stCondLst>
+                            <p:childTnLst>
+                              <p:par>
+                                <p:cTn id="9" presetID="1" presetClass="entr" presetSubtype="0" fill="hold" nodeType="clickEffect">
+                                  <p:stCondLst>
+                                    <p:cond delay="0"/>
+                                  </p:stCondLst>
+                                  <p:childTnLst>
+                                    <p:set>
+                                      <p:cBhvr>
+                                        <p:cTn id="10" dur="1" fill="hold">
+                                          <p:stCondLst>
+                                            <p:cond delay="0"/>
+                                          </p:stCondLst>
+                                        </p:cTn>
+                                        <p:tgtEl>
+                                          <p:spTgt spid="5">
+                                            <p:txEl>
+                                              <p:pRg st="1" end="1"/>
+                                            </p:txEl>
+                                          </p:spTgt>
+                                        </p:tgtEl>
+                                        <p:attrNameLst>
+                                          <p:attrName>style.visibility</p:attrName>
+                                        </p:attrNameLst>
+                                      </p:cBhvr>
+                                      <p:to>
+                                        <p:strVal val="visible"/>
+                                      </p:to>
+                                    </p:set>
+                                  </p:childTnLst>
+                                </p:cTn>
+                              </p:par>
+                            </p:childTnLst>
+                          </p:cTn>
+                        </p:par>
+                      </p:childTnLst>
+                    </p:cTn>
+                  </p:par>
+                  <p:par>
+                    <p:cTn id="11" fill="hold">
+                      <p:stCondLst>
+                        <p:cond delay="indefinite"/>
+                      </p:stCondLst>
+                      <p:childTnLst>
+                        <p:par>
+                          <p:cTn id="12" fill="hold">
+                            <p:stCondLst>
+                              <p:cond delay="0"/>
+                            </p:stCondLst>
+                            <p:childTnLst>
+                              <p:par>
+                                <p:cTn id="13" presetID="1" presetClass="entr" presetSubtype="0" fill="hold" nodeType="clickEffect">
+                                  <p:stCondLst>
+                                    <p:cond delay="0"/>
+                                  </p:stCondLst>
+                                  <p:childTnLst>
+                                    <p:set>
+                                      <p:cBhvr>
+                                        <p:cTn id="14" dur="1" fill="hold">
+                                          <p:stCondLst>
+                                            <p:cond delay="0"/>
+                                          </p:stCondLst>
+                                        </p:cTn>
+                                        <p:tgtEl>
+                                          <p:spTgt spid="5">
+                                            <p:txEl>
+                                              <p:pRg st="2" end="2"/>
+                                            </p:txEl>
+                                          </p:spTgt>
+                                        </p:tgtEl>
+                                        <p:attrNameLst>
+                                          <p:attrName>style.visibility</p:attrName>
+                                        </p:attrNameLst>
+                                      </p:cBhvr>
+                                      <p:to>
+                                        <p:strVal val="visible"/>
+                                      </p:to>
+                                    </p:set>
+                                  </p:childTnLst>
+                                </p:cTn>
+                              </p:par>
+                            </p:childTnLst>
+                          </p:cTn>
+                        </p:par>
+                      </p:childTnLst>
+                    </p:cTn>
+                  </p:par>
+                  <p:par>
+                    <p:cTn id="15" fill="hold">
+                      <p:stCondLst>
+                        <p:cond delay="indefinite"/>
+                      </p:stCondLst>
+                      <p:childTnLst>
+                        <p:par>
+                          <p:cTn id="16" fill="hold">
+                            <p:stCondLst>
+                              <p:cond delay="0"/>
+                            </p:stCondLst>
+                            <p:childTnLst>
+                              <p:par>
+                                <p:cTn id="17" presetID="1" presetClass="entr" presetSubtype="0" fill="hold" nodeType="clickEffect">
+                                  <p:stCondLst>
+                                    <p:cond delay="0"/>
+                                  </p:stCondLst>
+                                  <p:childTnLst>
+                                    <p:set>
+                                      <p:cBhvr>
+                                        <p:cTn id="18" dur="1" fill="hold">
+                                          <p:stCondLst>
+                                            <p:cond delay="0"/>
+                                          </p:stCondLst>
+                                        </p:cTn>
+                                        <p:tgtEl>
+                                          <p:spTgt spid="5">
+                                            <p:txEl>
+                                              <p:pRg st="3" end="3"/>
+                                            </p:txEl>
+                                          </p:spTgt>
+                                        </p:tgtEl>
+                                        <p:attrNameLst>
+                                          <p:attrName>style.visibility</p:attrName>
+                                        </p:attrNameLst>
+                                      </p:cBhvr>
+                                      <p:to>
+                                        <p:strVal val="visible"/>
+                                      </p:to>
+                                    </p:set>
+                                  </p:childTnLst>
+                                </p:cTn>
+                              </p:par>
+                            </p:childTnLst>
+                          </p:cTn>
+                        </p:par>
+                      </p:childTnLst>
+                    </p:cTn>
+                  </p:par>
+                  <p:par>
+                    <p:cTn id="19" fill="hold">
+                      <p:stCondLst>
+                        <p:cond delay="indefinite"/>
+                      </p:stCondLst>
+                      <p:childTnLst>
+                        <p:par>
+                          <p:cTn id="20" fill="hold">
+                            <p:stCondLst>
+                              <p:cond delay="0"/>
+                            </p:stCondLst>
+                            <p:childTnLst>
+                              <p:par>
+                                <p:cTn id="21" presetID="1" presetClass="entr" presetSubtype="0" fill="hold" nodeType="clickEffect">
+                                  <p:stCondLst>
+                                    <p:cond delay="0"/>
+                                  </p:stCondLst>
+                                  <p:childTnLst>
+                                    <p:set>
+                                      <p:cBhvr>
+                                        <p:cTn id="22" dur="1" fill="hold">
+                                          <p:stCondLst>
+                                            <p:cond delay="0"/>
+                                          </p:stCondLst>
+                                        </p:cTn>
+                                        <p:tgtEl>
+                                          <p:spTgt spid="5">
+                                            <p:txEl>
+                                              <p:pRg st="5" end="5"/>
+                                            </p:txEl>
+                                          </p:spTgt>
+                                        </p:tgtEl>
+                                        <p:attrNameLst>
+                                          <p:attrName>style.visibility</p:attrName>
+                                        </p:attrNameLst>
+                                      </p:cBhvr>
+                                      <p:to>
+                                        <p:strVal val="visible"/>
+                                      </p:to>
+                                    </p:set>
+                                  </p:childTnLst>
+                                </p:cTn>
+                              </p:par>
+                            </p:childTnLst>
+                          </p:cTn>
+                        </p:par>
+                      </p:childTnLst>
+                    </p:cTn>
+                  </p:par>
+                  <p:par>
+                    <p:cTn id="23" fill="hold">
+                      <p:stCondLst>
+                        <p:cond delay="indefinite"/>
+                      </p:stCondLst>
+                      <p:childTnLst>
+                        <p:par>
+                          <p:cTn id="24" fill="hold">
+                            <p:stCondLst>
+                              <p:cond delay="0"/>
+                            </p:stCondLst>
+                            <p:childTnLst>
+                              <p:par>
+                                <p:cTn id="25" presetID="1" presetClass="entr" presetSubtype="0" fill="hold" nodeType="clickEffect">
+                                  <p:stCondLst>
+                                    <p:cond delay="0"/>
+                                  </p:stCondLst>
+                                  <p:childTnLst>
+                                    <p:set>
+                                      <p:cBhvr>
+                                        <p:cTn id="26" dur="1" fill="hold">
+                                          <p:stCondLst>
+                                            <p:cond delay="0"/>
+                                          </p:stCondLst>
+                                        </p:cTn>
+                                        <p:tgtEl>
+                                          <p:spTgt spid="5">
+                                            <p:txEl>
+                                              <p:pRg st="7" end="7"/>
+                                            </p:txEl>
+                                          </p:spTgt>
+                                        </p:tgtEl>
+                                        <p:attrNameLst>
+                                          <p:attrName>style.visibility</p:attrName>
+                                        </p:attrNameLst>
+                                      </p:cBhvr>
+                                      <p:to>
+                                        <p:strVal val="visible"/>
+                                      </p:to>
+                                    </p:set>
+                                  </p:childTnLst>
+                                </p:cTn>
+                              </p:par>
+                            </p:childTnLst>
+                          </p:cTn>
+                        </p:par>
+                      </p:childTnLst>
+                    </p:cTn>
+                  </p:par>
+                </p:childTnLst>
+              </p:cTn>
+              <p:prevCondLst>
+                <p:cond evt="onPrev" delay="0">
+                  <p:tgtEl>
+                    <p:sldTgt/>
+                  </p:tgtEl>
+                </p:cond>
+              </p:prevCondLst>
+              <p:nextCondLst>
+                <p:cond evt="onNext" delay="0">
+                  <p:tgtEl>
+                    <p:sldTgt/>
+                  </p:tgtEl>
+                </p:cond>
+              </p:nextCondLst>
+            </p:seq>
+          </p:childTnLst>
+        </p:cTn>
+      </p:par>
+    </p:tnLst>
+  </p:timing>
 </p:sld>
 </file>
 
@@ -16066,7 +16753,7 @@
           </a:ln>
           <a:extLst>
             <a:ext uri="{C572A759-6A51-4108-AA02-DFA0A04FC94B}">
-              <ma14:wrappingTextBoxFlag xmlns="" xmlns:ma14="http://schemas.microsoft.com/office/mac/drawingml/2011/main" val="1"/>
+              <ma14:wrappingTextBoxFlag xmlns:ma14="http://schemas.microsoft.com/office/mac/drawingml/2011/main" xmlns="" val="1"/>
             </a:ext>
           </a:extLst>
         </p:spPr>
@@ -16124,7 +16811,7 @@
           </a:ln>
           <a:extLst>
             <a:ext uri="{C572A759-6A51-4108-AA02-DFA0A04FC94B}">
-              <ma14:wrappingTextBoxFlag xmlns="" xmlns:ma14="http://schemas.microsoft.com/office/mac/drawingml/2011/main" val="1"/>
+              <ma14:wrappingTextBoxFlag xmlns:ma14="http://schemas.microsoft.com/office/mac/drawingml/2011/main" xmlns="" val="1"/>
             </a:ext>
           </a:extLst>
         </p:spPr>
@@ -16300,6 +16987,1960 @@
           <p:cNvPr id="2" name="Text Placeholder 1">
             <a:extLst>
               <a:ext uri="{FF2B5EF4-FFF2-40B4-BE49-F238E27FC236}">
+                <a16:creationId xmlns:a16="http://schemas.microsoft.com/office/drawing/2014/main" id="{2EBDABBF-E38D-4E58-9E7E-31D2D0FA654B}"/>
+              </a:ext>
+            </a:extLst>
+          </p:cNvPr>
+          <p:cNvSpPr>
+            <a:spLocks noGrp="1"/>
+          </p:cNvSpPr>
+          <p:nvPr>
+            <p:ph type="body" sz="quarter" idx="13"/>
+          </p:nvPr>
+        </p:nvSpPr>
+        <p:spPr/>
+        <p:txBody>
+          <a:bodyPr/>
+          <a:lstStyle/>
+          <a:p>
+            <a:r>
+              <a:rPr lang="en-US" dirty="0"/>
+              <a:t>Stay Calm</a:t>
+            </a:r>
+          </a:p>
+        </p:txBody>
+      </p:sp>
+      <p:sp>
+        <p:nvSpPr>
+          <p:cNvPr id="5" name="Shape 78">
+            <a:extLst>
+              <a:ext uri="{FF2B5EF4-FFF2-40B4-BE49-F238E27FC236}">
+                <a16:creationId xmlns:a16="http://schemas.microsoft.com/office/drawing/2014/main" id="{EB994CB9-4D8C-4475-B3A9-4865AA2A0BD6}"/>
+              </a:ext>
+            </a:extLst>
+          </p:cNvPr>
+          <p:cNvSpPr/>
+          <p:nvPr/>
+        </p:nvSpPr>
+        <p:spPr>
+          <a:xfrm>
+            <a:off x="1007533" y="2802362"/>
+            <a:ext cx="16412303" cy="1943101"/>
+          </a:xfrm>
+          <a:prstGeom prst="rect">
+            <a:avLst/>
+          </a:prstGeom>
+          <a:ln w="12700">
+            <a:miter lim="400000"/>
+          </a:ln>
+          <a:extLst>
+            <a:ext uri="{C572A759-6A51-4108-AA02-DFA0A04FC94B}">
+              <ma14:wrappingTextBoxFlag xmlns="" xmlns:ma14="http://schemas.microsoft.com/office/mac/drawingml/2011/main" val="1"/>
+            </a:ext>
+          </a:extLst>
+        </p:spPr>
+        <p:txBody>
+          <a:bodyPr lIns="50800" tIns="50800" rIns="50800" bIns="50800">
+            <a:normAutofit/>
+          </a:bodyPr>
+          <a:lstStyle>
+            <a:lvl1pPr algn="l" defTabSz="1219200">
+              <a:lnSpc>
+                <a:spcPct val="90000"/>
+              </a:lnSpc>
+              <a:defRPr sz="7000" spc="0">
+                <a:solidFill>
+                  <a:srgbClr val="25A4F2"/>
+                </a:solidFill>
+                <a:latin typeface="Arial"/>
+                <a:ea typeface="Arial"/>
+                <a:cs typeface="Arial"/>
+                <a:sym typeface="Arial"/>
+              </a:defRPr>
+            </a:lvl1pPr>
+          </a:lstStyle>
+          <a:p>
+            <a:r>
+              <a:rPr lang="en-US" dirty="0"/>
+              <a:t>Math = Powerful Apps</a:t>
+            </a:r>
+            <a:endParaRPr dirty="0"/>
+          </a:p>
+        </p:txBody>
+      </p:sp>
+      <mc:AlternateContent xmlns:mc="http://schemas.openxmlformats.org/markup-compatibility/2006">
+        <mc:Choice xmlns:a14="http://schemas.microsoft.com/office/drawing/2010/main" Requires="a14">
+          <p:sp>
+            <p:nvSpPr>
+              <p:cNvPr id="7" name="Shape 79">
+                <a:extLst>
+                  <a:ext uri="{FF2B5EF4-FFF2-40B4-BE49-F238E27FC236}">
+                    <a16:creationId xmlns:a16="http://schemas.microsoft.com/office/drawing/2014/main" id="{44A6ADA5-B54B-48B8-B3E1-3122A62DDE88}"/>
+                  </a:ext>
+                </a:extLst>
+              </p:cNvPr>
+              <p:cNvSpPr/>
+              <p:nvPr/>
+            </p:nvSpPr>
+            <p:spPr>
+              <a:xfrm>
+                <a:off x="1007533" y="4981966"/>
+                <a:ext cx="9626600" cy="8868980"/>
+              </a:xfrm>
+              <a:prstGeom prst="rect">
+                <a:avLst/>
+              </a:prstGeom>
+              <a:ln w="12700">
+                <a:miter lim="400000"/>
+              </a:ln>
+              <a:extLst>
+                <a:ext uri="{C572A759-6A51-4108-AA02-DFA0A04FC94B}">
+                  <ma14:wrappingTextBoxFlag xmlns:ma14="http://schemas.microsoft.com/office/mac/drawingml/2011/main" xmlns="" val="1"/>
+                </a:ext>
+              </a:extLst>
+            </p:spPr>
+            <p:txBody>
+              <a:bodyPr lIns="50800" tIns="50800" rIns="50800" bIns="50800">
+                <a:normAutofit/>
+              </a:bodyPr>
+              <a:lstStyle/>
+              <a:p>
+                <a:pPr lvl="1" indent="0" algn="l" defTabSz="1219200">
+                  <a:lnSpc>
+                    <a:spcPct val="120000"/>
+                  </a:lnSpc>
+                  <a:defRPr sz="3000">
+                    <a:solidFill>
+                      <a:srgbClr val="211E3A"/>
+                    </a:solidFill>
+                    <a:latin typeface="Arial"/>
+                    <a:ea typeface="Arial"/>
+                    <a:cs typeface="Arial"/>
+                    <a:sym typeface="Arial"/>
+                  </a:defRPr>
+                </a:pPr>
+                <a14:m>
+                  <m:oMath xmlns:m="http://schemas.openxmlformats.org/officeDocument/2006/math">
+                    <m:r>
+                      <a:rPr lang="en-US" sz="4400" i="1" dirty="0" smtClean="0">
+                        <a:latin typeface="Cambria Math" panose="02040503050406030204" pitchFamily="18" charset="0"/>
+                      </a:rPr>
+                      <m:t>𝑆</m:t>
+                    </m:r>
+                    <m:r>
+                      <a:rPr lang="en-US" sz="4400" i="1" baseline="-25000" dirty="0" smtClean="0">
+                        <a:latin typeface="Cambria Math" panose="02040503050406030204" pitchFamily="18" charset="0"/>
+                      </a:rPr>
+                      <m:t>𝑖</m:t>
+                    </m:r>
+                    <m:r>
+                      <a:rPr lang="en-US" sz="4400" i="1" dirty="0" smtClean="0">
+                        <a:latin typeface="Cambria Math" panose="02040503050406030204" pitchFamily="18" charset="0"/>
+                      </a:rPr>
+                      <m:t> =</m:t>
+                    </m:r>
+                    <m:r>
+                      <a:rPr lang="en-US" sz="4400" i="1" dirty="0">
+                        <a:latin typeface="Cambria Math" panose="02040503050406030204" pitchFamily="18" charset="0"/>
+                      </a:rPr>
+                      <m:t> </m:t>
+                    </m:r>
+                  </m:oMath>
+                </a14:m>
+                <a:r>
+                  <a:rPr lang="en-US" sz="4400" dirty="0"/>
+                  <a:t>Start of shift for each driver</a:t>
+                </a:r>
+              </a:p>
+              <a:p>
+                <a:pPr lvl="1" indent="0" algn="l" defTabSz="1219200">
+                  <a:lnSpc>
+                    <a:spcPct val="120000"/>
+                  </a:lnSpc>
+                  <a:defRPr sz="3000">
+                    <a:solidFill>
+                      <a:srgbClr val="211E3A"/>
+                    </a:solidFill>
+                    <a:latin typeface="Arial"/>
+                    <a:ea typeface="Arial"/>
+                    <a:cs typeface="Arial"/>
+                    <a:sym typeface="Arial"/>
+                  </a:defRPr>
+                </a:pPr>
+                <a14:m>
+                  <m:oMath xmlns:m="http://schemas.openxmlformats.org/officeDocument/2006/math">
+                    <m:r>
+                      <a:rPr lang="en-US" sz="4400" i="1" dirty="0" smtClean="0">
+                        <a:latin typeface="Cambria Math" panose="02040503050406030204" pitchFamily="18" charset="0"/>
+                      </a:rPr>
+                      <m:t>𝐸</m:t>
+                    </m:r>
+                    <m:r>
+                      <a:rPr lang="en-US" sz="4400" i="1" baseline="-25000" dirty="0" err="1" smtClean="0">
+                        <a:latin typeface="Cambria Math" panose="02040503050406030204" pitchFamily="18" charset="0"/>
+                      </a:rPr>
+                      <m:t>𝑖</m:t>
+                    </m:r>
+                    <m:r>
+                      <a:rPr lang="en-US" sz="4400" i="1" dirty="0" smtClean="0">
+                        <a:latin typeface="Cambria Math" panose="02040503050406030204" pitchFamily="18" charset="0"/>
+                      </a:rPr>
+                      <m:t> =</m:t>
+                    </m:r>
+                    <m:r>
+                      <a:rPr lang="en-US" sz="4400" i="1" dirty="0">
+                        <a:latin typeface="Cambria Math" panose="02040503050406030204" pitchFamily="18" charset="0"/>
+                      </a:rPr>
+                      <m:t> </m:t>
+                    </m:r>
+                  </m:oMath>
+                </a14:m>
+                <a:r>
+                  <a:rPr lang="en-US" sz="4400" dirty="0"/>
+                  <a:t>End of shift for each driver</a:t>
+                </a:r>
+              </a:p>
+              <a:p>
+                <a:pPr lvl="1" indent="0" algn="l" defTabSz="1219200">
+                  <a:lnSpc>
+                    <a:spcPct val="120000"/>
+                  </a:lnSpc>
+                  <a:defRPr sz="3000">
+                    <a:solidFill>
+                      <a:srgbClr val="211E3A"/>
+                    </a:solidFill>
+                    <a:latin typeface="Arial"/>
+                    <a:ea typeface="Arial"/>
+                    <a:cs typeface="Arial"/>
+                    <a:sym typeface="Arial"/>
+                  </a:defRPr>
+                </a:pPr>
+                <a14:m>
+                  <m:oMath xmlns:m="http://schemas.openxmlformats.org/officeDocument/2006/math">
+                    <m:r>
+                      <a:rPr lang="en-US" sz="4400" b="0" i="1" dirty="0" smtClean="0">
+                        <a:latin typeface="Cambria Math" panose="02040503050406030204" pitchFamily="18" charset="0"/>
+                      </a:rPr>
+                      <m:t>𝑅</m:t>
+                    </m:r>
+                    <m:r>
+                      <a:rPr lang="en-US" sz="4400" b="0" i="1" baseline="-25000" dirty="0" smtClean="0">
+                        <a:latin typeface="Cambria Math" panose="02040503050406030204" pitchFamily="18" charset="0"/>
+                      </a:rPr>
+                      <m:t>𝑖</m:t>
+                    </m:r>
+                    <m:r>
+                      <a:rPr lang="en-US" sz="4400" b="0" i="1" dirty="0" smtClean="0">
+                        <a:latin typeface="Cambria Math" panose="02040503050406030204" pitchFamily="18" charset="0"/>
+                      </a:rPr>
+                      <m:t> = </m:t>
+                    </m:r>
+                  </m:oMath>
+                </a14:m>
+                <a:r>
+                  <a:rPr lang="en-US" sz="4400" dirty="0">
+                    <a:solidFill>
+                      <a:srgbClr val="211E3A"/>
+                    </a:solidFill>
+                    <a:latin typeface="Arial"/>
+                    <a:ea typeface="Arial"/>
+                    <a:cs typeface="Arial"/>
+                  </a:rPr>
+                  <a:t>Each driver’s hourly rate</a:t>
+                </a:r>
+              </a:p>
+              <a:p>
+                <a:pPr lvl="1" indent="0" algn="l" defTabSz="1219200">
+                  <a:lnSpc>
+                    <a:spcPct val="120000"/>
+                  </a:lnSpc>
+                  <a:defRPr sz="3000">
+                    <a:solidFill>
+                      <a:srgbClr val="211E3A"/>
+                    </a:solidFill>
+                    <a:latin typeface="Arial"/>
+                    <a:ea typeface="Arial"/>
+                    <a:cs typeface="Arial"/>
+                    <a:sym typeface="Arial"/>
+                  </a:defRPr>
+                </a:pPr>
+                <a14:m>
+                  <m:oMath xmlns:m="http://schemas.openxmlformats.org/officeDocument/2006/math">
+                    <m:r>
+                      <a:rPr lang="en-US" sz="4400" i="1" dirty="0">
+                        <a:latin typeface="Cambria Math" panose="02040503050406030204" pitchFamily="18" charset="0"/>
+                        <a:ea typeface="Cambria Math" panose="02040503050406030204" pitchFamily="18" charset="0"/>
+                      </a:rPr>
+                      <m:t>𝛿</m:t>
+                    </m:r>
+                    <m:r>
+                      <a:rPr lang="en-US" sz="4400" i="1" baseline="-25000" dirty="0">
+                        <a:latin typeface="Cambria Math" panose="02040503050406030204" pitchFamily="18" charset="0"/>
+                        <a:ea typeface="Cambria Math" panose="02040503050406030204" pitchFamily="18" charset="0"/>
+                      </a:rPr>
+                      <m:t>𝑖𝑗</m:t>
+                    </m:r>
+                  </m:oMath>
+                </a14:m>
+                <a:r>
+                  <a:rPr lang="en-US" sz="4400" dirty="0">
+                    <a:solidFill>
+                      <a:srgbClr val="211E3A"/>
+                    </a:solidFill>
+                    <a:latin typeface="Arial"/>
+                    <a:ea typeface="Arial"/>
+                    <a:cs typeface="Arial"/>
+                  </a:rPr>
+                  <a:t> = Binary (1,0) between two drivers</a:t>
+                </a:r>
+              </a:p>
+              <a:p>
+                <a:pPr lvl="1" indent="0" algn="l" defTabSz="1219200">
+                  <a:lnSpc>
+                    <a:spcPct val="120000"/>
+                  </a:lnSpc>
+                  <a:defRPr sz="3000">
+                    <a:solidFill>
+                      <a:srgbClr val="211E3A"/>
+                    </a:solidFill>
+                    <a:latin typeface="Arial"/>
+                    <a:ea typeface="Arial"/>
+                    <a:cs typeface="Arial"/>
+                    <a:sym typeface="Arial"/>
+                  </a:defRPr>
+                </a:pPr>
+                <a14:m>
+                  <m:oMath xmlns:m="http://schemas.openxmlformats.org/officeDocument/2006/math">
+                    <m:r>
+                      <a:rPr lang="en-US" sz="4400" i="1" dirty="0" smtClean="0">
+                        <a:solidFill>
+                          <a:srgbClr val="211E3A"/>
+                        </a:solidFill>
+                        <a:latin typeface="Cambria Math" panose="02040503050406030204" pitchFamily="18" charset="0"/>
+                        <a:ea typeface="Arial"/>
+                        <a:cs typeface="Arial"/>
+                      </a:rPr>
+                      <m:t>𝑀</m:t>
+                    </m:r>
+                    <m:r>
+                      <a:rPr lang="en-US" sz="4400" i="1" dirty="0">
+                        <a:solidFill>
+                          <a:srgbClr val="211E3A"/>
+                        </a:solidFill>
+                        <a:latin typeface="Cambria Math" panose="02040503050406030204" pitchFamily="18" charset="0"/>
+                        <a:ea typeface="Arial"/>
+                        <a:cs typeface="Arial"/>
+                      </a:rPr>
+                      <m:t> </m:t>
+                    </m:r>
+                    <m:r>
+                      <a:rPr lang="en-US" sz="4400" i="1" dirty="0" smtClean="0">
+                        <a:solidFill>
+                          <a:srgbClr val="211E3A"/>
+                        </a:solidFill>
+                        <a:latin typeface="Cambria Math" panose="02040503050406030204" pitchFamily="18" charset="0"/>
+                        <a:ea typeface="Arial"/>
+                        <a:cs typeface="Arial"/>
+                      </a:rPr>
+                      <m:t>=</m:t>
+                    </m:r>
+                    <m:r>
+                      <a:rPr lang="en-US" sz="4400" i="1" dirty="0">
+                        <a:solidFill>
+                          <a:srgbClr val="211E3A"/>
+                        </a:solidFill>
+                        <a:latin typeface="Cambria Math" panose="02040503050406030204" pitchFamily="18" charset="0"/>
+                        <a:ea typeface="Arial"/>
+                        <a:cs typeface="Arial"/>
+                      </a:rPr>
+                      <m:t> </m:t>
+                    </m:r>
+                  </m:oMath>
+                </a14:m>
+                <a:r>
+                  <a:rPr lang="en-US" sz="4400" dirty="0">
+                    <a:solidFill>
+                      <a:srgbClr val="211E3A"/>
+                    </a:solidFill>
+                    <a:latin typeface="Arial"/>
+                    <a:ea typeface="Arial"/>
+                    <a:cs typeface="Arial"/>
+                  </a:rPr>
+                  <a:t>Length of planning window</a:t>
+                </a:r>
+              </a:p>
+              <a:p>
+                <a:pPr lvl="1" indent="0" algn="l" defTabSz="1219200">
+                  <a:lnSpc>
+                    <a:spcPct val="120000"/>
+                  </a:lnSpc>
+                  <a:defRPr sz="3000">
+                    <a:solidFill>
+                      <a:srgbClr val="211E3A"/>
+                    </a:solidFill>
+                    <a:latin typeface="Arial"/>
+                    <a:ea typeface="Arial"/>
+                    <a:cs typeface="Arial"/>
+                    <a:sym typeface="Arial"/>
+                  </a:defRPr>
+                </a:pPr>
+                <a:endParaRPr lang="en-US" sz="4400" dirty="0"/>
+              </a:p>
+              <a:p>
+                <a:pPr lvl="1" indent="0" algn="l" defTabSz="1219200">
+                  <a:lnSpc>
+                    <a:spcPct val="120000"/>
+                  </a:lnSpc>
+                  <a:defRPr sz="3000">
+                    <a:solidFill>
+                      <a:srgbClr val="211E3A"/>
+                    </a:solidFill>
+                    <a:latin typeface="Arial"/>
+                    <a:ea typeface="Arial"/>
+                    <a:cs typeface="Arial"/>
+                    <a:sym typeface="Arial"/>
+                  </a:defRPr>
+                </a:pPr>
+                <a:r>
+                  <a:rPr lang="en-US" sz="4400" b="1" dirty="0"/>
+                  <a:t>Minimize</a:t>
+                </a:r>
+                <a:r>
+                  <a:rPr lang="en-US" sz="4400" dirty="0"/>
+                  <a:t>:</a:t>
+                </a:r>
+              </a:p>
+              <a:p>
+                <a:pPr lvl="1" indent="0" algn="l" defTabSz="1219200">
+                  <a:lnSpc>
+                    <a:spcPct val="120000"/>
+                  </a:lnSpc>
+                  <a:defRPr sz="3000">
+                    <a:solidFill>
+                      <a:srgbClr val="211E3A"/>
+                    </a:solidFill>
+                    <a:latin typeface="Arial"/>
+                    <a:ea typeface="Arial"/>
+                    <a:cs typeface="Arial"/>
+                    <a:sym typeface="Arial"/>
+                  </a:defRPr>
+                </a:pPr>
+                <a14:m>
+                  <m:oMathPara xmlns:m="http://schemas.openxmlformats.org/officeDocument/2006/math">
+                    <m:oMathParaPr>
+                      <m:jc m:val="centerGroup"/>
+                    </m:oMathParaPr>
+                    <m:oMath xmlns:m="http://schemas.openxmlformats.org/officeDocument/2006/math">
+                      <m:nary>
+                        <m:naryPr>
+                          <m:chr m:val="∑"/>
+                          <m:subHide m:val="on"/>
+                          <m:supHide m:val="on"/>
+                          <m:ctrlPr>
+                            <a:rPr lang="en-US" sz="4400" i="1" dirty="0" smtClean="0">
+                              <a:latin typeface="Cambria Math" panose="02040503050406030204" pitchFamily="18" charset="0"/>
+                            </a:rPr>
+                          </m:ctrlPr>
+                        </m:naryPr>
+                        <m:sub/>
+                        <m:sup/>
+                        <m:e>
+                          <m:r>
+                            <a:rPr lang="en-US" sz="4400" i="1" dirty="0">
+                              <a:latin typeface="Cambria Math" panose="02040503050406030204" pitchFamily="18" charset="0"/>
+                            </a:rPr>
+                            <m:t>𝑅</m:t>
+                          </m:r>
+                          <m:r>
+                            <a:rPr lang="en-US" sz="4400" b="0" i="1" baseline="-25000" dirty="0" smtClean="0">
+                              <a:latin typeface="Cambria Math" panose="02040503050406030204" pitchFamily="18" charset="0"/>
+                            </a:rPr>
+                            <m:t>𝑖</m:t>
+                          </m:r>
+                          <m:r>
+                            <a:rPr lang="en-US" sz="4400" i="1" dirty="0">
+                              <a:latin typeface="Cambria Math" panose="02040503050406030204" pitchFamily="18" charset="0"/>
+                            </a:rPr>
+                            <m:t>(</m:t>
+                          </m:r>
+                          <m:r>
+                            <a:rPr lang="en-US" sz="4400" i="1" dirty="0">
+                              <a:latin typeface="Cambria Math" panose="02040503050406030204" pitchFamily="18" charset="0"/>
+                            </a:rPr>
+                            <m:t>𝑆𝑖</m:t>
+                          </m:r>
+                          <m:r>
+                            <a:rPr lang="en-US" sz="4400" i="1" dirty="0">
+                              <a:latin typeface="Cambria Math" panose="02040503050406030204" pitchFamily="18" charset="0"/>
+                            </a:rPr>
+                            <m:t> – </m:t>
+                          </m:r>
+                          <m:r>
+                            <a:rPr lang="en-US" sz="4400" i="1" dirty="0" err="1">
+                              <a:latin typeface="Cambria Math" panose="02040503050406030204" pitchFamily="18" charset="0"/>
+                            </a:rPr>
+                            <m:t>𝐸</m:t>
+                          </m:r>
+                          <m:r>
+                            <a:rPr lang="en-US" sz="4400" i="1" baseline="-25000" dirty="0" err="1">
+                              <a:latin typeface="Cambria Math" panose="02040503050406030204" pitchFamily="18" charset="0"/>
+                            </a:rPr>
+                            <m:t>𝑖</m:t>
+                          </m:r>
+                          <m:r>
+                            <a:rPr lang="en-US" sz="4400" i="1" dirty="0">
+                              <a:latin typeface="Cambria Math" panose="02040503050406030204" pitchFamily="18" charset="0"/>
+                            </a:rPr>
+                            <m:t>)</m:t>
+                          </m:r>
+                          <m:r>
+                            <m:rPr>
+                              <m:nor/>
+                            </m:rPr>
+                            <a:rPr lang="en-US" sz="4400" dirty="0"/>
+                            <m:t> </m:t>
+                          </m:r>
+                        </m:e>
+                      </m:nary>
+                    </m:oMath>
+                  </m:oMathPara>
+                </a14:m>
+                <a:endParaRPr lang="en-US" sz="4400" dirty="0"/>
+              </a:p>
+              <a:p>
+                <a:pPr lvl="1" indent="0" algn="l" defTabSz="1219200">
+                  <a:lnSpc>
+                    <a:spcPct val="120000"/>
+                  </a:lnSpc>
+                  <a:defRPr sz="3000">
+                    <a:solidFill>
+                      <a:srgbClr val="211E3A"/>
+                    </a:solidFill>
+                    <a:latin typeface="Arial"/>
+                    <a:ea typeface="Arial"/>
+                    <a:cs typeface="Arial"/>
+                    <a:sym typeface="Arial"/>
+                  </a:defRPr>
+                </a:pPr>
+                <a:endParaRPr lang="en-US" sz="4400" dirty="0"/>
+              </a:p>
+              <a:p>
+                <a:pPr lvl="1" indent="0" algn="l" defTabSz="1219200">
+                  <a:lnSpc>
+                    <a:spcPct val="120000"/>
+                  </a:lnSpc>
+                  <a:defRPr sz="3000">
+                    <a:solidFill>
+                      <a:srgbClr val="211E3A"/>
+                    </a:solidFill>
+                    <a:latin typeface="Arial"/>
+                    <a:ea typeface="Arial"/>
+                    <a:cs typeface="Arial"/>
+                    <a:sym typeface="Arial"/>
+                  </a:defRPr>
+                </a:pPr>
+                <a:endParaRPr lang="en-US" sz="4400" dirty="0"/>
+              </a:p>
+              <a:p>
+                <a:pPr lvl="1" indent="0" algn="l" defTabSz="1219200">
+                  <a:lnSpc>
+                    <a:spcPct val="120000"/>
+                  </a:lnSpc>
+                  <a:defRPr sz="3000">
+                    <a:solidFill>
+                      <a:srgbClr val="211E3A"/>
+                    </a:solidFill>
+                    <a:latin typeface="Arial"/>
+                    <a:ea typeface="Arial"/>
+                    <a:cs typeface="Arial"/>
+                    <a:sym typeface="Arial"/>
+                  </a:defRPr>
+                </a:pPr>
+                <a:endParaRPr lang="en-US" sz="4400" dirty="0"/>
+              </a:p>
+              <a:p>
+                <a:pPr lvl="1" indent="0" algn="l" defTabSz="1219200">
+                  <a:lnSpc>
+                    <a:spcPct val="120000"/>
+                  </a:lnSpc>
+                  <a:defRPr sz="3000">
+                    <a:solidFill>
+                      <a:srgbClr val="211E3A"/>
+                    </a:solidFill>
+                    <a:latin typeface="Arial"/>
+                    <a:ea typeface="Arial"/>
+                    <a:cs typeface="Arial"/>
+                    <a:sym typeface="Arial"/>
+                  </a:defRPr>
+                </a:pPr>
+                <a:endParaRPr lang="en-US" sz="4400" dirty="0"/>
+              </a:p>
+            </p:txBody>
+          </p:sp>
+        </mc:Choice>
+        <mc:Fallback>
+          <p:sp>
+            <p:nvSpPr>
+              <p:cNvPr id="7" name="Shape 79">
+                <a:extLst>
+                  <a:ext uri="{FF2B5EF4-FFF2-40B4-BE49-F238E27FC236}">
+                    <a16:creationId xmlns:a16="http://schemas.microsoft.com/office/drawing/2014/main" id="{44A6ADA5-B54B-48B8-B3E1-3122A62DDE88}"/>
+                  </a:ext>
+                </a:extLst>
+              </p:cNvPr>
+              <p:cNvSpPr>
+                <a:spLocks noRot="1" noChangeAspect="1" noMove="1" noResize="1" noEditPoints="1" noAdjustHandles="1" noChangeArrowheads="1" noChangeShapeType="1" noTextEdit="1"/>
+              </p:cNvSpPr>
+              <p:nvPr/>
+            </p:nvSpPr>
+            <p:spPr>
+              <a:xfrm>
+                <a:off x="1007533" y="4981966"/>
+                <a:ext cx="9626600" cy="8868980"/>
+              </a:xfrm>
+              <a:prstGeom prst="rect">
+                <a:avLst/>
+              </a:prstGeom>
+              <a:blipFill>
+                <a:blip r:embed="rId2"/>
+                <a:stretch>
+                  <a:fillRect l="-2977" t="-687"/>
+                </a:stretch>
+              </a:blipFill>
+              <a:ln w="12700">
+                <a:miter lim="400000"/>
+              </a:ln>
+              <a:extLst>
+                <a:ext uri="{C572A759-6A51-4108-AA02-DFA0A04FC94B}">
+                  <ma14:wrappingTextBoxFlag xmlns:ma14="http://schemas.microsoft.com/office/mac/drawingml/2011/main" xmlns="" val="1"/>
+                </a:ext>
+              </a:extLst>
+            </p:spPr>
+            <p:txBody>
+              <a:bodyPr/>
+              <a:lstStyle/>
+              <a:p>
+                <a:r>
+                  <a:rPr lang="en-US">
+                    <a:noFill/>
+                  </a:rPr>
+                  <a:t> </a:t>
+                </a:r>
+              </a:p>
+            </p:txBody>
+          </p:sp>
+        </mc:Fallback>
+      </mc:AlternateContent>
+      <mc:AlternateContent xmlns:mc="http://schemas.openxmlformats.org/markup-compatibility/2006">
+        <mc:Choice xmlns:a14="http://schemas.microsoft.com/office/drawing/2010/main" Requires="a14">
+          <p:sp>
+            <p:nvSpPr>
+              <p:cNvPr id="9" name="Shape 79">
+                <a:extLst>
+                  <a:ext uri="{FF2B5EF4-FFF2-40B4-BE49-F238E27FC236}">
+                    <a16:creationId xmlns:a16="http://schemas.microsoft.com/office/drawing/2014/main" id="{5D79D56A-1242-4F36-9DA7-6381AB53D817}"/>
+                  </a:ext>
+                </a:extLst>
+              </p:cNvPr>
+              <p:cNvSpPr/>
+              <p:nvPr/>
+            </p:nvSpPr>
+            <p:spPr>
+              <a:xfrm>
+                <a:off x="12081933" y="4981966"/>
+                <a:ext cx="8509000" cy="8868980"/>
+              </a:xfrm>
+              <a:prstGeom prst="rect">
+                <a:avLst/>
+              </a:prstGeom>
+              <a:ln w="12700">
+                <a:miter lim="400000"/>
+              </a:ln>
+              <a:extLst>
+                <a:ext uri="{C572A759-6A51-4108-AA02-DFA0A04FC94B}">
+                  <ma14:wrappingTextBoxFlag xmlns:ma14="http://schemas.microsoft.com/office/mac/drawingml/2011/main" xmlns="" val="1"/>
+                </a:ext>
+              </a:extLst>
+            </p:spPr>
+            <p:txBody>
+              <a:bodyPr lIns="50800" tIns="50800" rIns="50800" bIns="50800">
+                <a:normAutofit/>
+              </a:bodyPr>
+              <a:lstStyle/>
+              <a:p>
+                <a:pPr lvl="1" indent="0" algn="l" defTabSz="1219200">
+                  <a:lnSpc>
+                    <a:spcPct val="120000"/>
+                  </a:lnSpc>
+                  <a:defRPr sz="3000">
+                    <a:solidFill>
+                      <a:srgbClr val="211E3A"/>
+                    </a:solidFill>
+                    <a:latin typeface="Arial"/>
+                    <a:ea typeface="Arial"/>
+                    <a:cs typeface="Arial"/>
+                    <a:sym typeface="Arial"/>
+                  </a:defRPr>
+                </a:pPr>
+                <a:r>
+                  <a:rPr lang="en-US" sz="4400" b="1" dirty="0"/>
+                  <a:t>Constraints:</a:t>
+                </a:r>
+                <a:endParaRPr lang="en-US" sz="4400" b="0" i="1" dirty="0">
+                  <a:latin typeface="Cambria Math" panose="02040503050406030204" pitchFamily="18" charset="0"/>
+                </a:endParaRPr>
+              </a:p>
+              <a:p>
+                <a:pPr lvl="1" indent="0" algn="l" defTabSz="1219200">
+                  <a:lnSpc>
+                    <a:spcPct val="120000"/>
+                  </a:lnSpc>
+                  <a:defRPr sz="3000">
+                    <a:solidFill>
+                      <a:srgbClr val="211E3A"/>
+                    </a:solidFill>
+                    <a:latin typeface="Arial"/>
+                    <a:ea typeface="Arial"/>
+                    <a:cs typeface="Arial"/>
+                    <a:sym typeface="Arial"/>
+                  </a:defRPr>
+                </a:pPr>
+                <a14:m>
+                  <m:oMathPara xmlns:m="http://schemas.openxmlformats.org/officeDocument/2006/math">
+                    <m:oMathParaPr>
+                      <m:jc m:val="left"/>
+                    </m:oMathParaPr>
+                    <m:oMath xmlns:m="http://schemas.openxmlformats.org/officeDocument/2006/math">
+                      <m:r>
+                        <a:rPr lang="en-US" sz="4400" b="0" i="1" smtClean="0">
+                          <a:latin typeface="Cambria Math" panose="02040503050406030204" pitchFamily="18" charset="0"/>
+                        </a:rPr>
+                        <m:t>4≤</m:t>
+                      </m:r>
+                      <m:r>
+                        <a:rPr lang="en-US" sz="4400" b="0" i="1" smtClean="0">
+                          <a:latin typeface="Cambria Math" panose="02040503050406030204" pitchFamily="18" charset="0"/>
+                        </a:rPr>
+                        <m:t>𝐸𝑖</m:t>
+                      </m:r>
+                      <m:r>
+                        <a:rPr lang="en-US" sz="4400" b="0" i="1" smtClean="0">
+                          <a:latin typeface="Cambria Math" panose="02040503050406030204" pitchFamily="18" charset="0"/>
+                        </a:rPr>
+                        <m:t> −</m:t>
+                      </m:r>
+                      <m:r>
+                        <a:rPr lang="en-US" sz="4400" b="0" i="1" smtClean="0">
+                          <a:latin typeface="Cambria Math" panose="02040503050406030204" pitchFamily="18" charset="0"/>
+                        </a:rPr>
+                        <m:t>𝑆𝑖</m:t>
+                      </m:r>
+                      <m:r>
+                        <a:rPr lang="en-US" sz="4400" b="0" i="1" smtClean="0">
+                          <a:latin typeface="Cambria Math" panose="02040503050406030204" pitchFamily="18" charset="0"/>
+                        </a:rPr>
+                        <m:t>≤6</m:t>
+                      </m:r>
+                    </m:oMath>
+                  </m:oMathPara>
+                </a14:m>
+                <a:endParaRPr lang="en-US" sz="4400" dirty="0"/>
+              </a:p>
+              <a:p>
+                <a:pPr lvl="1" indent="0" algn="l" defTabSz="1219200">
+                  <a:lnSpc>
+                    <a:spcPct val="120000"/>
+                  </a:lnSpc>
+                  <a:defRPr sz="3000">
+                    <a:solidFill>
+                      <a:srgbClr val="211E3A"/>
+                    </a:solidFill>
+                    <a:latin typeface="Arial"/>
+                    <a:ea typeface="Arial"/>
+                    <a:cs typeface="Arial"/>
+                    <a:sym typeface="Arial"/>
+                  </a:defRPr>
+                </a:pPr>
+                <a:r>
+                  <a:rPr lang="en-US" sz="4400" dirty="0"/>
+                  <a:t>16 = </a:t>
+                </a:r>
+                <a14:m>
+                  <m:oMath xmlns:m="http://schemas.openxmlformats.org/officeDocument/2006/math">
+                    <m:nary>
+                      <m:naryPr>
+                        <m:chr m:val="∑"/>
+                        <m:subHide m:val="on"/>
+                        <m:supHide m:val="on"/>
+                        <m:ctrlPr>
+                          <a:rPr lang="en-US" sz="4400" i="1" dirty="0" smtClean="0">
+                            <a:latin typeface="Cambria Math" panose="02040503050406030204" pitchFamily="18" charset="0"/>
+                          </a:rPr>
+                        </m:ctrlPr>
+                      </m:naryPr>
+                      <m:sub/>
+                      <m:sup/>
+                      <m:e>
+                        <m:r>
+                          <a:rPr lang="en-US" sz="4400" i="1" dirty="0">
+                            <a:latin typeface="Cambria Math" panose="02040503050406030204" pitchFamily="18" charset="0"/>
+                          </a:rPr>
+                          <m:t>𝑆</m:t>
+                        </m:r>
+                        <m:r>
+                          <a:rPr lang="en-US" sz="4400" i="1" baseline="-25000" dirty="0">
+                            <a:latin typeface="Cambria Math" panose="02040503050406030204" pitchFamily="18" charset="0"/>
+                          </a:rPr>
+                          <m:t>𝑖</m:t>
+                        </m:r>
+                        <m:r>
+                          <a:rPr lang="en-US" sz="4400" i="1" dirty="0">
+                            <a:latin typeface="Cambria Math" panose="02040503050406030204" pitchFamily="18" charset="0"/>
+                          </a:rPr>
+                          <m:t> – </m:t>
+                        </m:r>
+                        <m:r>
+                          <a:rPr lang="en-US" sz="4400" i="1" dirty="0" err="1">
+                            <a:latin typeface="Cambria Math" panose="02040503050406030204" pitchFamily="18" charset="0"/>
+                          </a:rPr>
+                          <m:t>𝐸</m:t>
+                        </m:r>
+                        <m:r>
+                          <a:rPr lang="en-US" sz="4400" i="1" baseline="-25000" dirty="0" err="1">
+                            <a:latin typeface="Cambria Math" panose="02040503050406030204" pitchFamily="18" charset="0"/>
+                          </a:rPr>
+                          <m:t>𝑖</m:t>
+                        </m:r>
+                        <m:r>
+                          <m:rPr>
+                            <m:nor/>
+                          </m:rPr>
+                          <a:rPr lang="en-US" sz="4400" dirty="0"/>
+                          <m:t> </m:t>
+                        </m:r>
+                      </m:e>
+                    </m:nary>
+                  </m:oMath>
+                </a14:m>
+                <a:endParaRPr lang="en-US" sz="4400" dirty="0"/>
+              </a:p>
+              <a:p>
+                <a:pPr lvl="1" indent="0" algn="l" defTabSz="1219200">
+                  <a:lnSpc>
+                    <a:spcPct val="120000"/>
+                  </a:lnSpc>
+                  <a:defRPr sz="3000">
+                    <a:solidFill>
+                      <a:srgbClr val="211E3A"/>
+                    </a:solidFill>
+                    <a:latin typeface="Arial"/>
+                    <a:ea typeface="Arial"/>
+                    <a:cs typeface="Arial"/>
+                    <a:sym typeface="Arial"/>
+                  </a:defRPr>
+                </a:pPr>
+                <a14:m>
+                  <m:oMathPara xmlns:m="http://schemas.openxmlformats.org/officeDocument/2006/math">
+                    <m:oMathParaPr>
+                      <m:jc m:val="left"/>
+                    </m:oMathParaPr>
+                    <m:oMath xmlns:m="http://schemas.openxmlformats.org/officeDocument/2006/math">
+                      <m:r>
+                        <a:rPr lang="en-US" sz="4400" i="1" dirty="0" smtClean="0">
+                          <a:latin typeface="Cambria Math" panose="02040503050406030204" pitchFamily="18" charset="0"/>
+                        </a:rPr>
+                        <m:t>𝐸</m:t>
+                      </m:r>
+                      <m:r>
+                        <a:rPr lang="en-US" sz="4400" i="1" baseline="-25000" dirty="0" smtClean="0">
+                          <a:latin typeface="Cambria Math" panose="02040503050406030204" pitchFamily="18" charset="0"/>
+                        </a:rPr>
+                        <m:t>2</m:t>
+                      </m:r>
+                      <m:r>
+                        <a:rPr lang="en-US" sz="4400" i="1" dirty="0" smtClean="0">
+                          <a:latin typeface="Cambria Math" panose="02040503050406030204" pitchFamily="18" charset="0"/>
+                        </a:rPr>
+                        <m:t> &lt;= 11</m:t>
+                      </m:r>
+                    </m:oMath>
+                  </m:oMathPara>
+                </a14:m>
+                <a:endParaRPr lang="en-US" sz="4400" dirty="0"/>
+              </a:p>
+              <a:p>
+                <a:pPr lvl="1" indent="0" algn="l" defTabSz="1219200">
+                  <a:lnSpc>
+                    <a:spcPct val="120000"/>
+                  </a:lnSpc>
+                  <a:defRPr sz="3000">
+                    <a:solidFill>
+                      <a:srgbClr val="211E3A"/>
+                    </a:solidFill>
+                    <a:latin typeface="Arial"/>
+                    <a:ea typeface="Arial"/>
+                    <a:cs typeface="Arial"/>
+                    <a:sym typeface="Arial"/>
+                  </a:defRPr>
+                </a:pPr>
+                <a14:m>
+                  <m:oMathPara xmlns:m="http://schemas.openxmlformats.org/officeDocument/2006/math">
+                    <m:oMathParaPr>
+                      <m:jc m:val="left"/>
+                    </m:oMathParaPr>
+                    <m:oMath xmlns:m="http://schemas.openxmlformats.org/officeDocument/2006/math">
+                      <m:r>
+                        <a:rPr lang="en-US" sz="4400" i="1" dirty="0" smtClean="0">
+                          <a:latin typeface="Cambria Math" panose="02040503050406030204" pitchFamily="18" charset="0"/>
+                        </a:rPr>
+                        <m:t>𝑆</m:t>
+                      </m:r>
+                      <m:r>
+                        <a:rPr lang="en-US" sz="4400" i="1" baseline="-25000" dirty="0" smtClean="0">
+                          <a:latin typeface="Cambria Math" panose="02040503050406030204" pitchFamily="18" charset="0"/>
+                        </a:rPr>
+                        <m:t>𝑖</m:t>
+                      </m:r>
+                      <m:r>
+                        <a:rPr lang="en-US" sz="4400" i="1" dirty="0" smtClean="0">
+                          <a:latin typeface="Cambria Math" panose="02040503050406030204" pitchFamily="18" charset="0"/>
+                        </a:rPr>
+                        <m:t> &gt;= </m:t>
+                      </m:r>
+                      <m:r>
+                        <a:rPr lang="en-US" sz="4400" i="1" dirty="0" err="1" smtClean="0">
+                          <a:latin typeface="Cambria Math" panose="02040503050406030204" pitchFamily="18" charset="0"/>
+                        </a:rPr>
+                        <m:t>𝐸</m:t>
+                      </m:r>
+                      <m:r>
+                        <a:rPr lang="en-US" sz="4400" i="1" baseline="-25000" dirty="0" err="1" smtClean="0">
+                          <a:latin typeface="Cambria Math" panose="02040503050406030204" pitchFamily="18" charset="0"/>
+                        </a:rPr>
+                        <m:t>𝑗</m:t>
+                      </m:r>
+                      <m:r>
+                        <a:rPr lang="en-US" sz="4400" i="1" dirty="0" smtClean="0">
+                          <a:latin typeface="Cambria Math" panose="02040503050406030204" pitchFamily="18" charset="0"/>
+                        </a:rPr>
+                        <m:t> − </m:t>
+                      </m:r>
+                      <m:r>
+                        <a:rPr lang="en-US" sz="4400" i="1" dirty="0" smtClean="0">
+                          <a:latin typeface="Cambria Math" panose="02040503050406030204" pitchFamily="18" charset="0"/>
+                        </a:rPr>
+                        <m:t>𝑀</m:t>
+                      </m:r>
+                      <m:r>
+                        <a:rPr lang="en-US" sz="4400" i="1" dirty="0" smtClean="0">
+                          <a:latin typeface="Cambria Math" panose="02040503050406030204" pitchFamily="18" charset="0"/>
+                          <a:ea typeface="Cambria Math" panose="02040503050406030204" pitchFamily="18" charset="0"/>
+                        </a:rPr>
+                        <m:t>𝛿</m:t>
+                      </m:r>
+                      <m:r>
+                        <a:rPr lang="en-US" sz="4400" b="0" i="1" baseline="-25000" dirty="0" smtClean="0">
+                          <a:latin typeface="Cambria Math" panose="02040503050406030204" pitchFamily="18" charset="0"/>
+                          <a:ea typeface="Cambria Math" panose="02040503050406030204" pitchFamily="18" charset="0"/>
+                        </a:rPr>
+                        <m:t>𝑖𝑗</m:t>
+                      </m:r>
+                    </m:oMath>
+                  </m:oMathPara>
+                </a14:m>
+                <a:endParaRPr lang="en-US" sz="4400" baseline="-25000" dirty="0"/>
+              </a:p>
+              <a:p>
+                <a:pPr lvl="1" indent="0" algn="l" defTabSz="1219200">
+                  <a:lnSpc>
+                    <a:spcPct val="120000"/>
+                  </a:lnSpc>
+                  <a:defRPr sz="3000">
+                    <a:solidFill>
+                      <a:srgbClr val="211E3A"/>
+                    </a:solidFill>
+                    <a:latin typeface="Arial"/>
+                    <a:ea typeface="Arial"/>
+                    <a:cs typeface="Arial"/>
+                    <a:sym typeface="Arial"/>
+                  </a:defRPr>
+                </a:pPr>
+                <a14:m>
+                  <m:oMathPara xmlns:m="http://schemas.openxmlformats.org/officeDocument/2006/math">
+                    <m:oMathParaPr>
+                      <m:jc m:val="left"/>
+                    </m:oMathParaPr>
+                    <m:oMath xmlns:m="http://schemas.openxmlformats.org/officeDocument/2006/math">
+                      <m:r>
+                        <a:rPr lang="en-US" sz="4400" i="1" dirty="0">
+                          <a:latin typeface="Cambria Math" panose="02040503050406030204" pitchFamily="18" charset="0"/>
+                        </a:rPr>
+                        <m:t>𝑆</m:t>
+                      </m:r>
+                      <m:r>
+                        <a:rPr lang="en-US" sz="4400" i="1" baseline="-25000" dirty="0">
+                          <a:latin typeface="Cambria Math" panose="02040503050406030204" pitchFamily="18" charset="0"/>
+                        </a:rPr>
+                        <m:t>𝑖</m:t>
+                      </m:r>
+                      <m:r>
+                        <a:rPr lang="en-US" sz="4400" i="1" dirty="0">
+                          <a:latin typeface="Cambria Math" panose="02040503050406030204" pitchFamily="18" charset="0"/>
+                        </a:rPr>
+                        <m:t> &gt;= </m:t>
+                      </m:r>
+                      <m:r>
+                        <a:rPr lang="en-US" sz="4400" i="1" dirty="0" err="1">
+                          <a:latin typeface="Cambria Math" panose="02040503050406030204" pitchFamily="18" charset="0"/>
+                        </a:rPr>
+                        <m:t>𝐸</m:t>
+                      </m:r>
+                      <m:r>
+                        <a:rPr lang="en-US" sz="4400" b="0" i="1" baseline="-25000" dirty="0" smtClean="0">
+                          <a:latin typeface="Cambria Math" panose="02040503050406030204" pitchFamily="18" charset="0"/>
+                        </a:rPr>
+                        <m:t>𝑖</m:t>
+                      </m:r>
+                      <m:r>
+                        <a:rPr lang="en-US" sz="4400" i="1" dirty="0">
+                          <a:latin typeface="Cambria Math" panose="02040503050406030204" pitchFamily="18" charset="0"/>
+                        </a:rPr>
+                        <m:t> − </m:t>
+                      </m:r>
+                      <m:r>
+                        <a:rPr lang="en-US" sz="4400" i="1" dirty="0">
+                          <a:latin typeface="Cambria Math" panose="02040503050406030204" pitchFamily="18" charset="0"/>
+                        </a:rPr>
+                        <m:t>𝑀</m:t>
+                      </m:r>
+                      <m:r>
+                        <a:rPr lang="en-US" sz="4400" b="0" i="1" dirty="0" smtClean="0">
+                          <a:latin typeface="Cambria Math" panose="02040503050406030204" pitchFamily="18" charset="0"/>
+                        </a:rPr>
+                        <m:t>(1−</m:t>
+                      </m:r>
+                      <m:r>
+                        <a:rPr lang="en-US" sz="4400" i="1" dirty="0">
+                          <a:latin typeface="Cambria Math" panose="02040503050406030204" pitchFamily="18" charset="0"/>
+                          <a:ea typeface="Cambria Math" panose="02040503050406030204" pitchFamily="18" charset="0"/>
+                        </a:rPr>
+                        <m:t>𝛿</m:t>
+                      </m:r>
+                      <m:r>
+                        <a:rPr lang="en-US" sz="4400" i="1" baseline="-25000" dirty="0">
+                          <a:latin typeface="Cambria Math" panose="02040503050406030204" pitchFamily="18" charset="0"/>
+                          <a:ea typeface="Cambria Math" panose="02040503050406030204" pitchFamily="18" charset="0"/>
+                        </a:rPr>
+                        <m:t>𝑖𝑗</m:t>
+                      </m:r>
+                      <m:r>
+                        <a:rPr lang="en-US" sz="4400" b="0" i="1" dirty="0" smtClean="0">
+                          <a:latin typeface="Cambria Math" panose="02040503050406030204" pitchFamily="18" charset="0"/>
+                          <a:ea typeface="Cambria Math" panose="02040503050406030204" pitchFamily="18" charset="0"/>
+                        </a:rPr>
+                        <m:t>)</m:t>
+                      </m:r>
+                    </m:oMath>
+                  </m:oMathPara>
+                </a14:m>
+                <a:endParaRPr lang="en-US" sz="4400" dirty="0"/>
+              </a:p>
+              <a:p>
+                <a:pPr lvl="1" indent="0" algn="l" defTabSz="1219200">
+                  <a:lnSpc>
+                    <a:spcPct val="120000"/>
+                  </a:lnSpc>
+                  <a:defRPr sz="3000">
+                    <a:solidFill>
+                      <a:srgbClr val="211E3A"/>
+                    </a:solidFill>
+                    <a:latin typeface="Arial"/>
+                    <a:ea typeface="Arial"/>
+                    <a:cs typeface="Arial"/>
+                    <a:sym typeface="Arial"/>
+                  </a:defRPr>
+                </a:pPr>
+                <a:endParaRPr lang="en-US" sz="4400" dirty="0"/>
+              </a:p>
+              <a:p>
+                <a:pPr lvl="1" indent="0" algn="l" defTabSz="1219200">
+                  <a:lnSpc>
+                    <a:spcPct val="120000"/>
+                  </a:lnSpc>
+                  <a:defRPr sz="3000">
+                    <a:solidFill>
+                      <a:srgbClr val="211E3A"/>
+                    </a:solidFill>
+                    <a:latin typeface="Arial"/>
+                    <a:ea typeface="Arial"/>
+                    <a:cs typeface="Arial"/>
+                    <a:sym typeface="Arial"/>
+                  </a:defRPr>
+                </a:pPr>
+                <a:endParaRPr lang="en-US" sz="4400" dirty="0"/>
+              </a:p>
+              <a:p>
+                <a:pPr lvl="1" indent="0" algn="l" defTabSz="1219200">
+                  <a:lnSpc>
+                    <a:spcPct val="120000"/>
+                  </a:lnSpc>
+                  <a:defRPr sz="3000">
+                    <a:solidFill>
+                      <a:srgbClr val="211E3A"/>
+                    </a:solidFill>
+                    <a:latin typeface="Arial"/>
+                    <a:ea typeface="Arial"/>
+                    <a:cs typeface="Arial"/>
+                    <a:sym typeface="Arial"/>
+                  </a:defRPr>
+                </a:pPr>
+                <a:endParaRPr lang="en-US" sz="4400" dirty="0"/>
+              </a:p>
+              <a:p>
+                <a:pPr lvl="1" indent="0" algn="l" defTabSz="1219200">
+                  <a:lnSpc>
+                    <a:spcPct val="120000"/>
+                  </a:lnSpc>
+                  <a:defRPr sz="3000">
+                    <a:solidFill>
+                      <a:srgbClr val="211E3A"/>
+                    </a:solidFill>
+                    <a:latin typeface="Arial"/>
+                    <a:ea typeface="Arial"/>
+                    <a:cs typeface="Arial"/>
+                    <a:sym typeface="Arial"/>
+                  </a:defRPr>
+                </a:pPr>
+                <a:endParaRPr lang="en-US" sz="4400" dirty="0"/>
+              </a:p>
+            </p:txBody>
+          </p:sp>
+        </mc:Choice>
+        <mc:Fallback>
+          <p:sp>
+            <p:nvSpPr>
+              <p:cNvPr id="9" name="Shape 79">
+                <a:extLst>
+                  <a:ext uri="{FF2B5EF4-FFF2-40B4-BE49-F238E27FC236}">
+                    <a16:creationId xmlns:a16="http://schemas.microsoft.com/office/drawing/2014/main" id="{5D79D56A-1242-4F36-9DA7-6381AB53D817}"/>
+                  </a:ext>
+                </a:extLst>
+              </p:cNvPr>
+              <p:cNvSpPr>
+                <a:spLocks noRot="1" noChangeAspect="1" noMove="1" noResize="1" noEditPoints="1" noAdjustHandles="1" noChangeArrowheads="1" noChangeShapeType="1" noTextEdit="1"/>
+              </p:cNvSpPr>
+              <p:nvPr/>
+            </p:nvSpPr>
+            <p:spPr>
+              <a:xfrm>
+                <a:off x="12081933" y="4981966"/>
+                <a:ext cx="8509000" cy="8868980"/>
+              </a:xfrm>
+              <a:prstGeom prst="rect">
+                <a:avLst/>
+              </a:prstGeom>
+              <a:blipFill>
+                <a:blip r:embed="rId3"/>
+                <a:stretch>
+                  <a:fillRect l="-3367" t="-687"/>
+                </a:stretch>
+              </a:blipFill>
+              <a:ln w="12700">
+                <a:miter lim="400000"/>
+              </a:ln>
+              <a:extLst>
+                <a:ext uri="{C572A759-6A51-4108-AA02-DFA0A04FC94B}">
+                  <ma14:wrappingTextBoxFlag xmlns:ma14="http://schemas.microsoft.com/office/mac/drawingml/2011/main" xmlns="" val="1"/>
+                </a:ext>
+              </a:extLst>
+            </p:spPr>
+            <p:txBody>
+              <a:bodyPr/>
+              <a:lstStyle/>
+              <a:p>
+                <a:r>
+                  <a:rPr lang="en-US">
+                    <a:noFill/>
+                  </a:rPr>
+                  <a:t> </a:t>
+                </a:r>
+              </a:p>
+            </p:txBody>
+          </p:sp>
+        </mc:Fallback>
+      </mc:AlternateContent>
+    </p:spTree>
+    <p:extLst>
+      <p:ext uri="{BB962C8B-B14F-4D97-AF65-F5344CB8AC3E}">
+        <p14:creationId xmlns:p14="http://schemas.microsoft.com/office/powerpoint/2010/main" val="1409421907"/>
+      </p:ext>
+    </p:extLst>
+  </p:cSld>
+  <p:clrMapOvr>
+    <a:masterClrMapping/>
+  </p:clrMapOvr>
+  <p:transition spd="med"/>
+</p:sld>
+</file>
+
+<file path=ppt/slides/slide31.xml><?xml version="1.0" encoding="utf-8"?>
+<p:sld xmlns:a="http://schemas.openxmlformats.org/drawingml/2006/main" xmlns:r="http://schemas.openxmlformats.org/officeDocument/2006/relationships" xmlns:p="http://schemas.openxmlformats.org/presentationml/2006/main">
+  <p:cSld>
+    <p:spTree>
+      <p:nvGrpSpPr>
+        <p:cNvPr id="1" name=""/>
+        <p:cNvGrpSpPr/>
+        <p:nvPr/>
+      </p:nvGrpSpPr>
+      <p:grpSpPr>
+        <a:xfrm>
+          <a:off x="0" y="0"/>
+          <a:ext cx="0" cy="0"/>
+          <a:chOff x="0" y="0"/>
+          <a:chExt cx="0" cy="0"/>
+        </a:xfrm>
+      </p:grpSpPr>
+      <p:sp>
+        <p:nvSpPr>
+          <p:cNvPr id="4" name="Text Placeholder 1">
+            <a:extLst>
+              <a:ext uri="{FF2B5EF4-FFF2-40B4-BE49-F238E27FC236}">
+                <a16:creationId xmlns:a16="http://schemas.microsoft.com/office/drawing/2014/main" id="{CD6BE2AC-FEF7-4028-8806-B6D939670C40}"/>
+              </a:ext>
+            </a:extLst>
+          </p:cNvPr>
+          <p:cNvSpPr>
+            <a:spLocks noGrp="1"/>
+          </p:cNvSpPr>
+          <p:nvPr>
+            <p:ph type="body" sz="quarter" idx="13"/>
+          </p:nvPr>
+        </p:nvSpPr>
+        <p:spPr>
+          <a:xfrm>
+            <a:off x="1007533" y="965096"/>
+            <a:ext cx="16412303" cy="1943101"/>
+          </a:xfrm>
+        </p:spPr>
+        <p:txBody>
+          <a:bodyPr/>
+          <a:lstStyle/>
+          <a:p>
+            <a:r>
+              <a:rPr lang="en-US" dirty="0"/>
+              <a:t>Data-Driven Apps</a:t>
+            </a:r>
+          </a:p>
+        </p:txBody>
+      </p:sp>
+      <p:sp>
+        <p:nvSpPr>
+          <p:cNvPr id="5" name="Shape 78">
+            <a:extLst>
+              <a:ext uri="{FF2B5EF4-FFF2-40B4-BE49-F238E27FC236}">
+                <a16:creationId xmlns:a16="http://schemas.microsoft.com/office/drawing/2014/main" id="{35058E1D-FB83-40D4-ACB3-4196857415E3}"/>
+              </a:ext>
+            </a:extLst>
+          </p:cNvPr>
+          <p:cNvSpPr/>
+          <p:nvPr/>
+        </p:nvSpPr>
+        <p:spPr>
+          <a:xfrm>
+            <a:off x="1007533" y="2802362"/>
+            <a:ext cx="16412303" cy="1943101"/>
+          </a:xfrm>
+          <a:prstGeom prst="rect">
+            <a:avLst/>
+          </a:prstGeom>
+          <a:ln w="12700">
+            <a:miter lim="400000"/>
+          </a:ln>
+          <a:extLst>
+            <a:ext uri="{C572A759-6A51-4108-AA02-DFA0A04FC94B}">
+              <ma14:wrappingTextBoxFlag xmlns="" xmlns:ma14="http://schemas.microsoft.com/office/mac/drawingml/2011/main" val="1"/>
+            </a:ext>
+          </a:extLst>
+        </p:spPr>
+        <p:txBody>
+          <a:bodyPr lIns="50800" tIns="50800" rIns="50800" bIns="50800">
+            <a:normAutofit/>
+          </a:bodyPr>
+          <a:lstStyle>
+            <a:lvl1pPr algn="l" defTabSz="1219200">
+              <a:lnSpc>
+                <a:spcPct val="90000"/>
+              </a:lnSpc>
+              <a:defRPr sz="7000" spc="0">
+                <a:solidFill>
+                  <a:srgbClr val="25A4F2"/>
+                </a:solidFill>
+                <a:latin typeface="Arial"/>
+                <a:ea typeface="Arial"/>
+                <a:cs typeface="Arial"/>
+                <a:sym typeface="Arial"/>
+              </a:defRPr>
+            </a:lvl1pPr>
+          </a:lstStyle>
+          <a:p>
+            <a:r>
+              <a:rPr lang="en-US" dirty="0"/>
+              <a:t>Endless Possibilities</a:t>
+            </a:r>
+            <a:endParaRPr dirty="0"/>
+          </a:p>
+        </p:txBody>
+      </p:sp>
+      <p:sp>
+        <p:nvSpPr>
+          <p:cNvPr id="6" name="Shape 79">
+            <a:extLst>
+              <a:ext uri="{FF2B5EF4-FFF2-40B4-BE49-F238E27FC236}">
+                <a16:creationId xmlns:a16="http://schemas.microsoft.com/office/drawing/2014/main" id="{6C9170B9-3AC4-4E11-9E1A-9424B987F518}"/>
+              </a:ext>
+            </a:extLst>
+          </p:cNvPr>
+          <p:cNvSpPr/>
+          <p:nvPr/>
+        </p:nvSpPr>
+        <p:spPr>
+          <a:xfrm>
+            <a:off x="1007533" y="4981966"/>
+            <a:ext cx="9626600" cy="8868980"/>
+          </a:xfrm>
+          <a:prstGeom prst="rect">
+            <a:avLst/>
+          </a:prstGeom>
+          <a:ln w="12700">
+            <a:miter lim="400000"/>
+          </a:ln>
+          <a:extLst>
+            <a:ext uri="{C572A759-6A51-4108-AA02-DFA0A04FC94B}">
+              <ma14:wrappingTextBoxFlag xmlns:ma14="http://schemas.microsoft.com/office/mac/drawingml/2011/main" xmlns="" val="1"/>
+            </a:ext>
+          </a:extLst>
+        </p:spPr>
+        <p:txBody>
+          <a:bodyPr lIns="50800" tIns="50800" rIns="50800" bIns="50800">
+            <a:normAutofit/>
+          </a:bodyPr>
+          <a:lstStyle/>
+          <a:p>
+            <a:pPr lvl="1" indent="0" algn="l" defTabSz="1219200">
+              <a:lnSpc>
+                <a:spcPct val="120000"/>
+              </a:lnSpc>
+              <a:defRPr sz="3000">
+                <a:solidFill>
+                  <a:srgbClr val="211E3A"/>
+                </a:solidFill>
+                <a:latin typeface="Arial"/>
+                <a:ea typeface="Arial"/>
+                <a:cs typeface="Arial"/>
+                <a:sym typeface="Arial"/>
+              </a:defRPr>
+            </a:pPr>
+            <a:endParaRPr lang="en-US" sz="4400" dirty="0"/>
+          </a:p>
+        </p:txBody>
+      </p:sp>
+      <p:sp>
+        <p:nvSpPr>
+          <p:cNvPr id="7" name="Shape 79">
+            <a:extLst>
+              <a:ext uri="{FF2B5EF4-FFF2-40B4-BE49-F238E27FC236}">
+                <a16:creationId xmlns:a16="http://schemas.microsoft.com/office/drawing/2014/main" id="{0F8F8753-692F-4CF0-B556-4994A5A24A50}"/>
+              </a:ext>
+            </a:extLst>
+          </p:cNvPr>
+          <p:cNvSpPr/>
+          <p:nvPr/>
+        </p:nvSpPr>
+        <p:spPr>
+          <a:xfrm>
+            <a:off x="1159932" y="5134366"/>
+            <a:ext cx="17626831" cy="8868980"/>
+          </a:xfrm>
+          <a:prstGeom prst="rect">
+            <a:avLst/>
+          </a:prstGeom>
+          <a:ln w="12700">
+            <a:miter lim="400000"/>
+          </a:ln>
+          <a:extLst>
+            <a:ext uri="{C572A759-6A51-4108-AA02-DFA0A04FC94B}">
+              <ma14:wrappingTextBoxFlag xmlns:ma14="http://schemas.microsoft.com/office/mac/drawingml/2011/main" xmlns="" val="1"/>
+            </a:ext>
+          </a:extLst>
+        </p:spPr>
+        <p:txBody>
+          <a:bodyPr lIns="50800" tIns="50800" rIns="50800" bIns="50800">
+            <a:normAutofit lnSpcReduction="10000"/>
+          </a:bodyPr>
+          <a:lstStyle/>
+          <a:p>
+            <a:pPr lvl="1" indent="0" algn="l" defTabSz="1219200">
+              <a:lnSpc>
+                <a:spcPct val="120000"/>
+              </a:lnSpc>
+              <a:defRPr sz="3000">
+                <a:solidFill>
+                  <a:srgbClr val="211E3A"/>
+                </a:solidFill>
+                <a:latin typeface="Arial"/>
+                <a:ea typeface="Arial"/>
+                <a:cs typeface="Arial"/>
+                <a:sym typeface="Arial"/>
+              </a:defRPr>
+            </a:pPr>
+            <a:r>
+              <a:rPr lang="en-US" sz="4400" b="1" dirty="0"/>
+              <a:t>Just the subject of linear programming alone opens up a large domain of apps: </a:t>
+            </a:r>
+          </a:p>
+          <a:p>
+            <a:pPr marL="571500" lvl="1" indent="-571500" algn="l" defTabSz="1219200">
+              <a:lnSpc>
+                <a:spcPct val="120000"/>
+              </a:lnSpc>
+              <a:buFont typeface="Arial" panose="020B0604020202020204" pitchFamily="34" charset="0"/>
+              <a:buChar char="•"/>
+              <a:defRPr sz="3000">
+                <a:solidFill>
+                  <a:srgbClr val="211E3A"/>
+                </a:solidFill>
+                <a:latin typeface="Arial"/>
+                <a:ea typeface="Arial"/>
+                <a:cs typeface="Arial"/>
+                <a:sym typeface="Arial"/>
+              </a:defRPr>
+            </a:pPr>
+            <a:r>
+              <a:rPr lang="en-US" sz="4400" dirty="0"/>
+              <a:t>Schedule generation (e.g. classrooms, transportation, staff) </a:t>
+            </a:r>
+          </a:p>
+          <a:p>
+            <a:pPr marL="571500" lvl="1" indent="-571500" algn="l" defTabSz="1219200">
+              <a:lnSpc>
+                <a:spcPct val="120000"/>
+              </a:lnSpc>
+              <a:buFont typeface="Arial" panose="020B0604020202020204" pitchFamily="34" charset="0"/>
+              <a:buChar char="•"/>
+              <a:defRPr sz="3000">
+                <a:solidFill>
+                  <a:srgbClr val="211E3A"/>
+                </a:solidFill>
+                <a:latin typeface="Arial"/>
+                <a:ea typeface="Arial"/>
+                <a:cs typeface="Arial"/>
+                <a:sym typeface="Arial"/>
+              </a:defRPr>
+            </a:pPr>
+            <a:r>
+              <a:rPr lang="en-US" sz="4400" dirty="0"/>
+              <a:t>Operations and resource planning (e.g. factory planning)</a:t>
+            </a:r>
+          </a:p>
+          <a:p>
+            <a:pPr marL="571500" lvl="1" indent="-571500" algn="l" defTabSz="1219200">
+              <a:lnSpc>
+                <a:spcPct val="120000"/>
+              </a:lnSpc>
+              <a:buFont typeface="Arial" panose="020B0604020202020204" pitchFamily="34" charset="0"/>
+              <a:buChar char="•"/>
+              <a:defRPr sz="3000">
+                <a:solidFill>
+                  <a:srgbClr val="211E3A"/>
+                </a:solidFill>
+                <a:latin typeface="Arial"/>
+                <a:ea typeface="Arial"/>
+                <a:cs typeface="Arial"/>
+                <a:sym typeface="Arial"/>
+              </a:defRPr>
+            </a:pPr>
+            <a:r>
+              <a:rPr lang="en-US" sz="4400" dirty="0"/>
+              <a:t>Blending problems (e.g. financial portfolios, food/drink ingredients)</a:t>
+            </a:r>
+          </a:p>
+          <a:p>
+            <a:pPr lvl="1" indent="0" algn="l" defTabSz="1219200">
+              <a:lnSpc>
+                <a:spcPct val="120000"/>
+              </a:lnSpc>
+              <a:defRPr sz="3000">
+                <a:solidFill>
+                  <a:srgbClr val="211E3A"/>
+                </a:solidFill>
+                <a:latin typeface="Arial"/>
+                <a:ea typeface="Arial"/>
+                <a:cs typeface="Arial"/>
+                <a:sym typeface="Arial"/>
+              </a:defRPr>
+            </a:pPr>
+            <a:endParaRPr lang="en-US" sz="4400" dirty="0"/>
+          </a:p>
+          <a:p>
+            <a:pPr lvl="1" indent="0" algn="l" defTabSz="1219200">
+              <a:lnSpc>
+                <a:spcPct val="120000"/>
+              </a:lnSpc>
+              <a:defRPr sz="3000">
+                <a:solidFill>
+                  <a:srgbClr val="211E3A"/>
+                </a:solidFill>
+                <a:latin typeface="Arial"/>
+                <a:ea typeface="Arial"/>
+                <a:cs typeface="Arial"/>
+                <a:sym typeface="Arial"/>
+              </a:defRPr>
+            </a:pPr>
+            <a:r>
+              <a:rPr lang="en-US" sz="4400" b="1" dirty="0"/>
+              <a:t>Kotlin makes it easier than ever to make a model a polished product. </a:t>
+            </a:r>
+          </a:p>
+          <a:p>
+            <a:pPr lvl="1" indent="0" algn="l" defTabSz="1219200">
+              <a:lnSpc>
+                <a:spcPct val="120000"/>
+              </a:lnSpc>
+              <a:defRPr sz="3000">
+                <a:solidFill>
+                  <a:srgbClr val="211E3A"/>
+                </a:solidFill>
+                <a:latin typeface="Arial"/>
+                <a:ea typeface="Arial"/>
+                <a:cs typeface="Arial"/>
+                <a:sym typeface="Arial"/>
+              </a:defRPr>
+            </a:pPr>
+            <a:endParaRPr lang="en-US" sz="4400" dirty="0"/>
+          </a:p>
+          <a:p>
+            <a:pPr lvl="1" indent="0" algn="l" defTabSz="1219200">
+              <a:lnSpc>
+                <a:spcPct val="120000"/>
+              </a:lnSpc>
+              <a:defRPr sz="3000">
+                <a:solidFill>
+                  <a:srgbClr val="211E3A"/>
+                </a:solidFill>
+                <a:latin typeface="Arial"/>
+                <a:ea typeface="Arial"/>
+                <a:cs typeface="Arial"/>
+                <a:sym typeface="Arial"/>
+              </a:defRPr>
+            </a:pPr>
+            <a:r>
+              <a:rPr lang="en-US" sz="4400" b="1" dirty="0"/>
+              <a:t>Kotlin is capable of solving a wide breadth of problems for many data science topics .</a:t>
+            </a:r>
+          </a:p>
+        </p:txBody>
+      </p:sp>
+      <p:pic>
+        <p:nvPicPr>
+          <p:cNvPr id="8" name="Picture 7">
+            <a:extLst>
+              <a:ext uri="{FF2B5EF4-FFF2-40B4-BE49-F238E27FC236}">
+                <a16:creationId xmlns:a16="http://schemas.microsoft.com/office/drawing/2014/main" id="{84409812-8C30-4FD4-BB9C-5665F99F826C}"/>
+              </a:ext>
+            </a:extLst>
+          </p:cNvPr>
+          <p:cNvPicPr>
+            <a:picLocks noChangeAspect="1"/>
+          </p:cNvPicPr>
+          <p:nvPr/>
+        </p:nvPicPr>
+        <p:blipFill>
+          <a:blip r:embed="rId2">
+            <a:extLst>
+              <a:ext uri="{28A0092B-C50C-407E-A947-70E740481C1C}">
+                <a14:useLocalDpi xmlns:a14="http://schemas.microsoft.com/office/drawing/2010/main" val="0"/>
+              </a:ext>
+            </a:extLst>
+          </a:blip>
+          <a:stretch>
+            <a:fillRect/>
+          </a:stretch>
+        </p:blipFill>
+        <p:spPr>
+          <a:xfrm>
+            <a:off x="19227337" y="965096"/>
+            <a:ext cx="3763565" cy="3780367"/>
+          </a:xfrm>
+          <a:prstGeom prst="rect">
+            <a:avLst/>
+          </a:prstGeom>
+        </p:spPr>
+      </p:pic>
+    </p:spTree>
+    <p:extLst>
+      <p:ext uri="{BB962C8B-B14F-4D97-AF65-F5344CB8AC3E}">
+        <p14:creationId xmlns:p14="http://schemas.microsoft.com/office/powerpoint/2010/main" val="1396533381"/>
+      </p:ext>
+    </p:extLst>
+  </p:cSld>
+  <p:clrMapOvr>
+    <a:masterClrMapping/>
+  </p:clrMapOvr>
+  <p:transition spd="med"/>
+  <p:timing>
+    <p:tnLst>
+      <p:par>
+        <p:cTn id="1" dur="indefinite" restart="never" nodeType="tmRoot">
+          <p:childTnLst>
+            <p:seq concurrent="1" nextAc="seek">
+              <p:cTn id="2" dur="indefinite" nodeType="mainSeq">
+                <p:childTnLst>
+                  <p:par>
+                    <p:cTn id="3" fill="hold">
+                      <p:stCondLst>
+                        <p:cond delay="indefinite"/>
+                      </p:stCondLst>
+                      <p:childTnLst>
+                        <p:par>
+                          <p:cTn id="4" fill="hold">
+                            <p:stCondLst>
+                              <p:cond delay="0"/>
+                            </p:stCondLst>
+                            <p:childTnLst>
+                              <p:par>
+                                <p:cTn id="5" presetID="1" presetClass="entr" presetSubtype="0" fill="hold" nodeType="clickEffect">
+                                  <p:stCondLst>
+                                    <p:cond delay="0"/>
+                                  </p:stCondLst>
+                                  <p:childTnLst>
+                                    <p:set>
+                                      <p:cBhvr>
+                                        <p:cTn id="6" dur="1" fill="hold">
+                                          <p:stCondLst>
+                                            <p:cond delay="0"/>
+                                          </p:stCondLst>
+                                        </p:cTn>
+                                        <p:tgtEl>
+                                          <p:spTgt spid="7">
+                                            <p:txEl>
+                                              <p:pRg st="0" end="0"/>
+                                            </p:txEl>
+                                          </p:spTgt>
+                                        </p:tgtEl>
+                                        <p:attrNameLst>
+                                          <p:attrName>style.visibility</p:attrName>
+                                        </p:attrNameLst>
+                                      </p:cBhvr>
+                                      <p:to>
+                                        <p:strVal val="visible"/>
+                                      </p:to>
+                                    </p:set>
+                                  </p:childTnLst>
+                                </p:cTn>
+                              </p:par>
+                              <p:par>
+                                <p:cTn id="7" presetID="1" presetClass="entr" presetSubtype="0" fill="hold" nodeType="withEffect">
+                                  <p:stCondLst>
+                                    <p:cond delay="0"/>
+                                  </p:stCondLst>
+                                  <p:childTnLst>
+                                    <p:set>
+                                      <p:cBhvr>
+                                        <p:cTn id="8" dur="1" fill="hold">
+                                          <p:stCondLst>
+                                            <p:cond delay="0"/>
+                                          </p:stCondLst>
+                                        </p:cTn>
+                                        <p:tgtEl>
+                                          <p:spTgt spid="7">
+                                            <p:txEl>
+                                              <p:pRg st="1" end="1"/>
+                                            </p:txEl>
+                                          </p:spTgt>
+                                        </p:tgtEl>
+                                        <p:attrNameLst>
+                                          <p:attrName>style.visibility</p:attrName>
+                                        </p:attrNameLst>
+                                      </p:cBhvr>
+                                      <p:to>
+                                        <p:strVal val="visible"/>
+                                      </p:to>
+                                    </p:set>
+                                  </p:childTnLst>
+                                </p:cTn>
+                              </p:par>
+                              <p:par>
+                                <p:cTn id="9" presetID="1" presetClass="entr" presetSubtype="0" fill="hold" nodeType="withEffect">
+                                  <p:stCondLst>
+                                    <p:cond delay="0"/>
+                                  </p:stCondLst>
+                                  <p:childTnLst>
+                                    <p:set>
+                                      <p:cBhvr>
+                                        <p:cTn id="10" dur="1" fill="hold">
+                                          <p:stCondLst>
+                                            <p:cond delay="0"/>
+                                          </p:stCondLst>
+                                        </p:cTn>
+                                        <p:tgtEl>
+                                          <p:spTgt spid="7">
+                                            <p:txEl>
+                                              <p:pRg st="2" end="2"/>
+                                            </p:txEl>
+                                          </p:spTgt>
+                                        </p:tgtEl>
+                                        <p:attrNameLst>
+                                          <p:attrName>style.visibility</p:attrName>
+                                        </p:attrNameLst>
+                                      </p:cBhvr>
+                                      <p:to>
+                                        <p:strVal val="visible"/>
+                                      </p:to>
+                                    </p:set>
+                                  </p:childTnLst>
+                                </p:cTn>
+                              </p:par>
+                              <p:par>
+                                <p:cTn id="11" presetID="1" presetClass="entr" presetSubtype="0" fill="hold" nodeType="withEffect">
+                                  <p:stCondLst>
+                                    <p:cond delay="0"/>
+                                  </p:stCondLst>
+                                  <p:childTnLst>
+                                    <p:set>
+                                      <p:cBhvr>
+                                        <p:cTn id="12" dur="1" fill="hold">
+                                          <p:stCondLst>
+                                            <p:cond delay="0"/>
+                                          </p:stCondLst>
+                                        </p:cTn>
+                                        <p:tgtEl>
+                                          <p:spTgt spid="7">
+                                            <p:txEl>
+                                              <p:pRg st="3" end="3"/>
+                                            </p:txEl>
+                                          </p:spTgt>
+                                        </p:tgtEl>
+                                        <p:attrNameLst>
+                                          <p:attrName>style.visibility</p:attrName>
+                                        </p:attrNameLst>
+                                      </p:cBhvr>
+                                      <p:to>
+                                        <p:strVal val="visible"/>
+                                      </p:to>
+                                    </p:set>
+                                  </p:childTnLst>
+                                </p:cTn>
+                              </p:par>
+                            </p:childTnLst>
+                          </p:cTn>
+                        </p:par>
+                      </p:childTnLst>
+                    </p:cTn>
+                  </p:par>
+                  <p:par>
+                    <p:cTn id="13" fill="hold">
+                      <p:stCondLst>
+                        <p:cond delay="indefinite"/>
+                      </p:stCondLst>
+                      <p:childTnLst>
+                        <p:par>
+                          <p:cTn id="14" fill="hold">
+                            <p:stCondLst>
+                              <p:cond delay="0"/>
+                            </p:stCondLst>
+                            <p:childTnLst>
+                              <p:par>
+                                <p:cTn id="15" presetID="1" presetClass="entr" presetSubtype="0" fill="hold" nodeType="clickEffect">
+                                  <p:stCondLst>
+                                    <p:cond delay="0"/>
+                                  </p:stCondLst>
+                                  <p:childTnLst>
+                                    <p:set>
+                                      <p:cBhvr>
+                                        <p:cTn id="16" dur="1" fill="hold">
+                                          <p:stCondLst>
+                                            <p:cond delay="0"/>
+                                          </p:stCondLst>
+                                        </p:cTn>
+                                        <p:tgtEl>
+                                          <p:spTgt spid="7">
+                                            <p:txEl>
+                                              <p:pRg st="5" end="5"/>
+                                            </p:txEl>
+                                          </p:spTgt>
+                                        </p:tgtEl>
+                                        <p:attrNameLst>
+                                          <p:attrName>style.visibility</p:attrName>
+                                        </p:attrNameLst>
+                                      </p:cBhvr>
+                                      <p:to>
+                                        <p:strVal val="visible"/>
+                                      </p:to>
+                                    </p:set>
+                                  </p:childTnLst>
+                                </p:cTn>
+                              </p:par>
+                            </p:childTnLst>
+                          </p:cTn>
+                        </p:par>
+                      </p:childTnLst>
+                    </p:cTn>
+                  </p:par>
+                  <p:par>
+                    <p:cTn id="17" fill="hold">
+                      <p:stCondLst>
+                        <p:cond delay="indefinite"/>
+                      </p:stCondLst>
+                      <p:childTnLst>
+                        <p:par>
+                          <p:cTn id="18" fill="hold">
+                            <p:stCondLst>
+                              <p:cond delay="0"/>
+                            </p:stCondLst>
+                            <p:childTnLst>
+                              <p:par>
+                                <p:cTn id="19" presetID="1" presetClass="entr" presetSubtype="0" fill="hold" nodeType="clickEffect">
+                                  <p:stCondLst>
+                                    <p:cond delay="0"/>
+                                  </p:stCondLst>
+                                  <p:childTnLst>
+                                    <p:set>
+                                      <p:cBhvr>
+                                        <p:cTn id="20" dur="1" fill="hold">
+                                          <p:stCondLst>
+                                            <p:cond delay="0"/>
+                                          </p:stCondLst>
+                                        </p:cTn>
+                                        <p:tgtEl>
+                                          <p:spTgt spid="7">
+                                            <p:txEl>
+                                              <p:pRg st="7" end="7"/>
+                                            </p:txEl>
+                                          </p:spTgt>
+                                        </p:tgtEl>
+                                        <p:attrNameLst>
+                                          <p:attrName>style.visibility</p:attrName>
+                                        </p:attrNameLst>
+                                      </p:cBhvr>
+                                      <p:to>
+                                        <p:strVal val="visible"/>
+                                      </p:to>
+                                    </p:set>
+                                  </p:childTnLst>
+                                </p:cTn>
+                              </p:par>
+                            </p:childTnLst>
+                          </p:cTn>
+                        </p:par>
+                      </p:childTnLst>
+                    </p:cTn>
+                  </p:par>
+                </p:childTnLst>
+              </p:cTn>
+              <p:prevCondLst>
+                <p:cond evt="onPrev" delay="0">
+                  <p:tgtEl>
+                    <p:sldTgt/>
+                  </p:tgtEl>
+                </p:cond>
+              </p:prevCondLst>
+              <p:nextCondLst>
+                <p:cond evt="onNext" delay="0">
+                  <p:tgtEl>
+                    <p:sldTgt/>
+                  </p:tgtEl>
+                </p:cond>
+              </p:nextCondLst>
+            </p:seq>
+          </p:childTnLst>
+        </p:cTn>
+      </p:par>
+    </p:tnLst>
+  </p:timing>
+</p:sld>
+</file>
+
+<file path=ppt/slides/slide32.xml><?xml version="1.0" encoding="utf-8"?>
+<p:sld xmlns:a="http://schemas.openxmlformats.org/drawingml/2006/main" xmlns:r="http://schemas.openxmlformats.org/officeDocument/2006/relationships" xmlns:p="http://schemas.openxmlformats.org/presentationml/2006/main">
+  <p:cSld>
+    <p:spTree>
+      <p:nvGrpSpPr>
+        <p:cNvPr id="1" name=""/>
+        <p:cNvGrpSpPr/>
+        <p:nvPr/>
+      </p:nvGrpSpPr>
+      <p:grpSpPr>
+        <a:xfrm>
+          <a:off x="0" y="0"/>
+          <a:ext cx="0" cy="0"/>
+          <a:chOff x="0" y="0"/>
+          <a:chExt cx="0" cy="0"/>
+        </a:xfrm>
+      </p:grpSpPr>
+      <p:sp>
+        <p:nvSpPr>
+          <p:cNvPr id="4" name="Text Placeholder 3">
+            <a:extLst>
+              <a:ext uri="{FF2B5EF4-FFF2-40B4-BE49-F238E27FC236}">
+                <a16:creationId xmlns:a16="http://schemas.microsoft.com/office/drawing/2014/main" id="{B5D46C66-86D5-4BDC-A137-56EF98840257}"/>
+              </a:ext>
+            </a:extLst>
+          </p:cNvPr>
+          <p:cNvSpPr>
+            <a:spLocks noGrp="1"/>
+          </p:cNvSpPr>
+          <p:nvPr>
+            <p:ph type="body" sz="half" idx="13"/>
+          </p:nvPr>
+        </p:nvSpPr>
+        <p:spPr/>
+        <p:txBody>
+          <a:bodyPr/>
+          <a:lstStyle/>
+          <a:p>
+            <a:r>
+              <a:rPr lang="en-US" dirty="0"/>
+              <a:t>Getting Involved</a:t>
+            </a:r>
+          </a:p>
+        </p:txBody>
+      </p:sp>
+    </p:spTree>
+    <p:extLst>
+      <p:ext uri="{BB962C8B-B14F-4D97-AF65-F5344CB8AC3E}">
+        <p14:creationId xmlns:p14="http://schemas.microsoft.com/office/powerpoint/2010/main" val="4068997022"/>
+      </p:ext>
+    </p:extLst>
+  </p:cSld>
+  <p:clrMapOvr>
+    <a:masterClrMapping/>
+  </p:clrMapOvr>
+  <p:transition spd="med"/>
+</p:sld>
+</file>
+
+<file path=ppt/slides/slide33.xml><?xml version="1.0" encoding="utf-8"?>
+<p:sld xmlns:a="http://schemas.openxmlformats.org/drawingml/2006/main" xmlns:r="http://schemas.openxmlformats.org/officeDocument/2006/relationships" xmlns:p="http://schemas.openxmlformats.org/presentationml/2006/main">
+  <p:cSld>
+    <p:spTree>
+      <p:nvGrpSpPr>
+        <p:cNvPr id="1" name=""/>
+        <p:cNvGrpSpPr/>
+        <p:nvPr/>
+      </p:nvGrpSpPr>
+      <p:grpSpPr>
+        <a:xfrm>
+          <a:off x="0" y="0"/>
+          <a:ext cx="0" cy="0"/>
+          <a:chOff x="0" y="0"/>
+          <a:chExt cx="0" cy="0"/>
+        </a:xfrm>
+      </p:grpSpPr>
+      <p:sp>
+        <p:nvSpPr>
+          <p:cNvPr id="2" name="Text Placeholder 1">
+            <a:extLst>
+              <a:ext uri="{FF2B5EF4-FFF2-40B4-BE49-F238E27FC236}">
                 <a16:creationId xmlns:a16="http://schemas.microsoft.com/office/drawing/2014/main" id="{7E546841-712E-43E0-A1CB-16BCE5E6F72C}"/>
               </a:ext>
             </a:extLst>
@@ -16348,7 +18989,7 @@
           </a:ln>
           <a:extLst>
             <a:ext uri="{C572A759-6A51-4108-AA02-DFA0A04FC94B}">
-              <ma14:wrappingTextBoxFlag xmlns:ma14="http://schemas.microsoft.com/office/mac/drawingml/2011/main" xmlns="" val="1"/>
+              <ma14:wrappingTextBoxFlag xmlns="" xmlns:ma14="http://schemas.microsoft.com/office/mac/drawingml/2011/main" val="1"/>
             </a:ext>
           </a:extLst>
         </p:spPr>
@@ -16406,7 +19047,7 @@
           </a:ln>
           <a:extLst>
             <a:ext uri="{C572A759-6A51-4108-AA02-DFA0A04FC94B}">
-              <ma14:wrappingTextBoxFlag xmlns="" xmlns:ma14="http://schemas.microsoft.com/office/mac/drawingml/2011/main" val="1"/>
+              <ma14:wrappingTextBoxFlag xmlns:ma14="http://schemas.microsoft.com/office/mac/drawingml/2011/main" xmlns="" val="1"/>
             </a:ext>
           </a:extLst>
         </p:spPr>
@@ -16854,7 +19495,7 @@
 </p:sld>
 </file>
 
-<file path=ppt/slides/slide31.xml><?xml version="1.0" encoding="utf-8"?>
+<file path=ppt/slides/slide34.xml><?xml version="1.0" encoding="utf-8"?>
 <p:sld xmlns:a="http://schemas.openxmlformats.org/drawingml/2006/main" xmlns:r="http://schemas.openxmlformats.org/officeDocument/2006/relationships" xmlns:p="http://schemas.openxmlformats.org/presentationml/2006/main">
   <p:cSld>
     <p:spTree>
@@ -16924,7 +19565,7 @@
           </a:ln>
           <a:extLst>
             <a:ext uri="{C572A759-6A51-4108-AA02-DFA0A04FC94B}">
-              <ma14:wrappingTextBoxFlag xmlns:ma14="http://schemas.microsoft.com/office/mac/drawingml/2011/main" xmlns="" val="1"/>
+              <ma14:wrappingTextBoxFlag xmlns="" xmlns:ma14="http://schemas.microsoft.com/office/mac/drawingml/2011/main" val="1"/>
             </a:ext>
           </a:extLst>
         </p:spPr>
@@ -16982,7 +19623,7 @@
           </a:ln>
           <a:extLst>
             <a:ext uri="{C572A759-6A51-4108-AA02-DFA0A04FC94B}">
-              <ma14:wrappingTextBoxFlag xmlns="" xmlns:ma14="http://schemas.microsoft.com/office/mac/drawingml/2011/main" val="1"/>
+              <ma14:wrappingTextBoxFlag xmlns:ma14="http://schemas.microsoft.com/office/mac/drawingml/2011/main" xmlns="" val="1"/>
             </a:ext>
           </a:extLst>
         </p:spPr>
@@ -17438,7 +20079,7 @@
 </p:sld>
 </file>
 
-<file path=ppt/slides/slide32.xml><?xml version="1.0" encoding="utf-8"?>
+<file path=ppt/slides/slide35.xml><?xml version="1.0" encoding="utf-8"?>
 <p:sld xmlns:a="http://schemas.openxmlformats.org/drawingml/2006/main" xmlns:r="http://schemas.openxmlformats.org/officeDocument/2006/relationships" xmlns:p="http://schemas.openxmlformats.org/presentationml/2006/main" show="0">
   <p:cSld>
     <p:spTree>
@@ -17480,7 +20121,7 @@
           </a:ln>
           <a:extLst>
             <a:ext uri="{C572A759-6A51-4108-AA02-DFA0A04FC94B}">
-              <ma14:wrappingTextBoxFlag xmlns="" xmlns:ma14="http://schemas.microsoft.com/office/mac/drawingml/2011/main" val="1"/>
+              <ma14:wrappingTextBoxFlag xmlns:ma14="http://schemas.microsoft.com/office/mac/drawingml/2011/main" xmlns="" val="1"/>
             </a:ext>
           </a:extLst>
         </p:spPr>
@@ -17817,7 +20458,7 @@
           </a:ln>
           <a:extLst>
             <a:ext uri="{C572A759-6A51-4108-AA02-DFA0A04FC94B}">
-              <ma14:wrappingTextBoxFlag xmlns:ma14="http://schemas.microsoft.com/office/mac/drawingml/2011/main" xmlns="" val="1"/>
+              <ma14:wrappingTextBoxFlag xmlns="" xmlns:ma14="http://schemas.microsoft.com/office/mac/drawingml/2011/main" val="1"/>
             </a:ext>
           </a:extLst>
         </p:spPr>
@@ -17875,7 +20516,7 @@
           </a:ln>
           <a:extLst>
             <a:ext uri="{C572A759-6A51-4108-AA02-DFA0A04FC94B}">
-              <ma14:wrappingTextBoxFlag xmlns="" xmlns:ma14="http://schemas.microsoft.com/office/mac/drawingml/2011/main" val="1"/>
+              <ma14:wrappingTextBoxFlag xmlns:ma14="http://schemas.microsoft.com/office/mac/drawingml/2011/main" xmlns="" val="1"/>
             </a:ext>
           </a:extLst>
         </p:spPr>
@@ -18201,7 +20842,7 @@
           </a:ln>
           <a:extLst>
             <a:ext uri="{C572A759-6A51-4108-AA02-DFA0A04FC94B}">
-              <ma14:wrappingTextBoxFlag xmlns="" xmlns:ma14="http://schemas.microsoft.com/office/mac/drawingml/2011/main" val="1"/>
+              <ma14:wrappingTextBoxFlag xmlns:ma14="http://schemas.microsoft.com/office/mac/drawingml/2011/main" xmlns="" val="1"/>
             </a:ext>
           </a:extLst>
         </p:spPr>
@@ -18326,7 +20967,7 @@
 </p:sld>
 </file>
 
-<file path=ppt/slides/slide33.xml><?xml version="1.0" encoding="utf-8"?>
+<file path=ppt/slides/slide36.xml><?xml version="1.0" encoding="utf-8"?>
 <p:sld xmlns:a="http://schemas.openxmlformats.org/drawingml/2006/main" xmlns:r="http://schemas.openxmlformats.org/officeDocument/2006/relationships" xmlns:p="http://schemas.openxmlformats.org/presentationml/2006/main">
   <p:cSld>
     <p:spTree>
@@ -18401,7 +21042,7 @@
           </a:ln>
           <a:extLst>
             <a:ext uri="{C572A759-6A51-4108-AA02-DFA0A04FC94B}">
-              <ma14:wrappingTextBoxFlag xmlns:ma14="http://schemas.microsoft.com/office/mac/drawingml/2011/main" xmlns="" val="1"/>
+              <ma14:wrappingTextBoxFlag xmlns="" xmlns:ma14="http://schemas.microsoft.com/office/mac/drawingml/2011/main" val="1"/>
             </a:ext>
           </a:extLst>
         </p:spPr>
@@ -19107,7 +21748,7 @@
           </a:ln>
           <a:extLst>
             <a:ext uri="{C572A759-6A51-4108-AA02-DFA0A04FC94B}">
-              <ma14:wrappingTextBoxFlag xmlns="" xmlns:ma14="http://schemas.microsoft.com/office/mac/drawingml/2011/main" val="1"/>
+              <ma14:wrappingTextBoxFlag xmlns:ma14="http://schemas.microsoft.com/office/mac/drawingml/2011/main" xmlns="" val="1"/>
             </a:ext>
           </a:extLst>
         </p:spPr>
@@ -20442,7 +23083,7 @@
           </a:ln>
           <a:extLst>
             <a:ext uri="{C572A759-6A51-4108-AA02-DFA0A04FC94B}">
-              <ma14:wrappingTextBoxFlag xmlns="" xmlns:ma14="http://schemas.microsoft.com/office/mac/drawingml/2011/main" val="1"/>
+              <ma14:wrappingTextBoxFlag xmlns:ma14="http://schemas.microsoft.com/office/mac/drawingml/2011/main" xmlns="" val="1"/>
             </a:ext>
           </a:extLst>
         </p:spPr>
@@ -23774,7 +26415,7 @@
           </a:ln>
           <a:extLst>
             <a:ext uri="{C572A759-6A51-4108-AA02-DFA0A04FC94B}">
-              <ma14:wrappingTextBoxFlag xmlns:ma14="http://schemas.microsoft.com/office/mac/drawingml/2011/main" xmlns="" val="1"/>
+              <ma14:wrappingTextBoxFlag xmlns="" xmlns:ma14="http://schemas.microsoft.com/office/mac/drawingml/2011/main" val="1"/>
             </a:ext>
           </a:extLst>
         </p:spPr>
@@ -23998,7 +26639,7 @@
           </a:ln>
           <a:extLst>
             <a:ext uri="{C572A759-6A51-4108-AA02-DFA0A04FC94B}">
-              <ma14:wrappingTextBoxFlag xmlns:ma14="http://schemas.microsoft.com/office/mac/drawingml/2011/main" xmlns="" val="1"/>
+              <ma14:wrappingTextBoxFlag xmlns="" xmlns:ma14="http://schemas.microsoft.com/office/mac/drawingml/2011/main" val="1"/>
             </a:ext>
           </a:extLst>
         </p:spPr>
@@ -24087,7 +26728,7 @@
           </a:ln>
           <a:extLst>
             <a:ext uri="{C572A759-6A51-4108-AA02-DFA0A04FC94B}">
-              <ma14:wrappingTextBoxFlag xmlns:ma14="http://schemas.microsoft.com/office/mac/drawingml/2011/main" xmlns="" val="1"/>
+              <ma14:wrappingTextBoxFlag xmlns="" xmlns:ma14="http://schemas.microsoft.com/office/mac/drawingml/2011/main" val="1"/>
             </a:ext>
           </a:extLst>
         </p:spPr>
@@ -24293,7 +26934,7 @@
           </a:ln>
           <a:extLst>
             <a:ext uri="{C572A759-6A51-4108-AA02-DFA0A04FC94B}">
-              <ma14:wrappingTextBoxFlag xmlns:ma14="http://schemas.microsoft.com/office/mac/drawingml/2011/main" xmlns="" val="1"/>
+              <ma14:wrappingTextBoxFlag xmlns="" xmlns:ma14="http://schemas.microsoft.com/office/mac/drawingml/2011/main" val="1"/>
             </a:ext>
           </a:extLst>
         </p:spPr>

--- a/kotlin_for_data_science.pptx
+++ b/kotlin_for_data_science.pptx
@@ -33,11 +33,14 @@
     <p:sldId id="274" r:id="rId27"/>
     <p:sldId id="273" r:id="rId28"/>
     <p:sldId id="293" r:id="rId29"/>
-    <p:sldId id="294" r:id="rId30"/>
-    <p:sldId id="291" r:id="rId31"/>
-    <p:sldId id="292" r:id="rId32"/>
-    <p:sldId id="286" r:id="rId33"/>
-    <p:sldId id="289" r:id="rId34"/>
+    <p:sldId id="295" r:id="rId30"/>
+    <p:sldId id="296" r:id="rId31"/>
+    <p:sldId id="297" r:id="rId32"/>
+    <p:sldId id="294" r:id="rId33"/>
+    <p:sldId id="291" r:id="rId34"/>
+    <p:sldId id="292" r:id="rId35"/>
+    <p:sldId id="286" r:id="rId36"/>
+    <p:sldId id="289" r:id="rId37"/>
   </p:sldIdLst>
   <p:sldSz cx="24384000" cy="13716000"/>
   <p:notesSz cx="6858000" cy="9144000"/>
@@ -5724,7 +5727,7 @@
             </a:pPr>
             <a:r>
               <a:rPr lang="en-US" sz="4400" dirty="0"/>
-              <a:t>Models often use dynamically typed languages with tabular data structures, as well as procedural code which is difficult to modularize, evolve, and refactor. </a:t>
+              <a:t>Models often use dynamically typed languages with tabular data structures and procedural code which is difficult to modularize, test, evolve, and refactor. </a:t>
             </a:r>
           </a:p>
           <a:p>
@@ -6355,7 +6358,7 @@
             </a:pPr>
             <a:r>
               <a:rPr lang="en-US" sz="4400" dirty="0"/>
-              <a:t>The engineer may even have to introduce production data to the model, as the model may only have been tested with static data sets! </a:t>
+              <a:t>The engineer may even have to introduce production data to the model, as the model may only have been tested with dummy data. </a:t>
             </a:r>
           </a:p>
           <a:p>
@@ -13071,7 +13074,7 @@
             </a:pPr>
             <a:r>
               <a:rPr lang="en-US" sz="4400" dirty="0"/>
-              <a:t>Kotlin has easier interoperability with Java.</a:t>
+              <a:t>Compared to Scala, Kotlin has easier interoperability with Java.</a:t>
             </a:r>
           </a:p>
           <a:p>
@@ -15920,10 +15923,10 @@
       </p:grpSpPr>
       <p:sp>
         <p:nvSpPr>
-          <p:cNvPr id="4" name="Text Placeholder 3">
+          <p:cNvPr id="2" name="Text Placeholder 1">
             <a:extLst>
               <a:ext uri="{FF2B5EF4-FFF2-40B4-BE49-F238E27FC236}">
-                <a16:creationId xmlns:a16="http://schemas.microsoft.com/office/drawing/2014/main" id="{B5D46C66-86D5-4BDC-A137-56EF98840257}"/>
+                <a16:creationId xmlns:a16="http://schemas.microsoft.com/office/drawing/2014/main" id="{7E546841-712E-43E0-A1CB-16BCE5E6F72C}"/>
               </a:ext>
             </a:extLst>
           </p:cNvPr>
@@ -15931,7 +15934,7 @@
             <a:spLocks noGrp="1"/>
           </p:cNvSpPr>
           <p:nvPr>
-            <p:ph type="body" sz="half" idx="13"/>
+            <p:ph type="body" sz="quarter" idx="13"/>
           </p:nvPr>
         </p:nvSpPr>
         <p:spPr/>
@@ -15941,15 +15944,375 @@
           <a:p>
             <a:r>
               <a:rPr lang="en-US" dirty="0"/>
-              <a:t>Getting Involved</a:t>
-            </a:r>
+              <a:t>Linear Programming</a:t>
+            </a:r>
+          </a:p>
+        </p:txBody>
+      </p:sp>
+      <p:sp>
+        <p:nvSpPr>
+          <p:cNvPr id="4" name="Shape 78">
+            <a:extLst>
+              <a:ext uri="{FF2B5EF4-FFF2-40B4-BE49-F238E27FC236}">
+                <a16:creationId xmlns:a16="http://schemas.microsoft.com/office/drawing/2014/main" id="{E280C88D-013C-41B9-B8DA-6ACE88A92FC3}"/>
+              </a:ext>
+            </a:extLst>
+          </p:cNvPr>
+          <p:cNvSpPr/>
+          <p:nvPr/>
+        </p:nvSpPr>
+        <p:spPr>
+          <a:xfrm>
+            <a:off x="1007533" y="2802362"/>
+            <a:ext cx="16412303" cy="1943101"/>
+          </a:xfrm>
+          <a:prstGeom prst="rect">
+            <a:avLst/>
+          </a:prstGeom>
+          <a:ln w="12700">
+            <a:miter lim="400000"/>
+          </a:ln>
+          <a:extLst>
+            <a:ext uri="{C572A759-6A51-4108-AA02-DFA0A04FC94B}">
+              <ma14:wrappingTextBoxFlag xmlns:ma14="http://schemas.microsoft.com/office/mac/drawingml/2011/main" xmlns="" val="1"/>
+            </a:ext>
+          </a:extLst>
+        </p:spPr>
+        <p:txBody>
+          <a:bodyPr lIns="50800" tIns="50800" rIns="50800" bIns="50800">
+            <a:normAutofit/>
+          </a:bodyPr>
+          <a:lstStyle>
+            <a:lvl1pPr algn="l" defTabSz="1219200">
+              <a:lnSpc>
+                <a:spcPct val="90000"/>
+              </a:lnSpc>
+              <a:defRPr sz="7000" spc="0">
+                <a:solidFill>
+                  <a:srgbClr val="25A4F2"/>
+                </a:solidFill>
+                <a:latin typeface="Arial"/>
+                <a:ea typeface="Arial"/>
+                <a:cs typeface="Arial"/>
+                <a:sym typeface="Arial"/>
+              </a:defRPr>
+            </a:lvl1pPr>
+          </a:lstStyle>
+          <a:p>
+            <a:r>
+              <a:rPr lang="en-US" dirty="0"/>
+              <a:t>A Word Problem</a:t>
+            </a:r>
+            <a:endParaRPr dirty="0"/>
+          </a:p>
+        </p:txBody>
+      </p:sp>
+      <p:sp>
+        <p:nvSpPr>
+          <p:cNvPr id="5" name="Shape 79">
+            <a:extLst>
+              <a:ext uri="{FF2B5EF4-FFF2-40B4-BE49-F238E27FC236}">
+                <a16:creationId xmlns:a16="http://schemas.microsoft.com/office/drawing/2014/main" id="{C485AA66-263E-4957-BFF6-5F57C0BEE0CB}"/>
+              </a:ext>
+            </a:extLst>
+          </p:cNvPr>
+          <p:cNvSpPr/>
+          <p:nvPr/>
+        </p:nvSpPr>
+        <p:spPr>
+          <a:xfrm>
+            <a:off x="1007533" y="4981966"/>
+            <a:ext cx="20284132" cy="8868980"/>
+          </a:xfrm>
+          <a:prstGeom prst="rect">
+            <a:avLst/>
+          </a:prstGeom>
+          <a:ln w="12700">
+            <a:miter lim="400000"/>
+          </a:ln>
+          <a:extLst>
+            <a:ext uri="{C572A759-6A51-4108-AA02-DFA0A04FC94B}">
+              <ma14:wrappingTextBoxFlag xmlns="" xmlns:ma14="http://schemas.microsoft.com/office/mac/drawingml/2011/main" val="1"/>
+            </a:ext>
+          </a:extLst>
+        </p:spPr>
+        <p:txBody>
+          <a:bodyPr lIns="50800" tIns="50800" rIns="50800" bIns="50800">
+            <a:normAutofit/>
+          </a:bodyPr>
+          <a:lstStyle/>
+          <a:p>
+            <a:pPr lvl="1" indent="0" algn="l" defTabSz="1219200">
+              <a:lnSpc>
+                <a:spcPct val="120000"/>
+              </a:lnSpc>
+              <a:defRPr sz="3000">
+                <a:solidFill>
+                  <a:srgbClr val="211E3A"/>
+                </a:solidFill>
+                <a:latin typeface="Arial"/>
+                <a:ea typeface="Arial"/>
+                <a:cs typeface="Arial"/>
+                <a:sym typeface="Arial"/>
+              </a:defRPr>
+            </a:pPr>
+            <a:r>
+              <a:rPr lang="en-US" sz="4400" b="1" dirty="0"/>
+              <a:t>You have three drivers who charge the following rates:</a:t>
+            </a:r>
+          </a:p>
+          <a:p>
+            <a:pPr marL="571500" lvl="1" indent="-571500" algn="l" defTabSz="1219200">
+              <a:lnSpc>
+                <a:spcPct val="120000"/>
+              </a:lnSpc>
+              <a:buFont typeface="Arial" panose="020B0604020202020204" pitchFamily="34" charset="0"/>
+              <a:buChar char="•"/>
+              <a:defRPr sz="3000">
+                <a:solidFill>
+                  <a:srgbClr val="211E3A"/>
+                </a:solidFill>
+                <a:latin typeface="Arial"/>
+                <a:ea typeface="Arial"/>
+                <a:cs typeface="Arial"/>
+                <a:sym typeface="Arial"/>
+              </a:defRPr>
+            </a:pPr>
+            <a:r>
+              <a:rPr lang="en-US" sz="4400" dirty="0"/>
+              <a:t>Driver 1: $10 / </a:t>
+            </a:r>
+            <a:r>
+              <a:rPr lang="en-US" sz="4400" dirty="0" err="1"/>
+              <a:t>hr</a:t>
+            </a:r>
+            <a:endParaRPr lang="en-US" sz="4400" dirty="0"/>
+          </a:p>
+          <a:p>
+            <a:pPr marL="571500" lvl="1" indent="-571500" algn="l" defTabSz="1219200">
+              <a:lnSpc>
+                <a:spcPct val="120000"/>
+              </a:lnSpc>
+              <a:buFont typeface="Arial" panose="020B0604020202020204" pitchFamily="34" charset="0"/>
+              <a:buChar char="•"/>
+              <a:defRPr sz="3000">
+                <a:solidFill>
+                  <a:srgbClr val="211E3A"/>
+                </a:solidFill>
+                <a:latin typeface="Arial"/>
+                <a:ea typeface="Arial"/>
+                <a:cs typeface="Arial"/>
+                <a:sym typeface="Arial"/>
+              </a:defRPr>
+            </a:pPr>
+            <a:r>
+              <a:rPr lang="en-US" sz="4400" dirty="0"/>
+              <a:t>Driver 2: $12 / </a:t>
+            </a:r>
+            <a:r>
+              <a:rPr lang="en-US" sz="4400" dirty="0" err="1"/>
+              <a:t>hr</a:t>
+            </a:r>
+            <a:r>
+              <a:rPr lang="en-US" sz="4400" dirty="0"/>
+              <a:t> </a:t>
+            </a:r>
+          </a:p>
+          <a:p>
+            <a:pPr marL="571500" lvl="1" indent="-571500" algn="l" defTabSz="1219200">
+              <a:lnSpc>
+                <a:spcPct val="120000"/>
+              </a:lnSpc>
+              <a:buFont typeface="Arial" panose="020B0604020202020204" pitchFamily="34" charset="0"/>
+              <a:buChar char="•"/>
+              <a:defRPr sz="3000">
+                <a:solidFill>
+                  <a:srgbClr val="211E3A"/>
+                </a:solidFill>
+                <a:latin typeface="Arial"/>
+                <a:ea typeface="Arial"/>
+                <a:cs typeface="Arial"/>
+                <a:sym typeface="Arial"/>
+              </a:defRPr>
+            </a:pPr>
+            <a:r>
+              <a:rPr lang="en-US" sz="4400" dirty="0"/>
+              <a:t>Driver 3: $15 / </a:t>
+            </a:r>
+            <a:r>
+              <a:rPr lang="en-US" sz="4400" dirty="0" err="1"/>
+              <a:t>hr</a:t>
+            </a:r>
+            <a:r>
+              <a:rPr lang="en-US" sz="4400" dirty="0"/>
+              <a:t> </a:t>
+            </a:r>
+          </a:p>
+          <a:p>
+            <a:pPr lvl="1" indent="0" algn="l" defTabSz="1219200">
+              <a:lnSpc>
+                <a:spcPct val="120000"/>
+              </a:lnSpc>
+              <a:defRPr sz="3000">
+                <a:solidFill>
+                  <a:srgbClr val="211E3A"/>
+                </a:solidFill>
+                <a:latin typeface="Arial"/>
+                <a:ea typeface="Arial"/>
+                <a:cs typeface="Arial"/>
+                <a:sym typeface="Arial"/>
+              </a:defRPr>
+            </a:pPr>
+            <a:endParaRPr lang="en-US" sz="4400" dirty="0"/>
+          </a:p>
+          <a:p>
+            <a:pPr lvl="1" indent="0" algn="l" defTabSz="1219200">
+              <a:lnSpc>
+                <a:spcPct val="120000"/>
+              </a:lnSpc>
+              <a:defRPr sz="3000">
+                <a:solidFill>
+                  <a:srgbClr val="211E3A"/>
+                </a:solidFill>
+                <a:latin typeface="Arial"/>
+                <a:ea typeface="Arial"/>
+                <a:cs typeface="Arial"/>
+                <a:sym typeface="Arial"/>
+              </a:defRPr>
+            </a:pPr>
+            <a:r>
+              <a:rPr lang="en-US" sz="4400" dirty="0"/>
+              <a:t>From 6:00 to 22:00, schedule one driver at a time to provide coverage, and minimize cost.</a:t>
+            </a:r>
+          </a:p>
+          <a:p>
+            <a:pPr lvl="1" indent="0" algn="l" defTabSz="1219200">
+              <a:lnSpc>
+                <a:spcPct val="120000"/>
+              </a:lnSpc>
+              <a:defRPr sz="3000">
+                <a:solidFill>
+                  <a:srgbClr val="211E3A"/>
+                </a:solidFill>
+                <a:latin typeface="Arial"/>
+                <a:ea typeface="Arial"/>
+                <a:cs typeface="Arial"/>
+                <a:sym typeface="Arial"/>
+              </a:defRPr>
+            </a:pPr>
+            <a:endParaRPr lang="en-US" sz="4400" dirty="0"/>
+          </a:p>
+          <a:p>
+            <a:pPr lvl="1" indent="0" algn="l" defTabSz="1219200">
+              <a:lnSpc>
+                <a:spcPct val="120000"/>
+              </a:lnSpc>
+              <a:defRPr sz="3000">
+                <a:solidFill>
+                  <a:srgbClr val="211E3A"/>
+                </a:solidFill>
+                <a:latin typeface="Arial"/>
+                <a:ea typeface="Arial"/>
+                <a:cs typeface="Arial"/>
+                <a:sym typeface="Arial"/>
+              </a:defRPr>
+            </a:pPr>
+            <a:r>
+              <a:rPr lang="en-US" sz="4400" dirty="0"/>
+              <a:t>Each driver must work 4-6 hours a day. Driver 2 cannot work after 11:00. </a:t>
+            </a:r>
+          </a:p>
+          <a:p>
+            <a:pPr lvl="1" indent="0" algn="l" defTabSz="1219200">
+              <a:lnSpc>
+                <a:spcPct val="120000"/>
+              </a:lnSpc>
+              <a:defRPr sz="3000">
+                <a:solidFill>
+                  <a:srgbClr val="211E3A"/>
+                </a:solidFill>
+                <a:latin typeface="Arial"/>
+                <a:ea typeface="Arial"/>
+                <a:cs typeface="Arial"/>
+                <a:sym typeface="Arial"/>
+              </a:defRPr>
+            </a:pPr>
+            <a:endParaRPr lang="en-US" sz="4400" dirty="0"/>
+          </a:p>
+          <a:p>
+            <a:pPr lvl="1" indent="0" algn="l" defTabSz="1219200">
+              <a:lnSpc>
+                <a:spcPct val="120000"/>
+              </a:lnSpc>
+              <a:defRPr sz="3000">
+                <a:solidFill>
+                  <a:srgbClr val="211E3A"/>
+                </a:solidFill>
+                <a:latin typeface="Arial"/>
+                <a:ea typeface="Arial"/>
+                <a:cs typeface="Arial"/>
+                <a:sym typeface="Arial"/>
+              </a:defRPr>
+            </a:pPr>
+            <a:endParaRPr lang="en-US" sz="4400" dirty="0"/>
+          </a:p>
+          <a:p>
+            <a:pPr lvl="1" indent="0" algn="l" defTabSz="1219200">
+              <a:lnSpc>
+                <a:spcPct val="120000"/>
+              </a:lnSpc>
+              <a:defRPr sz="3000">
+                <a:solidFill>
+                  <a:srgbClr val="211E3A"/>
+                </a:solidFill>
+                <a:latin typeface="Arial"/>
+                <a:ea typeface="Arial"/>
+                <a:cs typeface="Arial"/>
+                <a:sym typeface="Arial"/>
+              </a:defRPr>
+            </a:pPr>
+            <a:endParaRPr lang="en-US" sz="4400" dirty="0"/>
+          </a:p>
+          <a:p>
+            <a:pPr lvl="1" indent="0" algn="l" defTabSz="1219200">
+              <a:lnSpc>
+                <a:spcPct val="120000"/>
+              </a:lnSpc>
+              <a:defRPr sz="3000">
+                <a:solidFill>
+                  <a:srgbClr val="211E3A"/>
+                </a:solidFill>
+                <a:latin typeface="Arial"/>
+                <a:ea typeface="Arial"/>
+                <a:cs typeface="Arial"/>
+                <a:sym typeface="Arial"/>
+              </a:defRPr>
+            </a:pPr>
+            <a:endParaRPr lang="en-US" sz="4400" dirty="0"/>
+          </a:p>
+          <a:p>
+            <a:pPr lvl="1" indent="0" algn="l" defTabSz="1219200">
+              <a:lnSpc>
+                <a:spcPct val="120000"/>
+              </a:lnSpc>
+              <a:defRPr sz="3000">
+                <a:solidFill>
+                  <a:srgbClr val="211E3A"/>
+                </a:solidFill>
+                <a:latin typeface="Arial"/>
+                <a:ea typeface="Arial"/>
+                <a:cs typeface="Arial"/>
+                <a:sym typeface="Arial"/>
+              </a:defRPr>
+            </a:pPr>
+            <a:endParaRPr lang="en-US" sz="4400" dirty="0"/>
           </a:p>
         </p:txBody>
       </p:sp>
     </p:spTree>
     <p:extLst>
       <p:ext uri="{BB962C8B-B14F-4D97-AF65-F5344CB8AC3E}">
-        <p14:creationId xmlns:p14="http://schemas.microsoft.com/office/powerpoint/2010/main" val="4068997022"/>
+        <p14:creationId xmlns:p14="http://schemas.microsoft.com/office/powerpoint/2010/main" val="1513232130"/>
       </p:ext>
     </p:extLst>
   </p:cSld>
@@ -15957,6 +16320,330 @@
     <a:masterClrMapping/>
   </p:clrMapOvr>
   <p:transition spd="med"/>
+  <p:timing>
+    <p:tnLst>
+      <p:par>
+        <p:cTn id="1" dur="indefinite" restart="never" nodeType="tmRoot">
+          <p:childTnLst>
+            <p:seq concurrent="1" nextAc="seek">
+              <p:cTn id="2" dur="indefinite" nodeType="mainSeq">
+                <p:childTnLst>
+                  <p:par>
+                    <p:cTn id="3" fill="hold">
+                      <p:stCondLst>
+                        <p:cond delay="indefinite"/>
+                      </p:stCondLst>
+                      <p:childTnLst>
+                        <p:par>
+                          <p:cTn id="4" fill="hold">
+                            <p:stCondLst>
+                              <p:cond delay="0"/>
+                            </p:stCondLst>
+                            <p:childTnLst>
+                              <p:par>
+                                <p:cTn id="5" presetID="1" presetClass="entr" presetSubtype="0" fill="hold" nodeType="clickEffect">
+                                  <p:stCondLst>
+                                    <p:cond delay="0"/>
+                                  </p:stCondLst>
+                                  <p:childTnLst>
+                                    <p:set>
+                                      <p:cBhvr>
+                                        <p:cTn id="6" dur="1" fill="hold">
+                                          <p:stCondLst>
+                                            <p:cond delay="0"/>
+                                          </p:stCondLst>
+                                        </p:cTn>
+                                        <p:tgtEl>
+                                          <p:spTgt spid="5">
+                                            <p:txEl>
+                                              <p:pRg st="0" end="0"/>
+                                            </p:txEl>
+                                          </p:spTgt>
+                                        </p:tgtEl>
+                                        <p:attrNameLst>
+                                          <p:attrName>style.visibility</p:attrName>
+                                        </p:attrNameLst>
+                                      </p:cBhvr>
+                                      <p:to>
+                                        <p:strVal val="visible"/>
+                                      </p:to>
+                                    </p:set>
+                                  </p:childTnLst>
+                                </p:cTn>
+                              </p:par>
+                            </p:childTnLst>
+                          </p:cTn>
+                        </p:par>
+                      </p:childTnLst>
+                    </p:cTn>
+                  </p:par>
+                  <p:par>
+                    <p:cTn id="7" fill="hold">
+                      <p:stCondLst>
+                        <p:cond delay="indefinite"/>
+                      </p:stCondLst>
+                      <p:childTnLst>
+                        <p:par>
+                          <p:cTn id="8" fill="hold">
+                            <p:stCondLst>
+                              <p:cond delay="0"/>
+                            </p:stCondLst>
+                            <p:childTnLst>
+                              <p:par>
+                                <p:cTn id="9" presetID="1" presetClass="entr" presetSubtype="0" fill="hold" nodeType="clickEffect">
+                                  <p:stCondLst>
+                                    <p:cond delay="0"/>
+                                  </p:stCondLst>
+                                  <p:childTnLst>
+                                    <p:set>
+                                      <p:cBhvr>
+                                        <p:cTn id="10" dur="1" fill="hold">
+                                          <p:stCondLst>
+                                            <p:cond delay="0"/>
+                                          </p:stCondLst>
+                                        </p:cTn>
+                                        <p:tgtEl>
+                                          <p:spTgt spid="5">
+                                            <p:txEl>
+                                              <p:pRg st="1" end="1"/>
+                                            </p:txEl>
+                                          </p:spTgt>
+                                        </p:tgtEl>
+                                        <p:attrNameLst>
+                                          <p:attrName>style.visibility</p:attrName>
+                                        </p:attrNameLst>
+                                      </p:cBhvr>
+                                      <p:to>
+                                        <p:strVal val="visible"/>
+                                      </p:to>
+                                    </p:set>
+                                  </p:childTnLst>
+                                </p:cTn>
+                              </p:par>
+                            </p:childTnLst>
+                          </p:cTn>
+                        </p:par>
+                      </p:childTnLst>
+                    </p:cTn>
+                  </p:par>
+                  <p:par>
+                    <p:cTn id="11" fill="hold">
+                      <p:stCondLst>
+                        <p:cond delay="indefinite"/>
+                      </p:stCondLst>
+                      <p:childTnLst>
+                        <p:par>
+                          <p:cTn id="12" fill="hold">
+                            <p:stCondLst>
+                              <p:cond delay="0"/>
+                            </p:stCondLst>
+                            <p:childTnLst>
+                              <p:par>
+                                <p:cTn id="13" presetID="1" presetClass="entr" presetSubtype="0" fill="hold" nodeType="clickEffect">
+                                  <p:stCondLst>
+                                    <p:cond delay="0"/>
+                                  </p:stCondLst>
+                                  <p:childTnLst>
+                                    <p:set>
+                                      <p:cBhvr>
+                                        <p:cTn id="14" dur="1" fill="hold">
+                                          <p:stCondLst>
+                                            <p:cond delay="0"/>
+                                          </p:stCondLst>
+                                        </p:cTn>
+                                        <p:tgtEl>
+                                          <p:spTgt spid="5">
+                                            <p:txEl>
+                                              <p:pRg st="2" end="2"/>
+                                            </p:txEl>
+                                          </p:spTgt>
+                                        </p:tgtEl>
+                                        <p:attrNameLst>
+                                          <p:attrName>style.visibility</p:attrName>
+                                        </p:attrNameLst>
+                                      </p:cBhvr>
+                                      <p:to>
+                                        <p:strVal val="visible"/>
+                                      </p:to>
+                                    </p:set>
+                                  </p:childTnLst>
+                                </p:cTn>
+                              </p:par>
+                            </p:childTnLst>
+                          </p:cTn>
+                        </p:par>
+                      </p:childTnLst>
+                    </p:cTn>
+                  </p:par>
+                  <p:par>
+                    <p:cTn id="15" fill="hold">
+                      <p:stCondLst>
+                        <p:cond delay="indefinite"/>
+                      </p:stCondLst>
+                      <p:childTnLst>
+                        <p:par>
+                          <p:cTn id="16" fill="hold">
+                            <p:stCondLst>
+                              <p:cond delay="0"/>
+                            </p:stCondLst>
+                            <p:childTnLst>
+                              <p:par>
+                                <p:cTn id="17" presetID="1" presetClass="entr" presetSubtype="0" fill="hold" nodeType="clickEffect">
+                                  <p:stCondLst>
+                                    <p:cond delay="0"/>
+                                  </p:stCondLst>
+                                  <p:childTnLst>
+                                    <p:set>
+                                      <p:cBhvr>
+                                        <p:cTn id="18" dur="1" fill="hold">
+                                          <p:stCondLst>
+                                            <p:cond delay="0"/>
+                                          </p:stCondLst>
+                                        </p:cTn>
+                                        <p:tgtEl>
+                                          <p:spTgt spid="5">
+                                            <p:txEl>
+                                              <p:pRg st="3" end="3"/>
+                                            </p:txEl>
+                                          </p:spTgt>
+                                        </p:tgtEl>
+                                        <p:attrNameLst>
+                                          <p:attrName>style.visibility</p:attrName>
+                                        </p:attrNameLst>
+                                      </p:cBhvr>
+                                      <p:to>
+                                        <p:strVal val="visible"/>
+                                      </p:to>
+                                    </p:set>
+                                  </p:childTnLst>
+                                </p:cTn>
+                              </p:par>
+                            </p:childTnLst>
+                          </p:cTn>
+                        </p:par>
+                      </p:childTnLst>
+                    </p:cTn>
+                  </p:par>
+                  <p:par>
+                    <p:cTn id="19" fill="hold">
+                      <p:stCondLst>
+                        <p:cond delay="indefinite"/>
+                      </p:stCondLst>
+                      <p:childTnLst>
+                        <p:par>
+                          <p:cTn id="20" fill="hold">
+                            <p:stCondLst>
+                              <p:cond delay="0"/>
+                            </p:stCondLst>
+                            <p:childTnLst>
+                              <p:par>
+                                <p:cTn id="21" presetID="1" presetClass="entr" presetSubtype="0" fill="hold" nodeType="clickEffect">
+                                  <p:stCondLst>
+                                    <p:cond delay="0"/>
+                                  </p:stCondLst>
+                                  <p:childTnLst>
+                                    <p:set>
+                                      <p:cBhvr>
+                                        <p:cTn id="22" dur="1" fill="hold">
+                                          <p:stCondLst>
+                                            <p:cond delay="0"/>
+                                          </p:stCondLst>
+                                        </p:cTn>
+                                        <p:tgtEl>
+                                          <p:spTgt spid="5">
+                                            <p:txEl>
+                                              <p:pRg st="5" end="5"/>
+                                            </p:txEl>
+                                          </p:spTgt>
+                                        </p:tgtEl>
+                                        <p:attrNameLst>
+                                          <p:attrName>style.visibility</p:attrName>
+                                        </p:attrNameLst>
+                                      </p:cBhvr>
+                                      <p:to>
+                                        <p:strVal val="visible"/>
+                                      </p:to>
+                                    </p:set>
+                                  </p:childTnLst>
+                                </p:cTn>
+                              </p:par>
+                            </p:childTnLst>
+                          </p:cTn>
+                        </p:par>
+                      </p:childTnLst>
+                    </p:cTn>
+                  </p:par>
+                  <p:par>
+                    <p:cTn id="23" fill="hold">
+                      <p:stCondLst>
+                        <p:cond delay="indefinite"/>
+                      </p:stCondLst>
+                      <p:childTnLst>
+                        <p:par>
+                          <p:cTn id="24" fill="hold">
+                            <p:stCondLst>
+                              <p:cond delay="0"/>
+                            </p:stCondLst>
+                            <p:childTnLst>
+                              <p:par>
+                                <p:cTn id="25" presetID="1" presetClass="entr" presetSubtype="0" fill="hold" nodeType="clickEffect">
+                                  <p:stCondLst>
+                                    <p:cond delay="0"/>
+                                  </p:stCondLst>
+                                  <p:childTnLst>
+                                    <p:set>
+                                      <p:cBhvr>
+                                        <p:cTn id="26" dur="1" fill="hold">
+                                          <p:stCondLst>
+                                            <p:cond delay="0"/>
+                                          </p:stCondLst>
+                                        </p:cTn>
+                                        <p:tgtEl>
+                                          <p:spTgt spid="5">
+                                            <p:txEl>
+                                              <p:pRg st="7" end="7"/>
+                                            </p:txEl>
+                                          </p:spTgt>
+                                        </p:tgtEl>
+                                        <p:attrNameLst>
+                                          <p:attrName>style.visibility</p:attrName>
+                                        </p:attrNameLst>
+                                      </p:cBhvr>
+                                      <p:to>
+                                        <p:strVal val="visible"/>
+                                      </p:to>
+                                    </p:set>
+                                  </p:childTnLst>
+                                </p:cTn>
+                              </p:par>
+                            </p:childTnLst>
+                          </p:cTn>
+                        </p:par>
+                      </p:childTnLst>
+                    </p:cTn>
+                  </p:par>
+                </p:childTnLst>
+              </p:cTn>
+              <p:prevCondLst>
+                <p:cond evt="onPrev" delay="0">
+                  <p:tgtEl>
+                    <p:sldTgt/>
+                  </p:tgtEl>
+                </p:cond>
+              </p:prevCondLst>
+              <p:nextCondLst>
+                <p:cond evt="onNext" delay="0">
+                  <p:tgtEl>
+                    <p:sldTgt/>
+                  </p:tgtEl>
+                </p:cond>
+              </p:nextCondLst>
+            </p:seq>
+          </p:childTnLst>
+        </p:cTn>
+      </p:par>
+    </p:tnLst>
+  </p:timing>
 </p:sld>
 </file>
 
@@ -16300,6 +16987,2027 @@
           <p:cNvPr id="2" name="Text Placeholder 1">
             <a:extLst>
               <a:ext uri="{FF2B5EF4-FFF2-40B4-BE49-F238E27FC236}">
+                <a16:creationId xmlns:a16="http://schemas.microsoft.com/office/drawing/2014/main" id="{2EBDABBF-E38D-4E58-9E7E-31D2D0FA654B}"/>
+              </a:ext>
+            </a:extLst>
+          </p:cNvPr>
+          <p:cNvSpPr>
+            <a:spLocks noGrp="1"/>
+          </p:cNvSpPr>
+          <p:nvPr>
+            <p:ph type="body" sz="quarter" idx="13"/>
+          </p:nvPr>
+        </p:nvSpPr>
+        <p:spPr/>
+        <p:txBody>
+          <a:bodyPr/>
+          <a:lstStyle/>
+          <a:p>
+            <a:r>
+              <a:rPr lang="en-US" dirty="0"/>
+              <a:t>Stay Calm</a:t>
+            </a:r>
+          </a:p>
+        </p:txBody>
+      </p:sp>
+      <p:sp>
+        <p:nvSpPr>
+          <p:cNvPr id="5" name="Shape 78">
+            <a:extLst>
+              <a:ext uri="{FF2B5EF4-FFF2-40B4-BE49-F238E27FC236}">
+                <a16:creationId xmlns:a16="http://schemas.microsoft.com/office/drawing/2014/main" id="{EB994CB9-4D8C-4475-B3A9-4865AA2A0BD6}"/>
+              </a:ext>
+            </a:extLst>
+          </p:cNvPr>
+          <p:cNvSpPr/>
+          <p:nvPr/>
+        </p:nvSpPr>
+        <p:spPr>
+          <a:xfrm>
+            <a:off x="1007533" y="2802362"/>
+            <a:ext cx="16412303" cy="1943101"/>
+          </a:xfrm>
+          <a:prstGeom prst="rect">
+            <a:avLst/>
+          </a:prstGeom>
+          <a:ln w="12700">
+            <a:miter lim="400000"/>
+          </a:ln>
+          <a:extLst>
+            <a:ext uri="{C572A759-6A51-4108-AA02-DFA0A04FC94B}">
+              <ma14:wrappingTextBoxFlag xmlns:ma14="http://schemas.microsoft.com/office/mac/drawingml/2011/main" xmlns="" val="1"/>
+            </a:ext>
+          </a:extLst>
+        </p:spPr>
+        <p:txBody>
+          <a:bodyPr lIns="50800" tIns="50800" rIns="50800" bIns="50800">
+            <a:normAutofit/>
+          </a:bodyPr>
+          <a:lstStyle>
+            <a:lvl1pPr algn="l" defTabSz="1219200">
+              <a:lnSpc>
+                <a:spcPct val="90000"/>
+              </a:lnSpc>
+              <a:defRPr sz="7000" spc="0">
+                <a:solidFill>
+                  <a:srgbClr val="25A4F2"/>
+                </a:solidFill>
+                <a:latin typeface="Arial"/>
+                <a:ea typeface="Arial"/>
+                <a:cs typeface="Arial"/>
+                <a:sym typeface="Arial"/>
+              </a:defRPr>
+            </a:lvl1pPr>
+          </a:lstStyle>
+          <a:p>
+            <a:r>
+              <a:rPr lang="en-US" dirty="0"/>
+              <a:t>Math = Powerful Apps</a:t>
+            </a:r>
+            <a:endParaRPr dirty="0"/>
+          </a:p>
+        </p:txBody>
+      </p:sp>
+      <mc:AlternateContent xmlns:mc="http://schemas.openxmlformats.org/markup-compatibility/2006">
+        <mc:Choice xmlns:a14="http://schemas.microsoft.com/office/drawing/2010/main" Requires="a14">
+          <p:sp>
+            <p:nvSpPr>
+              <p:cNvPr id="7" name="Shape 79">
+                <a:extLst>
+                  <a:ext uri="{FF2B5EF4-FFF2-40B4-BE49-F238E27FC236}">
+                    <a16:creationId xmlns:a16="http://schemas.microsoft.com/office/drawing/2014/main" id="{44A6ADA5-B54B-48B8-B3E1-3122A62DDE88}"/>
+                  </a:ext>
+                </a:extLst>
+              </p:cNvPr>
+              <p:cNvSpPr/>
+              <p:nvPr/>
+            </p:nvSpPr>
+            <p:spPr>
+              <a:xfrm>
+                <a:off x="1007533" y="4981966"/>
+                <a:ext cx="10131522" cy="8868980"/>
+              </a:xfrm>
+              <a:prstGeom prst="rect">
+                <a:avLst/>
+              </a:prstGeom>
+              <a:ln w="12700">
+                <a:miter lim="400000"/>
+              </a:ln>
+              <a:extLst>
+                <a:ext uri="{C572A759-6A51-4108-AA02-DFA0A04FC94B}">
+                  <ma14:wrappingTextBoxFlag xmlns="" xmlns:ma14="http://schemas.microsoft.com/office/mac/drawingml/2011/main" val="1"/>
+                </a:ext>
+              </a:extLst>
+            </p:spPr>
+            <p:txBody>
+              <a:bodyPr lIns="50800" tIns="50800" rIns="50800" bIns="50800">
+                <a:normAutofit/>
+              </a:bodyPr>
+              <a:lstStyle/>
+              <a:p>
+                <a:pPr lvl="1" indent="0" algn="l" defTabSz="1219200">
+                  <a:lnSpc>
+                    <a:spcPct val="120000"/>
+                  </a:lnSpc>
+                  <a:defRPr sz="3000">
+                    <a:solidFill>
+                      <a:srgbClr val="211E3A"/>
+                    </a:solidFill>
+                    <a:latin typeface="Arial"/>
+                    <a:ea typeface="Arial"/>
+                    <a:cs typeface="Arial"/>
+                    <a:sym typeface="Arial"/>
+                  </a:defRPr>
+                </a:pPr>
+                <a14:m>
+                  <m:oMath xmlns:m="http://schemas.openxmlformats.org/officeDocument/2006/math">
+                    <m:r>
+                      <a:rPr lang="en-US" sz="4400" i="1" dirty="0" smtClean="0">
+                        <a:latin typeface="Cambria Math" panose="02040503050406030204" pitchFamily="18" charset="0"/>
+                      </a:rPr>
+                      <m:t>𝑆</m:t>
+                    </m:r>
+                    <m:r>
+                      <a:rPr lang="en-US" sz="4400" i="1" baseline="-25000" dirty="0" smtClean="0">
+                        <a:latin typeface="Cambria Math" panose="02040503050406030204" pitchFamily="18" charset="0"/>
+                      </a:rPr>
+                      <m:t>𝑖</m:t>
+                    </m:r>
+                    <m:r>
+                      <a:rPr lang="en-US" sz="4400" i="1" dirty="0" smtClean="0">
+                        <a:latin typeface="Cambria Math" panose="02040503050406030204" pitchFamily="18" charset="0"/>
+                      </a:rPr>
+                      <m:t> =</m:t>
+                    </m:r>
+                    <m:r>
+                      <a:rPr lang="en-US" sz="4400" i="1" dirty="0">
+                        <a:latin typeface="Cambria Math" panose="02040503050406030204" pitchFamily="18" charset="0"/>
+                      </a:rPr>
+                      <m:t> </m:t>
+                    </m:r>
+                  </m:oMath>
+                </a14:m>
+                <a:r>
+                  <a:rPr lang="en-US" sz="4400" dirty="0"/>
+                  <a:t>Shift start time for each </a:t>
+                </a:r>
+                <a14:m>
+                  <m:oMath xmlns:m="http://schemas.openxmlformats.org/officeDocument/2006/math">
+                    <m:r>
+                      <a:rPr lang="en-US" sz="4400" i="1" dirty="0" smtClean="0">
+                        <a:latin typeface="Cambria Math" panose="02040503050406030204" pitchFamily="18" charset="0"/>
+                      </a:rPr>
+                      <m:t>𝑖</m:t>
+                    </m:r>
+                  </m:oMath>
+                </a14:m>
+                <a:r>
+                  <a:rPr lang="en-US" sz="4400" dirty="0"/>
+                  <a:t> driver</a:t>
+                </a:r>
+              </a:p>
+              <a:p>
+                <a:pPr lvl="1" indent="0" algn="l" defTabSz="1219200">
+                  <a:lnSpc>
+                    <a:spcPct val="120000"/>
+                  </a:lnSpc>
+                  <a:defRPr sz="3000">
+                    <a:solidFill>
+                      <a:srgbClr val="211E3A"/>
+                    </a:solidFill>
+                    <a:latin typeface="Arial"/>
+                    <a:ea typeface="Arial"/>
+                    <a:cs typeface="Arial"/>
+                    <a:sym typeface="Arial"/>
+                  </a:defRPr>
+                </a:pPr>
+                <a14:m>
+                  <m:oMath xmlns:m="http://schemas.openxmlformats.org/officeDocument/2006/math">
+                    <m:r>
+                      <a:rPr lang="en-US" sz="4400" i="1" dirty="0" smtClean="0">
+                        <a:latin typeface="Cambria Math" panose="02040503050406030204" pitchFamily="18" charset="0"/>
+                      </a:rPr>
+                      <m:t>𝐸</m:t>
+                    </m:r>
+                    <m:r>
+                      <a:rPr lang="en-US" sz="4400" i="1" baseline="-25000" dirty="0" err="1" smtClean="0">
+                        <a:latin typeface="Cambria Math" panose="02040503050406030204" pitchFamily="18" charset="0"/>
+                      </a:rPr>
+                      <m:t>𝑖</m:t>
+                    </m:r>
+                    <m:r>
+                      <a:rPr lang="en-US" sz="4400" i="1" dirty="0" smtClean="0">
+                        <a:latin typeface="Cambria Math" panose="02040503050406030204" pitchFamily="18" charset="0"/>
+                      </a:rPr>
+                      <m:t> =</m:t>
+                    </m:r>
+                    <m:r>
+                      <a:rPr lang="en-US" sz="4400" i="1" dirty="0">
+                        <a:latin typeface="Cambria Math" panose="02040503050406030204" pitchFamily="18" charset="0"/>
+                      </a:rPr>
+                      <m:t> </m:t>
+                    </m:r>
+                  </m:oMath>
+                </a14:m>
+                <a:r>
+                  <a:rPr lang="en-US" sz="4400" dirty="0"/>
+                  <a:t>Shift end time for each </a:t>
+                </a:r>
+                <a14:m>
+                  <m:oMath xmlns:m="http://schemas.openxmlformats.org/officeDocument/2006/math">
+                    <m:r>
+                      <a:rPr lang="en-US" sz="4400" i="1" dirty="0">
+                        <a:latin typeface="Cambria Math" panose="02040503050406030204" pitchFamily="18" charset="0"/>
+                      </a:rPr>
+                      <m:t>𝑖</m:t>
+                    </m:r>
+                  </m:oMath>
+                </a14:m>
+                <a:r>
+                  <a:rPr lang="en-US" sz="4400" dirty="0"/>
+                  <a:t> driver</a:t>
+                </a:r>
+              </a:p>
+              <a:p>
+                <a:pPr lvl="1" indent="0" algn="l" defTabSz="1219200">
+                  <a:lnSpc>
+                    <a:spcPct val="120000"/>
+                  </a:lnSpc>
+                  <a:defRPr sz="3000">
+                    <a:solidFill>
+                      <a:srgbClr val="211E3A"/>
+                    </a:solidFill>
+                    <a:latin typeface="Arial"/>
+                    <a:ea typeface="Arial"/>
+                    <a:cs typeface="Arial"/>
+                    <a:sym typeface="Arial"/>
+                  </a:defRPr>
+                </a:pPr>
+                <a14:m>
+                  <m:oMath xmlns:m="http://schemas.openxmlformats.org/officeDocument/2006/math">
+                    <m:r>
+                      <a:rPr lang="en-US" sz="4400" b="0" i="1" dirty="0" smtClean="0">
+                        <a:latin typeface="Cambria Math" panose="02040503050406030204" pitchFamily="18" charset="0"/>
+                      </a:rPr>
+                      <m:t>𝑅</m:t>
+                    </m:r>
+                    <m:r>
+                      <a:rPr lang="en-US" sz="4400" b="0" i="1" baseline="-25000" dirty="0" smtClean="0">
+                        <a:latin typeface="Cambria Math" panose="02040503050406030204" pitchFamily="18" charset="0"/>
+                      </a:rPr>
+                      <m:t>𝑖</m:t>
+                    </m:r>
+                    <m:r>
+                      <a:rPr lang="en-US" sz="4400" b="0" i="1" dirty="0" smtClean="0">
+                        <a:latin typeface="Cambria Math" panose="02040503050406030204" pitchFamily="18" charset="0"/>
+                      </a:rPr>
+                      <m:t> = </m:t>
+                    </m:r>
+                  </m:oMath>
+                </a14:m>
+                <a:r>
+                  <a:rPr lang="en-US" sz="4400" dirty="0"/>
+                  <a:t>Hourly rate for each </a:t>
+                </a:r>
+                <a14:m>
+                  <m:oMath xmlns:m="http://schemas.openxmlformats.org/officeDocument/2006/math">
+                    <m:r>
+                      <a:rPr lang="en-US" sz="4400" i="1" dirty="0">
+                        <a:latin typeface="Cambria Math" panose="02040503050406030204" pitchFamily="18" charset="0"/>
+                      </a:rPr>
+                      <m:t>𝑖</m:t>
+                    </m:r>
+                  </m:oMath>
+                </a14:m>
+                <a:r>
+                  <a:rPr lang="en-US" sz="4400" dirty="0"/>
+                  <a:t> driver</a:t>
+                </a:r>
+              </a:p>
+              <a:p>
+                <a:pPr lvl="1" indent="0" algn="l" defTabSz="1219200">
+                  <a:lnSpc>
+                    <a:spcPct val="120000"/>
+                  </a:lnSpc>
+                  <a:defRPr sz="3000">
+                    <a:solidFill>
+                      <a:srgbClr val="211E3A"/>
+                    </a:solidFill>
+                    <a:latin typeface="Arial"/>
+                    <a:ea typeface="Arial"/>
+                    <a:cs typeface="Arial"/>
+                    <a:sym typeface="Arial"/>
+                  </a:defRPr>
+                </a:pPr>
+                <a14:m>
+                  <m:oMath xmlns:m="http://schemas.openxmlformats.org/officeDocument/2006/math">
+                    <m:r>
+                      <a:rPr lang="en-US" sz="4400" i="1" dirty="0">
+                        <a:latin typeface="Cambria Math" panose="02040503050406030204" pitchFamily="18" charset="0"/>
+                        <a:ea typeface="Cambria Math" panose="02040503050406030204" pitchFamily="18" charset="0"/>
+                      </a:rPr>
+                      <m:t>𝛿</m:t>
+                    </m:r>
+                    <m:r>
+                      <a:rPr lang="en-US" sz="4400" i="1" baseline="-25000" dirty="0">
+                        <a:latin typeface="Cambria Math" panose="02040503050406030204" pitchFamily="18" charset="0"/>
+                        <a:ea typeface="Cambria Math" panose="02040503050406030204" pitchFamily="18" charset="0"/>
+                      </a:rPr>
+                      <m:t>𝑖𝑗</m:t>
+                    </m:r>
+                  </m:oMath>
+                </a14:m>
+                <a:r>
+                  <a:rPr lang="en-US" sz="4400" dirty="0">
+                    <a:solidFill>
+                      <a:srgbClr val="211E3A"/>
+                    </a:solidFill>
+                    <a:latin typeface="Arial"/>
+                    <a:ea typeface="Arial"/>
+                    <a:cs typeface="Arial"/>
+                  </a:rPr>
+                  <a:t> = Binary (1,0) between two </a:t>
+                </a:r>
+                <a14:m>
+                  <m:oMath xmlns:m="http://schemas.openxmlformats.org/officeDocument/2006/math">
+                    <m:r>
+                      <a:rPr lang="en-US" sz="4400" i="1" dirty="0" smtClean="0">
+                        <a:solidFill>
+                          <a:srgbClr val="211E3A"/>
+                        </a:solidFill>
+                        <a:latin typeface="Cambria Math" panose="02040503050406030204" pitchFamily="18" charset="0"/>
+                        <a:ea typeface="Arial"/>
+                        <a:cs typeface="Arial"/>
+                      </a:rPr>
+                      <m:t>𝑖𝑗</m:t>
+                    </m:r>
+                  </m:oMath>
+                </a14:m>
+                <a:r>
+                  <a:rPr lang="en-US" sz="4400" dirty="0">
+                    <a:solidFill>
+                      <a:srgbClr val="211E3A"/>
+                    </a:solidFill>
+                    <a:latin typeface="Arial"/>
+                    <a:ea typeface="Arial"/>
+                    <a:cs typeface="Arial"/>
+                  </a:rPr>
+                  <a:t> drivers</a:t>
+                </a:r>
+              </a:p>
+              <a:p>
+                <a:pPr lvl="1" indent="0" algn="l" defTabSz="1219200">
+                  <a:lnSpc>
+                    <a:spcPct val="120000"/>
+                  </a:lnSpc>
+                  <a:defRPr sz="3000">
+                    <a:solidFill>
+                      <a:srgbClr val="211E3A"/>
+                    </a:solidFill>
+                    <a:latin typeface="Arial"/>
+                    <a:ea typeface="Arial"/>
+                    <a:cs typeface="Arial"/>
+                    <a:sym typeface="Arial"/>
+                  </a:defRPr>
+                </a:pPr>
+                <a14:m>
+                  <m:oMath xmlns:m="http://schemas.openxmlformats.org/officeDocument/2006/math">
+                    <m:r>
+                      <a:rPr lang="en-US" sz="4400" i="1" dirty="0" smtClean="0">
+                        <a:solidFill>
+                          <a:srgbClr val="211E3A"/>
+                        </a:solidFill>
+                        <a:latin typeface="Cambria Math" panose="02040503050406030204" pitchFamily="18" charset="0"/>
+                        <a:ea typeface="Arial"/>
+                        <a:cs typeface="Arial"/>
+                      </a:rPr>
+                      <m:t>𝑀</m:t>
+                    </m:r>
+                    <m:r>
+                      <a:rPr lang="en-US" sz="4400" i="1" dirty="0">
+                        <a:solidFill>
+                          <a:srgbClr val="211E3A"/>
+                        </a:solidFill>
+                        <a:latin typeface="Cambria Math" panose="02040503050406030204" pitchFamily="18" charset="0"/>
+                        <a:ea typeface="Arial"/>
+                        <a:cs typeface="Arial"/>
+                      </a:rPr>
+                      <m:t> </m:t>
+                    </m:r>
+                    <m:r>
+                      <a:rPr lang="en-US" sz="4400" i="1" dirty="0" smtClean="0">
+                        <a:solidFill>
+                          <a:srgbClr val="211E3A"/>
+                        </a:solidFill>
+                        <a:latin typeface="Cambria Math" panose="02040503050406030204" pitchFamily="18" charset="0"/>
+                        <a:ea typeface="Arial"/>
+                        <a:cs typeface="Arial"/>
+                      </a:rPr>
+                      <m:t>=</m:t>
+                    </m:r>
+                    <m:r>
+                      <a:rPr lang="en-US" sz="4400" i="1" dirty="0">
+                        <a:solidFill>
+                          <a:srgbClr val="211E3A"/>
+                        </a:solidFill>
+                        <a:latin typeface="Cambria Math" panose="02040503050406030204" pitchFamily="18" charset="0"/>
+                        <a:ea typeface="Arial"/>
+                        <a:cs typeface="Arial"/>
+                      </a:rPr>
+                      <m:t> </m:t>
+                    </m:r>
+                  </m:oMath>
+                </a14:m>
+                <a:r>
+                  <a:rPr lang="en-US" sz="4400" dirty="0">
+                    <a:solidFill>
+                      <a:srgbClr val="211E3A"/>
+                    </a:solidFill>
+                    <a:latin typeface="Arial"/>
+                    <a:ea typeface="Arial"/>
+                    <a:cs typeface="Arial"/>
+                  </a:rPr>
+                  <a:t>Length of planning window</a:t>
+                </a:r>
+              </a:p>
+              <a:p>
+                <a:pPr lvl="1" indent="0" algn="l" defTabSz="1219200">
+                  <a:lnSpc>
+                    <a:spcPct val="120000"/>
+                  </a:lnSpc>
+                  <a:defRPr sz="3000">
+                    <a:solidFill>
+                      <a:srgbClr val="211E3A"/>
+                    </a:solidFill>
+                    <a:latin typeface="Arial"/>
+                    <a:ea typeface="Arial"/>
+                    <a:cs typeface="Arial"/>
+                    <a:sym typeface="Arial"/>
+                  </a:defRPr>
+                </a:pPr>
+                <a:endParaRPr lang="en-US" sz="4400" dirty="0"/>
+              </a:p>
+              <a:p>
+                <a:pPr lvl="1" indent="0" algn="l" defTabSz="1219200">
+                  <a:lnSpc>
+                    <a:spcPct val="120000"/>
+                  </a:lnSpc>
+                  <a:defRPr sz="3000">
+                    <a:solidFill>
+                      <a:srgbClr val="211E3A"/>
+                    </a:solidFill>
+                    <a:latin typeface="Arial"/>
+                    <a:ea typeface="Arial"/>
+                    <a:cs typeface="Arial"/>
+                    <a:sym typeface="Arial"/>
+                  </a:defRPr>
+                </a:pPr>
+                <a:r>
+                  <a:rPr lang="en-US" sz="4400" b="1" dirty="0"/>
+                  <a:t>Minimize</a:t>
+                </a:r>
+                <a:r>
+                  <a:rPr lang="en-US" sz="4400" dirty="0"/>
+                  <a:t>:</a:t>
+                </a:r>
+              </a:p>
+              <a:p>
+                <a:pPr lvl="1" indent="0" algn="l" defTabSz="1219200">
+                  <a:lnSpc>
+                    <a:spcPct val="120000"/>
+                  </a:lnSpc>
+                  <a:defRPr sz="3000">
+                    <a:solidFill>
+                      <a:srgbClr val="211E3A"/>
+                    </a:solidFill>
+                    <a:latin typeface="Arial"/>
+                    <a:ea typeface="Arial"/>
+                    <a:cs typeface="Arial"/>
+                    <a:sym typeface="Arial"/>
+                  </a:defRPr>
+                </a:pPr>
+                <a14:m>
+                  <m:oMathPara xmlns:m="http://schemas.openxmlformats.org/officeDocument/2006/math">
+                    <m:oMathParaPr>
+                      <m:jc m:val="centerGroup"/>
+                    </m:oMathParaPr>
+                    <m:oMath xmlns:m="http://schemas.openxmlformats.org/officeDocument/2006/math">
+                      <m:nary>
+                        <m:naryPr>
+                          <m:chr m:val="∑"/>
+                          <m:subHide m:val="on"/>
+                          <m:supHide m:val="on"/>
+                          <m:ctrlPr>
+                            <a:rPr lang="en-US" sz="4400" i="1" dirty="0" smtClean="0">
+                              <a:latin typeface="Cambria Math" panose="02040503050406030204" pitchFamily="18" charset="0"/>
+                            </a:rPr>
+                          </m:ctrlPr>
+                        </m:naryPr>
+                        <m:sub/>
+                        <m:sup/>
+                        <m:e>
+                          <m:r>
+                            <a:rPr lang="en-US" sz="4400" i="1" dirty="0">
+                              <a:latin typeface="Cambria Math" panose="02040503050406030204" pitchFamily="18" charset="0"/>
+                            </a:rPr>
+                            <m:t>𝑅</m:t>
+                          </m:r>
+                          <m:r>
+                            <a:rPr lang="en-US" sz="4400" b="0" i="1" baseline="-25000" dirty="0" smtClean="0">
+                              <a:latin typeface="Cambria Math" panose="02040503050406030204" pitchFamily="18" charset="0"/>
+                            </a:rPr>
+                            <m:t>𝑖</m:t>
+                          </m:r>
+                          <m:r>
+                            <a:rPr lang="en-US" sz="4400" i="1" dirty="0">
+                              <a:latin typeface="Cambria Math" panose="02040503050406030204" pitchFamily="18" charset="0"/>
+                            </a:rPr>
+                            <m:t>(</m:t>
+                          </m:r>
+                          <m:r>
+                            <a:rPr lang="en-US" sz="4400" b="0" i="1" dirty="0" smtClean="0">
+                              <a:latin typeface="Cambria Math" panose="02040503050406030204" pitchFamily="18" charset="0"/>
+                            </a:rPr>
+                            <m:t>𝐸</m:t>
+                          </m:r>
+                          <m:r>
+                            <a:rPr lang="en-US" sz="4400" i="1" baseline="-25000" dirty="0">
+                              <a:latin typeface="Cambria Math" panose="02040503050406030204" pitchFamily="18" charset="0"/>
+                            </a:rPr>
+                            <m:t>𝑖</m:t>
+                          </m:r>
+                          <m:r>
+                            <a:rPr lang="en-US" sz="4400" i="1" dirty="0">
+                              <a:latin typeface="Cambria Math" panose="02040503050406030204" pitchFamily="18" charset="0"/>
+                            </a:rPr>
+                            <m:t> –</m:t>
+                          </m:r>
+                          <m:r>
+                            <a:rPr lang="en-US" sz="4400" b="0" i="1" dirty="0" smtClean="0">
+                              <a:latin typeface="Cambria Math" panose="02040503050406030204" pitchFamily="18" charset="0"/>
+                            </a:rPr>
+                            <m:t>𝑆</m:t>
+                          </m:r>
+                          <m:r>
+                            <a:rPr lang="en-US" sz="4400" i="1" baseline="-25000" dirty="0" err="1">
+                              <a:latin typeface="Cambria Math" panose="02040503050406030204" pitchFamily="18" charset="0"/>
+                            </a:rPr>
+                            <m:t>𝑖</m:t>
+                          </m:r>
+                          <m:r>
+                            <a:rPr lang="en-US" sz="4400" i="1" dirty="0">
+                              <a:latin typeface="Cambria Math" panose="02040503050406030204" pitchFamily="18" charset="0"/>
+                            </a:rPr>
+                            <m:t>)</m:t>
+                          </m:r>
+                          <m:r>
+                            <m:rPr>
+                              <m:nor/>
+                            </m:rPr>
+                            <a:rPr lang="en-US" sz="4400" dirty="0"/>
+                            <m:t> </m:t>
+                          </m:r>
+                        </m:e>
+                      </m:nary>
+                    </m:oMath>
+                  </m:oMathPara>
+                </a14:m>
+                <a:endParaRPr lang="en-US" sz="4400" dirty="0"/>
+              </a:p>
+              <a:p>
+                <a:pPr lvl="1" indent="0" algn="l" defTabSz="1219200">
+                  <a:lnSpc>
+                    <a:spcPct val="120000"/>
+                  </a:lnSpc>
+                  <a:defRPr sz="3000">
+                    <a:solidFill>
+                      <a:srgbClr val="211E3A"/>
+                    </a:solidFill>
+                    <a:latin typeface="Arial"/>
+                    <a:ea typeface="Arial"/>
+                    <a:cs typeface="Arial"/>
+                    <a:sym typeface="Arial"/>
+                  </a:defRPr>
+                </a:pPr>
+                <a:endParaRPr lang="en-US" sz="4400" dirty="0"/>
+              </a:p>
+              <a:p>
+                <a:pPr lvl="1" indent="0" algn="l" defTabSz="1219200">
+                  <a:lnSpc>
+                    <a:spcPct val="120000"/>
+                  </a:lnSpc>
+                  <a:defRPr sz="3000">
+                    <a:solidFill>
+                      <a:srgbClr val="211E3A"/>
+                    </a:solidFill>
+                    <a:latin typeface="Arial"/>
+                    <a:ea typeface="Arial"/>
+                    <a:cs typeface="Arial"/>
+                    <a:sym typeface="Arial"/>
+                  </a:defRPr>
+                </a:pPr>
+                <a:endParaRPr lang="en-US" sz="4400" dirty="0"/>
+              </a:p>
+              <a:p>
+                <a:pPr lvl="1" indent="0" algn="l" defTabSz="1219200">
+                  <a:lnSpc>
+                    <a:spcPct val="120000"/>
+                  </a:lnSpc>
+                  <a:defRPr sz="3000">
+                    <a:solidFill>
+                      <a:srgbClr val="211E3A"/>
+                    </a:solidFill>
+                    <a:latin typeface="Arial"/>
+                    <a:ea typeface="Arial"/>
+                    <a:cs typeface="Arial"/>
+                    <a:sym typeface="Arial"/>
+                  </a:defRPr>
+                </a:pPr>
+                <a:endParaRPr lang="en-US" sz="4400" dirty="0"/>
+              </a:p>
+              <a:p>
+                <a:pPr lvl="1" indent="0" algn="l" defTabSz="1219200">
+                  <a:lnSpc>
+                    <a:spcPct val="120000"/>
+                  </a:lnSpc>
+                  <a:defRPr sz="3000">
+                    <a:solidFill>
+                      <a:srgbClr val="211E3A"/>
+                    </a:solidFill>
+                    <a:latin typeface="Arial"/>
+                    <a:ea typeface="Arial"/>
+                    <a:cs typeface="Arial"/>
+                    <a:sym typeface="Arial"/>
+                  </a:defRPr>
+                </a:pPr>
+                <a:endParaRPr lang="en-US" sz="4400" dirty="0"/>
+              </a:p>
+            </p:txBody>
+          </p:sp>
+        </mc:Choice>
+        <mc:Fallback>
+          <p:sp>
+            <p:nvSpPr>
+              <p:cNvPr id="7" name="Shape 79">
+                <a:extLst>
+                  <a:ext uri="{FF2B5EF4-FFF2-40B4-BE49-F238E27FC236}">
+                    <a16:creationId xmlns:a16="http://schemas.microsoft.com/office/drawing/2014/main" id="{44A6ADA5-B54B-48B8-B3E1-3122A62DDE88}"/>
+                  </a:ext>
+                </a:extLst>
+              </p:cNvPr>
+              <p:cNvSpPr>
+                <a:spLocks noRot="1" noChangeAspect="1" noMove="1" noResize="1" noEditPoints="1" noAdjustHandles="1" noChangeArrowheads="1" noChangeShapeType="1" noTextEdit="1"/>
+              </p:cNvSpPr>
+              <p:nvPr/>
+            </p:nvSpPr>
+            <p:spPr>
+              <a:xfrm>
+                <a:off x="1007533" y="4981966"/>
+                <a:ext cx="10131522" cy="8868980"/>
+              </a:xfrm>
+              <a:prstGeom prst="rect">
+                <a:avLst/>
+              </a:prstGeom>
+              <a:blipFill>
+                <a:blip r:embed="rId2"/>
+                <a:stretch>
+                  <a:fillRect l="-2828" t="-687" r="-181"/>
+                </a:stretch>
+              </a:blipFill>
+              <a:ln w="12700">
+                <a:miter lim="400000"/>
+              </a:ln>
+              <a:extLst>
+                <a:ext uri="{C572A759-6A51-4108-AA02-DFA0A04FC94B}">
+                  <ma14:wrappingTextBoxFlag xmlns="" xmlns:ma14="http://schemas.microsoft.com/office/mac/drawingml/2011/main" xmlns:a14="http://schemas.microsoft.com/office/drawing/2010/main" val="1"/>
+                </a:ext>
+              </a:extLst>
+            </p:spPr>
+            <p:txBody>
+              <a:bodyPr/>
+              <a:lstStyle/>
+              <a:p>
+                <a:r>
+                  <a:rPr lang="en-US">
+                    <a:noFill/>
+                  </a:rPr>
+                  <a:t> </a:t>
+                </a:r>
+              </a:p>
+            </p:txBody>
+          </p:sp>
+        </mc:Fallback>
+      </mc:AlternateContent>
+      <mc:AlternateContent xmlns:mc="http://schemas.openxmlformats.org/markup-compatibility/2006">
+        <mc:Choice xmlns:a14="http://schemas.microsoft.com/office/drawing/2010/main" Requires="a14">
+          <p:sp>
+            <p:nvSpPr>
+              <p:cNvPr id="9" name="Shape 79">
+                <a:extLst>
+                  <a:ext uri="{FF2B5EF4-FFF2-40B4-BE49-F238E27FC236}">
+                    <a16:creationId xmlns:a16="http://schemas.microsoft.com/office/drawing/2014/main" id="{5D79D56A-1242-4F36-9DA7-6381AB53D817}"/>
+                  </a:ext>
+                </a:extLst>
+              </p:cNvPr>
+              <p:cNvSpPr/>
+              <p:nvPr/>
+            </p:nvSpPr>
+            <p:spPr>
+              <a:xfrm>
+                <a:off x="13165336" y="4981966"/>
+                <a:ext cx="8509000" cy="8868980"/>
+              </a:xfrm>
+              <a:prstGeom prst="rect">
+                <a:avLst/>
+              </a:prstGeom>
+              <a:ln w="12700">
+                <a:miter lim="400000"/>
+              </a:ln>
+              <a:extLst>
+                <a:ext uri="{C572A759-6A51-4108-AA02-DFA0A04FC94B}">
+                  <ma14:wrappingTextBoxFlag xmlns="" xmlns:ma14="http://schemas.microsoft.com/office/mac/drawingml/2011/main" val="1"/>
+                </a:ext>
+              </a:extLst>
+            </p:spPr>
+            <p:txBody>
+              <a:bodyPr lIns="50800" tIns="50800" rIns="50800" bIns="50800">
+                <a:normAutofit/>
+              </a:bodyPr>
+              <a:lstStyle/>
+              <a:p>
+                <a:pPr lvl="1" indent="0" algn="l" defTabSz="1219200">
+                  <a:lnSpc>
+                    <a:spcPct val="120000"/>
+                  </a:lnSpc>
+                  <a:defRPr sz="3000">
+                    <a:solidFill>
+                      <a:srgbClr val="211E3A"/>
+                    </a:solidFill>
+                    <a:latin typeface="Arial"/>
+                    <a:ea typeface="Arial"/>
+                    <a:cs typeface="Arial"/>
+                    <a:sym typeface="Arial"/>
+                  </a:defRPr>
+                </a:pPr>
+                <a:r>
+                  <a:rPr lang="en-US" sz="4400" b="1" dirty="0"/>
+                  <a:t>Constraints:</a:t>
+                </a:r>
+                <a:endParaRPr lang="en-US" sz="4400" b="0" i="1" dirty="0">
+                  <a:latin typeface="Cambria Math" panose="02040503050406030204" pitchFamily="18" charset="0"/>
+                </a:endParaRPr>
+              </a:p>
+              <a:p>
+                <a:pPr lvl="1" indent="0" algn="l" defTabSz="1219200">
+                  <a:lnSpc>
+                    <a:spcPct val="120000"/>
+                  </a:lnSpc>
+                  <a:defRPr sz="3000">
+                    <a:solidFill>
+                      <a:srgbClr val="211E3A"/>
+                    </a:solidFill>
+                    <a:latin typeface="Arial"/>
+                    <a:ea typeface="Arial"/>
+                    <a:cs typeface="Arial"/>
+                    <a:sym typeface="Arial"/>
+                  </a:defRPr>
+                </a:pPr>
+                <a14:m>
+                  <m:oMathPara xmlns:m="http://schemas.openxmlformats.org/officeDocument/2006/math">
+                    <m:oMathParaPr>
+                      <m:jc m:val="left"/>
+                    </m:oMathParaPr>
+                    <m:oMath xmlns:m="http://schemas.openxmlformats.org/officeDocument/2006/math">
+                      <m:r>
+                        <a:rPr lang="en-US" sz="4400" b="0" i="1" smtClean="0">
+                          <a:latin typeface="Cambria Math" panose="02040503050406030204" pitchFamily="18" charset="0"/>
+                        </a:rPr>
+                        <m:t>4≤</m:t>
+                      </m:r>
+                      <m:r>
+                        <a:rPr lang="en-US" sz="4400" b="0" i="1" smtClean="0">
+                          <a:latin typeface="Cambria Math" panose="02040503050406030204" pitchFamily="18" charset="0"/>
+                        </a:rPr>
+                        <m:t>𝐸𝑖</m:t>
+                      </m:r>
+                      <m:r>
+                        <a:rPr lang="en-US" sz="4400" b="0" i="1" smtClean="0">
+                          <a:latin typeface="Cambria Math" panose="02040503050406030204" pitchFamily="18" charset="0"/>
+                        </a:rPr>
+                        <m:t> −</m:t>
+                      </m:r>
+                      <m:r>
+                        <a:rPr lang="en-US" sz="4400" b="0" i="1" smtClean="0">
+                          <a:latin typeface="Cambria Math" panose="02040503050406030204" pitchFamily="18" charset="0"/>
+                        </a:rPr>
+                        <m:t>𝑆𝑖</m:t>
+                      </m:r>
+                      <m:r>
+                        <a:rPr lang="en-US" sz="4400" b="0" i="1" smtClean="0">
+                          <a:latin typeface="Cambria Math" panose="02040503050406030204" pitchFamily="18" charset="0"/>
+                        </a:rPr>
+                        <m:t>≤6</m:t>
+                      </m:r>
+                    </m:oMath>
+                  </m:oMathPara>
+                </a14:m>
+                <a:endParaRPr lang="en-US" sz="4400" dirty="0"/>
+              </a:p>
+              <a:p>
+                <a:pPr lvl="1" indent="0" algn="l" defTabSz="1219200">
+                  <a:lnSpc>
+                    <a:spcPct val="120000"/>
+                  </a:lnSpc>
+                  <a:defRPr sz="3000">
+                    <a:solidFill>
+                      <a:srgbClr val="211E3A"/>
+                    </a:solidFill>
+                    <a:latin typeface="Arial"/>
+                    <a:ea typeface="Arial"/>
+                    <a:cs typeface="Arial"/>
+                    <a:sym typeface="Arial"/>
+                  </a:defRPr>
+                </a:pPr>
+                <a:r>
+                  <a:rPr lang="en-US" sz="4400" dirty="0"/>
+                  <a:t>16 = </a:t>
+                </a:r>
+                <a14:m>
+                  <m:oMath xmlns:m="http://schemas.openxmlformats.org/officeDocument/2006/math">
+                    <m:nary>
+                      <m:naryPr>
+                        <m:chr m:val="∑"/>
+                        <m:subHide m:val="on"/>
+                        <m:supHide m:val="on"/>
+                        <m:ctrlPr>
+                          <a:rPr lang="en-US" sz="4400" i="1" dirty="0" smtClean="0">
+                            <a:latin typeface="Cambria Math" panose="02040503050406030204" pitchFamily="18" charset="0"/>
+                          </a:rPr>
+                        </m:ctrlPr>
+                      </m:naryPr>
+                      <m:sub/>
+                      <m:sup/>
+                      <m:e>
+                        <m:r>
+                          <a:rPr lang="en-US" sz="4400" b="0" i="1" dirty="0" smtClean="0">
+                            <a:latin typeface="Cambria Math" panose="02040503050406030204" pitchFamily="18" charset="0"/>
+                          </a:rPr>
+                          <m:t>𝐸</m:t>
+                        </m:r>
+                        <m:r>
+                          <a:rPr lang="en-US" sz="4400" i="1" baseline="-25000" dirty="0">
+                            <a:latin typeface="Cambria Math" panose="02040503050406030204" pitchFamily="18" charset="0"/>
+                          </a:rPr>
+                          <m:t>𝑖</m:t>
+                        </m:r>
+                        <m:r>
+                          <a:rPr lang="en-US" sz="4400" i="1" dirty="0">
+                            <a:latin typeface="Cambria Math" panose="02040503050406030204" pitchFamily="18" charset="0"/>
+                          </a:rPr>
+                          <m:t> –</m:t>
+                        </m:r>
+                        <m:r>
+                          <a:rPr lang="en-US" sz="4400" b="0" i="1" dirty="0" smtClean="0">
+                            <a:latin typeface="Cambria Math" panose="02040503050406030204" pitchFamily="18" charset="0"/>
+                          </a:rPr>
+                          <m:t>𝑆</m:t>
+                        </m:r>
+                        <m:r>
+                          <a:rPr lang="en-US" sz="4400" i="1" baseline="-25000" dirty="0" err="1">
+                            <a:latin typeface="Cambria Math" panose="02040503050406030204" pitchFamily="18" charset="0"/>
+                          </a:rPr>
+                          <m:t>𝑖</m:t>
+                        </m:r>
+                        <m:r>
+                          <m:rPr>
+                            <m:nor/>
+                          </m:rPr>
+                          <a:rPr lang="en-US" sz="4400" dirty="0"/>
+                          <m:t> </m:t>
+                        </m:r>
+                      </m:e>
+                    </m:nary>
+                  </m:oMath>
+                </a14:m>
+                <a:endParaRPr lang="en-US" sz="4400" dirty="0"/>
+              </a:p>
+              <a:p>
+                <a:pPr lvl="1" indent="0" algn="l" defTabSz="1219200">
+                  <a:lnSpc>
+                    <a:spcPct val="120000"/>
+                  </a:lnSpc>
+                  <a:defRPr sz="3000">
+                    <a:solidFill>
+                      <a:srgbClr val="211E3A"/>
+                    </a:solidFill>
+                    <a:latin typeface="Arial"/>
+                    <a:ea typeface="Arial"/>
+                    <a:cs typeface="Arial"/>
+                    <a:sym typeface="Arial"/>
+                  </a:defRPr>
+                </a:pPr>
+                <a14:m>
+                  <m:oMathPara xmlns:m="http://schemas.openxmlformats.org/officeDocument/2006/math">
+                    <m:oMathParaPr>
+                      <m:jc m:val="left"/>
+                    </m:oMathParaPr>
+                    <m:oMath xmlns:m="http://schemas.openxmlformats.org/officeDocument/2006/math">
+                      <m:r>
+                        <a:rPr lang="en-US" sz="4400" i="1" dirty="0" smtClean="0">
+                          <a:latin typeface="Cambria Math" panose="02040503050406030204" pitchFamily="18" charset="0"/>
+                        </a:rPr>
+                        <m:t>𝐸</m:t>
+                      </m:r>
+                      <m:r>
+                        <a:rPr lang="en-US" sz="4400" i="1" baseline="-25000" dirty="0" smtClean="0">
+                          <a:latin typeface="Cambria Math" panose="02040503050406030204" pitchFamily="18" charset="0"/>
+                        </a:rPr>
+                        <m:t>2</m:t>
+                      </m:r>
+                      <m:r>
+                        <a:rPr lang="en-US" sz="4400" i="1" dirty="0" smtClean="0">
+                          <a:latin typeface="Cambria Math" panose="02040503050406030204" pitchFamily="18" charset="0"/>
+                        </a:rPr>
+                        <m:t> &lt;= 11</m:t>
+                      </m:r>
+                    </m:oMath>
+                  </m:oMathPara>
+                </a14:m>
+                <a:endParaRPr lang="en-US" sz="4400" dirty="0"/>
+              </a:p>
+              <a:p>
+                <a:pPr lvl="1" indent="0" algn="l" defTabSz="1219200">
+                  <a:lnSpc>
+                    <a:spcPct val="120000"/>
+                  </a:lnSpc>
+                  <a:defRPr sz="3000">
+                    <a:solidFill>
+                      <a:srgbClr val="211E3A"/>
+                    </a:solidFill>
+                    <a:latin typeface="Arial"/>
+                    <a:ea typeface="Arial"/>
+                    <a:cs typeface="Arial"/>
+                    <a:sym typeface="Arial"/>
+                  </a:defRPr>
+                </a:pPr>
+                <a14:m>
+                  <m:oMathPara xmlns:m="http://schemas.openxmlformats.org/officeDocument/2006/math">
+                    <m:oMathParaPr>
+                      <m:jc m:val="left"/>
+                    </m:oMathParaPr>
+                    <m:oMath xmlns:m="http://schemas.openxmlformats.org/officeDocument/2006/math">
+                      <m:r>
+                        <a:rPr lang="en-US" sz="4400" i="1" dirty="0" smtClean="0">
+                          <a:latin typeface="Cambria Math" panose="02040503050406030204" pitchFamily="18" charset="0"/>
+                        </a:rPr>
+                        <m:t>𝑆</m:t>
+                      </m:r>
+                      <m:r>
+                        <a:rPr lang="en-US" sz="4400" i="1" baseline="-25000" dirty="0" smtClean="0">
+                          <a:latin typeface="Cambria Math" panose="02040503050406030204" pitchFamily="18" charset="0"/>
+                        </a:rPr>
+                        <m:t>𝑖</m:t>
+                      </m:r>
+                      <m:r>
+                        <a:rPr lang="en-US" sz="4400" i="1" dirty="0" smtClean="0">
+                          <a:latin typeface="Cambria Math" panose="02040503050406030204" pitchFamily="18" charset="0"/>
+                        </a:rPr>
+                        <m:t> &gt;= </m:t>
+                      </m:r>
+                      <m:r>
+                        <a:rPr lang="en-US" sz="4400" i="1" dirty="0" err="1" smtClean="0">
+                          <a:latin typeface="Cambria Math" panose="02040503050406030204" pitchFamily="18" charset="0"/>
+                        </a:rPr>
+                        <m:t>𝐸</m:t>
+                      </m:r>
+                      <m:r>
+                        <a:rPr lang="en-US" sz="4400" i="1" baseline="-25000" dirty="0" err="1" smtClean="0">
+                          <a:latin typeface="Cambria Math" panose="02040503050406030204" pitchFamily="18" charset="0"/>
+                        </a:rPr>
+                        <m:t>𝑗</m:t>
+                      </m:r>
+                      <m:r>
+                        <a:rPr lang="en-US" sz="4400" i="1" dirty="0" smtClean="0">
+                          <a:latin typeface="Cambria Math" panose="02040503050406030204" pitchFamily="18" charset="0"/>
+                        </a:rPr>
+                        <m:t> − </m:t>
+                      </m:r>
+                      <m:r>
+                        <a:rPr lang="en-US" sz="4400" i="1" dirty="0" smtClean="0">
+                          <a:latin typeface="Cambria Math" panose="02040503050406030204" pitchFamily="18" charset="0"/>
+                        </a:rPr>
+                        <m:t>𝑀</m:t>
+                      </m:r>
+                      <m:r>
+                        <a:rPr lang="en-US" sz="4400" i="1" dirty="0" smtClean="0">
+                          <a:latin typeface="Cambria Math" panose="02040503050406030204" pitchFamily="18" charset="0"/>
+                          <a:ea typeface="Cambria Math" panose="02040503050406030204" pitchFamily="18" charset="0"/>
+                        </a:rPr>
+                        <m:t>𝛿</m:t>
+                      </m:r>
+                      <m:r>
+                        <a:rPr lang="en-US" sz="4400" b="0" i="1" baseline="-25000" dirty="0" smtClean="0">
+                          <a:latin typeface="Cambria Math" panose="02040503050406030204" pitchFamily="18" charset="0"/>
+                          <a:ea typeface="Cambria Math" panose="02040503050406030204" pitchFamily="18" charset="0"/>
+                        </a:rPr>
+                        <m:t>𝑖𝑗</m:t>
+                      </m:r>
+                    </m:oMath>
+                  </m:oMathPara>
+                </a14:m>
+                <a:endParaRPr lang="en-US" sz="4400" baseline="-25000" dirty="0"/>
+              </a:p>
+              <a:p>
+                <a:pPr lvl="1" indent="0" algn="l" defTabSz="1219200">
+                  <a:lnSpc>
+                    <a:spcPct val="120000"/>
+                  </a:lnSpc>
+                  <a:defRPr sz="3000">
+                    <a:solidFill>
+                      <a:srgbClr val="211E3A"/>
+                    </a:solidFill>
+                    <a:latin typeface="Arial"/>
+                    <a:ea typeface="Arial"/>
+                    <a:cs typeface="Arial"/>
+                    <a:sym typeface="Arial"/>
+                  </a:defRPr>
+                </a:pPr>
+                <a14:m>
+                  <m:oMathPara xmlns:m="http://schemas.openxmlformats.org/officeDocument/2006/math">
+                    <m:oMathParaPr>
+                      <m:jc m:val="left"/>
+                    </m:oMathParaPr>
+                    <m:oMath xmlns:m="http://schemas.openxmlformats.org/officeDocument/2006/math">
+                      <m:r>
+                        <a:rPr lang="en-US" sz="4400" i="1" dirty="0">
+                          <a:latin typeface="Cambria Math" panose="02040503050406030204" pitchFamily="18" charset="0"/>
+                        </a:rPr>
+                        <m:t>𝑆</m:t>
+                      </m:r>
+                      <m:r>
+                        <a:rPr lang="en-US" sz="4400" i="1" baseline="-25000" dirty="0">
+                          <a:latin typeface="Cambria Math" panose="02040503050406030204" pitchFamily="18" charset="0"/>
+                        </a:rPr>
+                        <m:t>𝑖</m:t>
+                      </m:r>
+                      <m:r>
+                        <a:rPr lang="en-US" sz="4400" i="1" dirty="0">
+                          <a:latin typeface="Cambria Math" panose="02040503050406030204" pitchFamily="18" charset="0"/>
+                        </a:rPr>
+                        <m:t> &gt;= </m:t>
+                      </m:r>
+                      <m:r>
+                        <a:rPr lang="en-US" sz="4400" i="1" dirty="0" err="1">
+                          <a:latin typeface="Cambria Math" panose="02040503050406030204" pitchFamily="18" charset="0"/>
+                        </a:rPr>
+                        <m:t>𝐸</m:t>
+                      </m:r>
+                      <m:r>
+                        <a:rPr lang="en-US" sz="4400" b="0" i="1" baseline="-25000" dirty="0" smtClean="0">
+                          <a:latin typeface="Cambria Math" panose="02040503050406030204" pitchFamily="18" charset="0"/>
+                        </a:rPr>
+                        <m:t>𝑖</m:t>
+                      </m:r>
+                      <m:r>
+                        <a:rPr lang="en-US" sz="4400" i="1" dirty="0">
+                          <a:latin typeface="Cambria Math" panose="02040503050406030204" pitchFamily="18" charset="0"/>
+                        </a:rPr>
+                        <m:t> − </m:t>
+                      </m:r>
+                      <m:r>
+                        <a:rPr lang="en-US" sz="4400" i="1" dirty="0">
+                          <a:latin typeface="Cambria Math" panose="02040503050406030204" pitchFamily="18" charset="0"/>
+                        </a:rPr>
+                        <m:t>𝑀</m:t>
+                      </m:r>
+                      <m:r>
+                        <a:rPr lang="en-US" sz="4400" b="0" i="1" dirty="0" smtClean="0">
+                          <a:latin typeface="Cambria Math" panose="02040503050406030204" pitchFamily="18" charset="0"/>
+                        </a:rPr>
+                        <m:t>(1−</m:t>
+                      </m:r>
+                      <m:r>
+                        <a:rPr lang="en-US" sz="4400" i="1" dirty="0">
+                          <a:latin typeface="Cambria Math" panose="02040503050406030204" pitchFamily="18" charset="0"/>
+                          <a:ea typeface="Cambria Math" panose="02040503050406030204" pitchFamily="18" charset="0"/>
+                        </a:rPr>
+                        <m:t>𝛿</m:t>
+                      </m:r>
+                      <m:r>
+                        <a:rPr lang="en-US" sz="4400" i="1" baseline="-25000" dirty="0">
+                          <a:latin typeface="Cambria Math" panose="02040503050406030204" pitchFamily="18" charset="0"/>
+                          <a:ea typeface="Cambria Math" panose="02040503050406030204" pitchFamily="18" charset="0"/>
+                        </a:rPr>
+                        <m:t>𝑖𝑗</m:t>
+                      </m:r>
+                      <m:r>
+                        <a:rPr lang="en-US" sz="4400" b="0" i="1" dirty="0" smtClean="0">
+                          <a:latin typeface="Cambria Math" panose="02040503050406030204" pitchFamily="18" charset="0"/>
+                          <a:ea typeface="Cambria Math" panose="02040503050406030204" pitchFamily="18" charset="0"/>
+                        </a:rPr>
+                        <m:t>)</m:t>
+                      </m:r>
+                    </m:oMath>
+                  </m:oMathPara>
+                </a14:m>
+                <a:endParaRPr lang="en-US" sz="4400" dirty="0"/>
+              </a:p>
+              <a:p>
+                <a:pPr lvl="1" indent="0" algn="l" defTabSz="1219200">
+                  <a:lnSpc>
+                    <a:spcPct val="120000"/>
+                  </a:lnSpc>
+                  <a:defRPr sz="3000">
+                    <a:solidFill>
+                      <a:srgbClr val="211E3A"/>
+                    </a:solidFill>
+                    <a:latin typeface="Arial"/>
+                    <a:ea typeface="Arial"/>
+                    <a:cs typeface="Arial"/>
+                    <a:sym typeface="Arial"/>
+                  </a:defRPr>
+                </a:pPr>
+                <a:endParaRPr lang="en-US" sz="4400" dirty="0"/>
+              </a:p>
+              <a:p>
+                <a:pPr lvl="1" indent="0" algn="l" defTabSz="1219200">
+                  <a:lnSpc>
+                    <a:spcPct val="120000"/>
+                  </a:lnSpc>
+                  <a:defRPr sz="3000">
+                    <a:solidFill>
+                      <a:srgbClr val="211E3A"/>
+                    </a:solidFill>
+                    <a:latin typeface="Arial"/>
+                    <a:ea typeface="Arial"/>
+                    <a:cs typeface="Arial"/>
+                    <a:sym typeface="Arial"/>
+                  </a:defRPr>
+                </a:pPr>
+                <a:endParaRPr lang="en-US" sz="4400" dirty="0"/>
+              </a:p>
+              <a:p>
+                <a:pPr lvl="1" indent="0" algn="l" defTabSz="1219200">
+                  <a:lnSpc>
+                    <a:spcPct val="120000"/>
+                  </a:lnSpc>
+                  <a:defRPr sz="3000">
+                    <a:solidFill>
+                      <a:srgbClr val="211E3A"/>
+                    </a:solidFill>
+                    <a:latin typeface="Arial"/>
+                    <a:ea typeface="Arial"/>
+                    <a:cs typeface="Arial"/>
+                    <a:sym typeface="Arial"/>
+                  </a:defRPr>
+                </a:pPr>
+                <a:endParaRPr lang="en-US" sz="4400" dirty="0"/>
+              </a:p>
+              <a:p>
+                <a:pPr lvl="1" indent="0" algn="l" defTabSz="1219200">
+                  <a:lnSpc>
+                    <a:spcPct val="120000"/>
+                  </a:lnSpc>
+                  <a:defRPr sz="3000">
+                    <a:solidFill>
+                      <a:srgbClr val="211E3A"/>
+                    </a:solidFill>
+                    <a:latin typeface="Arial"/>
+                    <a:ea typeface="Arial"/>
+                    <a:cs typeface="Arial"/>
+                    <a:sym typeface="Arial"/>
+                  </a:defRPr>
+                </a:pPr>
+                <a:endParaRPr lang="en-US" sz="4400" dirty="0"/>
+              </a:p>
+            </p:txBody>
+          </p:sp>
+        </mc:Choice>
+        <mc:Fallback>
+          <p:sp>
+            <p:nvSpPr>
+              <p:cNvPr id="9" name="Shape 79">
+                <a:extLst>
+                  <a:ext uri="{FF2B5EF4-FFF2-40B4-BE49-F238E27FC236}">
+                    <a16:creationId xmlns:a16="http://schemas.microsoft.com/office/drawing/2014/main" id="{5D79D56A-1242-4F36-9DA7-6381AB53D817}"/>
+                  </a:ext>
+                </a:extLst>
+              </p:cNvPr>
+              <p:cNvSpPr>
+                <a:spLocks noRot="1" noChangeAspect="1" noMove="1" noResize="1" noEditPoints="1" noAdjustHandles="1" noChangeArrowheads="1" noChangeShapeType="1" noTextEdit="1"/>
+              </p:cNvSpPr>
+              <p:nvPr/>
+            </p:nvSpPr>
+            <p:spPr>
+              <a:xfrm>
+                <a:off x="13165336" y="4981966"/>
+                <a:ext cx="8509000" cy="8868980"/>
+              </a:xfrm>
+              <a:prstGeom prst="rect">
+                <a:avLst/>
+              </a:prstGeom>
+              <a:blipFill>
+                <a:blip r:embed="rId3"/>
+                <a:stretch>
+                  <a:fillRect l="-3367" t="-687"/>
+                </a:stretch>
+              </a:blipFill>
+              <a:ln w="12700">
+                <a:miter lim="400000"/>
+              </a:ln>
+              <a:extLst>
+                <a:ext uri="{C572A759-6A51-4108-AA02-DFA0A04FC94B}">
+                  <ma14:wrappingTextBoxFlag xmlns="" xmlns:ma14="http://schemas.microsoft.com/office/mac/drawingml/2011/main" xmlns:a14="http://schemas.microsoft.com/office/drawing/2010/main" val="1"/>
+                </a:ext>
+              </a:extLst>
+            </p:spPr>
+            <p:txBody>
+              <a:bodyPr/>
+              <a:lstStyle/>
+              <a:p>
+                <a:r>
+                  <a:rPr lang="en-US">
+                    <a:noFill/>
+                  </a:rPr>
+                  <a:t> </a:t>
+                </a:r>
+              </a:p>
+            </p:txBody>
+          </p:sp>
+        </mc:Fallback>
+      </mc:AlternateContent>
+    </p:spTree>
+    <p:extLst>
+      <p:ext uri="{BB962C8B-B14F-4D97-AF65-F5344CB8AC3E}">
+        <p14:creationId xmlns:p14="http://schemas.microsoft.com/office/powerpoint/2010/main" val="1409421907"/>
+      </p:ext>
+    </p:extLst>
+  </p:cSld>
+  <p:clrMapOvr>
+    <a:masterClrMapping/>
+  </p:clrMapOvr>
+  <p:transition spd="med"/>
+</p:sld>
+</file>
+
+<file path=ppt/slides/slide31.xml><?xml version="1.0" encoding="utf-8"?>
+<p:sld xmlns:a="http://schemas.openxmlformats.org/drawingml/2006/main" xmlns:r="http://schemas.openxmlformats.org/officeDocument/2006/relationships" xmlns:p="http://schemas.openxmlformats.org/presentationml/2006/main">
+  <p:cSld>
+    <p:spTree>
+      <p:nvGrpSpPr>
+        <p:cNvPr id="1" name=""/>
+        <p:cNvGrpSpPr/>
+        <p:nvPr/>
+      </p:nvGrpSpPr>
+      <p:grpSpPr>
+        <a:xfrm>
+          <a:off x="0" y="0"/>
+          <a:ext cx="0" cy="0"/>
+          <a:chOff x="0" y="0"/>
+          <a:chExt cx="0" cy="0"/>
+        </a:xfrm>
+      </p:grpSpPr>
+      <p:sp>
+        <p:nvSpPr>
+          <p:cNvPr id="4" name="Text Placeholder 1">
+            <a:extLst>
+              <a:ext uri="{FF2B5EF4-FFF2-40B4-BE49-F238E27FC236}">
+                <a16:creationId xmlns:a16="http://schemas.microsoft.com/office/drawing/2014/main" id="{CD6BE2AC-FEF7-4028-8806-B6D939670C40}"/>
+              </a:ext>
+            </a:extLst>
+          </p:cNvPr>
+          <p:cNvSpPr>
+            <a:spLocks noGrp="1"/>
+          </p:cNvSpPr>
+          <p:nvPr>
+            <p:ph type="body" sz="quarter" idx="13"/>
+          </p:nvPr>
+        </p:nvSpPr>
+        <p:spPr>
+          <a:xfrm>
+            <a:off x="1007533" y="965096"/>
+            <a:ext cx="16412303" cy="1943101"/>
+          </a:xfrm>
+        </p:spPr>
+        <p:txBody>
+          <a:bodyPr/>
+          <a:lstStyle/>
+          <a:p>
+            <a:r>
+              <a:rPr lang="en-US" dirty="0"/>
+              <a:t>Data-Driven Apps</a:t>
+            </a:r>
+          </a:p>
+        </p:txBody>
+      </p:sp>
+      <p:sp>
+        <p:nvSpPr>
+          <p:cNvPr id="5" name="Shape 78">
+            <a:extLst>
+              <a:ext uri="{FF2B5EF4-FFF2-40B4-BE49-F238E27FC236}">
+                <a16:creationId xmlns:a16="http://schemas.microsoft.com/office/drawing/2014/main" id="{35058E1D-FB83-40D4-ACB3-4196857415E3}"/>
+              </a:ext>
+            </a:extLst>
+          </p:cNvPr>
+          <p:cNvSpPr/>
+          <p:nvPr/>
+        </p:nvSpPr>
+        <p:spPr>
+          <a:xfrm>
+            <a:off x="1007533" y="2802362"/>
+            <a:ext cx="16412303" cy="1943101"/>
+          </a:xfrm>
+          <a:prstGeom prst="rect">
+            <a:avLst/>
+          </a:prstGeom>
+          <a:ln w="12700">
+            <a:miter lim="400000"/>
+          </a:ln>
+          <a:extLst>
+            <a:ext uri="{C572A759-6A51-4108-AA02-DFA0A04FC94B}">
+              <ma14:wrappingTextBoxFlag xmlns:ma14="http://schemas.microsoft.com/office/mac/drawingml/2011/main" xmlns="" val="1"/>
+            </a:ext>
+          </a:extLst>
+        </p:spPr>
+        <p:txBody>
+          <a:bodyPr lIns="50800" tIns="50800" rIns="50800" bIns="50800">
+            <a:normAutofit/>
+          </a:bodyPr>
+          <a:lstStyle>
+            <a:lvl1pPr algn="l" defTabSz="1219200">
+              <a:lnSpc>
+                <a:spcPct val="90000"/>
+              </a:lnSpc>
+              <a:defRPr sz="7000" spc="0">
+                <a:solidFill>
+                  <a:srgbClr val="25A4F2"/>
+                </a:solidFill>
+                <a:latin typeface="Arial"/>
+                <a:ea typeface="Arial"/>
+                <a:cs typeface="Arial"/>
+                <a:sym typeface="Arial"/>
+              </a:defRPr>
+            </a:lvl1pPr>
+          </a:lstStyle>
+          <a:p>
+            <a:r>
+              <a:rPr lang="en-US" dirty="0"/>
+              <a:t>Endless Possibilities</a:t>
+            </a:r>
+            <a:endParaRPr dirty="0"/>
+          </a:p>
+        </p:txBody>
+      </p:sp>
+      <p:sp>
+        <p:nvSpPr>
+          <p:cNvPr id="6" name="Shape 79">
+            <a:extLst>
+              <a:ext uri="{FF2B5EF4-FFF2-40B4-BE49-F238E27FC236}">
+                <a16:creationId xmlns:a16="http://schemas.microsoft.com/office/drawing/2014/main" id="{6C9170B9-3AC4-4E11-9E1A-9424B987F518}"/>
+              </a:ext>
+            </a:extLst>
+          </p:cNvPr>
+          <p:cNvSpPr/>
+          <p:nvPr/>
+        </p:nvSpPr>
+        <p:spPr>
+          <a:xfrm>
+            <a:off x="1007533" y="4981966"/>
+            <a:ext cx="9626600" cy="8868980"/>
+          </a:xfrm>
+          <a:prstGeom prst="rect">
+            <a:avLst/>
+          </a:prstGeom>
+          <a:ln w="12700">
+            <a:miter lim="400000"/>
+          </a:ln>
+          <a:extLst>
+            <a:ext uri="{C572A759-6A51-4108-AA02-DFA0A04FC94B}">
+              <ma14:wrappingTextBoxFlag xmlns="" xmlns:ma14="http://schemas.microsoft.com/office/mac/drawingml/2011/main" val="1"/>
+            </a:ext>
+          </a:extLst>
+        </p:spPr>
+        <p:txBody>
+          <a:bodyPr lIns="50800" tIns="50800" rIns="50800" bIns="50800">
+            <a:normAutofit/>
+          </a:bodyPr>
+          <a:lstStyle/>
+          <a:p>
+            <a:pPr lvl="1" indent="0" algn="l" defTabSz="1219200">
+              <a:lnSpc>
+                <a:spcPct val="120000"/>
+              </a:lnSpc>
+              <a:defRPr sz="3000">
+                <a:solidFill>
+                  <a:srgbClr val="211E3A"/>
+                </a:solidFill>
+                <a:latin typeface="Arial"/>
+                <a:ea typeface="Arial"/>
+                <a:cs typeface="Arial"/>
+                <a:sym typeface="Arial"/>
+              </a:defRPr>
+            </a:pPr>
+            <a:endParaRPr lang="en-US" sz="4400" dirty="0"/>
+          </a:p>
+        </p:txBody>
+      </p:sp>
+      <p:sp>
+        <p:nvSpPr>
+          <p:cNvPr id="7" name="Shape 79">
+            <a:extLst>
+              <a:ext uri="{FF2B5EF4-FFF2-40B4-BE49-F238E27FC236}">
+                <a16:creationId xmlns:a16="http://schemas.microsoft.com/office/drawing/2014/main" id="{0F8F8753-692F-4CF0-B556-4994A5A24A50}"/>
+              </a:ext>
+            </a:extLst>
+          </p:cNvPr>
+          <p:cNvSpPr/>
+          <p:nvPr/>
+        </p:nvSpPr>
+        <p:spPr>
+          <a:xfrm>
+            <a:off x="1159932" y="5134366"/>
+            <a:ext cx="17626831" cy="8868980"/>
+          </a:xfrm>
+          <a:prstGeom prst="rect">
+            <a:avLst/>
+          </a:prstGeom>
+          <a:ln w="12700">
+            <a:miter lim="400000"/>
+          </a:ln>
+          <a:extLst>
+            <a:ext uri="{C572A759-6A51-4108-AA02-DFA0A04FC94B}">
+              <ma14:wrappingTextBoxFlag xmlns="" xmlns:ma14="http://schemas.microsoft.com/office/mac/drawingml/2011/main" val="1"/>
+            </a:ext>
+          </a:extLst>
+        </p:spPr>
+        <p:txBody>
+          <a:bodyPr lIns="50800" tIns="50800" rIns="50800" bIns="50800">
+            <a:normAutofit fontScale="92500"/>
+          </a:bodyPr>
+          <a:lstStyle/>
+          <a:p>
+            <a:pPr lvl="1" indent="0" algn="l" defTabSz="1219200">
+              <a:lnSpc>
+                <a:spcPct val="120000"/>
+              </a:lnSpc>
+              <a:defRPr sz="3000">
+                <a:solidFill>
+                  <a:srgbClr val="211E3A"/>
+                </a:solidFill>
+                <a:latin typeface="Arial"/>
+                <a:ea typeface="Arial"/>
+                <a:cs typeface="Arial"/>
+                <a:sym typeface="Arial"/>
+              </a:defRPr>
+            </a:pPr>
+            <a:r>
+              <a:rPr lang="en-US" sz="4400" b="1" dirty="0"/>
+              <a:t>Just the subject of linear programming alone opens up a large domain of apps: </a:t>
+            </a:r>
+          </a:p>
+          <a:p>
+            <a:pPr marL="571500" lvl="1" indent="-571500" algn="l" defTabSz="1219200">
+              <a:lnSpc>
+                <a:spcPct val="120000"/>
+              </a:lnSpc>
+              <a:buFont typeface="Arial" panose="020B0604020202020204" pitchFamily="34" charset="0"/>
+              <a:buChar char="•"/>
+              <a:defRPr sz="3000">
+                <a:solidFill>
+                  <a:srgbClr val="211E3A"/>
+                </a:solidFill>
+                <a:latin typeface="Arial"/>
+                <a:ea typeface="Arial"/>
+                <a:cs typeface="Arial"/>
+                <a:sym typeface="Arial"/>
+              </a:defRPr>
+            </a:pPr>
+            <a:r>
+              <a:rPr lang="en-US" sz="4400" dirty="0"/>
+              <a:t>Schedule generation (e.g. classrooms, transportation, staff) </a:t>
+            </a:r>
+          </a:p>
+          <a:p>
+            <a:pPr marL="571500" lvl="1" indent="-571500" algn="l" defTabSz="1219200">
+              <a:lnSpc>
+                <a:spcPct val="120000"/>
+              </a:lnSpc>
+              <a:buFont typeface="Arial" panose="020B0604020202020204" pitchFamily="34" charset="0"/>
+              <a:buChar char="•"/>
+              <a:defRPr sz="3000">
+                <a:solidFill>
+                  <a:srgbClr val="211E3A"/>
+                </a:solidFill>
+                <a:latin typeface="Arial"/>
+                <a:ea typeface="Arial"/>
+                <a:cs typeface="Arial"/>
+                <a:sym typeface="Arial"/>
+              </a:defRPr>
+            </a:pPr>
+            <a:r>
+              <a:rPr lang="en-US" sz="4400" dirty="0"/>
+              <a:t>Operations and resource planning (e.g. construction, factory planning)</a:t>
+            </a:r>
+          </a:p>
+          <a:p>
+            <a:pPr marL="571500" lvl="1" indent="-571500" algn="l" defTabSz="1219200">
+              <a:lnSpc>
+                <a:spcPct val="120000"/>
+              </a:lnSpc>
+              <a:buFont typeface="Arial" panose="020B0604020202020204" pitchFamily="34" charset="0"/>
+              <a:buChar char="•"/>
+              <a:defRPr sz="3000">
+                <a:solidFill>
+                  <a:srgbClr val="211E3A"/>
+                </a:solidFill>
+                <a:latin typeface="Arial"/>
+                <a:ea typeface="Arial"/>
+                <a:cs typeface="Arial"/>
+                <a:sym typeface="Arial"/>
+              </a:defRPr>
+            </a:pPr>
+            <a:r>
+              <a:rPr lang="en-US" sz="4400" dirty="0"/>
+              <a:t>Blending problems (e.g. financial portfolios, food/drink ingredients)</a:t>
+            </a:r>
+          </a:p>
+          <a:p>
+            <a:pPr lvl="1" indent="0" algn="l" defTabSz="1219200">
+              <a:lnSpc>
+                <a:spcPct val="120000"/>
+              </a:lnSpc>
+              <a:defRPr sz="3000">
+                <a:solidFill>
+                  <a:srgbClr val="211E3A"/>
+                </a:solidFill>
+                <a:latin typeface="Arial"/>
+                <a:ea typeface="Arial"/>
+                <a:cs typeface="Arial"/>
+                <a:sym typeface="Arial"/>
+              </a:defRPr>
+            </a:pPr>
+            <a:endParaRPr lang="en-US" sz="4400" dirty="0"/>
+          </a:p>
+          <a:p>
+            <a:pPr lvl="1" indent="0" algn="l" defTabSz="1219200">
+              <a:lnSpc>
+                <a:spcPct val="120000"/>
+              </a:lnSpc>
+              <a:defRPr sz="3000">
+                <a:solidFill>
+                  <a:srgbClr val="211E3A"/>
+                </a:solidFill>
+                <a:latin typeface="Arial"/>
+                <a:ea typeface="Arial"/>
+                <a:cs typeface="Arial"/>
+                <a:sym typeface="Arial"/>
+              </a:defRPr>
+            </a:pPr>
+            <a:r>
+              <a:rPr lang="en-US" sz="4400" b="1" dirty="0"/>
+              <a:t>Kotlin makes it easier than ever to make a model a polished product. </a:t>
+            </a:r>
+          </a:p>
+          <a:p>
+            <a:pPr lvl="1" indent="0" algn="l" defTabSz="1219200">
+              <a:lnSpc>
+                <a:spcPct val="120000"/>
+              </a:lnSpc>
+              <a:defRPr sz="3000">
+                <a:solidFill>
+                  <a:srgbClr val="211E3A"/>
+                </a:solidFill>
+                <a:latin typeface="Arial"/>
+                <a:ea typeface="Arial"/>
+                <a:cs typeface="Arial"/>
+                <a:sym typeface="Arial"/>
+              </a:defRPr>
+            </a:pPr>
+            <a:endParaRPr lang="en-US" sz="4400" dirty="0"/>
+          </a:p>
+          <a:p>
+            <a:pPr lvl="1" indent="0" algn="l" defTabSz="1219200">
+              <a:lnSpc>
+                <a:spcPct val="120000"/>
+              </a:lnSpc>
+              <a:defRPr sz="3000">
+                <a:solidFill>
+                  <a:srgbClr val="211E3A"/>
+                </a:solidFill>
+                <a:latin typeface="Arial"/>
+                <a:ea typeface="Arial"/>
+                <a:cs typeface="Arial"/>
+                <a:sym typeface="Arial"/>
+              </a:defRPr>
+            </a:pPr>
+            <a:r>
+              <a:rPr lang="en-US" sz="4400" b="1" dirty="0"/>
+              <a:t>Kotlin is capable of solving a wide breadth of problems for many data science topics.</a:t>
+            </a:r>
+          </a:p>
+        </p:txBody>
+      </p:sp>
+      <p:pic>
+        <p:nvPicPr>
+          <p:cNvPr id="8" name="Picture 7">
+            <a:extLst>
+              <a:ext uri="{FF2B5EF4-FFF2-40B4-BE49-F238E27FC236}">
+                <a16:creationId xmlns:a16="http://schemas.microsoft.com/office/drawing/2014/main" id="{84409812-8C30-4FD4-BB9C-5665F99F826C}"/>
+              </a:ext>
+            </a:extLst>
+          </p:cNvPr>
+          <p:cNvPicPr>
+            <a:picLocks noChangeAspect="1"/>
+          </p:cNvPicPr>
+          <p:nvPr/>
+        </p:nvPicPr>
+        <p:blipFill>
+          <a:blip r:embed="rId2">
+            <a:extLst>
+              <a:ext uri="{28A0092B-C50C-407E-A947-70E740481C1C}">
+                <a14:useLocalDpi xmlns:a14="http://schemas.microsoft.com/office/drawing/2010/main" val="0"/>
+              </a:ext>
+            </a:extLst>
+          </a:blip>
+          <a:stretch>
+            <a:fillRect/>
+          </a:stretch>
+        </p:blipFill>
+        <p:spPr>
+          <a:xfrm>
+            <a:off x="19227337" y="965096"/>
+            <a:ext cx="3763565" cy="3780367"/>
+          </a:xfrm>
+          <a:prstGeom prst="rect">
+            <a:avLst/>
+          </a:prstGeom>
+        </p:spPr>
+      </p:pic>
+    </p:spTree>
+    <p:extLst>
+      <p:ext uri="{BB962C8B-B14F-4D97-AF65-F5344CB8AC3E}">
+        <p14:creationId xmlns:p14="http://schemas.microsoft.com/office/powerpoint/2010/main" val="1396533381"/>
+      </p:ext>
+    </p:extLst>
+  </p:cSld>
+  <p:clrMapOvr>
+    <a:masterClrMapping/>
+  </p:clrMapOvr>
+  <p:transition spd="med"/>
+  <p:timing>
+    <p:tnLst>
+      <p:par>
+        <p:cTn id="1" dur="indefinite" restart="never" nodeType="tmRoot">
+          <p:childTnLst>
+            <p:seq concurrent="1" nextAc="seek">
+              <p:cTn id="2" dur="indefinite" nodeType="mainSeq">
+                <p:childTnLst>
+                  <p:par>
+                    <p:cTn id="3" fill="hold">
+                      <p:stCondLst>
+                        <p:cond delay="indefinite"/>
+                      </p:stCondLst>
+                      <p:childTnLst>
+                        <p:par>
+                          <p:cTn id="4" fill="hold">
+                            <p:stCondLst>
+                              <p:cond delay="0"/>
+                            </p:stCondLst>
+                            <p:childTnLst>
+                              <p:par>
+                                <p:cTn id="5" presetID="1" presetClass="entr" presetSubtype="0" fill="hold" nodeType="clickEffect">
+                                  <p:stCondLst>
+                                    <p:cond delay="0"/>
+                                  </p:stCondLst>
+                                  <p:childTnLst>
+                                    <p:set>
+                                      <p:cBhvr>
+                                        <p:cTn id="6" dur="1" fill="hold">
+                                          <p:stCondLst>
+                                            <p:cond delay="0"/>
+                                          </p:stCondLst>
+                                        </p:cTn>
+                                        <p:tgtEl>
+                                          <p:spTgt spid="7">
+                                            <p:txEl>
+                                              <p:pRg st="0" end="0"/>
+                                            </p:txEl>
+                                          </p:spTgt>
+                                        </p:tgtEl>
+                                        <p:attrNameLst>
+                                          <p:attrName>style.visibility</p:attrName>
+                                        </p:attrNameLst>
+                                      </p:cBhvr>
+                                      <p:to>
+                                        <p:strVal val="visible"/>
+                                      </p:to>
+                                    </p:set>
+                                  </p:childTnLst>
+                                </p:cTn>
+                              </p:par>
+                              <p:par>
+                                <p:cTn id="7" presetID="1" presetClass="entr" presetSubtype="0" fill="hold" nodeType="withEffect">
+                                  <p:stCondLst>
+                                    <p:cond delay="0"/>
+                                  </p:stCondLst>
+                                  <p:childTnLst>
+                                    <p:set>
+                                      <p:cBhvr>
+                                        <p:cTn id="8" dur="1" fill="hold">
+                                          <p:stCondLst>
+                                            <p:cond delay="0"/>
+                                          </p:stCondLst>
+                                        </p:cTn>
+                                        <p:tgtEl>
+                                          <p:spTgt spid="7">
+                                            <p:txEl>
+                                              <p:pRg st="1" end="1"/>
+                                            </p:txEl>
+                                          </p:spTgt>
+                                        </p:tgtEl>
+                                        <p:attrNameLst>
+                                          <p:attrName>style.visibility</p:attrName>
+                                        </p:attrNameLst>
+                                      </p:cBhvr>
+                                      <p:to>
+                                        <p:strVal val="visible"/>
+                                      </p:to>
+                                    </p:set>
+                                  </p:childTnLst>
+                                </p:cTn>
+                              </p:par>
+                              <p:par>
+                                <p:cTn id="9" presetID="1" presetClass="entr" presetSubtype="0" fill="hold" nodeType="withEffect">
+                                  <p:stCondLst>
+                                    <p:cond delay="0"/>
+                                  </p:stCondLst>
+                                  <p:childTnLst>
+                                    <p:set>
+                                      <p:cBhvr>
+                                        <p:cTn id="10" dur="1" fill="hold">
+                                          <p:stCondLst>
+                                            <p:cond delay="0"/>
+                                          </p:stCondLst>
+                                        </p:cTn>
+                                        <p:tgtEl>
+                                          <p:spTgt spid="7">
+                                            <p:txEl>
+                                              <p:pRg st="2" end="2"/>
+                                            </p:txEl>
+                                          </p:spTgt>
+                                        </p:tgtEl>
+                                        <p:attrNameLst>
+                                          <p:attrName>style.visibility</p:attrName>
+                                        </p:attrNameLst>
+                                      </p:cBhvr>
+                                      <p:to>
+                                        <p:strVal val="visible"/>
+                                      </p:to>
+                                    </p:set>
+                                  </p:childTnLst>
+                                </p:cTn>
+                              </p:par>
+                              <p:par>
+                                <p:cTn id="11" presetID="1" presetClass="entr" presetSubtype="0" fill="hold" nodeType="withEffect">
+                                  <p:stCondLst>
+                                    <p:cond delay="0"/>
+                                  </p:stCondLst>
+                                  <p:childTnLst>
+                                    <p:set>
+                                      <p:cBhvr>
+                                        <p:cTn id="12" dur="1" fill="hold">
+                                          <p:stCondLst>
+                                            <p:cond delay="0"/>
+                                          </p:stCondLst>
+                                        </p:cTn>
+                                        <p:tgtEl>
+                                          <p:spTgt spid="7">
+                                            <p:txEl>
+                                              <p:pRg st="3" end="3"/>
+                                            </p:txEl>
+                                          </p:spTgt>
+                                        </p:tgtEl>
+                                        <p:attrNameLst>
+                                          <p:attrName>style.visibility</p:attrName>
+                                        </p:attrNameLst>
+                                      </p:cBhvr>
+                                      <p:to>
+                                        <p:strVal val="visible"/>
+                                      </p:to>
+                                    </p:set>
+                                  </p:childTnLst>
+                                </p:cTn>
+                              </p:par>
+                            </p:childTnLst>
+                          </p:cTn>
+                        </p:par>
+                      </p:childTnLst>
+                    </p:cTn>
+                  </p:par>
+                  <p:par>
+                    <p:cTn id="13" fill="hold">
+                      <p:stCondLst>
+                        <p:cond delay="indefinite"/>
+                      </p:stCondLst>
+                      <p:childTnLst>
+                        <p:par>
+                          <p:cTn id="14" fill="hold">
+                            <p:stCondLst>
+                              <p:cond delay="0"/>
+                            </p:stCondLst>
+                            <p:childTnLst>
+                              <p:par>
+                                <p:cTn id="15" presetID="1" presetClass="entr" presetSubtype="0" fill="hold" nodeType="clickEffect">
+                                  <p:stCondLst>
+                                    <p:cond delay="0"/>
+                                  </p:stCondLst>
+                                  <p:childTnLst>
+                                    <p:set>
+                                      <p:cBhvr>
+                                        <p:cTn id="16" dur="1" fill="hold">
+                                          <p:stCondLst>
+                                            <p:cond delay="0"/>
+                                          </p:stCondLst>
+                                        </p:cTn>
+                                        <p:tgtEl>
+                                          <p:spTgt spid="7">
+                                            <p:txEl>
+                                              <p:pRg st="5" end="5"/>
+                                            </p:txEl>
+                                          </p:spTgt>
+                                        </p:tgtEl>
+                                        <p:attrNameLst>
+                                          <p:attrName>style.visibility</p:attrName>
+                                        </p:attrNameLst>
+                                      </p:cBhvr>
+                                      <p:to>
+                                        <p:strVal val="visible"/>
+                                      </p:to>
+                                    </p:set>
+                                  </p:childTnLst>
+                                </p:cTn>
+                              </p:par>
+                            </p:childTnLst>
+                          </p:cTn>
+                        </p:par>
+                      </p:childTnLst>
+                    </p:cTn>
+                  </p:par>
+                  <p:par>
+                    <p:cTn id="17" fill="hold">
+                      <p:stCondLst>
+                        <p:cond delay="indefinite"/>
+                      </p:stCondLst>
+                      <p:childTnLst>
+                        <p:par>
+                          <p:cTn id="18" fill="hold">
+                            <p:stCondLst>
+                              <p:cond delay="0"/>
+                            </p:stCondLst>
+                            <p:childTnLst>
+                              <p:par>
+                                <p:cTn id="19" presetID="1" presetClass="entr" presetSubtype="0" fill="hold" nodeType="clickEffect">
+                                  <p:stCondLst>
+                                    <p:cond delay="0"/>
+                                  </p:stCondLst>
+                                  <p:childTnLst>
+                                    <p:set>
+                                      <p:cBhvr>
+                                        <p:cTn id="20" dur="1" fill="hold">
+                                          <p:stCondLst>
+                                            <p:cond delay="0"/>
+                                          </p:stCondLst>
+                                        </p:cTn>
+                                        <p:tgtEl>
+                                          <p:spTgt spid="7">
+                                            <p:txEl>
+                                              <p:pRg st="7" end="7"/>
+                                            </p:txEl>
+                                          </p:spTgt>
+                                        </p:tgtEl>
+                                        <p:attrNameLst>
+                                          <p:attrName>style.visibility</p:attrName>
+                                        </p:attrNameLst>
+                                      </p:cBhvr>
+                                      <p:to>
+                                        <p:strVal val="visible"/>
+                                      </p:to>
+                                    </p:set>
+                                  </p:childTnLst>
+                                </p:cTn>
+                              </p:par>
+                            </p:childTnLst>
+                          </p:cTn>
+                        </p:par>
+                      </p:childTnLst>
+                    </p:cTn>
+                  </p:par>
+                </p:childTnLst>
+              </p:cTn>
+              <p:prevCondLst>
+                <p:cond evt="onPrev" delay="0">
+                  <p:tgtEl>
+                    <p:sldTgt/>
+                  </p:tgtEl>
+                </p:cond>
+              </p:prevCondLst>
+              <p:nextCondLst>
+                <p:cond evt="onNext" delay="0">
+                  <p:tgtEl>
+                    <p:sldTgt/>
+                  </p:tgtEl>
+                </p:cond>
+              </p:nextCondLst>
+            </p:seq>
+          </p:childTnLst>
+        </p:cTn>
+      </p:par>
+    </p:tnLst>
+  </p:timing>
+</p:sld>
+</file>
+
+<file path=ppt/slides/slide32.xml><?xml version="1.0" encoding="utf-8"?>
+<p:sld xmlns:a="http://schemas.openxmlformats.org/drawingml/2006/main" xmlns:r="http://schemas.openxmlformats.org/officeDocument/2006/relationships" xmlns:p="http://schemas.openxmlformats.org/presentationml/2006/main">
+  <p:cSld>
+    <p:spTree>
+      <p:nvGrpSpPr>
+        <p:cNvPr id="1" name=""/>
+        <p:cNvGrpSpPr/>
+        <p:nvPr/>
+      </p:nvGrpSpPr>
+      <p:grpSpPr>
+        <a:xfrm>
+          <a:off x="0" y="0"/>
+          <a:ext cx="0" cy="0"/>
+          <a:chOff x="0" y="0"/>
+          <a:chExt cx="0" cy="0"/>
+        </a:xfrm>
+      </p:grpSpPr>
+      <p:sp>
+        <p:nvSpPr>
+          <p:cNvPr id="4" name="Text Placeholder 3">
+            <a:extLst>
+              <a:ext uri="{FF2B5EF4-FFF2-40B4-BE49-F238E27FC236}">
+                <a16:creationId xmlns:a16="http://schemas.microsoft.com/office/drawing/2014/main" id="{B5D46C66-86D5-4BDC-A137-56EF98840257}"/>
+              </a:ext>
+            </a:extLst>
+          </p:cNvPr>
+          <p:cNvSpPr>
+            <a:spLocks noGrp="1"/>
+          </p:cNvSpPr>
+          <p:nvPr>
+            <p:ph type="body" sz="half" idx="13"/>
+          </p:nvPr>
+        </p:nvSpPr>
+        <p:spPr/>
+        <p:txBody>
+          <a:bodyPr/>
+          <a:lstStyle/>
+          <a:p>
+            <a:r>
+              <a:rPr lang="en-US" dirty="0"/>
+              <a:t>Getting Involved</a:t>
+            </a:r>
+          </a:p>
+        </p:txBody>
+      </p:sp>
+    </p:spTree>
+    <p:extLst>
+      <p:ext uri="{BB962C8B-B14F-4D97-AF65-F5344CB8AC3E}">
+        <p14:creationId xmlns:p14="http://schemas.microsoft.com/office/powerpoint/2010/main" val="4068997022"/>
+      </p:ext>
+    </p:extLst>
+  </p:cSld>
+  <p:clrMapOvr>
+    <a:masterClrMapping/>
+  </p:clrMapOvr>
+  <p:transition spd="med"/>
+</p:sld>
+</file>
+
+<file path=ppt/slides/slide33.xml><?xml version="1.0" encoding="utf-8"?>
+<p:sld xmlns:a="http://schemas.openxmlformats.org/drawingml/2006/main" xmlns:r="http://schemas.openxmlformats.org/officeDocument/2006/relationships" xmlns:p="http://schemas.openxmlformats.org/presentationml/2006/main">
+  <p:cSld>
+    <p:spTree>
+      <p:nvGrpSpPr>
+        <p:cNvPr id="1" name=""/>
+        <p:cNvGrpSpPr/>
+        <p:nvPr/>
+      </p:nvGrpSpPr>
+      <p:grpSpPr>
+        <a:xfrm>
+          <a:off x="0" y="0"/>
+          <a:ext cx="0" cy="0"/>
+          <a:chOff x="0" y="0"/>
+          <a:chExt cx="0" cy="0"/>
+        </a:xfrm>
+      </p:grpSpPr>
+      <p:sp>
+        <p:nvSpPr>
+          <p:cNvPr id="2" name="Text Placeholder 1">
+            <a:extLst>
+              <a:ext uri="{FF2B5EF4-FFF2-40B4-BE49-F238E27FC236}">
                 <a16:creationId xmlns:a16="http://schemas.microsoft.com/office/drawing/2014/main" id="{7E546841-712E-43E0-A1CB-16BCE5E6F72C}"/>
               </a:ext>
             </a:extLst>
@@ -16469,7 +19177,7 @@
             </a:pPr>
             <a:r>
               <a:rPr lang="en-US" sz="4400" dirty="0"/>
-              <a:t>	Apache Hadoop			Apache Spark				Data mining	</a:t>
+              <a:t>	Apache Hadoop/Spark		Graphing/visualizations		Data mining	</a:t>
             </a:r>
           </a:p>
           <a:p>
@@ -16548,22 +19256,6 @@
               <a:rPr lang="en-US" sz="4400" b="1" dirty="0"/>
               <a:t>Create some data-driven Kotlin projects and share them!</a:t>
             </a:r>
-          </a:p>
-          <a:p>
-            <a:pPr lvl="1" indent="0" algn="l" defTabSz="1219200">
-              <a:lnSpc>
-                <a:spcPct val="120000"/>
-              </a:lnSpc>
-              <a:defRPr sz="3000">
-                <a:solidFill>
-                  <a:srgbClr val="211E3A"/>
-                </a:solidFill>
-                <a:latin typeface="Arial"/>
-                <a:ea typeface="Arial"/>
-                <a:cs typeface="Arial"/>
-                <a:sym typeface="Arial"/>
-              </a:defRPr>
-            </a:pPr>
             <a:endParaRPr lang="en-US" sz="4400" dirty="0"/>
           </a:p>
           <a:p>
@@ -16808,7 +19500,7 @@
                                         <p:tgtEl>
                                           <p:spTgt spid="5">
                                             <p:txEl>
-                                              <p:pRg st="8" end="8"/>
+                                              <p:pRg st="7" end="7"/>
                                             </p:txEl>
                                           </p:spTgt>
                                         </p:tgtEl>
@@ -16854,7 +19546,7 @@
 </p:sld>
 </file>
 
-<file path=ppt/slides/slide31.xml><?xml version="1.0" encoding="utf-8"?>
+<file path=ppt/slides/slide34.xml><?xml version="1.0" encoding="utf-8"?>
 <p:sld xmlns:a="http://schemas.openxmlformats.org/drawingml/2006/main" xmlns:r="http://schemas.openxmlformats.org/officeDocument/2006/relationships" xmlns:p="http://schemas.openxmlformats.org/presentationml/2006/main">
   <p:cSld>
     <p:spTree>
@@ -17116,7 +19808,7 @@
             </a:pPr>
             <a:r>
               <a:rPr lang="en-US" sz="4400" dirty="0"/>
-              <a:t>Introduce data-driven features into your apps, and blog how you did it.</a:t>
+              <a:t>Introduce data-driven features into your apps, and share how you did it.</a:t>
             </a:r>
           </a:p>
           <a:p>
@@ -17438,7 +20130,7 @@
 </p:sld>
 </file>
 
-<file path=ppt/slides/slide32.xml><?xml version="1.0" encoding="utf-8"?>
+<file path=ppt/slides/slide35.xml><?xml version="1.0" encoding="utf-8"?>
 <p:sld xmlns:a="http://schemas.openxmlformats.org/drawingml/2006/main" xmlns:r="http://schemas.openxmlformats.org/officeDocument/2006/relationships" xmlns:p="http://schemas.openxmlformats.org/presentationml/2006/main" show="0">
   <p:cSld>
     <p:spTree>
@@ -18326,7 +21018,7 @@
 </p:sld>
 </file>
 
-<file path=ppt/slides/slide33.xml><?xml version="1.0" encoding="utf-8"?>
+<file path=ppt/slides/slide36.xml><?xml version="1.0" encoding="utf-8"?>
 <p:sld xmlns:a="http://schemas.openxmlformats.org/drawingml/2006/main" xmlns:r="http://schemas.openxmlformats.org/officeDocument/2006/relationships" xmlns:p="http://schemas.openxmlformats.org/presentationml/2006/main">
   <p:cSld>
     <p:spTree>

--- a/kotlin_for_data_science.pptx
+++ b/kotlin_for_data_science.pptx
@@ -5079,7 +5079,7 @@
           </a:extLst>
         </p:spPr>
         <p:txBody>
-          <a:bodyPr lIns="50800" tIns="50800" rIns="50800" bIns="50800">
+          <a:bodyPr lIns="50800" tIns="50800" rIns="50800" bIns="50800" anchor="t">
             <a:normAutofit/>
           </a:bodyPr>
           <a:lstStyle>
@@ -5101,7 +5101,7 @@
           <a:p>
             <a:r>
               <a:rPr lang="en-US" dirty="0"/>
-              <a:t>Cocktail of Math and Code</a:t>
+              <a:t>Concoction of Math and Code</a:t>
             </a:r>
             <a:endParaRPr dirty="0"/>
           </a:p>
@@ -17068,8 +17068,8 @@
           </a:p>
         </p:txBody>
       </p:sp>
-      <mc:AlternateContent xmlns:mc="http://schemas.openxmlformats.org/markup-compatibility/2006">
-        <mc:Choice xmlns:a14="http://schemas.microsoft.com/office/drawing/2010/main" Requires="a14">
+      <mc:AlternateContent xmlns:mc="http://schemas.openxmlformats.org/markup-compatibility/2006" xmlns:a14="http://schemas.microsoft.com/office/drawing/2010/main">
+        <mc:Choice Requires="a14">
           <p:sp>
             <p:nvSpPr>
               <p:cNvPr id="7" name="Shape 79">
@@ -17645,7 +17645,7 @@
             </p:txBody>
           </p:sp>
         </mc:Choice>
-        <mc:Fallback>
+        <mc:Fallback xmlns="">
           <p:sp>
             <p:nvSpPr>
               <p:cNvPr id="7" name="Shape 79">
@@ -18045,10 +18045,10 @@
                         <m:t>𝑆</m:t>
                       </m:r>
                       <m:r>
-                        <a:rPr lang="en-US" sz="4400" i="1" baseline="-25000" dirty="0">
+                        <a:rPr lang="en-US" sz="4400" b="0" i="1" baseline="-25000" dirty="0" smtClean="0">
                           <a:latin typeface="Cambria Math" panose="02040503050406030204" pitchFamily="18" charset="0"/>
                         </a:rPr>
-                        <m:t>𝑖</m:t>
+                        <m:t>𝑗</m:t>
                       </m:r>
                       <m:r>
                         <a:rPr lang="en-US" sz="4400" i="1" dirty="0">

--- a/kotlin_for_data_science.pptx
+++ b/kotlin_for_data_science.pptx
@@ -6,8 +6,8 @@
   </p:sldMasterIdLst>
   <p:sldIdLst>
     <p:sldId id="256" r:id="rId2"/>
-    <p:sldId id="281" r:id="rId3"/>
-    <p:sldId id="259" r:id="rId4"/>
+    <p:sldId id="259" r:id="rId3"/>
+    <p:sldId id="281" r:id="rId4"/>
     <p:sldId id="267" r:id="rId5"/>
     <p:sldId id="280" r:id="rId6"/>
     <p:sldId id="260" r:id="rId7"/>
@@ -2231,7 +2231,7 @@
           </a:ln>
           <a:extLst>
             <a:ext uri="{C572A759-6A51-4108-AA02-DFA0A04FC94B}">
-              <ma14:wrappingTextBoxFlag xmlns="" xmlns:ma14="http://schemas.microsoft.com/office/mac/drawingml/2011/main" val="1"/>
+              <ma14:wrappingTextBoxFlag xmlns:ma14="http://schemas.microsoft.com/office/mac/drawingml/2011/main" xmlns="" val="1"/>
             </a:ext>
           </a:extLst>
         </p:spPr>
@@ -3183,7 +3183,7 @@
           </a:ln>
           <a:extLst>
             <a:ext uri="{C572A759-6A51-4108-AA02-DFA0A04FC94B}">
-              <ma14:wrappingTextBoxFlag xmlns="" xmlns:ma14="http://schemas.microsoft.com/office/mac/drawingml/2011/main" val="1"/>
+              <ma14:wrappingTextBoxFlag xmlns:ma14="http://schemas.microsoft.com/office/mac/drawingml/2011/main" xmlns="" val="1"/>
             </a:ext>
           </a:extLst>
         </p:spPr>
@@ -3336,7 +3336,7 @@
           </a:ln>
           <a:extLst>
             <a:ext uri="{C572A759-6A51-4108-AA02-DFA0A04FC94B}">
-              <ma14:wrappingTextBoxFlag xmlns="" xmlns:ma14="http://schemas.microsoft.com/office/mac/drawingml/2011/main" val="1"/>
+              <ma14:wrappingTextBoxFlag xmlns:ma14="http://schemas.microsoft.com/office/mac/drawingml/2011/main" xmlns="" val="1"/>
             </a:ext>
           </a:extLst>
         </p:spPr>
@@ -3375,7 +3375,7 @@
           </a:ln>
           <a:extLst>
             <a:ext uri="{C572A759-6A51-4108-AA02-DFA0A04FC94B}">
-              <ma14:wrappingTextBoxFlag xmlns="" xmlns:ma14="http://schemas.microsoft.com/office/mac/drawingml/2011/main" val="1"/>
+              <ma14:wrappingTextBoxFlag xmlns:ma14="http://schemas.microsoft.com/office/mac/drawingml/2011/main" xmlns="" val="1"/>
             </a:ext>
           </a:extLst>
         </p:spPr>
@@ -4456,7 +4456,7 @@
           </a:ln>
           <a:extLst>
             <a:ext uri="{C572A759-6A51-4108-AA02-DFA0A04FC94B}">
-              <ma14:wrappingTextBoxFlag xmlns:ma14="http://schemas.microsoft.com/office/mac/drawingml/2011/main" xmlns="" val="1"/>
+              <ma14:wrappingTextBoxFlag xmlns="" xmlns:ma14="http://schemas.microsoft.com/office/mac/drawingml/2011/main" val="1"/>
             </a:ext>
           </a:extLst>
         </p:spPr>
@@ -4510,7 +4510,7 @@
           </a:ln>
           <a:extLst>
             <a:ext uri="{C572A759-6A51-4108-AA02-DFA0A04FC94B}">
-              <ma14:wrappingTextBoxFlag xmlns:ma14="http://schemas.microsoft.com/office/mac/drawingml/2011/main" xmlns="" val="1"/>
+              <ma14:wrappingTextBoxFlag xmlns="" xmlns:ma14="http://schemas.microsoft.com/office/mac/drawingml/2011/main" val="1"/>
             </a:ext>
           </a:extLst>
         </p:spPr>
@@ -4564,7 +4564,7 @@
           </a:ln>
           <a:extLst>
             <a:ext uri="{C572A759-6A51-4108-AA02-DFA0A04FC94B}">
-              <ma14:wrappingTextBoxFlag xmlns="" xmlns:ma14="http://schemas.microsoft.com/office/mac/drawingml/2011/main" xmlns:a14="http://schemas.microsoft.com/office/drawing/2010/main" xmlns:mc="http://schemas.openxmlformats.org/markup-compatibility/2006" val="1"/>
+              <ma14:wrappingTextBoxFlag xmlns:mc="http://schemas.openxmlformats.org/markup-compatibility/2006" xmlns:a14="http://schemas.microsoft.com/office/drawing/2010/main" xmlns:ma14="http://schemas.microsoft.com/office/mac/drawingml/2011/main" xmlns="" val="1"/>
             </a:ext>
           </a:extLst>
         </p:spPr>
@@ -4719,7 +4719,7 @@
             </a:pPr>
             <a:r>
               <a:rPr lang="en-US" sz="4400" dirty="0"/>
-              <a:t>Neural network that identifies images in some way.</a:t>
+              <a:t>Neural network that identifies or categorizes images or natural language. </a:t>
             </a:r>
           </a:p>
           <a:p>
@@ -4770,7 +4770,7 @@
           </a:ln>
           <a:extLst>
             <a:ext uri="{C572A759-6A51-4108-AA02-DFA0A04FC94B}">
-              <ma14:wrappingTextBoxFlag xmlns="" xmlns:ma14="http://schemas.microsoft.com/office/mac/drawingml/2011/main" val="1"/>
+              <ma14:wrappingTextBoxFlag xmlns:ma14="http://schemas.microsoft.com/office/mac/drawingml/2011/main" xmlns="" val="1"/>
             </a:ext>
           </a:extLst>
         </p:spPr>
@@ -5074,7 +5074,7 @@
           </a:ln>
           <a:extLst>
             <a:ext uri="{C572A759-6A51-4108-AA02-DFA0A04FC94B}">
-              <ma14:wrappingTextBoxFlag xmlns:ma14="http://schemas.microsoft.com/office/mac/drawingml/2011/main" xmlns="" val="1"/>
+              <ma14:wrappingTextBoxFlag xmlns="" xmlns:ma14="http://schemas.microsoft.com/office/mac/drawingml/2011/main" val="1"/>
             </a:ext>
           </a:extLst>
         </p:spPr>
@@ -5638,7 +5638,7 @@
           </a:ln>
           <a:extLst>
             <a:ext uri="{C572A759-6A51-4108-AA02-DFA0A04FC94B}">
-              <ma14:wrappingTextBoxFlag xmlns="" xmlns:ma14="http://schemas.microsoft.com/office/mac/drawingml/2011/main" xmlns:a14="http://schemas.microsoft.com/office/drawing/2010/main" xmlns:mc="http://schemas.openxmlformats.org/markup-compatibility/2006" val="1"/>
+              <ma14:wrappingTextBoxFlag xmlns:mc="http://schemas.openxmlformats.org/markup-compatibility/2006" xmlns:a14="http://schemas.microsoft.com/office/drawing/2010/main" xmlns:ma14="http://schemas.microsoft.com/office/mac/drawingml/2011/main" xmlns="" val="1"/>
             </a:ext>
           </a:extLst>
         </p:spPr>
@@ -5828,7 +5828,7 @@
           </a:ln>
           <a:extLst>
             <a:ext uri="{C572A759-6A51-4108-AA02-DFA0A04FC94B}">
-              <ma14:wrappingTextBoxFlag xmlns:ma14="http://schemas.microsoft.com/office/mac/drawingml/2011/main" xmlns="" val="1"/>
+              <ma14:wrappingTextBoxFlag xmlns="" xmlns:ma14="http://schemas.microsoft.com/office/mac/drawingml/2011/main" val="1"/>
             </a:ext>
           </a:extLst>
         </p:spPr>
@@ -5898,7 +5898,7 @@
           </a:ln>
           <a:extLst>
             <a:ext uri="{C572A759-6A51-4108-AA02-DFA0A04FC94B}">
-              <ma14:wrappingTextBoxFlag xmlns:ma14="http://schemas.microsoft.com/office/mac/drawingml/2011/main" xmlns="" val="1"/>
+              <ma14:wrappingTextBoxFlag xmlns="" xmlns:ma14="http://schemas.microsoft.com/office/mac/drawingml/2011/main" val="1"/>
             </a:ext>
           </a:extLst>
         </p:spPr>
@@ -6213,7 +6213,7 @@
           </a:ln>
           <a:extLst>
             <a:ext uri="{C572A759-6A51-4108-AA02-DFA0A04FC94B}">
-              <ma14:wrappingTextBoxFlag xmlns:mc="http://schemas.openxmlformats.org/markup-compatibility/2006" xmlns:a14="http://schemas.microsoft.com/office/drawing/2010/main" xmlns="" xmlns:ma14="http://schemas.microsoft.com/office/mac/drawingml/2011/main" val="1"/>
+              <ma14:wrappingTextBoxFlag xmlns:ma14="http://schemas.microsoft.com/office/mac/drawingml/2011/main" xmlns="" xmlns:a14="http://schemas.microsoft.com/office/drawing/2010/main" xmlns:mc="http://schemas.openxmlformats.org/markup-compatibility/2006" val="1"/>
             </a:ext>
           </a:extLst>
         </p:spPr>
@@ -6550,7 +6550,7 @@
           </a:ln>
           <a:extLst>
             <a:ext uri="{C572A759-6A51-4108-AA02-DFA0A04FC94B}">
-              <ma14:wrappingTextBoxFlag xmlns:ma14="http://schemas.microsoft.com/office/mac/drawingml/2011/main" xmlns="" val="1"/>
+              <ma14:wrappingTextBoxFlag xmlns="" xmlns:ma14="http://schemas.microsoft.com/office/mac/drawingml/2011/main" val="1"/>
             </a:ext>
           </a:extLst>
         </p:spPr>
@@ -6620,7 +6620,7 @@
           </a:ln>
           <a:extLst>
             <a:ext uri="{C572A759-6A51-4108-AA02-DFA0A04FC94B}">
-              <ma14:wrappingTextBoxFlag xmlns:ma14="http://schemas.microsoft.com/office/mac/drawingml/2011/main" xmlns="" val="1"/>
+              <ma14:wrappingTextBoxFlag xmlns="" xmlns:ma14="http://schemas.microsoft.com/office/mac/drawingml/2011/main" val="1"/>
             </a:ext>
           </a:extLst>
         </p:spPr>
@@ -8112,7 +8112,7 @@
           </a:ln>
           <a:extLst>
             <a:ext uri="{C572A759-6A51-4108-AA02-DFA0A04FC94B}">
-              <ma14:wrappingTextBoxFlag xmlns="" xmlns:ma14="http://schemas.microsoft.com/office/mac/drawingml/2011/main" val="1"/>
+              <ma14:wrappingTextBoxFlag xmlns:ma14="http://schemas.microsoft.com/office/mac/drawingml/2011/main" xmlns="" val="1"/>
             </a:ext>
           </a:extLst>
         </p:spPr>
@@ -8546,7 +8546,7 @@
           </a:ln>
           <a:extLst>
             <a:ext uri="{C572A759-6A51-4108-AA02-DFA0A04FC94B}">
-              <ma14:wrappingTextBoxFlag xmlns:ma14="http://schemas.microsoft.com/office/mac/drawingml/2011/main" xmlns="" val="1"/>
+              <ma14:wrappingTextBoxFlag xmlns="" xmlns:ma14="http://schemas.microsoft.com/office/mac/drawingml/2011/main" val="1"/>
             </a:ext>
           </a:extLst>
         </p:spPr>
@@ -8763,10 +8763,10 @@
       </p:grpSpPr>
       <p:sp>
         <p:nvSpPr>
-          <p:cNvPr id="3" name="Text Placeholder 2">
+          <p:cNvPr id="9" name="Text Placeholder 8">
             <a:extLst>
               <a:ext uri="{FF2B5EF4-FFF2-40B4-BE49-F238E27FC236}">
-                <a16:creationId xmlns:a16="http://schemas.microsoft.com/office/drawing/2014/main" id="{655EE307-D306-4EA6-8603-95825EF385A8}"/>
+                <a16:creationId xmlns:a16="http://schemas.microsoft.com/office/drawing/2014/main" id="{33F9553C-F408-4C2A-9924-15954C3989B8}"/>
               </a:ext>
             </a:extLst>
           </p:cNvPr>
@@ -8783,22 +8783,54 @@
           <a:lstStyle/>
           <a:p>
             <a:r>
-              <a:rPr lang="en-US" dirty="0">
-                <a:solidFill>
-                  <a:srgbClr val="00B0F0"/>
-                </a:solidFill>
-              </a:rPr>
-              <a:t>Thomas Nield</a:t>
+              <a:rPr lang="en-US" dirty="0"/>
+              <a:t>Agenda</a:t>
             </a:r>
           </a:p>
         </p:txBody>
       </p:sp>
+      <p:pic>
+        <p:nvPicPr>
+          <p:cNvPr id="14" name="Picture 13">
+            <a:extLst>
+              <a:ext uri="{FF2B5EF4-FFF2-40B4-BE49-F238E27FC236}">
+                <a16:creationId xmlns:a16="http://schemas.microsoft.com/office/drawing/2014/main" id="{2787311F-143F-4386-A982-775ABB9B211E}"/>
+              </a:ext>
+            </a:extLst>
+          </p:cNvPr>
+          <p:cNvPicPr>
+            <a:picLocks noChangeAspect="1"/>
+          </p:cNvPicPr>
+          <p:nvPr/>
+        </p:nvPicPr>
+        <p:blipFill>
+          <a:blip r:embed="rId2">
+            <a:extLst>
+              <a:ext uri="{28A0092B-C50C-407E-A947-70E740481C1C}">
+                <a14:useLocalDpi xmlns:a14="http://schemas.microsoft.com/office/drawing/2010/main" val="0"/>
+              </a:ext>
+            </a:extLst>
+          </a:blip>
+          <a:stretch>
+            <a:fillRect/>
+          </a:stretch>
+        </p:blipFill>
+        <p:spPr>
+          <a:xfrm>
+            <a:off x="15251150" y="3204134"/>
+            <a:ext cx="6058830" cy="6085878"/>
+          </a:xfrm>
+          <a:prstGeom prst="rect">
+            <a:avLst/>
+          </a:prstGeom>
+        </p:spPr>
+      </p:pic>
       <p:sp>
         <p:nvSpPr>
-          <p:cNvPr id="5" name="Shape 79">
+          <p:cNvPr id="7" name="Shape 78">
             <a:extLst>
               <a:ext uri="{FF2B5EF4-FFF2-40B4-BE49-F238E27FC236}">
-                <a16:creationId xmlns:a16="http://schemas.microsoft.com/office/drawing/2014/main" id="{22770D25-22E4-431C-A0F4-D8BF6F6084F6}"/>
+                <a16:creationId xmlns:a16="http://schemas.microsoft.com/office/drawing/2014/main" id="{43DCBBD5-633A-475B-9FA9-0BB660AF05B0}"/>
               </a:ext>
             </a:extLst>
           </p:cNvPr>
@@ -8807,8 +8839,66 @@
         </p:nvSpPr>
         <p:spPr>
           <a:xfrm>
-            <a:off x="1007533" y="3598229"/>
-            <a:ext cx="14057765" cy="9745238"/>
+            <a:off x="1007533" y="2802362"/>
+            <a:ext cx="16412303" cy="1943101"/>
+          </a:xfrm>
+          <a:prstGeom prst="rect">
+            <a:avLst/>
+          </a:prstGeom>
+          <a:ln w="12700">
+            <a:miter lim="400000"/>
+          </a:ln>
+          <a:extLst>
+            <a:ext uri="{C572A759-6A51-4108-AA02-DFA0A04FC94B}">
+              <ma14:wrappingTextBoxFlag xmlns:ma14="http://schemas.microsoft.com/office/mac/drawingml/2011/main" xmlns="" val="1"/>
+            </a:ext>
+          </a:extLst>
+        </p:spPr>
+        <p:txBody>
+          <a:bodyPr lIns="50800" tIns="50800" rIns="50800" bIns="50800">
+            <a:normAutofit/>
+          </a:bodyPr>
+          <a:lstStyle>
+            <a:lvl1pPr algn="l" defTabSz="1219200">
+              <a:lnSpc>
+                <a:spcPct val="90000"/>
+              </a:lnSpc>
+              <a:defRPr sz="7000" spc="0">
+                <a:solidFill>
+                  <a:srgbClr val="25A4F2"/>
+                </a:solidFill>
+                <a:latin typeface="Arial"/>
+                <a:ea typeface="Arial"/>
+                <a:cs typeface="Arial"/>
+                <a:sym typeface="Arial"/>
+              </a:defRPr>
+            </a:lvl1pPr>
+          </a:lstStyle>
+          <a:p>
+            <a:r>
+              <a:rPr lang="en-US" dirty="0"/>
+              <a:t>Kotlin for Data Science</a:t>
+            </a:r>
+            <a:endParaRPr dirty="0"/>
+          </a:p>
+        </p:txBody>
+      </p:sp>
+      <p:sp>
+        <p:nvSpPr>
+          <p:cNvPr id="8" name="Shape 79">
+            <a:extLst>
+              <a:ext uri="{FF2B5EF4-FFF2-40B4-BE49-F238E27FC236}">
+                <a16:creationId xmlns:a16="http://schemas.microsoft.com/office/drawing/2014/main" id="{E02679B5-9473-4F79-AF2F-ADEA324C90F0}"/>
+              </a:ext>
+            </a:extLst>
+          </p:cNvPr>
+          <p:cNvSpPr/>
+          <p:nvPr/>
+        </p:nvSpPr>
+        <p:spPr>
+          <a:xfrm>
+            <a:off x="1007533" y="4698896"/>
+            <a:ext cx="13767833" cy="6987382"/>
           </a:xfrm>
           <a:prstGeom prst="rect">
             <a:avLst/>
@@ -8828,32 +8918,6 @@
           </a:bodyPr>
           <a:lstStyle/>
           <a:p>
-            <a:pPr algn="l" defTabSz="1219200">
-              <a:lnSpc>
-                <a:spcPct val="120000"/>
-              </a:lnSpc>
-              <a:defRPr sz="3000">
-                <a:solidFill>
-                  <a:srgbClr val="211E3A"/>
-                </a:solidFill>
-                <a:latin typeface="Arial"/>
-                <a:ea typeface="Arial"/>
-                <a:cs typeface="Arial"/>
-                <a:sym typeface="Arial"/>
-              </a:defRPr>
-            </a:pPr>
-            <a:r>
-              <a:rPr lang="en-US" sz="4400" b="1" dirty="0">
-                <a:solidFill>
-                  <a:srgbClr val="211E3A"/>
-                </a:solidFill>
-                <a:latin typeface="Arial"/>
-                <a:cs typeface="Arial"/>
-              </a:rPr>
-              <a:t>Business Consultant at Southwest Airlines</a:t>
-            </a:r>
-          </a:p>
-          <a:p>
             <a:pPr marL="457200" indent="-457200" algn="l" defTabSz="1219200">
               <a:lnSpc>
                 <a:spcPct val="120000"/>
@@ -8870,42 +8934,13 @@
                 <a:sym typeface="Arial"/>
               </a:defRPr>
             </a:pPr>
-            <a:endParaRPr lang="en-US" sz="4400" dirty="0">
-              <a:solidFill>
-                <a:srgbClr val="211E3A"/>
-              </a:solidFill>
-              <a:latin typeface="Arial"/>
-              <a:cs typeface="Arial"/>
-            </a:endParaRPr>
-          </a:p>
-          <a:p>
-            <a:pPr algn="l" defTabSz="1219200">
-              <a:lnSpc>
-                <a:spcPct val="120000"/>
-              </a:lnSpc>
-              <a:defRPr sz="3000">
-                <a:solidFill>
-                  <a:srgbClr val="211E3A"/>
-                </a:solidFill>
-                <a:latin typeface="Arial"/>
-                <a:ea typeface="Arial"/>
-                <a:cs typeface="Arial"/>
-                <a:sym typeface="Arial"/>
-              </a:defRPr>
-            </a:pPr>
-            <a:r>
-              <a:rPr lang="en-US" sz="4400" b="1" dirty="0">
-                <a:solidFill>
-                  <a:srgbClr val="211E3A"/>
-                </a:solidFill>
-                <a:latin typeface="Arial"/>
-                <a:cs typeface="Arial"/>
-              </a:rPr>
-              <a:t>Author</a:t>
-            </a:r>
-          </a:p>
-          <a:p>
-            <a:pPr marL="457200" lvl="2" indent="-457200" algn="l" defTabSz="1219200">
+            <a:r>
+              <a:rPr lang="en-US" sz="5400" dirty="0"/>
+              <a:t>What is Data Science?</a:t>
+            </a:r>
+          </a:p>
+          <a:p>
+            <a:pPr marL="457200" indent="-457200" algn="l" defTabSz="1219200">
               <a:lnSpc>
                 <a:spcPct val="120000"/>
               </a:lnSpc>
@@ -8922,34 +8957,8 @@
               </a:defRPr>
             </a:pPr>
             <a:r>
-              <a:rPr lang="en-US" sz="4400" i="1" dirty="0">
-                <a:solidFill>
-                  <a:schemeClr val="tx1"/>
-                </a:solidFill>
-                <a:latin typeface="Arial"/>
-                <a:cs typeface="Arial"/>
-              </a:rPr>
-              <a:t>Getting Started with SQL</a:t>
-            </a:r>
-            <a:r>
-              <a:rPr lang="en-US" sz="4400" b="1" i="1" dirty="0">
-                <a:solidFill>
-                  <a:schemeClr val="tx1"/>
-                </a:solidFill>
-                <a:latin typeface="Arial"/>
-                <a:cs typeface="Arial"/>
-              </a:rPr>
-              <a:t> </a:t>
-            </a:r>
-            <a:r>
-              <a:rPr lang="en-US" sz="4400" dirty="0">
-                <a:solidFill>
-                  <a:srgbClr val="211E3A"/>
-                </a:solidFill>
-                <a:latin typeface="Arial"/>
-                <a:cs typeface="Arial"/>
-              </a:rPr>
-              <a:t>by O'Reilly </a:t>
+              <a:rPr lang="en-US" sz="5400" dirty="0"/>
+              <a:t>Challenges in Data Science</a:t>
             </a:r>
           </a:p>
           <a:p>
@@ -8970,42 +8979,9 @@
               </a:defRPr>
             </a:pPr>
             <a:r>
-              <a:rPr lang="en-US" sz="4400" i="1" dirty="0">
-                <a:solidFill>
-                  <a:schemeClr val="tx1"/>
-                </a:solidFill>
-                <a:latin typeface="Arial"/>
-                <a:cs typeface="Arial"/>
-              </a:rPr>
-              <a:t>Learning RxJava</a:t>
-            </a:r>
-            <a:r>
-              <a:rPr lang="en-US" sz="4400" dirty="0">
-                <a:solidFill>
-                  <a:srgbClr val="211E3A"/>
-                </a:solidFill>
-                <a:latin typeface="Arial"/>
-                <a:cs typeface="Arial"/>
-              </a:rPr>
-              <a:t> by </a:t>
-            </a:r>
-            <a:r>
-              <a:rPr lang="en-US" sz="4400" dirty="0" err="1">
-                <a:solidFill>
-                  <a:srgbClr val="211E3A"/>
-                </a:solidFill>
-                <a:latin typeface="Arial"/>
-                <a:cs typeface="Arial"/>
-              </a:rPr>
-              <a:t>Packt</a:t>
-            </a:r>
-            <a:endParaRPr lang="en-US" sz="4400" dirty="0">
-              <a:solidFill>
-                <a:srgbClr val="211E3A"/>
-              </a:solidFill>
-              <a:latin typeface="Arial"/>
-              <a:cs typeface="Arial"/>
-            </a:endParaRPr>
+              <a:rPr lang="en-US" sz="5400" dirty="0"/>
+              <a:t>Why Kotlin for Data Science?</a:t>
+            </a:r>
           </a:p>
           <a:p>
             <a:pPr marL="457200" indent="-457200" algn="l" defTabSz="1219200">
@@ -9024,38 +9000,9 @@
                 <a:sym typeface="Arial"/>
               </a:defRPr>
             </a:pPr>
-            <a:endParaRPr lang="en-US" sz="4400" dirty="0">
-              <a:solidFill>
-                <a:srgbClr val="211E3A"/>
-              </a:solidFill>
-              <a:latin typeface="Arial"/>
-              <a:cs typeface="Arial"/>
-            </a:endParaRPr>
-          </a:p>
-          <a:p>
-            <a:pPr algn="l" defTabSz="1219200">
-              <a:lnSpc>
-                <a:spcPct val="120000"/>
-              </a:lnSpc>
-              <a:defRPr sz="3000">
-                <a:solidFill>
-                  <a:srgbClr val="211E3A"/>
-                </a:solidFill>
-                <a:latin typeface="Arial"/>
-                <a:ea typeface="Arial"/>
-                <a:cs typeface="Arial"/>
-                <a:sym typeface="Arial"/>
-              </a:defRPr>
-            </a:pPr>
-            <a:r>
-              <a:rPr lang="en-US" sz="4400" b="1" dirty="0">
-                <a:solidFill>
-                  <a:srgbClr val="211E3A"/>
-                </a:solidFill>
-                <a:latin typeface="Arial"/>
-                <a:cs typeface="Arial"/>
-              </a:rPr>
-              <a:t>Trainer and content developer at O’Reilly Media</a:t>
+            <a:r>
+              <a:rPr lang="en-US" sz="5400" dirty="0"/>
+              <a:t>Example Applications</a:t>
             </a:r>
           </a:p>
           <a:p>
@@ -9075,19 +9022,18 @@
                 <a:sym typeface="Arial"/>
               </a:defRPr>
             </a:pPr>
-            <a:endParaRPr lang="en-US" sz="4400" dirty="0">
-              <a:solidFill>
-                <a:srgbClr val="211E3A"/>
-              </a:solidFill>
-              <a:latin typeface="Arial"/>
-              <a:cs typeface="Arial"/>
-            </a:endParaRPr>
-          </a:p>
-          <a:p>
-            <a:pPr algn="l" defTabSz="1219200">
+            <a:r>
+              <a:rPr lang="en-US" sz="5400" dirty="0"/>
+              <a:t>Getting Involved</a:t>
+            </a:r>
+          </a:p>
+          <a:p>
+            <a:pPr marL="457200" indent="-457200" algn="l" defTabSz="1219200">
               <a:lnSpc>
                 <a:spcPct val="120000"/>
               </a:lnSpc>
+              <a:buFont typeface="Arial" panose="020B0604020202020204" pitchFamily="34" charset="0"/>
+              <a:buChar char="•"/>
               <a:defRPr sz="3000">
                 <a:solidFill>
                   <a:srgbClr val="211E3A"/>
@@ -9098,214 +9044,14 @@
                 <a:sym typeface="Arial"/>
               </a:defRPr>
             </a:pPr>
-            <a:r>
-              <a:rPr lang="en-US" sz="4400" b="1" dirty="0">
-                <a:solidFill>
-                  <a:srgbClr val="211E3A"/>
-                </a:solidFill>
-                <a:latin typeface="Arial"/>
-                <a:cs typeface="Arial"/>
-              </a:rPr>
-              <a:t>OSS Maintainer/Contributor</a:t>
-            </a:r>
-          </a:p>
-          <a:p>
-            <a:pPr algn="l" defTabSz="1219200">
-              <a:lnSpc>
-                <a:spcPct val="120000"/>
-              </a:lnSpc>
-              <a:defRPr sz="3000">
-                <a:solidFill>
-                  <a:srgbClr val="211E3A"/>
-                </a:solidFill>
-                <a:latin typeface="Arial"/>
-                <a:ea typeface="Arial"/>
-                <a:cs typeface="Arial"/>
-                <a:sym typeface="Arial"/>
-              </a:defRPr>
-            </a:pPr>
-            <a:r>
-              <a:rPr lang="en-US" sz="4400" dirty="0">
-                <a:solidFill>
-                  <a:srgbClr val="211E3A"/>
-                </a:solidFill>
-                <a:latin typeface="Arial"/>
-                <a:cs typeface="Arial"/>
-              </a:rPr>
-              <a:t>	</a:t>
-            </a:r>
-            <a:r>
-              <a:rPr lang="en-US" sz="4400" dirty="0" err="1">
-                <a:solidFill>
-                  <a:srgbClr val="211E3A"/>
-                </a:solidFill>
-                <a:latin typeface="Arial"/>
-                <a:cs typeface="Arial"/>
-              </a:rPr>
-              <a:t>RxKotlin</a:t>
-            </a:r>
-            <a:r>
-              <a:rPr lang="en-US" sz="4400" dirty="0">
-                <a:solidFill>
-                  <a:srgbClr val="211E3A"/>
-                </a:solidFill>
-                <a:latin typeface="Arial"/>
-                <a:cs typeface="Arial"/>
-              </a:rPr>
-              <a:t>			TornadoFX		RxJavaFX</a:t>
-            </a:r>
-          </a:p>
-          <a:p>
-            <a:pPr algn="l" defTabSz="1219200">
-              <a:lnSpc>
-                <a:spcPct val="120000"/>
-              </a:lnSpc>
-              <a:defRPr sz="3000">
-                <a:solidFill>
-                  <a:srgbClr val="211E3A"/>
-                </a:solidFill>
-                <a:latin typeface="Arial"/>
-                <a:ea typeface="Arial"/>
-                <a:cs typeface="Arial"/>
-                <a:sym typeface="Arial"/>
-              </a:defRPr>
-            </a:pPr>
-            <a:r>
-              <a:rPr lang="en-US" sz="4400" dirty="0">
-                <a:solidFill>
-                  <a:srgbClr val="211E3A"/>
-                </a:solidFill>
-                <a:latin typeface="Arial"/>
-                <a:cs typeface="Arial"/>
-              </a:rPr>
-              <a:t>	Kotlin-Statistics	RxKotlinFX		</a:t>
-            </a:r>
-            <a:r>
-              <a:rPr lang="en-US" sz="4400" dirty="0" err="1">
-                <a:solidFill>
-                  <a:srgbClr val="211E3A"/>
-                </a:solidFill>
-                <a:latin typeface="Arial"/>
-                <a:cs typeface="Arial"/>
-              </a:rPr>
-              <a:t>RxPy</a:t>
-            </a:r>
-            <a:endParaRPr lang="en-US" sz="4400" dirty="0">
-              <a:solidFill>
-                <a:srgbClr val="211E3A"/>
-              </a:solidFill>
-              <a:latin typeface="Arial"/>
-              <a:cs typeface="Arial"/>
-            </a:endParaRPr>
+            <a:endParaRPr sz="5400" dirty="0"/>
           </a:p>
         </p:txBody>
       </p:sp>
-      <p:pic>
-        <p:nvPicPr>
-          <p:cNvPr id="10" name="Picture 9">
-            <a:extLst>
-              <a:ext uri="{FF2B5EF4-FFF2-40B4-BE49-F238E27FC236}">
-                <a16:creationId xmlns:a16="http://schemas.microsoft.com/office/drawing/2014/main" id="{9C478272-1321-417D-B68A-C150A95EF1AA}"/>
-              </a:ext>
-            </a:extLst>
-          </p:cNvPr>
-          <p:cNvPicPr>
-            <a:picLocks noChangeAspect="1"/>
-          </p:cNvPicPr>
-          <p:nvPr/>
-        </p:nvPicPr>
-        <p:blipFill>
-          <a:blip r:embed="rId2"/>
-          <a:stretch>
-            <a:fillRect/>
-          </a:stretch>
-        </p:blipFill>
-        <p:spPr>
-          <a:xfrm>
-            <a:off x="15605323" y="9041236"/>
-            <a:ext cx="6954314" cy="2139789"/>
-          </a:xfrm>
-          <a:prstGeom prst="rect">
-            <a:avLst/>
-          </a:prstGeom>
-        </p:spPr>
-      </p:pic>
-      <p:pic>
-        <p:nvPicPr>
-          <p:cNvPr id="7" name="Picture 6" descr="A picture containing book, text, animal, frog&#10;&#10;Description generated with high confidence">
-            <a:extLst>
-              <a:ext uri="{FF2B5EF4-FFF2-40B4-BE49-F238E27FC236}">
-                <a16:creationId xmlns:a16="http://schemas.microsoft.com/office/drawing/2014/main" id="{A3BF286B-4AA7-44CD-B9B8-ECC1A348F8EC}"/>
-              </a:ext>
-            </a:extLst>
-          </p:cNvPr>
-          <p:cNvPicPr>
-            <a:picLocks noChangeAspect="1"/>
-          </p:cNvPicPr>
-          <p:nvPr/>
-        </p:nvPicPr>
-        <p:blipFill>
-          <a:blip r:embed="rId3">
-            <a:extLst>
-              <a:ext uri="{28A0092B-C50C-407E-A947-70E740481C1C}">
-                <a14:useLocalDpi xmlns:a14="http://schemas.microsoft.com/office/drawing/2010/main" val="0"/>
-              </a:ext>
-            </a:extLst>
-          </a:blip>
-          <a:stretch>
-            <a:fillRect/>
-          </a:stretch>
-        </p:blipFill>
-        <p:spPr>
-          <a:xfrm>
-            <a:off x="15605323" y="3598229"/>
-            <a:ext cx="3629025" cy="4752975"/>
-          </a:xfrm>
-          <a:prstGeom prst="rect">
-            <a:avLst/>
-          </a:prstGeom>
-        </p:spPr>
-      </p:pic>
-      <p:pic>
-        <p:nvPicPr>
-          <p:cNvPr id="9" name="Picture 8" descr="A close up of a sign&#10;&#10;Description generated with high confidence">
-            <a:extLst>
-              <a:ext uri="{FF2B5EF4-FFF2-40B4-BE49-F238E27FC236}">
-                <a16:creationId xmlns:a16="http://schemas.microsoft.com/office/drawing/2014/main" id="{79ADE127-D78B-45C4-BF5F-ECADB42D07B7}"/>
-              </a:ext>
-            </a:extLst>
-          </p:cNvPr>
-          <p:cNvPicPr>
-            <a:picLocks noChangeAspect="1"/>
-          </p:cNvPicPr>
-          <p:nvPr/>
-        </p:nvPicPr>
-        <p:blipFill>
-          <a:blip r:embed="rId4">
-            <a:extLst>
-              <a:ext uri="{28A0092B-C50C-407E-A947-70E740481C1C}">
-                <a14:useLocalDpi xmlns:a14="http://schemas.microsoft.com/office/drawing/2010/main" val="0"/>
-              </a:ext>
-            </a:extLst>
-          </a:blip>
-          <a:stretch>
-            <a:fillRect/>
-          </a:stretch>
-        </p:blipFill>
-        <p:spPr>
-          <a:xfrm>
-            <a:off x="19425985" y="3598229"/>
-            <a:ext cx="4304371" cy="4702098"/>
-          </a:xfrm>
-          <a:prstGeom prst="rect">
-            <a:avLst/>
-          </a:prstGeom>
-        </p:spPr>
-      </p:pic>
     </p:spTree>
     <p:extLst>
       <p:ext uri="{BB962C8B-B14F-4D97-AF65-F5344CB8AC3E}">
-        <p14:creationId xmlns:p14="http://schemas.microsoft.com/office/powerpoint/2010/main" val="1113809518"/>
+        <p14:creationId xmlns:p14="http://schemas.microsoft.com/office/powerpoint/2010/main" val="3143134551"/>
       </p:ext>
     </p:extLst>
   </p:cSld>
@@ -9358,7 +9104,7 @@
           </a:ln>
           <a:extLst>
             <a:ext uri="{C572A759-6A51-4108-AA02-DFA0A04FC94B}">
-              <ma14:wrappingTextBoxFlag xmlns="" xmlns:ma14="http://schemas.microsoft.com/office/mac/drawingml/2011/main" val="1"/>
+              <ma14:wrappingTextBoxFlag xmlns:ma14="http://schemas.microsoft.com/office/mac/drawingml/2011/main" xmlns="" val="1"/>
             </a:ext>
           </a:extLst>
         </p:spPr>
@@ -9779,7 +9525,7 @@
           </a:ln>
           <a:extLst>
             <a:ext uri="{C572A759-6A51-4108-AA02-DFA0A04FC94B}">
-              <ma14:wrappingTextBoxFlag xmlns:ma14="http://schemas.microsoft.com/office/mac/drawingml/2011/main" xmlns="" val="1"/>
+              <ma14:wrappingTextBoxFlag xmlns="" xmlns:ma14="http://schemas.microsoft.com/office/mac/drawingml/2011/main" val="1"/>
             </a:ext>
           </a:extLst>
         </p:spPr>
@@ -10278,7 +10024,7 @@
           </a:ln>
           <a:extLst>
             <a:ext uri="{C572A759-6A51-4108-AA02-DFA0A04FC94B}">
-              <ma14:wrappingTextBoxFlag xmlns:ma14="http://schemas.microsoft.com/office/mac/drawingml/2011/main" xmlns="" val="1"/>
+              <ma14:wrappingTextBoxFlag xmlns="" xmlns:ma14="http://schemas.microsoft.com/office/mac/drawingml/2011/main" val="1"/>
             </a:ext>
           </a:extLst>
         </p:spPr>
@@ -10418,7 +10164,7 @@
           </a:ln>
           <a:extLst>
             <a:ext uri="{C572A759-6A51-4108-AA02-DFA0A04FC94B}">
-              <ma14:wrappingTextBoxFlag xmlns:ma14="http://schemas.microsoft.com/office/mac/drawingml/2011/main" xmlns="" val="1"/>
+              <ma14:wrappingTextBoxFlag xmlns="" xmlns:ma14="http://schemas.microsoft.com/office/mac/drawingml/2011/main" val="1"/>
             </a:ext>
           </a:extLst>
         </p:spPr>
@@ -10476,7 +10222,7 @@
           </a:ln>
           <a:extLst>
             <a:ext uri="{C572A759-6A51-4108-AA02-DFA0A04FC94B}">
-              <ma14:wrappingTextBoxFlag xmlns:ma14="http://schemas.microsoft.com/office/mac/drawingml/2011/main" xmlns="" val="1"/>
+              <ma14:wrappingTextBoxFlag xmlns="" xmlns:ma14="http://schemas.microsoft.com/office/mac/drawingml/2011/main" val="1"/>
             </a:ext>
           </a:extLst>
         </p:spPr>
@@ -10869,7 +10615,7 @@
           </a:ln>
           <a:extLst>
             <a:ext uri="{C572A759-6A51-4108-AA02-DFA0A04FC94B}">
-              <ma14:wrappingTextBoxFlag xmlns="" xmlns:ma14="http://schemas.microsoft.com/office/mac/drawingml/2011/main" val="1"/>
+              <ma14:wrappingTextBoxFlag xmlns:ma14="http://schemas.microsoft.com/office/mac/drawingml/2011/main" xmlns="" val="1"/>
             </a:ext>
           </a:extLst>
         </p:spPr>
@@ -10997,7 +10743,7 @@
           </a:ln>
           <a:extLst>
             <a:ext uri="{C572A759-6A51-4108-AA02-DFA0A04FC94B}">
-              <ma14:wrappingTextBoxFlag xmlns:ma14="http://schemas.microsoft.com/office/mac/drawingml/2011/main" xmlns="" val="1"/>
+              <ma14:wrappingTextBoxFlag xmlns="" xmlns:ma14="http://schemas.microsoft.com/office/mac/drawingml/2011/main" val="1"/>
             </a:ext>
           </a:extLst>
         </p:spPr>
@@ -11276,7 +11022,7 @@
           </a:ln>
           <a:extLst>
             <a:ext uri="{C572A759-6A51-4108-AA02-DFA0A04FC94B}">
-              <ma14:wrappingTextBoxFlag xmlns="" xmlns:ma14="http://schemas.microsoft.com/office/mac/drawingml/2011/main" val="1"/>
+              <ma14:wrappingTextBoxFlag xmlns:ma14="http://schemas.microsoft.com/office/mac/drawingml/2011/main" xmlns="" val="1"/>
             </a:ext>
           </a:extLst>
         </p:spPr>
@@ -11481,7 +11227,7 @@
           </a:ln>
           <a:extLst>
             <a:ext uri="{C572A759-6A51-4108-AA02-DFA0A04FC94B}">
-              <ma14:wrappingTextBoxFlag xmlns="" xmlns:ma14="http://schemas.microsoft.com/office/mac/drawingml/2011/main" val="1"/>
+              <ma14:wrappingTextBoxFlag xmlns:ma14="http://schemas.microsoft.com/office/mac/drawingml/2011/main" xmlns="" val="1"/>
             </a:ext>
           </a:extLst>
         </p:spPr>
@@ -11785,7 +11531,7 @@
           </a:ln>
           <a:extLst>
             <a:ext uri="{C572A759-6A51-4108-AA02-DFA0A04FC94B}">
-              <ma14:wrappingTextBoxFlag xmlns:ma14="http://schemas.microsoft.com/office/mac/drawingml/2011/main" xmlns="" val="1"/>
+              <ma14:wrappingTextBoxFlag xmlns="" xmlns:ma14="http://schemas.microsoft.com/office/mac/drawingml/2011/main" val="1"/>
             </a:ext>
           </a:extLst>
         </p:spPr>
@@ -12219,7 +11965,7 @@
           </a:ln>
           <a:extLst>
             <a:ext uri="{C572A759-6A51-4108-AA02-DFA0A04FC94B}">
-              <ma14:wrappingTextBoxFlag xmlns="" xmlns:ma14="http://schemas.microsoft.com/office/mac/drawingml/2011/main" val="1"/>
+              <ma14:wrappingTextBoxFlag xmlns:ma14="http://schemas.microsoft.com/office/mac/drawingml/2011/main" xmlns="" val="1"/>
             </a:ext>
           </a:extLst>
         </p:spPr>
@@ -12376,7 +12122,7 @@
           </a:ln>
           <a:extLst>
             <a:ext uri="{C572A759-6A51-4108-AA02-DFA0A04FC94B}">
-              <ma14:wrappingTextBoxFlag xmlns="" xmlns:ma14="http://schemas.microsoft.com/office/mac/drawingml/2011/main" val="1"/>
+              <ma14:wrappingTextBoxFlag xmlns:ma14="http://schemas.microsoft.com/office/mac/drawingml/2011/main" xmlns="" val="1"/>
             </a:ext>
           </a:extLst>
         </p:spPr>
@@ -12680,7 +12426,7 @@
           </a:ln>
           <a:extLst>
             <a:ext uri="{C572A759-6A51-4108-AA02-DFA0A04FC94B}">
-              <ma14:wrappingTextBoxFlag xmlns:ma14="http://schemas.microsoft.com/office/mac/drawingml/2011/main" xmlns="" val="1"/>
+              <ma14:wrappingTextBoxFlag xmlns="" xmlns:ma14="http://schemas.microsoft.com/office/mac/drawingml/2011/main" val="1"/>
             </a:ext>
           </a:extLst>
         </p:spPr>
@@ -12990,7 +12736,7 @@
           </a:ln>
           <a:extLst>
             <a:ext uri="{C572A759-6A51-4108-AA02-DFA0A04FC94B}">
-              <ma14:wrappingTextBoxFlag xmlns="" xmlns:ma14="http://schemas.microsoft.com/office/mac/drawingml/2011/main" val="1"/>
+              <ma14:wrappingTextBoxFlag xmlns:ma14="http://schemas.microsoft.com/office/mac/drawingml/2011/main" xmlns="" val="1"/>
             </a:ext>
           </a:extLst>
         </p:spPr>
@@ -13148,7 +12894,7 @@
           </a:ln>
           <a:extLst>
             <a:ext uri="{C572A759-6A51-4108-AA02-DFA0A04FC94B}">
-              <ma14:wrappingTextBoxFlag xmlns="" xmlns:ma14="http://schemas.microsoft.com/office/mac/drawingml/2011/main" val="1"/>
+              <ma14:wrappingTextBoxFlag xmlns:ma14="http://schemas.microsoft.com/office/mac/drawingml/2011/main" xmlns="" val="1"/>
             </a:ext>
           </a:extLst>
         </p:spPr>
@@ -13452,7 +13198,7 @@
           </a:ln>
           <a:extLst>
             <a:ext uri="{C572A759-6A51-4108-AA02-DFA0A04FC94B}">
-              <ma14:wrappingTextBoxFlag xmlns:ma14="http://schemas.microsoft.com/office/mac/drawingml/2011/main" xmlns="" val="1"/>
+              <ma14:wrappingTextBoxFlag xmlns="" xmlns:ma14="http://schemas.microsoft.com/office/mac/drawingml/2011/main" val="1"/>
             </a:ext>
           </a:extLst>
         </p:spPr>
@@ -13799,7 +13545,7 @@
           </a:ln>
           <a:extLst>
             <a:ext uri="{C572A759-6A51-4108-AA02-DFA0A04FC94B}">
-              <ma14:wrappingTextBoxFlag xmlns="" xmlns:ma14="http://schemas.microsoft.com/office/mac/drawingml/2011/main" val="1"/>
+              <ma14:wrappingTextBoxFlag xmlns:ma14="http://schemas.microsoft.com/office/mac/drawingml/2011/main" xmlns="" val="1"/>
             </a:ext>
           </a:extLst>
         </p:spPr>
@@ -14350,7 +14096,7 @@
           </a:ln>
           <a:extLst>
             <a:ext uri="{C572A759-6A51-4108-AA02-DFA0A04FC94B}">
-              <ma14:wrappingTextBoxFlag xmlns:ma14="http://schemas.microsoft.com/office/mac/drawingml/2011/main" xmlns="" val="1"/>
+              <ma14:wrappingTextBoxFlag xmlns="" xmlns:ma14="http://schemas.microsoft.com/office/mac/drawingml/2011/main" val="1"/>
             </a:ext>
           </a:extLst>
         </p:spPr>
@@ -14722,7 +14468,7 @@
           </a:ln>
           <a:extLst>
             <a:ext uri="{C572A759-6A51-4108-AA02-DFA0A04FC94B}">
-              <ma14:wrappingTextBoxFlag xmlns="" xmlns:ma14="http://schemas.microsoft.com/office/mac/drawingml/2011/main" val="1"/>
+              <ma14:wrappingTextBoxFlag xmlns:ma14="http://schemas.microsoft.com/office/mac/drawingml/2011/main" xmlns="" val="1"/>
             </a:ext>
           </a:extLst>
         </p:spPr>
@@ -15391,7 +15137,7 @@
           </a:ln>
           <a:extLst>
             <a:ext uri="{C572A759-6A51-4108-AA02-DFA0A04FC94B}">
-              <ma14:wrappingTextBoxFlag xmlns:ma14="http://schemas.microsoft.com/office/mac/drawingml/2011/main" xmlns="" val="1"/>
+              <ma14:wrappingTextBoxFlag xmlns="" xmlns:ma14="http://schemas.microsoft.com/office/mac/drawingml/2011/main" val="1"/>
             </a:ext>
           </a:extLst>
         </p:spPr>
@@ -15974,7 +15720,7 @@
           </a:ln>
           <a:extLst>
             <a:ext uri="{C572A759-6A51-4108-AA02-DFA0A04FC94B}">
-              <ma14:wrappingTextBoxFlag xmlns:ma14="http://schemas.microsoft.com/office/mac/drawingml/2011/main" xmlns="" val="1"/>
+              <ma14:wrappingTextBoxFlag xmlns="" xmlns:ma14="http://schemas.microsoft.com/office/mac/drawingml/2011/main" val="1"/>
             </a:ext>
           </a:extLst>
         </p:spPr>
@@ -16032,7 +15778,7 @@
           </a:ln>
           <a:extLst>
             <a:ext uri="{C572A759-6A51-4108-AA02-DFA0A04FC94B}">
-              <ma14:wrappingTextBoxFlag xmlns="" xmlns:ma14="http://schemas.microsoft.com/office/mac/drawingml/2011/main" val="1"/>
+              <ma14:wrappingTextBoxFlag xmlns:ma14="http://schemas.microsoft.com/office/mac/drawingml/2011/main" xmlns="" val="1"/>
             </a:ext>
           </a:extLst>
         </p:spPr>
@@ -16666,10 +16412,10 @@
       </p:grpSpPr>
       <p:sp>
         <p:nvSpPr>
-          <p:cNvPr id="9" name="Text Placeholder 8">
+          <p:cNvPr id="3" name="Text Placeholder 2">
             <a:extLst>
               <a:ext uri="{FF2B5EF4-FFF2-40B4-BE49-F238E27FC236}">
-                <a16:creationId xmlns:a16="http://schemas.microsoft.com/office/drawing/2014/main" id="{33F9553C-F408-4C2A-9924-15954C3989B8}"/>
+                <a16:creationId xmlns:a16="http://schemas.microsoft.com/office/drawing/2014/main" id="{655EE307-D306-4EA6-8603-95825EF385A8}"/>
               </a:ext>
             </a:extLst>
           </p:cNvPr>
@@ -16686,54 +16432,22 @@
           <a:lstStyle/>
           <a:p>
             <a:r>
-              <a:rPr lang="en-US" dirty="0"/>
-              <a:t>Agenda</a:t>
+              <a:rPr lang="en-US" dirty="0">
+                <a:solidFill>
+                  <a:srgbClr val="00B0F0"/>
+                </a:solidFill>
+              </a:rPr>
+              <a:t>Thomas Nield</a:t>
             </a:r>
           </a:p>
         </p:txBody>
       </p:sp>
-      <p:pic>
-        <p:nvPicPr>
-          <p:cNvPr id="14" name="Picture 13">
+      <p:sp>
+        <p:nvSpPr>
+          <p:cNvPr id="5" name="Shape 79">
             <a:extLst>
               <a:ext uri="{FF2B5EF4-FFF2-40B4-BE49-F238E27FC236}">
-                <a16:creationId xmlns:a16="http://schemas.microsoft.com/office/drawing/2014/main" id="{2787311F-143F-4386-A982-775ABB9B211E}"/>
-              </a:ext>
-            </a:extLst>
-          </p:cNvPr>
-          <p:cNvPicPr>
-            <a:picLocks noChangeAspect="1"/>
-          </p:cNvPicPr>
-          <p:nvPr/>
-        </p:nvPicPr>
-        <p:blipFill>
-          <a:blip r:embed="rId2">
-            <a:extLst>
-              <a:ext uri="{28A0092B-C50C-407E-A947-70E740481C1C}">
-                <a14:useLocalDpi xmlns:a14="http://schemas.microsoft.com/office/drawing/2010/main" val="0"/>
-              </a:ext>
-            </a:extLst>
-          </a:blip>
-          <a:stretch>
-            <a:fillRect/>
-          </a:stretch>
-        </p:blipFill>
-        <p:spPr>
-          <a:xfrm>
-            <a:off x="15251150" y="3204134"/>
-            <a:ext cx="6058830" cy="6085878"/>
-          </a:xfrm>
-          <a:prstGeom prst="rect">
-            <a:avLst/>
-          </a:prstGeom>
-        </p:spPr>
-      </p:pic>
-      <p:sp>
-        <p:nvSpPr>
-          <p:cNvPr id="7" name="Shape 78">
-            <a:extLst>
-              <a:ext uri="{FF2B5EF4-FFF2-40B4-BE49-F238E27FC236}">
-                <a16:creationId xmlns:a16="http://schemas.microsoft.com/office/drawing/2014/main" id="{43DCBBD5-633A-475B-9FA9-0BB660AF05B0}"/>
+                <a16:creationId xmlns:a16="http://schemas.microsoft.com/office/drawing/2014/main" id="{22770D25-22E4-431C-A0F4-D8BF6F6084F6}"/>
               </a:ext>
             </a:extLst>
           </p:cNvPr>
@@ -16742,66 +16456,8 @@
         </p:nvSpPr>
         <p:spPr>
           <a:xfrm>
-            <a:off x="1007533" y="2802362"/>
-            <a:ext cx="16412303" cy="1943101"/>
-          </a:xfrm>
-          <a:prstGeom prst="rect">
-            <a:avLst/>
-          </a:prstGeom>
-          <a:ln w="12700">
-            <a:miter lim="400000"/>
-          </a:ln>
-          <a:extLst>
-            <a:ext uri="{C572A759-6A51-4108-AA02-DFA0A04FC94B}">
-              <ma14:wrappingTextBoxFlag xmlns="" xmlns:ma14="http://schemas.microsoft.com/office/mac/drawingml/2011/main" val="1"/>
-            </a:ext>
-          </a:extLst>
-        </p:spPr>
-        <p:txBody>
-          <a:bodyPr lIns="50800" tIns="50800" rIns="50800" bIns="50800">
-            <a:normAutofit/>
-          </a:bodyPr>
-          <a:lstStyle>
-            <a:lvl1pPr algn="l" defTabSz="1219200">
-              <a:lnSpc>
-                <a:spcPct val="90000"/>
-              </a:lnSpc>
-              <a:defRPr sz="7000" spc="0">
-                <a:solidFill>
-                  <a:srgbClr val="25A4F2"/>
-                </a:solidFill>
-                <a:latin typeface="Arial"/>
-                <a:ea typeface="Arial"/>
-                <a:cs typeface="Arial"/>
-                <a:sym typeface="Arial"/>
-              </a:defRPr>
-            </a:lvl1pPr>
-          </a:lstStyle>
-          <a:p>
-            <a:r>
-              <a:rPr lang="en-US" dirty="0"/>
-              <a:t>Kotlin for Data Science</a:t>
-            </a:r>
-            <a:endParaRPr dirty="0"/>
-          </a:p>
-        </p:txBody>
-      </p:sp>
-      <p:sp>
-        <p:nvSpPr>
-          <p:cNvPr id="8" name="Shape 79">
-            <a:extLst>
-              <a:ext uri="{FF2B5EF4-FFF2-40B4-BE49-F238E27FC236}">
-                <a16:creationId xmlns:a16="http://schemas.microsoft.com/office/drawing/2014/main" id="{E02679B5-9473-4F79-AF2F-ADEA324C90F0}"/>
-              </a:ext>
-            </a:extLst>
-          </p:cNvPr>
-          <p:cNvSpPr/>
-          <p:nvPr/>
-        </p:nvSpPr>
-        <p:spPr>
-          <a:xfrm>
-            <a:off x="1007533" y="4698896"/>
-            <a:ext cx="13767833" cy="6987382"/>
+            <a:off x="1007533" y="3598229"/>
+            <a:ext cx="14057765" cy="9745238"/>
           </a:xfrm>
           <a:prstGeom prst="rect">
             <a:avLst/>
@@ -16821,6 +16477,32 @@
           </a:bodyPr>
           <a:lstStyle/>
           <a:p>
+            <a:pPr algn="l" defTabSz="1219200">
+              <a:lnSpc>
+                <a:spcPct val="120000"/>
+              </a:lnSpc>
+              <a:defRPr sz="3000">
+                <a:solidFill>
+                  <a:srgbClr val="211E3A"/>
+                </a:solidFill>
+                <a:latin typeface="Arial"/>
+                <a:ea typeface="Arial"/>
+                <a:cs typeface="Arial"/>
+                <a:sym typeface="Arial"/>
+              </a:defRPr>
+            </a:pPr>
+            <a:r>
+              <a:rPr lang="en-US" sz="4400" b="1" dirty="0">
+                <a:solidFill>
+                  <a:srgbClr val="211E3A"/>
+                </a:solidFill>
+                <a:latin typeface="Arial"/>
+                <a:cs typeface="Arial"/>
+              </a:rPr>
+              <a:t>Business Consultant at Southwest Airlines</a:t>
+            </a:r>
+          </a:p>
+          <a:p>
             <a:pPr marL="457200" indent="-457200" algn="l" defTabSz="1219200">
               <a:lnSpc>
                 <a:spcPct val="120000"/>
@@ -16837,13 +16519,42 @@
                 <a:sym typeface="Arial"/>
               </a:defRPr>
             </a:pPr>
-            <a:r>
-              <a:rPr lang="en-US" sz="5400" dirty="0"/>
-              <a:t>What is Data Science?</a:t>
-            </a:r>
-          </a:p>
-          <a:p>
-            <a:pPr marL="457200" indent="-457200" algn="l" defTabSz="1219200">
+            <a:endParaRPr lang="en-US" sz="4400" dirty="0">
+              <a:solidFill>
+                <a:srgbClr val="211E3A"/>
+              </a:solidFill>
+              <a:latin typeface="Arial"/>
+              <a:cs typeface="Arial"/>
+            </a:endParaRPr>
+          </a:p>
+          <a:p>
+            <a:pPr algn="l" defTabSz="1219200">
+              <a:lnSpc>
+                <a:spcPct val="120000"/>
+              </a:lnSpc>
+              <a:defRPr sz="3000">
+                <a:solidFill>
+                  <a:srgbClr val="211E3A"/>
+                </a:solidFill>
+                <a:latin typeface="Arial"/>
+                <a:ea typeface="Arial"/>
+                <a:cs typeface="Arial"/>
+                <a:sym typeface="Arial"/>
+              </a:defRPr>
+            </a:pPr>
+            <a:r>
+              <a:rPr lang="en-US" sz="4400" b="1" dirty="0">
+                <a:solidFill>
+                  <a:srgbClr val="211E3A"/>
+                </a:solidFill>
+                <a:latin typeface="Arial"/>
+                <a:cs typeface="Arial"/>
+              </a:rPr>
+              <a:t>Author</a:t>
+            </a:r>
+          </a:p>
+          <a:p>
+            <a:pPr marL="457200" lvl="2" indent="-457200" algn="l" defTabSz="1219200">
               <a:lnSpc>
                 <a:spcPct val="120000"/>
               </a:lnSpc>
@@ -16860,8 +16571,34 @@
               </a:defRPr>
             </a:pPr>
             <a:r>
-              <a:rPr lang="en-US" sz="5400" dirty="0"/>
-              <a:t>Challenges in Data Science</a:t>
+              <a:rPr lang="en-US" sz="4400" i="1" dirty="0">
+                <a:solidFill>
+                  <a:schemeClr val="tx1"/>
+                </a:solidFill>
+                <a:latin typeface="Arial"/>
+                <a:cs typeface="Arial"/>
+              </a:rPr>
+              <a:t>Getting Started with SQL</a:t>
+            </a:r>
+            <a:r>
+              <a:rPr lang="en-US" sz="4400" b="1" i="1" dirty="0">
+                <a:solidFill>
+                  <a:schemeClr val="tx1"/>
+                </a:solidFill>
+                <a:latin typeface="Arial"/>
+                <a:cs typeface="Arial"/>
+              </a:rPr>
+              <a:t> </a:t>
+            </a:r>
+            <a:r>
+              <a:rPr lang="en-US" sz="4400" dirty="0">
+                <a:solidFill>
+                  <a:srgbClr val="211E3A"/>
+                </a:solidFill>
+                <a:latin typeface="Arial"/>
+                <a:cs typeface="Arial"/>
+              </a:rPr>
+              <a:t>by O'Reilly </a:t>
             </a:r>
           </a:p>
           <a:p>
@@ -16882,9 +16619,42 @@
               </a:defRPr>
             </a:pPr>
             <a:r>
-              <a:rPr lang="en-US" sz="5400" dirty="0"/>
-              <a:t>Why Kotlin for Data Science?</a:t>
-            </a:r>
+              <a:rPr lang="en-US" sz="4400" i="1" dirty="0">
+                <a:solidFill>
+                  <a:schemeClr val="tx1"/>
+                </a:solidFill>
+                <a:latin typeface="Arial"/>
+                <a:cs typeface="Arial"/>
+              </a:rPr>
+              <a:t>Learning RxJava</a:t>
+            </a:r>
+            <a:r>
+              <a:rPr lang="en-US" sz="4400" dirty="0">
+                <a:solidFill>
+                  <a:srgbClr val="211E3A"/>
+                </a:solidFill>
+                <a:latin typeface="Arial"/>
+                <a:cs typeface="Arial"/>
+              </a:rPr>
+              <a:t> by </a:t>
+            </a:r>
+            <a:r>
+              <a:rPr lang="en-US" sz="4400" dirty="0" err="1">
+                <a:solidFill>
+                  <a:srgbClr val="211E3A"/>
+                </a:solidFill>
+                <a:latin typeface="Arial"/>
+                <a:cs typeface="Arial"/>
+              </a:rPr>
+              <a:t>Packt</a:t>
+            </a:r>
+            <a:endParaRPr lang="en-US" sz="4400" dirty="0">
+              <a:solidFill>
+                <a:srgbClr val="211E3A"/>
+              </a:solidFill>
+              <a:latin typeface="Arial"/>
+              <a:cs typeface="Arial"/>
+            </a:endParaRPr>
           </a:p>
           <a:p>
             <a:pPr marL="457200" indent="-457200" algn="l" defTabSz="1219200">
@@ -16903,9 +16673,38 @@
                 <a:sym typeface="Arial"/>
               </a:defRPr>
             </a:pPr>
-            <a:r>
-              <a:rPr lang="en-US" sz="5400" dirty="0"/>
-              <a:t>Example Applications</a:t>
+            <a:endParaRPr lang="en-US" sz="4400" dirty="0">
+              <a:solidFill>
+                <a:srgbClr val="211E3A"/>
+              </a:solidFill>
+              <a:latin typeface="Arial"/>
+              <a:cs typeface="Arial"/>
+            </a:endParaRPr>
+          </a:p>
+          <a:p>
+            <a:pPr algn="l" defTabSz="1219200">
+              <a:lnSpc>
+                <a:spcPct val="120000"/>
+              </a:lnSpc>
+              <a:defRPr sz="3000">
+                <a:solidFill>
+                  <a:srgbClr val="211E3A"/>
+                </a:solidFill>
+                <a:latin typeface="Arial"/>
+                <a:ea typeface="Arial"/>
+                <a:cs typeface="Arial"/>
+                <a:sym typeface="Arial"/>
+              </a:defRPr>
+            </a:pPr>
+            <a:r>
+              <a:rPr lang="en-US" sz="4400" b="1" dirty="0">
+                <a:solidFill>
+                  <a:srgbClr val="211E3A"/>
+                </a:solidFill>
+                <a:latin typeface="Arial"/>
+                <a:cs typeface="Arial"/>
+              </a:rPr>
+              <a:t>Trainer and content developer at O’Reilly Media</a:t>
             </a:r>
           </a:p>
           <a:p>
@@ -16925,18 +16724,19 @@
                 <a:sym typeface="Arial"/>
               </a:defRPr>
             </a:pPr>
-            <a:r>
-              <a:rPr lang="en-US" sz="5400" dirty="0"/>
-              <a:t>Getting Involved</a:t>
-            </a:r>
-          </a:p>
-          <a:p>
-            <a:pPr marL="457200" indent="-457200" algn="l" defTabSz="1219200">
+            <a:endParaRPr lang="en-US" sz="4400" dirty="0">
+              <a:solidFill>
+                <a:srgbClr val="211E3A"/>
+              </a:solidFill>
+              <a:latin typeface="Arial"/>
+              <a:cs typeface="Arial"/>
+            </a:endParaRPr>
+          </a:p>
+          <a:p>
+            <a:pPr algn="l" defTabSz="1219200">
               <a:lnSpc>
                 <a:spcPct val="120000"/>
               </a:lnSpc>
-              <a:buFont typeface="Arial" panose="020B0604020202020204" pitchFamily="34" charset="0"/>
-              <a:buChar char="•"/>
               <a:defRPr sz="3000">
                 <a:solidFill>
                   <a:srgbClr val="211E3A"/>
@@ -16947,14 +16747,214 @@
                 <a:sym typeface="Arial"/>
               </a:defRPr>
             </a:pPr>
-            <a:endParaRPr sz="5400" dirty="0"/>
+            <a:r>
+              <a:rPr lang="en-US" sz="4400" b="1" dirty="0">
+                <a:solidFill>
+                  <a:srgbClr val="211E3A"/>
+                </a:solidFill>
+                <a:latin typeface="Arial"/>
+                <a:cs typeface="Arial"/>
+              </a:rPr>
+              <a:t>OSS Maintainer/Collaborator</a:t>
+            </a:r>
+          </a:p>
+          <a:p>
+            <a:pPr algn="l" defTabSz="1219200">
+              <a:lnSpc>
+                <a:spcPct val="120000"/>
+              </a:lnSpc>
+              <a:defRPr sz="3000">
+                <a:solidFill>
+                  <a:srgbClr val="211E3A"/>
+                </a:solidFill>
+                <a:latin typeface="Arial"/>
+                <a:ea typeface="Arial"/>
+                <a:cs typeface="Arial"/>
+                <a:sym typeface="Arial"/>
+              </a:defRPr>
+            </a:pPr>
+            <a:r>
+              <a:rPr lang="en-US" sz="4400" dirty="0">
+                <a:solidFill>
+                  <a:srgbClr val="211E3A"/>
+                </a:solidFill>
+                <a:latin typeface="Arial"/>
+                <a:cs typeface="Arial"/>
+              </a:rPr>
+              <a:t>	</a:t>
+            </a:r>
+            <a:r>
+              <a:rPr lang="en-US" sz="4400" dirty="0" err="1">
+                <a:solidFill>
+                  <a:srgbClr val="211E3A"/>
+                </a:solidFill>
+                <a:latin typeface="Arial"/>
+                <a:cs typeface="Arial"/>
+              </a:rPr>
+              <a:t>RxKotlin</a:t>
+            </a:r>
+            <a:r>
+              <a:rPr lang="en-US" sz="4400" dirty="0">
+                <a:solidFill>
+                  <a:srgbClr val="211E3A"/>
+                </a:solidFill>
+                <a:latin typeface="Arial"/>
+                <a:cs typeface="Arial"/>
+              </a:rPr>
+              <a:t>			TornadoFX		RxJavaFX</a:t>
+            </a:r>
+          </a:p>
+          <a:p>
+            <a:pPr algn="l" defTabSz="1219200">
+              <a:lnSpc>
+                <a:spcPct val="120000"/>
+              </a:lnSpc>
+              <a:defRPr sz="3000">
+                <a:solidFill>
+                  <a:srgbClr val="211E3A"/>
+                </a:solidFill>
+                <a:latin typeface="Arial"/>
+                <a:ea typeface="Arial"/>
+                <a:cs typeface="Arial"/>
+                <a:sym typeface="Arial"/>
+              </a:defRPr>
+            </a:pPr>
+            <a:r>
+              <a:rPr lang="en-US" sz="4400" dirty="0">
+                <a:solidFill>
+                  <a:srgbClr val="211E3A"/>
+                </a:solidFill>
+                <a:latin typeface="Arial"/>
+                <a:cs typeface="Arial"/>
+              </a:rPr>
+              <a:t>	Kotlin-Statistics	RxKotlinFX		</a:t>
+            </a:r>
+            <a:r>
+              <a:rPr lang="en-US" sz="4400" dirty="0" err="1">
+                <a:solidFill>
+                  <a:srgbClr val="211E3A"/>
+                </a:solidFill>
+                <a:latin typeface="Arial"/>
+                <a:cs typeface="Arial"/>
+              </a:rPr>
+              <a:t>RxPy</a:t>
+            </a:r>
+            <a:endParaRPr lang="en-US" sz="4400" dirty="0">
+              <a:solidFill>
+                <a:srgbClr val="211E3A"/>
+              </a:solidFill>
+              <a:latin typeface="Arial"/>
+              <a:cs typeface="Arial"/>
+            </a:endParaRPr>
           </a:p>
         </p:txBody>
       </p:sp>
+      <p:pic>
+        <p:nvPicPr>
+          <p:cNvPr id="10" name="Picture 9">
+            <a:extLst>
+              <a:ext uri="{FF2B5EF4-FFF2-40B4-BE49-F238E27FC236}">
+                <a16:creationId xmlns:a16="http://schemas.microsoft.com/office/drawing/2014/main" id="{9C478272-1321-417D-B68A-C150A95EF1AA}"/>
+              </a:ext>
+            </a:extLst>
+          </p:cNvPr>
+          <p:cNvPicPr>
+            <a:picLocks noChangeAspect="1"/>
+          </p:cNvPicPr>
+          <p:nvPr/>
+        </p:nvPicPr>
+        <p:blipFill>
+          <a:blip r:embed="rId2"/>
+          <a:stretch>
+            <a:fillRect/>
+          </a:stretch>
+        </p:blipFill>
+        <p:spPr>
+          <a:xfrm>
+            <a:off x="15605323" y="9041236"/>
+            <a:ext cx="6954314" cy="2139789"/>
+          </a:xfrm>
+          <a:prstGeom prst="rect">
+            <a:avLst/>
+          </a:prstGeom>
+        </p:spPr>
+      </p:pic>
+      <p:pic>
+        <p:nvPicPr>
+          <p:cNvPr id="7" name="Picture 6" descr="A picture containing book, text, animal, frog&#10;&#10;Description generated with high confidence">
+            <a:extLst>
+              <a:ext uri="{FF2B5EF4-FFF2-40B4-BE49-F238E27FC236}">
+                <a16:creationId xmlns:a16="http://schemas.microsoft.com/office/drawing/2014/main" id="{A3BF286B-4AA7-44CD-B9B8-ECC1A348F8EC}"/>
+              </a:ext>
+            </a:extLst>
+          </p:cNvPr>
+          <p:cNvPicPr>
+            <a:picLocks noChangeAspect="1"/>
+          </p:cNvPicPr>
+          <p:nvPr/>
+        </p:nvPicPr>
+        <p:blipFill>
+          <a:blip r:embed="rId3">
+            <a:extLst>
+              <a:ext uri="{28A0092B-C50C-407E-A947-70E740481C1C}">
+                <a14:useLocalDpi xmlns:a14="http://schemas.microsoft.com/office/drawing/2010/main" val="0"/>
+              </a:ext>
+            </a:extLst>
+          </a:blip>
+          <a:stretch>
+            <a:fillRect/>
+          </a:stretch>
+        </p:blipFill>
+        <p:spPr>
+          <a:xfrm>
+            <a:off x="15605323" y="3598229"/>
+            <a:ext cx="3629025" cy="4752975"/>
+          </a:xfrm>
+          <a:prstGeom prst="rect">
+            <a:avLst/>
+          </a:prstGeom>
+        </p:spPr>
+      </p:pic>
+      <p:pic>
+        <p:nvPicPr>
+          <p:cNvPr id="9" name="Picture 8" descr="A close up of a sign&#10;&#10;Description generated with high confidence">
+            <a:extLst>
+              <a:ext uri="{FF2B5EF4-FFF2-40B4-BE49-F238E27FC236}">
+                <a16:creationId xmlns:a16="http://schemas.microsoft.com/office/drawing/2014/main" id="{79ADE127-D78B-45C4-BF5F-ECADB42D07B7}"/>
+              </a:ext>
+            </a:extLst>
+          </p:cNvPr>
+          <p:cNvPicPr>
+            <a:picLocks noChangeAspect="1"/>
+          </p:cNvPicPr>
+          <p:nvPr/>
+        </p:nvPicPr>
+        <p:blipFill>
+          <a:blip r:embed="rId4">
+            <a:extLst>
+              <a:ext uri="{28A0092B-C50C-407E-A947-70E740481C1C}">
+                <a14:useLocalDpi xmlns:a14="http://schemas.microsoft.com/office/drawing/2010/main" val="0"/>
+              </a:ext>
+            </a:extLst>
+          </a:blip>
+          <a:stretch>
+            <a:fillRect/>
+          </a:stretch>
+        </p:blipFill>
+        <p:spPr>
+          <a:xfrm>
+            <a:off x="19425985" y="3598229"/>
+            <a:ext cx="4304371" cy="4702098"/>
+          </a:xfrm>
+          <a:prstGeom prst="rect">
+            <a:avLst/>
+          </a:prstGeom>
+        </p:spPr>
+      </p:pic>
     </p:spTree>
     <p:extLst>
       <p:ext uri="{BB962C8B-B14F-4D97-AF65-F5344CB8AC3E}">
-        <p14:creationId xmlns:p14="http://schemas.microsoft.com/office/powerpoint/2010/main" val="3143134551"/>
+        <p14:creationId xmlns:p14="http://schemas.microsoft.com/office/powerpoint/2010/main" val="1113809518"/>
       </p:ext>
     </p:extLst>
   </p:cSld>
@@ -17035,7 +17035,7 @@
           </a:ln>
           <a:extLst>
             <a:ext uri="{C572A759-6A51-4108-AA02-DFA0A04FC94B}">
-              <ma14:wrappingTextBoxFlag xmlns:ma14="http://schemas.microsoft.com/office/mac/drawingml/2011/main" xmlns="" val="1"/>
+              <ma14:wrappingTextBoxFlag xmlns="" xmlns:ma14="http://schemas.microsoft.com/office/mac/drawingml/2011/main" val="1"/>
             </a:ext>
           </a:extLst>
         </p:spPr>
@@ -17095,7 +17095,7 @@
               </a:ln>
               <a:extLst>
                 <a:ext uri="{C572A759-6A51-4108-AA02-DFA0A04FC94B}">
-                  <ma14:wrappingTextBoxFlag xmlns="" xmlns:ma14="http://schemas.microsoft.com/office/mac/drawingml/2011/main" val="1"/>
+                  <ma14:wrappingTextBoxFlag xmlns:ma14="http://schemas.microsoft.com/office/mac/drawingml/2011/main" xmlns="" val="1"/>
                 </a:ext>
               </a:extLst>
             </p:spPr>
@@ -17698,8 +17698,8 @@
           </p:sp>
         </mc:Fallback>
       </mc:AlternateContent>
-      <mc:AlternateContent xmlns:mc="http://schemas.openxmlformats.org/markup-compatibility/2006">
-        <mc:Choice xmlns:a14="http://schemas.microsoft.com/office/drawing/2010/main" Requires="a14">
+      <mc:AlternateContent xmlns:mc="http://schemas.openxmlformats.org/markup-compatibility/2006" xmlns:a14="http://schemas.microsoft.com/office/drawing/2010/main">
+        <mc:Choice Requires="a14">
           <p:sp>
             <p:nvSpPr>
               <p:cNvPr id="9" name="Shape 79">
@@ -17725,7 +17725,7 @@
               </a:ln>
               <a:extLst>
                 <a:ext uri="{C572A759-6A51-4108-AA02-DFA0A04FC94B}">
-                  <ma14:wrappingTextBoxFlag xmlns="" xmlns:ma14="http://schemas.microsoft.com/office/mac/drawingml/2011/main" val="1"/>
+                  <ma14:wrappingTextBoxFlag xmlns:ma14="http://schemas.microsoft.com/office/mac/drawingml/2011/main" xmlns="" val="1"/>
                 </a:ext>
               </a:extLst>
             </p:spPr>
@@ -18183,7 +18183,7 @@
             </p:txBody>
           </p:sp>
         </mc:Choice>
-        <mc:Fallback>
+        <mc:Fallback xmlns="">
           <p:sp>
             <p:nvSpPr>
               <p:cNvPr id="9" name="Shape 79">
@@ -18325,7 +18325,7 @@
           </a:ln>
           <a:extLst>
             <a:ext uri="{C572A759-6A51-4108-AA02-DFA0A04FC94B}">
-              <ma14:wrappingTextBoxFlag xmlns:ma14="http://schemas.microsoft.com/office/mac/drawingml/2011/main" xmlns="" val="1"/>
+              <ma14:wrappingTextBoxFlag xmlns="" xmlns:ma14="http://schemas.microsoft.com/office/mac/drawingml/2011/main" val="1"/>
             </a:ext>
           </a:extLst>
         </p:spPr>
@@ -18383,7 +18383,7 @@
           </a:ln>
           <a:extLst>
             <a:ext uri="{C572A759-6A51-4108-AA02-DFA0A04FC94B}">
-              <ma14:wrappingTextBoxFlag xmlns="" xmlns:ma14="http://schemas.microsoft.com/office/mac/drawingml/2011/main" val="1"/>
+              <ma14:wrappingTextBoxFlag xmlns:ma14="http://schemas.microsoft.com/office/mac/drawingml/2011/main" xmlns="" val="1"/>
             </a:ext>
           </a:extLst>
         </p:spPr>
@@ -18436,7 +18436,7 @@
           </a:ln>
           <a:extLst>
             <a:ext uri="{C572A759-6A51-4108-AA02-DFA0A04FC94B}">
-              <ma14:wrappingTextBoxFlag xmlns="" xmlns:ma14="http://schemas.microsoft.com/office/mac/drawingml/2011/main" val="1"/>
+              <ma14:wrappingTextBoxFlag xmlns:ma14="http://schemas.microsoft.com/office/mac/drawingml/2011/main" xmlns="" val="1"/>
             </a:ext>
           </a:extLst>
         </p:spPr>
@@ -18602,7 +18602,7 @@
             </a:pPr>
             <a:r>
               <a:rPr lang="en-US" sz="4400" b="1" dirty="0"/>
-              <a:t>Kotlin is capable of solving a wide breadth of problems for many data science topics.</a:t>
+              <a:t>Kotlin is capable of solving a wide array of problems for many data science topics.</a:t>
             </a:r>
           </a:p>
         </p:txBody>
@@ -19056,7 +19056,7 @@
           </a:ln>
           <a:extLst>
             <a:ext uri="{C572A759-6A51-4108-AA02-DFA0A04FC94B}">
-              <ma14:wrappingTextBoxFlag xmlns:ma14="http://schemas.microsoft.com/office/mac/drawingml/2011/main" xmlns="" val="1"/>
+              <ma14:wrappingTextBoxFlag xmlns="" xmlns:ma14="http://schemas.microsoft.com/office/mac/drawingml/2011/main" val="1"/>
             </a:ext>
           </a:extLst>
         </p:spPr>
@@ -19114,7 +19114,7 @@
           </a:ln>
           <a:extLst>
             <a:ext uri="{C572A759-6A51-4108-AA02-DFA0A04FC94B}">
-              <ma14:wrappingTextBoxFlag xmlns="" xmlns:ma14="http://schemas.microsoft.com/office/mac/drawingml/2011/main" val="1"/>
+              <ma14:wrappingTextBoxFlag xmlns:ma14="http://schemas.microsoft.com/office/mac/drawingml/2011/main" xmlns="" val="1"/>
             </a:ext>
           </a:extLst>
         </p:spPr>
@@ -19616,7 +19616,7 @@
           </a:ln>
           <a:extLst>
             <a:ext uri="{C572A759-6A51-4108-AA02-DFA0A04FC94B}">
-              <ma14:wrappingTextBoxFlag xmlns:ma14="http://schemas.microsoft.com/office/mac/drawingml/2011/main" xmlns="" val="1"/>
+              <ma14:wrappingTextBoxFlag xmlns="" xmlns:ma14="http://schemas.microsoft.com/office/mac/drawingml/2011/main" val="1"/>
             </a:ext>
           </a:extLst>
         </p:spPr>
@@ -19674,7 +19674,7 @@
           </a:ln>
           <a:extLst>
             <a:ext uri="{C572A759-6A51-4108-AA02-DFA0A04FC94B}">
-              <ma14:wrappingTextBoxFlag xmlns="" xmlns:ma14="http://schemas.microsoft.com/office/mac/drawingml/2011/main" val="1"/>
+              <ma14:wrappingTextBoxFlag xmlns:ma14="http://schemas.microsoft.com/office/mac/drawingml/2011/main" xmlns="" val="1"/>
             </a:ext>
           </a:extLst>
         </p:spPr>
@@ -20172,7 +20172,7 @@
           </a:ln>
           <a:extLst>
             <a:ext uri="{C572A759-6A51-4108-AA02-DFA0A04FC94B}">
-              <ma14:wrappingTextBoxFlag xmlns="" xmlns:ma14="http://schemas.microsoft.com/office/mac/drawingml/2011/main" val="1"/>
+              <ma14:wrappingTextBoxFlag xmlns:ma14="http://schemas.microsoft.com/office/mac/drawingml/2011/main" xmlns="" val="1"/>
             </a:ext>
           </a:extLst>
         </p:spPr>
@@ -20509,7 +20509,7 @@
           </a:ln>
           <a:extLst>
             <a:ext uri="{C572A759-6A51-4108-AA02-DFA0A04FC94B}">
-              <ma14:wrappingTextBoxFlag xmlns:ma14="http://schemas.microsoft.com/office/mac/drawingml/2011/main" xmlns="" val="1"/>
+              <ma14:wrappingTextBoxFlag xmlns="" xmlns:ma14="http://schemas.microsoft.com/office/mac/drawingml/2011/main" val="1"/>
             </a:ext>
           </a:extLst>
         </p:spPr>
@@ -20567,7 +20567,7 @@
           </a:ln>
           <a:extLst>
             <a:ext uri="{C572A759-6A51-4108-AA02-DFA0A04FC94B}">
-              <ma14:wrappingTextBoxFlag xmlns="" xmlns:ma14="http://schemas.microsoft.com/office/mac/drawingml/2011/main" val="1"/>
+              <ma14:wrappingTextBoxFlag xmlns:ma14="http://schemas.microsoft.com/office/mac/drawingml/2011/main" xmlns="" val="1"/>
             </a:ext>
           </a:extLst>
         </p:spPr>
@@ -20893,7 +20893,7 @@
           </a:ln>
           <a:extLst>
             <a:ext uri="{C572A759-6A51-4108-AA02-DFA0A04FC94B}">
-              <ma14:wrappingTextBoxFlag xmlns="" xmlns:ma14="http://schemas.microsoft.com/office/mac/drawingml/2011/main" val="1"/>
+              <ma14:wrappingTextBoxFlag xmlns:ma14="http://schemas.microsoft.com/office/mac/drawingml/2011/main" xmlns="" val="1"/>
             </a:ext>
           </a:extLst>
         </p:spPr>
@@ -21093,7 +21093,7 @@
           </a:ln>
           <a:extLst>
             <a:ext uri="{C572A759-6A51-4108-AA02-DFA0A04FC94B}">
-              <ma14:wrappingTextBoxFlag xmlns:ma14="http://schemas.microsoft.com/office/mac/drawingml/2011/main" xmlns="" val="1"/>
+              <ma14:wrappingTextBoxFlag xmlns="" xmlns:ma14="http://schemas.microsoft.com/office/mac/drawingml/2011/main" val="1"/>
             </a:ext>
           </a:extLst>
         </p:spPr>
@@ -21799,7 +21799,7 @@
           </a:ln>
           <a:extLst>
             <a:ext uri="{C572A759-6A51-4108-AA02-DFA0A04FC94B}">
-              <ma14:wrappingTextBoxFlag xmlns="" xmlns:ma14="http://schemas.microsoft.com/office/mac/drawingml/2011/main" val="1"/>
+              <ma14:wrappingTextBoxFlag xmlns:ma14="http://schemas.microsoft.com/office/mac/drawingml/2011/main" xmlns="" val="1"/>
             </a:ext>
           </a:extLst>
         </p:spPr>
@@ -23134,7 +23134,7 @@
           </a:ln>
           <a:extLst>
             <a:ext uri="{C572A759-6A51-4108-AA02-DFA0A04FC94B}">
-              <ma14:wrappingTextBoxFlag xmlns="" xmlns:ma14="http://schemas.microsoft.com/office/mac/drawingml/2011/main" val="1"/>
+              <ma14:wrappingTextBoxFlag xmlns:ma14="http://schemas.microsoft.com/office/mac/drawingml/2011/main" xmlns="" val="1"/>
             </a:ext>
           </a:extLst>
         </p:spPr>
@@ -26466,7 +26466,7 @@
           </a:ln>
           <a:extLst>
             <a:ext uri="{C572A759-6A51-4108-AA02-DFA0A04FC94B}">
-              <ma14:wrappingTextBoxFlag xmlns:ma14="http://schemas.microsoft.com/office/mac/drawingml/2011/main" xmlns="" val="1"/>
+              <ma14:wrappingTextBoxFlag xmlns="" xmlns:ma14="http://schemas.microsoft.com/office/mac/drawingml/2011/main" val="1"/>
             </a:ext>
           </a:extLst>
         </p:spPr>
@@ -26690,7 +26690,7 @@
           </a:ln>
           <a:extLst>
             <a:ext uri="{C572A759-6A51-4108-AA02-DFA0A04FC94B}">
-              <ma14:wrappingTextBoxFlag xmlns:ma14="http://schemas.microsoft.com/office/mac/drawingml/2011/main" xmlns="" val="1"/>
+              <ma14:wrappingTextBoxFlag xmlns="" xmlns:ma14="http://schemas.microsoft.com/office/mac/drawingml/2011/main" val="1"/>
             </a:ext>
           </a:extLst>
         </p:spPr>
@@ -26779,7 +26779,7 @@
           </a:ln>
           <a:extLst>
             <a:ext uri="{C572A759-6A51-4108-AA02-DFA0A04FC94B}">
-              <ma14:wrappingTextBoxFlag xmlns:ma14="http://schemas.microsoft.com/office/mac/drawingml/2011/main" xmlns="" val="1"/>
+              <ma14:wrappingTextBoxFlag xmlns="" xmlns:ma14="http://schemas.microsoft.com/office/mac/drawingml/2011/main" val="1"/>
             </a:ext>
           </a:extLst>
         </p:spPr>
@@ -26985,7 +26985,7 @@
           </a:ln>
           <a:extLst>
             <a:ext uri="{C572A759-6A51-4108-AA02-DFA0A04FC94B}">
-              <ma14:wrappingTextBoxFlag xmlns:ma14="http://schemas.microsoft.com/office/mac/drawingml/2011/main" xmlns="" val="1"/>
+              <ma14:wrappingTextBoxFlag xmlns="" xmlns:ma14="http://schemas.microsoft.com/office/mac/drawingml/2011/main" val="1"/>
             </a:ext>
           </a:extLst>
         </p:spPr>
